--- a/resume/doc/resume.pptx
+++ b/resume/doc/resume.pptx
@@ -126,6 +126,10 @@
 </p:presentation>
 </file>
 
+<file path=ppt/revisionInfo.xml><?xml version="1.0" encoding="utf-8"?>
+<p1510:revInfo xmlns:a="http://schemas.openxmlformats.org/drawingml/2006/main" xmlns:r="http://schemas.openxmlformats.org/officeDocument/2006/relationships" xmlns:p1510="http://schemas.microsoft.com/office/powerpoint/2015/10/main"/>
+</file>
+
 <file path=ppt/notesMasters/notesMaster1.xml><?xml version="1.0" encoding="utf-8"?>
 <p:notesMaster xmlns:a="http://schemas.openxmlformats.org/drawingml/2006/main" xmlns:r="http://schemas.openxmlformats.org/officeDocument/2006/relationships" xmlns:p="http://schemas.openxmlformats.org/presentationml/2006/main">
   <p:cSld>
@@ -208,7 +212,7 @@
           <a:p>
             <a:fld id="{AEA2C9DF-D23B-4857-8F83-A94459C69053}" type="datetimeFigureOut">
               <a:rPr lang="zh-CN" altLang="en-US" smtClean="0"/>
-              <a:t>2017/4/4</a:t>
+              <a:t>2017/8/21 Monday</a:t>
             </a:fld>
             <a:endParaRPr lang="zh-CN" altLang="en-US"/>
           </a:p>
@@ -272,38 +276,37 @@
           <a:p>
             <a:pPr lvl="0"/>
             <a:r>
-              <a:rPr lang="zh-CN" altLang="en-US" smtClean="0"/>
+              <a:rPr lang="zh-CN" altLang="en-US"/>
               <a:t>单击此处编辑母版文本样式</a:t>
             </a:r>
           </a:p>
           <a:p>
             <a:pPr lvl="1"/>
             <a:r>
-              <a:rPr lang="zh-CN" altLang="en-US" smtClean="0"/>
+              <a:rPr lang="zh-CN" altLang="en-US"/>
               <a:t>第二级</a:t>
             </a:r>
           </a:p>
           <a:p>
             <a:pPr lvl="2"/>
             <a:r>
-              <a:rPr lang="zh-CN" altLang="en-US" smtClean="0"/>
+              <a:rPr lang="zh-CN" altLang="en-US"/>
               <a:t>第三级</a:t>
             </a:r>
           </a:p>
           <a:p>
             <a:pPr lvl="3"/>
             <a:r>
-              <a:rPr lang="zh-CN" altLang="en-US" smtClean="0"/>
+              <a:rPr lang="zh-CN" altLang="en-US"/>
               <a:t>第四级</a:t>
             </a:r>
           </a:p>
           <a:p>
             <a:pPr lvl="4"/>
             <a:r>
-              <a:rPr lang="zh-CN" altLang="en-US" smtClean="0"/>
+              <a:rPr lang="zh-CN" altLang="en-US"/>
               <a:t>第五级</a:t>
             </a:r>
-            <a:endParaRPr lang="zh-CN" altLang="en-US"/>
           </a:p>
         </p:txBody>
       </p:sp>
@@ -602,7 +605,7 @@
           </a:lstStyle>
           <a:p>
             <a:r>
-              <a:rPr lang="zh-CN" altLang="en-US" smtClean="0"/>
+              <a:rPr lang="zh-CN" altLang="en-US"/>
               <a:t>单击此处编辑母版标题样式</a:t>
             </a:r>
             <a:endParaRPr lang="en-US" dirty="0"/>
@@ -667,7 +670,7 @@
           </a:lstStyle>
           <a:p>
             <a:r>
-              <a:rPr lang="zh-CN" altLang="en-US" smtClean="0"/>
+              <a:rPr lang="zh-CN" altLang="en-US"/>
               <a:t>单击此处编辑母版副标题样式</a:t>
             </a:r>
             <a:endParaRPr lang="en-US" dirty="0"/>
@@ -691,7 +694,7 @@
           <a:p>
             <a:fld id="{6A4926B6-441D-4BA1-AD68-6F10F35F7AC9}" type="datetimeFigureOut">
               <a:rPr lang="zh-CN" altLang="en-US" smtClean="0"/>
-              <a:t>2017/4/4</a:t>
+              <a:t>2017/8/21 Monday</a:t>
             </a:fld>
             <a:endParaRPr lang="zh-CN" altLang="en-US"/>
           </a:p>
@@ -785,7 +788,7 @@
           <a:lstStyle/>
           <a:p>
             <a:r>
-              <a:rPr lang="zh-CN" altLang="en-US" smtClean="0"/>
+              <a:rPr lang="zh-CN" altLang="en-US"/>
               <a:t>单击此处编辑母版标题样式</a:t>
             </a:r>
             <a:endParaRPr lang="en-US" dirty="0"/>
@@ -809,35 +812,35 @@
           <a:p>
             <a:pPr lvl="0"/>
             <a:r>
-              <a:rPr lang="zh-CN" altLang="en-US" smtClean="0"/>
+              <a:rPr lang="zh-CN" altLang="en-US"/>
               <a:t>单击此处编辑母版文本样式</a:t>
             </a:r>
           </a:p>
           <a:p>
             <a:pPr lvl="1"/>
             <a:r>
-              <a:rPr lang="zh-CN" altLang="en-US" smtClean="0"/>
+              <a:rPr lang="zh-CN" altLang="en-US"/>
               <a:t>第二级</a:t>
             </a:r>
           </a:p>
           <a:p>
             <a:pPr lvl="2"/>
             <a:r>
-              <a:rPr lang="zh-CN" altLang="en-US" smtClean="0"/>
+              <a:rPr lang="zh-CN" altLang="en-US"/>
               <a:t>第三级</a:t>
             </a:r>
           </a:p>
           <a:p>
             <a:pPr lvl="3"/>
             <a:r>
-              <a:rPr lang="zh-CN" altLang="en-US" smtClean="0"/>
+              <a:rPr lang="zh-CN" altLang="en-US"/>
               <a:t>第四级</a:t>
             </a:r>
           </a:p>
           <a:p>
             <a:pPr lvl="4"/>
             <a:r>
-              <a:rPr lang="zh-CN" altLang="en-US" smtClean="0"/>
+              <a:rPr lang="zh-CN" altLang="en-US"/>
               <a:t>第五级</a:t>
             </a:r>
             <a:endParaRPr lang="en-US" dirty="0"/>
@@ -861,7 +864,7 @@
           <a:p>
             <a:fld id="{6A4926B6-441D-4BA1-AD68-6F10F35F7AC9}" type="datetimeFigureOut">
               <a:rPr lang="zh-CN" altLang="en-US" smtClean="0"/>
-              <a:t>2017/4/4</a:t>
+              <a:t>2017/8/21 Monday</a:t>
             </a:fld>
             <a:endParaRPr lang="zh-CN" altLang="en-US"/>
           </a:p>
@@ -960,7 +963,7 @@
           <a:lstStyle/>
           <a:p>
             <a:r>
-              <a:rPr lang="zh-CN" altLang="en-US" smtClean="0"/>
+              <a:rPr lang="zh-CN" altLang="en-US"/>
               <a:t>单击此处编辑母版标题样式</a:t>
             </a:r>
             <a:endParaRPr lang="en-US" dirty="0"/>
@@ -989,35 +992,35 @@
           <a:p>
             <a:pPr lvl="0"/>
             <a:r>
-              <a:rPr lang="zh-CN" altLang="en-US" smtClean="0"/>
+              <a:rPr lang="zh-CN" altLang="en-US"/>
               <a:t>单击此处编辑母版文本样式</a:t>
             </a:r>
           </a:p>
           <a:p>
             <a:pPr lvl="1"/>
             <a:r>
-              <a:rPr lang="zh-CN" altLang="en-US" smtClean="0"/>
+              <a:rPr lang="zh-CN" altLang="en-US"/>
               <a:t>第二级</a:t>
             </a:r>
           </a:p>
           <a:p>
             <a:pPr lvl="2"/>
             <a:r>
-              <a:rPr lang="zh-CN" altLang="en-US" smtClean="0"/>
+              <a:rPr lang="zh-CN" altLang="en-US"/>
               <a:t>第三级</a:t>
             </a:r>
           </a:p>
           <a:p>
             <a:pPr lvl="3"/>
             <a:r>
-              <a:rPr lang="zh-CN" altLang="en-US" smtClean="0"/>
+              <a:rPr lang="zh-CN" altLang="en-US"/>
               <a:t>第四级</a:t>
             </a:r>
           </a:p>
           <a:p>
             <a:pPr lvl="4"/>
             <a:r>
-              <a:rPr lang="zh-CN" altLang="en-US" smtClean="0"/>
+              <a:rPr lang="zh-CN" altLang="en-US"/>
               <a:t>第五级</a:t>
             </a:r>
             <a:endParaRPr lang="en-US" dirty="0"/>
@@ -1041,7 +1044,7 @@
           <a:p>
             <a:fld id="{6A4926B6-441D-4BA1-AD68-6F10F35F7AC9}" type="datetimeFigureOut">
               <a:rPr lang="zh-CN" altLang="en-US" smtClean="0"/>
-              <a:t>2017/4/4</a:t>
+              <a:t>2017/8/21 Monday</a:t>
             </a:fld>
             <a:endParaRPr lang="zh-CN" altLang="en-US"/>
           </a:p>
@@ -1135,7 +1138,7 @@
           <a:lstStyle/>
           <a:p>
             <a:r>
-              <a:rPr lang="zh-CN" altLang="en-US" smtClean="0"/>
+              <a:rPr lang="zh-CN" altLang="en-US"/>
               <a:t>单击此处编辑母版标题样式</a:t>
             </a:r>
             <a:endParaRPr lang="en-US" dirty="0"/>
@@ -1159,35 +1162,35 @@
           <a:p>
             <a:pPr lvl="0"/>
             <a:r>
-              <a:rPr lang="zh-CN" altLang="en-US" smtClean="0"/>
+              <a:rPr lang="zh-CN" altLang="en-US"/>
               <a:t>单击此处编辑母版文本样式</a:t>
             </a:r>
           </a:p>
           <a:p>
             <a:pPr lvl="1"/>
             <a:r>
-              <a:rPr lang="zh-CN" altLang="en-US" smtClean="0"/>
+              <a:rPr lang="zh-CN" altLang="en-US"/>
               <a:t>第二级</a:t>
             </a:r>
           </a:p>
           <a:p>
             <a:pPr lvl="2"/>
             <a:r>
-              <a:rPr lang="zh-CN" altLang="en-US" smtClean="0"/>
+              <a:rPr lang="zh-CN" altLang="en-US"/>
               <a:t>第三级</a:t>
             </a:r>
           </a:p>
           <a:p>
             <a:pPr lvl="3"/>
             <a:r>
-              <a:rPr lang="zh-CN" altLang="en-US" smtClean="0"/>
+              <a:rPr lang="zh-CN" altLang="en-US"/>
               <a:t>第四级</a:t>
             </a:r>
           </a:p>
           <a:p>
             <a:pPr lvl="4"/>
             <a:r>
-              <a:rPr lang="zh-CN" altLang="en-US" smtClean="0"/>
+              <a:rPr lang="zh-CN" altLang="en-US"/>
               <a:t>第五级</a:t>
             </a:r>
             <a:endParaRPr lang="en-US" dirty="0"/>
@@ -1211,7 +1214,7 @@
           <a:p>
             <a:fld id="{6A4926B6-441D-4BA1-AD68-6F10F35F7AC9}" type="datetimeFigureOut">
               <a:rPr lang="zh-CN" altLang="en-US" smtClean="0"/>
-              <a:t>2017/4/4</a:t>
+              <a:t>2017/8/21 Monday</a:t>
             </a:fld>
             <a:endParaRPr lang="zh-CN" altLang="en-US"/>
           </a:p>
@@ -1314,7 +1317,7 @@
           </a:lstStyle>
           <a:p>
             <a:r>
-              <a:rPr lang="zh-CN" altLang="en-US" smtClean="0"/>
+              <a:rPr lang="zh-CN" altLang="en-US"/>
               <a:t>单击此处编辑母版标题样式</a:t>
             </a:r>
             <a:endParaRPr lang="en-US" dirty="0"/>
@@ -1432,7 +1435,7 @@
           <a:p>
             <a:pPr lvl="0"/>
             <a:r>
-              <a:rPr lang="zh-CN" altLang="en-US" smtClean="0"/>
+              <a:rPr lang="zh-CN" altLang="en-US"/>
               <a:t>单击此处编辑母版文本样式</a:t>
             </a:r>
           </a:p>
@@ -1455,7 +1458,7 @@
           <a:p>
             <a:fld id="{6A4926B6-441D-4BA1-AD68-6F10F35F7AC9}" type="datetimeFigureOut">
               <a:rPr lang="zh-CN" altLang="en-US" smtClean="0"/>
-              <a:t>2017/4/4</a:t>
+              <a:t>2017/8/21 Monday</a:t>
             </a:fld>
             <a:endParaRPr lang="zh-CN" altLang="en-US"/>
           </a:p>
@@ -1549,7 +1552,7 @@
           <a:lstStyle/>
           <a:p>
             <a:r>
-              <a:rPr lang="zh-CN" altLang="en-US" smtClean="0"/>
+              <a:rPr lang="zh-CN" altLang="en-US"/>
               <a:t>单击此处编辑母版标题样式</a:t>
             </a:r>
             <a:endParaRPr lang="en-US" dirty="0"/>
@@ -1578,35 +1581,35 @@
           <a:p>
             <a:pPr lvl="0"/>
             <a:r>
-              <a:rPr lang="zh-CN" altLang="en-US" smtClean="0"/>
+              <a:rPr lang="zh-CN" altLang="en-US"/>
               <a:t>单击此处编辑母版文本样式</a:t>
             </a:r>
           </a:p>
           <a:p>
             <a:pPr lvl="1"/>
             <a:r>
-              <a:rPr lang="zh-CN" altLang="en-US" smtClean="0"/>
+              <a:rPr lang="zh-CN" altLang="en-US"/>
               <a:t>第二级</a:t>
             </a:r>
           </a:p>
           <a:p>
             <a:pPr lvl="2"/>
             <a:r>
-              <a:rPr lang="zh-CN" altLang="en-US" smtClean="0"/>
+              <a:rPr lang="zh-CN" altLang="en-US"/>
               <a:t>第三级</a:t>
             </a:r>
           </a:p>
           <a:p>
             <a:pPr lvl="3"/>
             <a:r>
-              <a:rPr lang="zh-CN" altLang="en-US" smtClean="0"/>
+              <a:rPr lang="zh-CN" altLang="en-US"/>
               <a:t>第四级</a:t>
             </a:r>
           </a:p>
           <a:p>
             <a:pPr lvl="4"/>
             <a:r>
-              <a:rPr lang="zh-CN" altLang="en-US" smtClean="0"/>
+              <a:rPr lang="zh-CN" altLang="en-US"/>
               <a:t>第五级</a:t>
             </a:r>
             <a:endParaRPr lang="en-US" dirty="0"/>
@@ -1635,35 +1638,35 @@
           <a:p>
             <a:pPr lvl="0"/>
             <a:r>
-              <a:rPr lang="zh-CN" altLang="en-US" smtClean="0"/>
+              <a:rPr lang="zh-CN" altLang="en-US"/>
               <a:t>单击此处编辑母版文本样式</a:t>
             </a:r>
           </a:p>
           <a:p>
             <a:pPr lvl="1"/>
             <a:r>
-              <a:rPr lang="zh-CN" altLang="en-US" smtClean="0"/>
+              <a:rPr lang="zh-CN" altLang="en-US"/>
               <a:t>第二级</a:t>
             </a:r>
           </a:p>
           <a:p>
             <a:pPr lvl="2"/>
             <a:r>
-              <a:rPr lang="zh-CN" altLang="en-US" smtClean="0"/>
+              <a:rPr lang="zh-CN" altLang="en-US"/>
               <a:t>第三级</a:t>
             </a:r>
           </a:p>
           <a:p>
             <a:pPr lvl="3"/>
             <a:r>
-              <a:rPr lang="zh-CN" altLang="en-US" smtClean="0"/>
+              <a:rPr lang="zh-CN" altLang="en-US"/>
               <a:t>第四级</a:t>
             </a:r>
           </a:p>
           <a:p>
             <a:pPr lvl="4"/>
             <a:r>
-              <a:rPr lang="zh-CN" altLang="en-US" smtClean="0"/>
+              <a:rPr lang="zh-CN" altLang="en-US"/>
               <a:t>第五级</a:t>
             </a:r>
             <a:endParaRPr lang="en-US" dirty="0"/>
@@ -1687,7 +1690,7 @@
           <a:p>
             <a:fld id="{6A4926B6-441D-4BA1-AD68-6F10F35F7AC9}" type="datetimeFigureOut">
               <a:rPr lang="zh-CN" altLang="en-US" smtClean="0"/>
-              <a:t>2017/4/4</a:t>
+              <a:t>2017/8/21 Monday</a:t>
             </a:fld>
             <a:endParaRPr lang="zh-CN" altLang="en-US"/>
           </a:p>
@@ -1786,7 +1789,7 @@
           <a:lstStyle/>
           <a:p>
             <a:r>
-              <a:rPr lang="zh-CN" altLang="en-US" smtClean="0"/>
+              <a:rPr lang="zh-CN" altLang="en-US"/>
               <a:t>单击此处编辑母版标题样式</a:t>
             </a:r>
             <a:endParaRPr lang="en-US" dirty="0"/>
@@ -1852,7 +1855,7 @@
           <a:p>
             <a:pPr lvl="0"/>
             <a:r>
-              <a:rPr lang="zh-CN" altLang="en-US" smtClean="0"/>
+              <a:rPr lang="zh-CN" altLang="en-US"/>
               <a:t>单击此处编辑母版文本样式</a:t>
             </a:r>
           </a:p>
@@ -1880,35 +1883,35 @@
           <a:p>
             <a:pPr lvl="0"/>
             <a:r>
-              <a:rPr lang="zh-CN" altLang="en-US" smtClean="0"/>
+              <a:rPr lang="zh-CN" altLang="en-US"/>
               <a:t>单击此处编辑母版文本样式</a:t>
             </a:r>
           </a:p>
           <a:p>
             <a:pPr lvl="1"/>
             <a:r>
-              <a:rPr lang="zh-CN" altLang="en-US" smtClean="0"/>
+              <a:rPr lang="zh-CN" altLang="en-US"/>
               <a:t>第二级</a:t>
             </a:r>
           </a:p>
           <a:p>
             <a:pPr lvl="2"/>
             <a:r>
-              <a:rPr lang="zh-CN" altLang="en-US" smtClean="0"/>
+              <a:rPr lang="zh-CN" altLang="en-US"/>
               <a:t>第三级</a:t>
             </a:r>
           </a:p>
           <a:p>
             <a:pPr lvl="3"/>
             <a:r>
-              <a:rPr lang="zh-CN" altLang="en-US" smtClean="0"/>
+              <a:rPr lang="zh-CN" altLang="en-US"/>
               <a:t>第四级</a:t>
             </a:r>
           </a:p>
           <a:p>
             <a:pPr lvl="4"/>
             <a:r>
-              <a:rPr lang="zh-CN" altLang="en-US" smtClean="0"/>
+              <a:rPr lang="zh-CN" altLang="en-US"/>
               <a:t>第五级</a:t>
             </a:r>
             <a:endParaRPr lang="en-US" dirty="0"/>
@@ -1974,7 +1977,7 @@
           <a:p>
             <a:pPr lvl="0"/>
             <a:r>
-              <a:rPr lang="zh-CN" altLang="en-US" smtClean="0"/>
+              <a:rPr lang="zh-CN" altLang="en-US"/>
               <a:t>单击此处编辑母版文本样式</a:t>
             </a:r>
           </a:p>
@@ -2002,35 +2005,35 @@
           <a:p>
             <a:pPr lvl="0"/>
             <a:r>
-              <a:rPr lang="zh-CN" altLang="en-US" smtClean="0"/>
+              <a:rPr lang="zh-CN" altLang="en-US"/>
               <a:t>单击此处编辑母版文本样式</a:t>
             </a:r>
           </a:p>
           <a:p>
             <a:pPr lvl="1"/>
             <a:r>
-              <a:rPr lang="zh-CN" altLang="en-US" smtClean="0"/>
+              <a:rPr lang="zh-CN" altLang="en-US"/>
               <a:t>第二级</a:t>
             </a:r>
           </a:p>
           <a:p>
             <a:pPr lvl="2"/>
             <a:r>
-              <a:rPr lang="zh-CN" altLang="en-US" smtClean="0"/>
+              <a:rPr lang="zh-CN" altLang="en-US"/>
               <a:t>第三级</a:t>
             </a:r>
           </a:p>
           <a:p>
             <a:pPr lvl="3"/>
             <a:r>
-              <a:rPr lang="zh-CN" altLang="en-US" smtClean="0"/>
+              <a:rPr lang="zh-CN" altLang="en-US"/>
               <a:t>第四级</a:t>
             </a:r>
           </a:p>
           <a:p>
             <a:pPr lvl="4"/>
             <a:r>
-              <a:rPr lang="zh-CN" altLang="en-US" smtClean="0"/>
+              <a:rPr lang="zh-CN" altLang="en-US"/>
               <a:t>第五级</a:t>
             </a:r>
             <a:endParaRPr lang="en-US" dirty="0"/>
@@ -2054,7 +2057,7 @@
           <a:p>
             <a:fld id="{6A4926B6-441D-4BA1-AD68-6F10F35F7AC9}" type="datetimeFigureOut">
               <a:rPr lang="zh-CN" altLang="en-US" smtClean="0"/>
-              <a:t>2017/4/4</a:t>
+              <a:t>2017/8/21 Monday</a:t>
             </a:fld>
             <a:endParaRPr lang="zh-CN" altLang="en-US"/>
           </a:p>
@@ -2148,7 +2151,7 @@
           <a:lstStyle/>
           <a:p>
             <a:r>
-              <a:rPr lang="zh-CN" altLang="en-US" smtClean="0"/>
+              <a:rPr lang="zh-CN" altLang="en-US"/>
               <a:t>单击此处编辑母版标题样式</a:t>
             </a:r>
             <a:endParaRPr lang="en-US" dirty="0"/>
@@ -2172,7 +2175,7 @@
           <a:p>
             <a:fld id="{6A4926B6-441D-4BA1-AD68-6F10F35F7AC9}" type="datetimeFigureOut">
               <a:rPr lang="zh-CN" altLang="en-US" smtClean="0"/>
-              <a:t>2017/4/4</a:t>
+              <a:t>2017/8/21 Monday</a:t>
             </a:fld>
             <a:endParaRPr lang="zh-CN" altLang="en-US"/>
           </a:p>
@@ -2267,7 +2270,7 @@
           <a:p>
             <a:fld id="{6A4926B6-441D-4BA1-AD68-6F10F35F7AC9}" type="datetimeFigureOut">
               <a:rPr lang="zh-CN" altLang="en-US" smtClean="0"/>
-              <a:t>2017/4/4</a:t>
+              <a:t>2017/8/21 Monday</a:t>
             </a:fld>
             <a:endParaRPr lang="zh-CN" altLang="en-US"/>
           </a:p>
@@ -2325,13 +2328,6 @@
   <p:clrMapOvr>
     <a:masterClrMapping/>
   </p:clrMapOvr>
-  <p:timing>
-    <p:tnLst>
-      <p:par>
-        <p:cTn id="1" dur="indefinite" restart="never" nodeType="tmRoot"/>
-      </p:par>
-    </p:tnLst>
-  </p:timing>
 </p:sldLayout>
 </file>
 
@@ -2377,7 +2373,7 @@
           </a:lstStyle>
           <a:p>
             <a:r>
-              <a:rPr lang="zh-CN" altLang="en-US" smtClean="0"/>
+              <a:rPr lang="zh-CN" altLang="en-US"/>
               <a:t>单击此处编辑母版标题样式</a:t>
             </a:r>
             <a:endParaRPr lang="en-US" dirty="0"/>
@@ -2434,35 +2430,35 @@
           <a:p>
             <a:pPr lvl="0"/>
             <a:r>
-              <a:rPr lang="zh-CN" altLang="en-US" smtClean="0"/>
+              <a:rPr lang="zh-CN" altLang="en-US"/>
               <a:t>单击此处编辑母版文本样式</a:t>
             </a:r>
           </a:p>
           <a:p>
             <a:pPr lvl="1"/>
             <a:r>
-              <a:rPr lang="zh-CN" altLang="en-US" smtClean="0"/>
+              <a:rPr lang="zh-CN" altLang="en-US"/>
               <a:t>第二级</a:t>
             </a:r>
           </a:p>
           <a:p>
             <a:pPr lvl="2"/>
             <a:r>
-              <a:rPr lang="zh-CN" altLang="en-US" smtClean="0"/>
+              <a:rPr lang="zh-CN" altLang="en-US"/>
               <a:t>第三级</a:t>
             </a:r>
           </a:p>
           <a:p>
             <a:pPr lvl="3"/>
             <a:r>
-              <a:rPr lang="zh-CN" altLang="en-US" smtClean="0"/>
+              <a:rPr lang="zh-CN" altLang="en-US"/>
               <a:t>第四级</a:t>
             </a:r>
           </a:p>
           <a:p>
             <a:pPr lvl="4"/>
             <a:r>
-              <a:rPr lang="zh-CN" altLang="en-US" smtClean="0"/>
+              <a:rPr lang="zh-CN" altLang="en-US"/>
               <a:t>第五级</a:t>
             </a:r>
             <a:endParaRPr lang="en-US" dirty="0"/>
@@ -2528,7 +2524,7 @@
           <a:p>
             <a:pPr lvl="0"/>
             <a:r>
-              <a:rPr lang="zh-CN" altLang="en-US" smtClean="0"/>
+              <a:rPr lang="zh-CN" altLang="en-US"/>
               <a:t>单击此处编辑母版文本样式</a:t>
             </a:r>
           </a:p>
@@ -2551,7 +2547,7 @@
           <a:p>
             <a:fld id="{6A4926B6-441D-4BA1-AD68-6F10F35F7AC9}" type="datetimeFigureOut">
               <a:rPr lang="zh-CN" altLang="en-US" smtClean="0"/>
-              <a:t>2017/4/4</a:t>
+              <a:t>2017/8/21 Monday</a:t>
             </a:fld>
             <a:endParaRPr lang="zh-CN" altLang="en-US"/>
           </a:p>
@@ -2654,7 +2650,7 @@
           </a:lstStyle>
           <a:p>
             <a:r>
-              <a:rPr lang="zh-CN" altLang="en-US" smtClean="0"/>
+              <a:rPr lang="zh-CN" altLang="en-US"/>
               <a:t>单击此处编辑母版标题样式</a:t>
             </a:r>
             <a:endParaRPr lang="en-US" dirty="0"/>
@@ -2719,7 +2715,7 @@
           </a:lstStyle>
           <a:p>
             <a:r>
-              <a:rPr lang="zh-CN" altLang="en-US" smtClean="0"/>
+              <a:rPr lang="zh-CN" altLang="en-US"/>
               <a:t>单击图标添加图片</a:t>
             </a:r>
             <a:endParaRPr lang="en-US" dirty="0"/>
@@ -2785,7 +2781,7 @@
           <a:p>
             <a:pPr lvl="0"/>
             <a:r>
-              <a:rPr lang="zh-CN" altLang="en-US" smtClean="0"/>
+              <a:rPr lang="zh-CN" altLang="en-US"/>
               <a:t>单击此处编辑母版文本样式</a:t>
             </a:r>
           </a:p>
@@ -2808,7 +2804,7 @@
           <a:p>
             <a:fld id="{6A4926B6-441D-4BA1-AD68-6F10F35F7AC9}" type="datetimeFigureOut">
               <a:rPr lang="zh-CN" altLang="en-US" smtClean="0"/>
-              <a:t>2017/4/4</a:t>
+              <a:t>2017/8/21 Monday</a:t>
             </a:fld>
             <a:endParaRPr lang="zh-CN" altLang="en-US"/>
           </a:p>
@@ -2917,7 +2913,7 @@
           <a:lstStyle/>
           <a:p>
             <a:r>
-              <a:rPr lang="zh-CN" altLang="en-US" smtClean="0"/>
+              <a:rPr lang="zh-CN" altLang="en-US"/>
               <a:t>单击此处编辑母版标题样式</a:t>
             </a:r>
             <a:endParaRPr lang="en-US" dirty="0"/>
@@ -2951,35 +2947,35 @@
           <a:p>
             <a:pPr lvl="0"/>
             <a:r>
-              <a:rPr lang="zh-CN" altLang="en-US" smtClean="0"/>
+              <a:rPr lang="zh-CN" altLang="en-US"/>
               <a:t>单击此处编辑母版文本样式</a:t>
             </a:r>
           </a:p>
           <a:p>
             <a:pPr lvl="1"/>
             <a:r>
-              <a:rPr lang="zh-CN" altLang="en-US" smtClean="0"/>
+              <a:rPr lang="zh-CN" altLang="en-US"/>
               <a:t>第二级</a:t>
             </a:r>
           </a:p>
           <a:p>
             <a:pPr lvl="2"/>
             <a:r>
-              <a:rPr lang="zh-CN" altLang="en-US" smtClean="0"/>
+              <a:rPr lang="zh-CN" altLang="en-US"/>
               <a:t>第三级</a:t>
             </a:r>
           </a:p>
           <a:p>
             <a:pPr lvl="3"/>
             <a:r>
-              <a:rPr lang="zh-CN" altLang="en-US" smtClean="0"/>
+              <a:rPr lang="zh-CN" altLang="en-US"/>
               <a:t>第四级</a:t>
             </a:r>
           </a:p>
           <a:p>
             <a:pPr lvl="4"/>
             <a:r>
-              <a:rPr lang="zh-CN" altLang="en-US" smtClean="0"/>
+              <a:rPr lang="zh-CN" altLang="en-US"/>
               <a:t>第五级</a:t>
             </a:r>
             <a:endParaRPr lang="en-US" dirty="0"/>
@@ -3021,7 +3017,7 @@
           <a:p>
             <a:fld id="{6A4926B6-441D-4BA1-AD68-6F10F35F7AC9}" type="datetimeFigureOut">
               <a:rPr lang="zh-CN" altLang="en-US" smtClean="0"/>
-              <a:t>2017/4/4</a:t>
+              <a:t>2017/8/21 Monday</a:t>
             </a:fld>
             <a:endParaRPr lang="zh-CN" altLang="en-US"/>
           </a:p>
@@ -3435,7 +3431,7 @@
         <p:spPr>
           <a:xfrm>
             <a:off x="1084931" y="1866115"/>
-            <a:ext cx="1625163" cy="1054135"/>
+            <a:ext cx="2123089" cy="477054"/>
           </a:xfrm>
           <a:prstGeom prst="rect">
             <a:avLst/>
@@ -3454,13 +3450,13 @@
               </a:lnSpc>
             </a:pPr>
             <a:r>
-              <a:rPr lang="zh-CN" altLang="en-US" sz="1050" b="1" dirty="0" smtClean="0">
-                <a:latin typeface="微软雅黑" panose="020B0503020204020204" pitchFamily="34" charset="-122"/>
-                <a:ea typeface="微软雅黑" panose="020B0503020204020204" pitchFamily="34" charset="-122"/>
-              </a:rPr>
-              <a:t>硕士</a:t>
-            </a:r>
-            <a:endParaRPr lang="en-US" altLang="zh-CN" sz="1050" b="1" dirty="0" smtClean="0">
+              <a:rPr lang="zh-CN" altLang="en-US" sz="1050" b="1" dirty="0">
+                <a:latin typeface="微软雅黑" panose="020B0503020204020204" pitchFamily="34" charset="-122"/>
+                <a:ea typeface="微软雅黑" panose="020B0503020204020204" pitchFamily="34" charset="-122"/>
+              </a:rPr>
+              <a:t>本科</a:t>
+            </a:r>
+            <a:endParaRPr lang="en-US" altLang="zh-CN" sz="1050" b="1" dirty="0">
               <a:latin typeface="微软雅黑" panose="020B0503020204020204" pitchFamily="34" charset="-122"/>
               <a:ea typeface="微软雅黑" panose="020B0503020204020204" pitchFamily="34" charset="-122"/>
             </a:endParaRPr>
@@ -3472,116 +3468,11 @@
               </a:lnSpc>
             </a:pPr>
             <a:r>
-              <a:rPr lang="zh-CN" altLang="en-US" sz="900" dirty="0" smtClean="0">
-                <a:latin typeface="微软雅黑" panose="020B0503020204020204" pitchFamily="34" charset="-122"/>
-                <a:ea typeface="微软雅黑" panose="020B0503020204020204" pitchFamily="34" charset="-122"/>
-              </a:rPr>
-              <a:t>大黑山松岚大学 </a:t>
-            </a:r>
-            <a:r>
-              <a:rPr lang="en-US" altLang="zh-CN" sz="900" dirty="0" smtClean="0">
-                <a:latin typeface="微软雅黑" panose="020B0503020204020204" pitchFamily="34" charset="-122"/>
-                <a:ea typeface="微软雅黑" panose="020B0503020204020204" pitchFamily="34" charset="-122"/>
-              </a:rPr>
-              <a:t> </a:t>
-            </a:r>
-            <a:r>
-              <a:rPr lang="zh-CN" altLang="en-US" sz="900" dirty="0" smtClean="0">
-                <a:latin typeface="微软雅黑" panose="020B0503020204020204" pitchFamily="34" charset="-122"/>
-                <a:ea typeface="微软雅黑" panose="020B0503020204020204" pitchFamily="34" charset="-122"/>
-              </a:rPr>
-              <a:t>软件工程  </a:t>
-            </a:r>
-            <a:endParaRPr lang="en-US" altLang="zh-CN" sz="900" dirty="0" smtClean="0">
-              <a:latin typeface="微软雅黑" panose="020B0503020204020204" pitchFamily="34" charset="-122"/>
-              <a:ea typeface="微软雅黑" panose="020B0503020204020204" pitchFamily="34" charset="-122"/>
-            </a:endParaRPr>
-          </a:p>
-          <a:p>
-            <a:pPr>
-              <a:lnSpc>
-                <a:spcPts val="1500"/>
-              </a:lnSpc>
-            </a:pPr>
-            <a:r>
-              <a:rPr lang="zh-CN" altLang="en-US" sz="900" dirty="0" smtClean="0">
-                <a:latin typeface="微软雅黑" panose="020B0503020204020204" pitchFamily="34" charset="-122"/>
-                <a:ea typeface="微软雅黑" panose="020B0503020204020204" pitchFamily="34" charset="-122"/>
-              </a:rPr>
-              <a:t>研究</a:t>
-            </a:r>
-            <a:r>
               <a:rPr lang="zh-CN" altLang="en-US" sz="900" dirty="0">
                 <a:latin typeface="微软雅黑" panose="020B0503020204020204" pitchFamily="34" charset="-122"/>
                 <a:ea typeface="微软雅黑" panose="020B0503020204020204" pitchFamily="34" charset="-122"/>
               </a:rPr>
-              <a:t>方向：</a:t>
-            </a:r>
-            <a:r>
-              <a:rPr lang="zh-CN" altLang="en-US" sz="900" b="1" dirty="0">
-                <a:solidFill>
-                  <a:srgbClr val="6679DF"/>
-                </a:solidFill>
-                <a:latin typeface="微软雅黑" panose="020B0503020204020204" pitchFamily="34" charset="-122"/>
-                <a:ea typeface="微软雅黑" panose="020B0503020204020204" pitchFamily="34" charset="-122"/>
-              </a:rPr>
-              <a:t>数据</a:t>
-            </a:r>
-            <a:r>
-              <a:rPr lang="zh-CN" altLang="en-US" sz="900" b="1" dirty="0" smtClean="0">
-                <a:solidFill>
-                  <a:srgbClr val="6679DF"/>
-                </a:solidFill>
-                <a:latin typeface="微软雅黑" panose="020B0503020204020204" pitchFamily="34" charset="-122"/>
-                <a:ea typeface="微软雅黑" panose="020B0503020204020204" pitchFamily="34" charset="-122"/>
-              </a:rPr>
-              <a:t>可视化</a:t>
-            </a:r>
-            <a:endParaRPr lang="en-US" altLang="zh-CN" sz="900" b="1" dirty="0" smtClean="0">
-              <a:solidFill>
-                <a:srgbClr val="6679DF"/>
-              </a:solidFill>
-              <a:latin typeface="微软雅黑" panose="020B0503020204020204" pitchFamily="34" charset="-122"/>
-              <a:ea typeface="微软雅黑" panose="020B0503020204020204" pitchFamily="34" charset="-122"/>
-            </a:endParaRPr>
-          </a:p>
-          <a:p>
-            <a:pPr>
-              <a:lnSpc>
-                <a:spcPts val="1500"/>
-              </a:lnSpc>
-            </a:pPr>
-            <a:r>
-              <a:rPr lang="zh-CN" altLang="en-US" sz="1050" b="1" dirty="0">
-                <a:latin typeface="微软雅黑" panose="020B0503020204020204" pitchFamily="34" charset="-122"/>
-                <a:ea typeface="微软雅黑" panose="020B0503020204020204" pitchFamily="34" charset="-122"/>
-              </a:rPr>
-              <a:t>本科</a:t>
-            </a:r>
-            <a:endParaRPr lang="en-US" altLang="zh-CN" sz="1050" b="1" dirty="0">
-              <a:latin typeface="微软雅黑" panose="020B0503020204020204" pitchFamily="34" charset="-122"/>
-              <a:ea typeface="微软雅黑" panose="020B0503020204020204" pitchFamily="34" charset="-122"/>
-            </a:endParaRPr>
-          </a:p>
-          <a:p>
-            <a:pPr>
-              <a:lnSpc>
-                <a:spcPts val="1500"/>
-              </a:lnSpc>
-            </a:pPr>
-            <a:r>
-              <a:rPr lang="zh-CN" altLang="en-US" sz="900" dirty="0">
-                <a:latin typeface="微软雅黑" panose="020B0503020204020204" pitchFamily="34" charset="-122"/>
-                <a:ea typeface="微软雅黑" panose="020B0503020204020204" pitchFamily="34" charset="-122"/>
-              </a:rPr>
-              <a:t>大黑山松岚大学  </a:t>
-            </a:r>
-            <a:r>
-              <a:rPr lang="zh-CN" altLang="en-US" sz="900" dirty="0" smtClean="0">
-                <a:latin typeface="微软雅黑" panose="020B0503020204020204" pitchFamily="34" charset="-122"/>
-                <a:ea typeface="微软雅黑" panose="020B0503020204020204" pitchFamily="34" charset="-122"/>
-              </a:rPr>
-              <a:t>软件工程</a:t>
+              <a:t>景德镇陶瓷大学  信息管理与信息系统</a:t>
             </a:r>
             <a:endParaRPr lang="en-US" altLang="zh-CN" sz="900" dirty="0">
               <a:latin typeface="微软雅黑" panose="020B0503020204020204" pitchFamily="34" charset="-122"/>
@@ -3614,18 +3505,18 @@
           <a:p>
             <a:pPr algn="ctr"/>
             <a:r>
-              <a:rPr lang="zh-CN" altLang="en-US" sz="2000" b="1" dirty="0" smtClean="0">
+              <a:rPr lang="zh-CN" altLang="en-US" sz="2000" b="1" dirty="0">
                 <a:solidFill>
-                  <a:srgbClr val="6679DF"/>
+                  <a:srgbClr val="2E75B5"/>
                 </a:solidFill>
                 <a:latin typeface="微软雅黑" panose="020B0503020204020204" pitchFamily="34" charset="-122"/>
                 <a:ea typeface="微软雅黑" panose="020B0503020204020204" pitchFamily="34" charset="-122"/>
               </a:rPr>
-              <a:t>王大胆</a:t>
-            </a:r>
-            <a:endParaRPr lang="en-US" altLang="zh-CN" sz="2000" b="1" dirty="0" smtClean="0">
+              <a:t>罗小川</a:t>
+            </a:r>
+            <a:endParaRPr lang="en-US" altLang="zh-CN" sz="2000" b="1" dirty="0">
               <a:solidFill>
-                <a:srgbClr val="6679DF"/>
+                <a:srgbClr val="2E75B5"/>
               </a:solidFill>
               <a:latin typeface="微软雅黑" panose="020B0503020204020204" pitchFamily="34" charset="-122"/>
               <a:ea typeface="微软雅黑" panose="020B0503020204020204" pitchFamily="34" charset="-122"/>
@@ -3642,7 +3533,7 @@
         <p:spPr>
           <a:xfrm>
             <a:off x="3556316" y="1669839"/>
-            <a:ext cx="2997159" cy="4331955"/>
+            <a:ext cx="2997159" cy="3877985"/>
           </a:xfrm>
           <a:prstGeom prst="rect">
             <a:avLst/>
@@ -3688,103 +3579,89 @@
               <a:buChar char="ü"/>
             </a:pPr>
             <a:r>
-              <a:rPr lang="zh-CN" altLang="en-US" sz="900" dirty="0" smtClean="0">
+              <a:rPr lang="zh-CN" altLang="en-US" sz="900" dirty="0">
                 <a:latin typeface="微软雅黑" panose="020B0503020204020204" pitchFamily="34" charset="-122"/>
                 <a:ea typeface="微软雅黑" panose="020B0503020204020204" pitchFamily="34" charset="-122"/>
               </a:rPr>
               <a:t>熟练使用 </a:t>
             </a:r>
             <a:r>
-              <a:rPr lang="en-US" altLang="zh-CN" sz="900" b="1" dirty="0" smtClean="0">
+              <a:rPr lang="en-US" altLang="zh-CN" sz="900" b="1" dirty="0">
                 <a:solidFill>
-                  <a:srgbClr val="6679DF"/>
+                  <a:srgbClr val="2E75B5"/>
                 </a:solidFill>
                 <a:latin typeface="微软雅黑" panose="020B0503020204020204" pitchFamily="34" charset="-122"/>
                 <a:ea typeface="微软雅黑" panose="020B0503020204020204" pitchFamily="34" charset="-122"/>
               </a:rPr>
-              <a:t>HTML </a:t>
-            </a:r>
-            <a:r>
-              <a:rPr lang="en-US" altLang="zh-CN" sz="900" dirty="0" smtClean="0">
-                <a:latin typeface="微软雅黑" panose="020B0503020204020204" pitchFamily="34" charset="-122"/>
-                <a:ea typeface="微软雅黑" panose="020B0503020204020204" pitchFamily="34" charset="-122"/>
-              </a:rPr>
-              <a:t>/ </a:t>
-            </a:r>
-            <a:r>
-              <a:rPr lang="en-US" altLang="zh-CN" sz="900" b="1" dirty="0" smtClean="0">
+              <a:t>HTML</a:t>
+            </a:r>
+            <a:r>
+              <a:rPr lang="en-US" altLang="zh-CN" sz="900" dirty="0">
+                <a:latin typeface="微软雅黑" panose="020B0503020204020204" pitchFamily="34" charset="-122"/>
+                <a:ea typeface="微软雅黑" panose="020B0503020204020204" pitchFamily="34" charset="-122"/>
+              </a:rPr>
+              <a:t> / </a:t>
+            </a:r>
+            <a:r>
+              <a:rPr lang="en-US" altLang="zh-CN" sz="900" b="1" dirty="0">
                 <a:solidFill>
-                  <a:srgbClr val="6679DF"/>
+                  <a:srgbClr val="2E75B5"/>
                 </a:solidFill>
                 <a:latin typeface="微软雅黑" panose="020B0503020204020204" pitchFamily="34" charset="-122"/>
                 <a:ea typeface="微软雅黑" panose="020B0503020204020204" pitchFamily="34" charset="-122"/>
               </a:rPr>
-              <a:t>CSS </a:t>
-            </a:r>
-            <a:r>
-              <a:rPr lang="zh-CN" altLang="en-US" sz="900" dirty="0" smtClean="0">
-                <a:latin typeface="微软雅黑" panose="020B0503020204020204" pitchFamily="34" charset="-122"/>
-                <a:ea typeface="微软雅黑" panose="020B0503020204020204" pitchFamily="34" charset="-122"/>
-              </a:rPr>
-              <a:t>进行</a:t>
+              <a:t>CSS</a:t>
+            </a:r>
+            <a:r>
+              <a:rPr lang="en-US" altLang="zh-CN" sz="900" dirty="0">
+                <a:latin typeface="微软雅黑" panose="020B0503020204020204" pitchFamily="34" charset="-122"/>
+                <a:ea typeface="微软雅黑" panose="020B0503020204020204" pitchFamily="34" charset="-122"/>
+              </a:rPr>
+              <a:t> </a:t>
             </a:r>
             <a:r>
               <a:rPr lang="zh-CN" altLang="en-US" sz="900" dirty="0">
                 <a:latin typeface="微软雅黑" panose="020B0503020204020204" pitchFamily="34" charset="-122"/>
                 <a:ea typeface="微软雅黑" panose="020B0503020204020204" pitchFamily="34" charset="-122"/>
               </a:rPr>
-              <a:t>页面的搭建和</a:t>
-            </a:r>
-            <a:r>
-              <a:rPr lang="zh-CN" altLang="en-US" sz="900" dirty="0" smtClean="0">
-                <a:latin typeface="微软雅黑" panose="020B0503020204020204" pitchFamily="34" charset="-122"/>
-                <a:ea typeface="微软雅黑" panose="020B0503020204020204" pitchFamily="34" charset="-122"/>
-              </a:rPr>
-              <a:t>布局</a:t>
+              <a:t>编写语义化、较复杂的布局，熟悉 </a:t>
+            </a:r>
+            <a:r>
+              <a:rPr lang="en-US" altLang="zh-CN" sz="900" b="1" dirty="0">
+                <a:solidFill>
+                  <a:srgbClr val="2E75B5"/>
+                </a:solidFill>
+                <a:latin typeface="微软雅黑" panose="020B0503020204020204" pitchFamily="34" charset="-122"/>
+                <a:ea typeface="微软雅黑" panose="020B0503020204020204" pitchFamily="34" charset="-122"/>
+              </a:rPr>
+              <a:t>HTML5</a:t>
+            </a:r>
+            <a:r>
+              <a:rPr lang="en-US" altLang="zh-CN" sz="900" dirty="0">
+                <a:latin typeface="微软雅黑" panose="020B0503020204020204" pitchFamily="34" charset="-122"/>
+                <a:ea typeface="微软雅黑" panose="020B0503020204020204" pitchFamily="34" charset="-122"/>
+              </a:rPr>
+              <a:t> / </a:t>
+            </a:r>
+            <a:r>
+              <a:rPr lang="en-US" altLang="zh-CN" sz="900" b="1" dirty="0">
+                <a:solidFill>
+                  <a:srgbClr val="2E75B5"/>
+                </a:solidFill>
+                <a:latin typeface="微软雅黑" panose="020B0503020204020204" pitchFamily="34" charset="-122"/>
+                <a:ea typeface="微软雅黑" panose="020B0503020204020204" pitchFamily="34" charset="-122"/>
+              </a:rPr>
+              <a:t>CSS3</a:t>
+            </a:r>
+            <a:r>
+              <a:rPr lang="en-US" altLang="zh-CN" sz="900" dirty="0">
+                <a:latin typeface="微软雅黑" panose="020B0503020204020204" pitchFamily="34" charset="-122"/>
+                <a:ea typeface="微软雅黑" panose="020B0503020204020204" pitchFamily="34" charset="-122"/>
+              </a:rPr>
+              <a:t> </a:t>
             </a:r>
             <a:r>
               <a:rPr lang="zh-CN" altLang="en-US" sz="900" dirty="0">
-                <a:latin typeface="微软雅黑" panose="020B0503020204020204" pitchFamily="34" charset="-122"/>
-                <a:ea typeface="微软雅黑" panose="020B0503020204020204" pitchFamily="34" charset="-122"/>
-              </a:rPr>
-              <a:t>，</a:t>
-            </a:r>
-            <a:r>
-              <a:rPr lang="zh-CN" altLang="en-US" sz="900" dirty="0" smtClean="0">
-                <a:latin typeface="微软雅黑" panose="020B0503020204020204" pitchFamily="34" charset="-122"/>
-                <a:ea typeface="微软雅黑" panose="020B0503020204020204" pitchFamily="34" charset="-122"/>
-              </a:rPr>
-              <a:t>熟悉</a:t>
-            </a:r>
-            <a:r>
-              <a:rPr lang="en-US" altLang="zh-CN" sz="900" b="1" dirty="0" smtClean="0">
-                <a:solidFill>
-                  <a:srgbClr val="6679DF"/>
-                </a:solidFill>
-                <a:latin typeface="微软雅黑" panose="020B0503020204020204" pitchFamily="34" charset="-122"/>
-                <a:ea typeface="微软雅黑" panose="020B0503020204020204" pitchFamily="34" charset="-122"/>
-              </a:rPr>
-              <a:t>HTML5 </a:t>
-            </a:r>
-            <a:r>
-              <a:rPr lang="en-US" altLang="zh-CN" sz="900" dirty="0" smtClean="0">
-                <a:latin typeface="微软雅黑" panose="020B0503020204020204" pitchFamily="34" charset="-122"/>
-                <a:ea typeface="微软雅黑" panose="020B0503020204020204" pitchFamily="34" charset="-122"/>
-              </a:rPr>
-              <a:t>/ </a:t>
-            </a:r>
-            <a:r>
-              <a:rPr lang="en-US" altLang="zh-CN" sz="900" b="1" dirty="0" smtClean="0">
-                <a:solidFill>
-                  <a:srgbClr val="6679DF"/>
-                </a:solidFill>
-                <a:latin typeface="微软雅黑" panose="020B0503020204020204" pitchFamily="34" charset="-122"/>
-                <a:ea typeface="微软雅黑" panose="020B0503020204020204" pitchFamily="34" charset="-122"/>
-              </a:rPr>
-              <a:t>CSS3 </a:t>
-            </a:r>
-            <a:r>
-              <a:rPr lang="zh-CN" altLang="en-US" sz="900" dirty="0" smtClean="0">
                 <a:latin typeface="微软雅黑" panose="020B0503020204020204" pitchFamily="34" charset="-122"/>
                 <a:ea typeface="微软雅黑" panose="020B0503020204020204" pitchFamily="34" charset="-122"/>
               </a:rPr>
@@ -3804,81 +3681,105 @@
               <a:buChar char="ü"/>
             </a:pPr>
             <a:r>
-              <a:rPr lang="zh-CN" altLang="en-US" sz="900" dirty="0" smtClean="0">
-                <a:latin typeface="微软雅黑" panose="020B0503020204020204" pitchFamily="34" charset="-122"/>
-                <a:ea typeface="微软雅黑" panose="020B0503020204020204" pitchFamily="34" charset="-122"/>
-              </a:rPr>
-              <a:t>熟练使用 </a:t>
-            </a:r>
-            <a:r>
-              <a:rPr lang="en-US" altLang="zh-CN" sz="900" b="1" dirty="0" smtClean="0">
+              <a:rPr lang="zh-CN" altLang="en-US" sz="900" dirty="0">
+                <a:latin typeface="微软雅黑" panose="020B0503020204020204" pitchFamily="34" charset="-122"/>
+                <a:ea typeface="微软雅黑" panose="020B0503020204020204" pitchFamily="34" charset="-122"/>
+              </a:rPr>
+              <a:t>熟练使用 原生</a:t>
+            </a:r>
+            <a:r>
+              <a:rPr lang="en-US" altLang="zh-CN" sz="900" b="1" dirty="0">
                 <a:solidFill>
-                  <a:srgbClr val="6679DF"/>
+                  <a:srgbClr val="2E75B5"/>
                 </a:solidFill>
                 <a:latin typeface="微软雅黑" panose="020B0503020204020204" pitchFamily="34" charset="-122"/>
                 <a:ea typeface="微软雅黑" panose="020B0503020204020204" pitchFamily="34" charset="-122"/>
               </a:rPr>
-              <a:t>JavaScript </a:t>
-            </a:r>
-            <a:r>
-              <a:rPr lang="zh-CN" altLang="en-US" sz="900" dirty="0" smtClean="0">
-                <a:latin typeface="微软雅黑" panose="020B0503020204020204" pitchFamily="34" charset="-122"/>
-                <a:ea typeface="微软雅黑" panose="020B0503020204020204" pitchFamily="34" charset="-122"/>
-              </a:rPr>
-              <a:t>语言，熟悉原生 </a:t>
-            </a:r>
-            <a:r>
-              <a:rPr lang="en-US" altLang="zh-CN" sz="900" b="1" dirty="0" smtClean="0">
+              <a:t>JavaScript(ES6) </a:t>
+            </a:r>
+            <a:r>
+              <a:rPr lang="en-US" altLang="zh-CN" sz="900" dirty="0">
+                <a:latin typeface="微软雅黑" panose="020B0503020204020204" pitchFamily="34" charset="-122"/>
+                <a:ea typeface="微软雅黑" panose="020B0503020204020204" pitchFamily="34" charset="-122"/>
+              </a:rPr>
+              <a:t>/ </a:t>
+            </a:r>
+            <a:r>
+              <a:rPr lang="en-US" altLang="zh-CN" sz="900" b="1" dirty="0">
                 <a:solidFill>
-                  <a:srgbClr val="6679DF"/>
+                  <a:srgbClr val="2E75B5"/>
                 </a:solidFill>
                 <a:latin typeface="微软雅黑" panose="020B0503020204020204" pitchFamily="34" charset="-122"/>
                 <a:ea typeface="微软雅黑" panose="020B0503020204020204" pitchFamily="34" charset="-122"/>
               </a:rPr>
-              <a:t>DOM </a:t>
-            </a:r>
-            <a:r>
-              <a:rPr lang="en-US" altLang="zh-CN" sz="900" dirty="0" smtClean="0">
-                <a:latin typeface="微软雅黑" panose="020B0503020204020204" pitchFamily="34" charset="-122"/>
-                <a:ea typeface="微软雅黑" panose="020B0503020204020204" pitchFamily="34" charset="-122"/>
-              </a:rPr>
-              <a:t>/ </a:t>
-            </a:r>
-            <a:r>
-              <a:rPr lang="en-US" altLang="zh-CN" sz="900" b="1" dirty="0" smtClean="0">
+              <a:t>DOM</a:t>
+            </a:r>
+            <a:r>
+              <a:rPr lang="en-US" altLang="zh-CN" sz="900" dirty="0">
+                <a:latin typeface="微软雅黑" panose="020B0503020204020204" pitchFamily="34" charset="-122"/>
+                <a:ea typeface="微软雅黑" panose="020B0503020204020204" pitchFamily="34" charset="-122"/>
+              </a:rPr>
+              <a:t> / </a:t>
+            </a:r>
+            <a:r>
+              <a:rPr lang="en-US" altLang="zh-CN" sz="900" b="1" dirty="0">
                 <a:solidFill>
-                  <a:srgbClr val="6679DF"/>
+                  <a:srgbClr val="2E75B5"/>
                 </a:solidFill>
                 <a:latin typeface="微软雅黑" panose="020B0503020204020204" pitchFamily="34" charset="-122"/>
                 <a:ea typeface="微软雅黑" panose="020B0503020204020204" pitchFamily="34" charset="-122"/>
               </a:rPr>
-              <a:t>BOM </a:t>
-            </a:r>
-            <a:r>
-              <a:rPr lang="en-US" altLang="zh-CN" sz="900" dirty="0" smtClean="0">
-                <a:latin typeface="微软雅黑" panose="020B0503020204020204" pitchFamily="34" charset="-122"/>
-                <a:ea typeface="微软雅黑" panose="020B0503020204020204" pitchFamily="34" charset="-122"/>
-              </a:rPr>
-              <a:t>/ </a:t>
-            </a:r>
-            <a:r>
-              <a:rPr lang="en-US" altLang="zh-CN" sz="900" b="1" dirty="0" smtClean="0">
+              <a:t>BOM</a:t>
+            </a:r>
+            <a:r>
+              <a:rPr lang="en-US" altLang="zh-CN" sz="900" dirty="0">
+                <a:latin typeface="微软雅黑" panose="020B0503020204020204" pitchFamily="34" charset="-122"/>
+                <a:ea typeface="微软雅黑" panose="020B0503020204020204" pitchFamily="34" charset="-122"/>
+              </a:rPr>
+              <a:t> / </a:t>
+            </a:r>
+            <a:r>
+              <a:rPr lang="en-US" altLang="zh-CN" sz="900" b="1" dirty="0">
                 <a:solidFill>
-                  <a:srgbClr val="6679DF"/>
+                  <a:srgbClr val="2E75B5"/>
                 </a:solidFill>
                 <a:latin typeface="微软雅黑" panose="020B0503020204020204" pitchFamily="34" charset="-122"/>
                 <a:ea typeface="微软雅黑" panose="020B0503020204020204" pitchFamily="34" charset="-122"/>
               </a:rPr>
-              <a:t>Ajax </a:t>
-            </a:r>
-            <a:r>
-              <a:rPr lang="zh-CN" altLang="en-US" sz="900" dirty="0" smtClean="0">
-                <a:latin typeface="微软雅黑" panose="020B0503020204020204" pitchFamily="34" charset="-122"/>
-                <a:ea typeface="微软雅黑" panose="020B0503020204020204" pitchFamily="34" charset="-122"/>
-              </a:rPr>
-              <a:t>等</a:t>
-            </a:r>
-            <a:endParaRPr lang="en-US" altLang="zh-CN" sz="900" dirty="0" smtClean="0">
+              <a:t>AJAX</a:t>
+            </a:r>
+            <a:r>
+              <a:rPr lang="en-US" altLang="zh-CN" sz="900" dirty="0">
+                <a:latin typeface="微软雅黑" panose="020B0503020204020204" pitchFamily="34" charset="-122"/>
+                <a:ea typeface="微软雅黑" panose="020B0503020204020204" pitchFamily="34" charset="-122"/>
+              </a:rPr>
+              <a:t> </a:t>
+            </a:r>
+            <a:r>
+              <a:rPr lang="zh-CN" altLang="en-US" sz="900" dirty="0">
+                <a:latin typeface="微软雅黑" panose="020B0503020204020204" pitchFamily="34" charset="-122"/>
+                <a:ea typeface="微软雅黑" panose="020B0503020204020204" pitchFamily="34" charset="-122"/>
+              </a:rPr>
+              <a:t>，能脱离</a:t>
+            </a:r>
+            <a:r>
+              <a:rPr lang="en-US" altLang="zh-CN" sz="900" b="1" dirty="0">
+                <a:solidFill>
+                  <a:srgbClr val="2E75B5"/>
+                </a:solidFill>
+                <a:latin typeface="微软雅黑" panose="020B0503020204020204" pitchFamily="34" charset="-122"/>
+                <a:ea typeface="微软雅黑" panose="020B0503020204020204" pitchFamily="34" charset="-122"/>
+              </a:rPr>
+              <a:t>jQuery</a:t>
+            </a:r>
+            <a:r>
+              <a:rPr lang="zh-CN" altLang="en-US" sz="900" dirty="0">
+                <a:latin typeface="微软雅黑" panose="020B0503020204020204" pitchFamily="34" charset="-122"/>
+                <a:ea typeface="微软雅黑" panose="020B0503020204020204" pitchFamily="34" charset="-122"/>
+              </a:rPr>
+              <a:t>等类库编写代码</a:t>
+            </a:r>
+            <a:endParaRPr lang="en-US" altLang="zh-CN" sz="900" dirty="0">
               <a:latin typeface="微软雅黑" panose="020B0503020204020204" pitchFamily="34" charset="-122"/>
               <a:ea typeface="微软雅黑" panose="020B0503020204020204" pitchFamily="34" charset="-122"/>
             </a:endParaRPr>
@@ -3896,60 +3797,93 @@
                 <a:latin typeface="微软雅黑" panose="020B0503020204020204" pitchFamily="34" charset="-122"/>
                 <a:ea typeface="微软雅黑" panose="020B0503020204020204" pitchFamily="34" charset="-122"/>
               </a:rPr>
-              <a:t>使用</a:t>
-            </a:r>
-            <a:r>
-              <a:rPr lang="zh-CN" altLang="en-US" sz="900" dirty="0" smtClean="0">
-                <a:latin typeface="微软雅黑" panose="020B0503020204020204" pitchFamily="34" charset="-122"/>
-                <a:ea typeface="微软雅黑" panose="020B0503020204020204" pitchFamily="34" charset="-122"/>
-              </a:rPr>
-              <a:t>过 </a:t>
-            </a:r>
-            <a:r>
-              <a:rPr lang="en-US" altLang="zh-CN" sz="900" b="1" dirty="0" smtClean="0">
+              <a:t>熟练使用 </a:t>
+            </a:r>
+            <a:r>
+              <a:rPr lang="en-US" altLang="zh-CN" sz="900" b="1" dirty="0">
                 <a:solidFill>
-                  <a:srgbClr val="6679DF"/>
+                  <a:srgbClr val="2E75B5"/>
                 </a:solidFill>
                 <a:latin typeface="微软雅黑" panose="020B0503020204020204" pitchFamily="34" charset="-122"/>
                 <a:ea typeface="微软雅黑" panose="020B0503020204020204" pitchFamily="34" charset="-122"/>
               </a:rPr>
-              <a:t>Bootstrap </a:t>
-            </a:r>
-            <a:r>
-              <a:rPr lang="en-US" altLang="zh-CN" sz="900" dirty="0" smtClean="0">
-                <a:latin typeface="微软雅黑" panose="020B0503020204020204" pitchFamily="34" charset="-122"/>
-                <a:ea typeface="微软雅黑" panose="020B0503020204020204" pitchFamily="34" charset="-122"/>
-              </a:rPr>
-              <a:t>/ </a:t>
-            </a:r>
-            <a:r>
-              <a:rPr lang="en-US" altLang="zh-CN" sz="900" b="1" dirty="0" err="1" smtClean="0">
+              <a:t>Vue2.0</a:t>
+            </a:r>
+            <a:r>
+              <a:rPr lang="zh-CN" altLang="en-US" sz="900" b="1" dirty="0">
                 <a:solidFill>
-                  <a:srgbClr val="6679DF"/>
+                  <a:srgbClr val="2E75B5"/>
                 </a:solidFill>
                 <a:latin typeface="微软雅黑" panose="020B0503020204020204" pitchFamily="34" charset="-122"/>
                 <a:ea typeface="微软雅黑" panose="020B0503020204020204" pitchFamily="34" charset="-122"/>
               </a:rPr>
-              <a:t>jQuery</a:t>
-            </a:r>
-            <a:r>
-              <a:rPr lang="en-US" altLang="zh-CN" sz="900" b="1" dirty="0" smtClean="0">
+              <a:t>全家桶</a:t>
+            </a:r>
+            <a:r>
+              <a:rPr lang="en-US" altLang="zh-CN" sz="900" dirty="0">
+                <a:latin typeface="微软雅黑" panose="020B0503020204020204" pitchFamily="34" charset="-122"/>
+                <a:ea typeface="微软雅黑" panose="020B0503020204020204" pitchFamily="34" charset="-122"/>
+              </a:rPr>
+              <a:t>+</a:t>
+            </a:r>
+            <a:r>
+              <a:rPr lang="en-US" altLang="zh-CN" sz="900" b="1" dirty="0">
                 <a:solidFill>
-                  <a:srgbClr val="6679DF"/>
+                  <a:srgbClr val="2E75B5"/>
                 </a:solidFill>
                 <a:latin typeface="微软雅黑" panose="020B0503020204020204" pitchFamily="34" charset="-122"/>
                 <a:ea typeface="微软雅黑" panose="020B0503020204020204" pitchFamily="34" charset="-122"/>
               </a:rPr>
-              <a:t> </a:t>
-            </a:r>
-            <a:r>
-              <a:rPr lang="zh-CN" altLang="en-US" sz="900" dirty="0" smtClean="0">
-                <a:latin typeface="微软雅黑" panose="020B0503020204020204" pitchFamily="34" charset="-122"/>
-                <a:ea typeface="微软雅黑" panose="020B0503020204020204" pitchFamily="34" charset="-122"/>
-              </a:rPr>
-              <a:t>等</a:t>
-            </a:r>
-            <a:endParaRPr lang="en-US" altLang="zh-CN" sz="900" dirty="0" smtClean="0">
+              <a:t>Element-UI</a:t>
+            </a:r>
+            <a:r>
+              <a:rPr lang="zh-CN" altLang="en-US" sz="900" dirty="0">
+                <a:latin typeface="微软雅黑" panose="020B0503020204020204" pitchFamily="34" charset="-122"/>
+                <a:ea typeface="微软雅黑" panose="020B0503020204020204" pitchFamily="34" charset="-122"/>
+              </a:rPr>
+              <a:t>，</a:t>
+            </a:r>
+            <a:r>
+              <a:rPr lang="zh-CN" altLang="en-US" sz="900" b="1" dirty="0">
+                <a:solidFill>
+                  <a:srgbClr val="2E75B5"/>
+                </a:solidFill>
+                <a:latin typeface="微软雅黑" panose="020B0503020204020204" pitchFamily="34" charset="-122"/>
+                <a:ea typeface="微软雅黑" panose="020B0503020204020204" pitchFamily="34" charset="-122"/>
+              </a:rPr>
+              <a:t>独立开发</a:t>
+            </a:r>
+            <a:r>
+              <a:rPr lang="zh-CN" altLang="en-US" sz="900" dirty="0">
+                <a:latin typeface="微软雅黑" panose="020B0503020204020204" pitchFamily="34" charset="-122"/>
+                <a:ea typeface="微软雅黑" panose="020B0503020204020204" pitchFamily="34" charset="-122"/>
+              </a:rPr>
+              <a:t>公司前端项目，初步研究</a:t>
+            </a:r>
+            <a:r>
+              <a:rPr lang="en-US" altLang="zh-CN" sz="900" b="1" dirty="0" err="1">
+                <a:solidFill>
+                  <a:srgbClr val="2E75B5"/>
+                </a:solidFill>
+                <a:latin typeface="微软雅黑" panose="020B0503020204020204" pitchFamily="34" charset="-122"/>
+                <a:ea typeface="微软雅黑" panose="020B0503020204020204" pitchFamily="34" charset="-122"/>
+              </a:rPr>
+              <a:t>Vue</a:t>
+            </a:r>
+            <a:r>
+              <a:rPr lang="zh-CN" altLang="en-US" sz="900" b="1" dirty="0">
+                <a:solidFill>
+                  <a:srgbClr val="2E75B5"/>
+                </a:solidFill>
+                <a:latin typeface="微软雅黑" panose="020B0503020204020204" pitchFamily="34" charset="-122"/>
+                <a:ea typeface="微软雅黑" panose="020B0503020204020204" pitchFamily="34" charset="-122"/>
+              </a:rPr>
+              <a:t>源码</a:t>
+            </a:r>
+            <a:endParaRPr lang="en-US" altLang="zh-CN" sz="900" b="1" dirty="0">
+              <a:solidFill>
+                <a:srgbClr val="2E75B5"/>
+              </a:solidFill>
               <a:latin typeface="微软雅黑" panose="020B0503020204020204" pitchFamily="34" charset="-122"/>
               <a:ea typeface="微软雅黑" panose="020B0503020204020204" pitchFamily="34" charset="-122"/>
             </a:endParaRPr>
@@ -3963,275 +3897,49 @@
               <a:buChar char="ü"/>
             </a:pPr>
             <a:r>
-              <a:rPr lang="zh-CN" altLang="en-US" sz="900" dirty="0" smtClean="0">
-                <a:latin typeface="微软雅黑" panose="020B0503020204020204" pitchFamily="34" charset="-122"/>
-                <a:ea typeface="微软雅黑" panose="020B0503020204020204" pitchFamily="34" charset="-122"/>
-              </a:rPr>
-              <a:t>使用过 </a:t>
-            </a:r>
-            <a:r>
-              <a:rPr lang="en-US" altLang="zh-CN" sz="900" b="1" dirty="0" smtClean="0">
-                <a:solidFill>
-                  <a:srgbClr val="6679DF"/>
-                </a:solidFill>
-                <a:latin typeface="微软雅黑" panose="020B0503020204020204" pitchFamily="34" charset="-122"/>
-                <a:ea typeface="微软雅黑" panose="020B0503020204020204" pitchFamily="34" charset="-122"/>
-              </a:rPr>
-              <a:t>D3.js </a:t>
-            </a:r>
-            <a:r>
-              <a:rPr lang="en-US" altLang="zh-CN" sz="900" dirty="0" smtClean="0">
-                <a:latin typeface="微软雅黑" panose="020B0503020204020204" pitchFamily="34" charset="-122"/>
-                <a:ea typeface="微软雅黑" panose="020B0503020204020204" pitchFamily="34" charset="-122"/>
-              </a:rPr>
-              <a:t>/ </a:t>
-            </a:r>
-            <a:r>
-              <a:rPr lang="en-US" altLang="zh-CN" sz="900" b="1" dirty="0" smtClean="0">
-                <a:solidFill>
-                  <a:srgbClr val="6679DF"/>
-                </a:solidFill>
-                <a:latin typeface="微软雅黑" panose="020B0503020204020204" pitchFamily="34" charset="-122"/>
-                <a:ea typeface="微软雅黑" panose="020B0503020204020204" pitchFamily="34" charset="-122"/>
-              </a:rPr>
-              <a:t>Leaflet </a:t>
-            </a:r>
-            <a:r>
-              <a:rPr lang="zh-CN" altLang="en-US" sz="900" dirty="0" smtClean="0">
-                <a:latin typeface="微软雅黑" panose="020B0503020204020204" pitchFamily="34" charset="-122"/>
-                <a:ea typeface="微软雅黑" panose="020B0503020204020204" pitchFamily="34" charset="-122"/>
-              </a:rPr>
-              <a:t>等可视化相关库</a:t>
-            </a:r>
-            <a:endParaRPr lang="en-US" altLang="zh-CN" sz="900" dirty="0" smtClean="0">
-              <a:latin typeface="微软雅黑" panose="020B0503020204020204" pitchFamily="34" charset="-122"/>
-              <a:ea typeface="微软雅黑" panose="020B0503020204020204" pitchFamily="34" charset="-122"/>
-            </a:endParaRPr>
-          </a:p>
-          <a:p>
-            <a:pPr indent="-171450">
-              <a:lnSpc>
-                <a:spcPts val="1500"/>
-              </a:lnSpc>
-              <a:buFont typeface="Wingdings" panose="05000000000000000000" pitchFamily="2" charset="2"/>
-              <a:buChar char="ü"/>
-            </a:pPr>
-            <a:r>
-              <a:rPr lang="zh-CN" altLang="en-US" sz="900" dirty="0" smtClean="0">
-                <a:latin typeface="微软雅黑" panose="020B0503020204020204" pitchFamily="34" charset="-122"/>
-                <a:ea typeface="微软雅黑" panose="020B0503020204020204" pitchFamily="34" charset="-122"/>
-              </a:rPr>
-              <a:t>对 </a:t>
-            </a:r>
-            <a:r>
-              <a:rPr lang="en-US" altLang="zh-CN" sz="900" b="1" dirty="0" smtClean="0">
-                <a:solidFill>
-                  <a:srgbClr val="6679DF"/>
-                </a:solidFill>
-                <a:latin typeface="微软雅黑" panose="020B0503020204020204" pitchFamily="34" charset="-122"/>
-                <a:ea typeface="微软雅黑" panose="020B0503020204020204" pitchFamily="34" charset="-122"/>
-              </a:rPr>
-              <a:t>SVG </a:t>
-            </a:r>
-            <a:r>
-              <a:rPr lang="en-US" altLang="zh-CN" sz="900" dirty="0" smtClean="0">
-                <a:latin typeface="微软雅黑" panose="020B0503020204020204" pitchFamily="34" charset="-122"/>
-                <a:ea typeface="微软雅黑" panose="020B0503020204020204" pitchFamily="34" charset="-122"/>
-              </a:rPr>
-              <a:t>/ </a:t>
-            </a:r>
-            <a:r>
-              <a:rPr lang="en-US" altLang="zh-CN" sz="900" b="1" dirty="0" smtClean="0">
-                <a:solidFill>
-                  <a:srgbClr val="6679DF"/>
-                </a:solidFill>
-                <a:latin typeface="微软雅黑" panose="020B0503020204020204" pitchFamily="34" charset="-122"/>
-                <a:ea typeface="微软雅黑" panose="020B0503020204020204" pitchFamily="34" charset="-122"/>
-              </a:rPr>
-              <a:t>Canvas </a:t>
-            </a:r>
-            <a:r>
-              <a:rPr lang="zh-CN" altLang="en-US" sz="900" dirty="0" smtClean="0">
-                <a:latin typeface="微软雅黑" panose="020B0503020204020204" pitchFamily="34" charset="-122"/>
-                <a:ea typeface="微软雅黑" panose="020B0503020204020204" pitchFamily="34" charset="-122"/>
-              </a:rPr>
-              <a:t>有</a:t>
-            </a:r>
-            <a:r>
               <a:rPr lang="zh-CN" altLang="en-US" sz="900" dirty="0">
                 <a:latin typeface="微软雅黑" panose="020B0503020204020204" pitchFamily="34" charset="-122"/>
                 <a:ea typeface="微软雅黑" panose="020B0503020204020204" pitchFamily="34" charset="-122"/>
               </a:rPr>
-              <a:t>一定的使用</a:t>
-            </a:r>
-            <a:r>
-              <a:rPr lang="zh-CN" altLang="en-US" sz="900" dirty="0" smtClean="0">
-                <a:latin typeface="微软雅黑" panose="020B0503020204020204" pitchFamily="34" charset="-122"/>
-                <a:ea typeface="微软雅黑" panose="020B0503020204020204" pitchFamily="34" charset="-122"/>
-              </a:rPr>
-              <a:t>经验</a:t>
-            </a:r>
-            <a:endParaRPr lang="en-US" altLang="zh-CN" sz="900" dirty="0" smtClean="0">
-              <a:latin typeface="微软雅黑" panose="020B0503020204020204" pitchFamily="34" charset="-122"/>
-              <a:ea typeface="微软雅黑" panose="020B0503020204020204" pitchFamily="34" charset="-122"/>
-            </a:endParaRPr>
-          </a:p>
-          <a:p>
-            <a:pPr indent="-171450">
-              <a:lnSpc>
-                <a:spcPts val="1500"/>
-              </a:lnSpc>
-              <a:buFont typeface="Wingdings" panose="05000000000000000000" pitchFamily="2" charset="2"/>
-              <a:buChar char="ü"/>
-            </a:pPr>
-            <a:r>
-              <a:rPr lang="zh-CN" altLang="en-US" sz="900" dirty="0">
-                <a:latin typeface="微软雅黑" panose="020B0503020204020204" pitchFamily="34" charset="-122"/>
-                <a:ea typeface="微软雅黑" panose="020B0503020204020204" pitchFamily="34" charset="-122"/>
-              </a:rPr>
-              <a:t>使用 </a:t>
+              <a:t>熟悉 </a:t>
             </a:r>
             <a:r>
               <a:rPr lang="en-US" altLang="zh-CN" sz="900" b="1" dirty="0">
                 <a:solidFill>
-                  <a:srgbClr val="6679DF"/>
+                  <a:srgbClr val="2E75B5"/>
                 </a:solidFill>
                 <a:latin typeface="微软雅黑" panose="020B0503020204020204" pitchFamily="34" charset="-122"/>
                 <a:ea typeface="微软雅黑" panose="020B0503020204020204" pitchFamily="34" charset="-122"/>
               </a:rPr>
-              <a:t>Vue.js</a:t>
-            </a:r>
-            <a:r>
-              <a:rPr lang="en-US" altLang="zh-CN" sz="900" dirty="0" smtClean="0">
-                <a:latin typeface="微软雅黑" panose="020B0503020204020204" pitchFamily="34" charset="-122"/>
-                <a:ea typeface="微软雅黑" panose="020B0503020204020204" pitchFamily="34" charset="-122"/>
-              </a:rPr>
-              <a:t> </a:t>
+              <a:t>React</a:t>
+            </a:r>
+            <a:r>
+              <a:rPr lang="zh-CN" altLang="en-US" sz="900" b="1" dirty="0">
+                <a:solidFill>
+                  <a:srgbClr val="2E75B5"/>
+                </a:solidFill>
+                <a:latin typeface="微软雅黑" panose="020B0503020204020204" pitchFamily="34" charset="-122"/>
+                <a:ea typeface="微软雅黑" panose="020B0503020204020204" pitchFamily="34" charset="-122"/>
+              </a:rPr>
+              <a:t>全家桶</a:t>
             </a:r>
             <a:r>
               <a:rPr lang="en-US" altLang="zh-CN" sz="900" dirty="0">
                 <a:latin typeface="微软雅黑" panose="020B0503020204020204" pitchFamily="34" charset="-122"/>
                 <a:ea typeface="微软雅黑" panose="020B0503020204020204" pitchFamily="34" charset="-122"/>
               </a:rPr>
-              <a:t>/ </a:t>
-            </a:r>
-            <a:r>
-              <a:rPr lang="en-US" altLang="zh-CN" sz="900" b="1" dirty="0" err="1">
+              <a:t>+</a:t>
+            </a:r>
+            <a:r>
+              <a:rPr lang="en-US" altLang="zh-CN" sz="900" b="1" dirty="0">
                 <a:solidFill>
-                  <a:srgbClr val="6679DF"/>
+                  <a:srgbClr val="2E75B5"/>
                 </a:solidFill>
                 <a:latin typeface="微软雅黑" panose="020B0503020204020204" pitchFamily="34" charset="-122"/>
                 <a:ea typeface="微软雅黑" panose="020B0503020204020204" pitchFamily="34" charset="-122"/>
               </a:rPr>
-              <a:t>AngularJS</a:t>
-            </a:r>
-            <a:r>
-              <a:rPr lang="en-US" altLang="zh-CN" sz="900" dirty="0">
-                <a:latin typeface="微软雅黑" panose="020B0503020204020204" pitchFamily="34" charset="-122"/>
-                <a:ea typeface="微软雅黑" panose="020B0503020204020204" pitchFamily="34" charset="-122"/>
-              </a:rPr>
-              <a:t> </a:t>
-            </a:r>
-            <a:r>
-              <a:rPr lang="zh-CN" altLang="en-US" sz="900" dirty="0" smtClean="0">
-                <a:latin typeface="微软雅黑" panose="020B0503020204020204" pitchFamily="34" charset="-122"/>
-                <a:ea typeface="微软雅黑" panose="020B0503020204020204" pitchFamily="34" charset="-122"/>
-              </a:rPr>
-              <a:t>编写</a:t>
-            </a:r>
-            <a:r>
-              <a:rPr lang="zh-CN" altLang="en-US" sz="900" dirty="0">
-                <a:latin typeface="微软雅黑" panose="020B0503020204020204" pitchFamily="34" charset="-122"/>
-                <a:ea typeface="微软雅黑" panose="020B0503020204020204" pitchFamily="34" charset="-122"/>
-              </a:rPr>
-              <a:t>过简单</a:t>
-            </a:r>
-            <a:r>
-              <a:rPr lang="zh-CN" altLang="en-US" sz="900" dirty="0" smtClean="0">
-                <a:latin typeface="微软雅黑" panose="020B0503020204020204" pitchFamily="34" charset="-122"/>
-                <a:ea typeface="微软雅黑" panose="020B0503020204020204" pitchFamily="34" charset="-122"/>
-              </a:rPr>
-              <a:t>的</a:t>
-            </a:r>
-            <a:r>
-              <a:rPr lang="en-US" altLang="zh-CN" sz="900" dirty="0" smtClean="0">
-                <a:latin typeface="微软雅黑" panose="020B0503020204020204" pitchFamily="34" charset="-122"/>
-                <a:ea typeface="微软雅黑" panose="020B0503020204020204" pitchFamily="34" charset="-122"/>
-              </a:rPr>
-              <a:t>CRUD SPA</a:t>
-            </a:r>
-          </a:p>
-          <a:p>
-            <a:pPr indent="-171450">
-              <a:lnSpc>
-                <a:spcPts val="1500"/>
-              </a:lnSpc>
-              <a:buFont typeface="Wingdings" panose="05000000000000000000" pitchFamily="2" charset="2"/>
-              <a:buChar char="ü"/>
-            </a:pPr>
-            <a:r>
-              <a:rPr lang="zh-CN" altLang="en-US" sz="900" dirty="0" smtClean="0">
-                <a:latin typeface="微软雅黑" panose="020B0503020204020204" pitchFamily="34" charset="-122"/>
-                <a:ea typeface="微软雅黑" panose="020B0503020204020204" pitchFamily="34" charset="-122"/>
-              </a:rPr>
-              <a:t>使用过 </a:t>
-            </a:r>
-            <a:r>
-              <a:rPr lang="en-US" altLang="zh-CN" sz="900" b="1" dirty="0" smtClean="0">
-                <a:solidFill>
-                  <a:srgbClr val="6679DF"/>
-                </a:solidFill>
-                <a:latin typeface="微软雅黑" panose="020B0503020204020204" pitchFamily="34" charset="-122"/>
-                <a:ea typeface="微软雅黑" panose="020B0503020204020204" pitchFamily="34" charset="-122"/>
-              </a:rPr>
-              <a:t>Less</a:t>
-            </a:r>
-            <a:r>
-              <a:rPr lang="en-US" altLang="zh-CN" sz="900" dirty="0" smtClean="0">
-                <a:latin typeface="微软雅黑" panose="020B0503020204020204" pitchFamily="34" charset="-122"/>
-                <a:ea typeface="微软雅黑" panose="020B0503020204020204" pitchFamily="34" charset="-122"/>
-              </a:rPr>
-              <a:t> / </a:t>
-            </a:r>
-            <a:r>
-              <a:rPr lang="en-US" altLang="zh-CN" sz="900" b="1" dirty="0" smtClean="0">
-                <a:solidFill>
-                  <a:srgbClr val="6679DF"/>
-                </a:solidFill>
-                <a:latin typeface="微软雅黑" panose="020B0503020204020204" pitchFamily="34" charset="-122"/>
-                <a:ea typeface="微软雅黑" panose="020B0503020204020204" pitchFamily="34" charset="-122"/>
-              </a:rPr>
-              <a:t>Sass</a:t>
-            </a:r>
-            <a:endParaRPr lang="en-US" altLang="zh-CN" sz="900" dirty="0" smtClean="0">
-              <a:latin typeface="微软雅黑" panose="020B0503020204020204" pitchFamily="34" charset="-122"/>
-              <a:ea typeface="微软雅黑" panose="020B0503020204020204" pitchFamily="34" charset="-122"/>
-            </a:endParaRPr>
-          </a:p>
-          <a:p>
-            <a:pPr>
-              <a:lnSpc>
-                <a:spcPct val="200000"/>
-              </a:lnSpc>
-            </a:pPr>
-            <a:r>
-              <a:rPr lang="en-US" altLang="zh-CN" sz="1050" b="1" dirty="0" smtClean="0">
-                <a:latin typeface="微软雅黑" panose="020B0503020204020204" pitchFamily="34" charset="-122"/>
-                <a:ea typeface="微软雅黑" panose="020B0503020204020204" pitchFamily="34" charset="-122"/>
-              </a:rPr>
-              <a:t>Web</a:t>
-            </a:r>
-            <a:r>
-              <a:rPr lang="zh-CN" altLang="en-US" sz="1050" b="1" dirty="0">
-                <a:latin typeface="微软雅黑" panose="020B0503020204020204" pitchFamily="34" charset="-122"/>
-                <a:ea typeface="微软雅黑" panose="020B0503020204020204" pitchFamily="34" charset="-122"/>
-              </a:rPr>
-              <a:t>后端</a:t>
-            </a:r>
-            <a:endParaRPr lang="en-US" altLang="zh-CN" sz="1050" b="1" dirty="0">
-              <a:latin typeface="微软雅黑" panose="020B0503020204020204" pitchFamily="34" charset="-122"/>
-              <a:ea typeface="微软雅黑" panose="020B0503020204020204" pitchFamily="34" charset="-122"/>
-            </a:endParaRPr>
+              <a:t>ant-design</a:t>
+            </a:r>
           </a:p>
           <a:p>
             <a:pPr marL="171450" indent="-171450">
@@ -4246,62 +3954,119 @@
                 <a:latin typeface="微软雅黑" panose="020B0503020204020204" pitchFamily="34" charset="-122"/>
                 <a:ea typeface="微软雅黑" panose="020B0503020204020204" pitchFamily="34" charset="-122"/>
               </a:rPr>
-              <a:t>使用</a:t>
-            </a:r>
-            <a:r>
-              <a:rPr lang="zh-CN" altLang="en-US" sz="900" dirty="0" smtClean="0">
-                <a:latin typeface="微软雅黑" panose="020B0503020204020204" pitchFamily="34" charset="-122"/>
-                <a:ea typeface="微软雅黑" panose="020B0503020204020204" pitchFamily="34" charset="-122"/>
-              </a:rPr>
-              <a:t>过 </a:t>
-            </a:r>
-            <a:r>
-              <a:rPr lang="en-US" altLang="zh-CN" sz="900" b="1" dirty="0" smtClean="0">
+              <a:t>使用过 </a:t>
+            </a:r>
+            <a:r>
+              <a:rPr lang="zh-CN" altLang="en-US" sz="900" b="1" dirty="0">
                 <a:solidFill>
-                  <a:srgbClr val="6679DF"/>
+                  <a:srgbClr val="2E75B5"/>
                 </a:solidFill>
                 <a:latin typeface="微软雅黑" panose="020B0503020204020204" pitchFamily="34" charset="-122"/>
                 <a:ea typeface="微软雅黑" panose="020B0503020204020204" pitchFamily="34" charset="-122"/>
               </a:rPr>
-              <a:t>Node.js</a:t>
+              <a:t>淘宝</a:t>
+            </a:r>
+            <a:r>
+              <a:rPr lang="en-US" altLang="zh-CN" sz="900" b="1" dirty="0">
+                <a:solidFill>
+                  <a:srgbClr val="2E75B5"/>
+                </a:solidFill>
+                <a:latin typeface="微软雅黑" panose="020B0503020204020204" pitchFamily="34" charset="-122"/>
+                <a:ea typeface="微软雅黑" panose="020B0503020204020204" pitchFamily="34" charset="-122"/>
+              </a:rPr>
+              <a:t>SUI </a:t>
+            </a:r>
+            <a:r>
+              <a:rPr lang="en-US" altLang="zh-CN" sz="900" dirty="0">
+                <a:latin typeface="微软雅黑" panose="020B0503020204020204" pitchFamily="34" charset="-122"/>
+                <a:ea typeface="微软雅黑" panose="020B0503020204020204" pitchFamily="34" charset="-122"/>
+              </a:rPr>
+              <a:t>/ </a:t>
+            </a:r>
+            <a:r>
+              <a:rPr lang="en-US" altLang="zh-CN" sz="900" b="1" dirty="0">
+                <a:solidFill>
+                  <a:srgbClr val="2E75B5"/>
+                </a:solidFill>
+                <a:latin typeface="微软雅黑" panose="020B0503020204020204" pitchFamily="34" charset="-122"/>
+                <a:ea typeface="微软雅黑" panose="020B0503020204020204" pitchFamily="34" charset="-122"/>
+              </a:rPr>
+              <a:t>Bootstrap</a:t>
+            </a:r>
+            <a:r>
+              <a:rPr lang="en-US" altLang="zh-CN" sz="900" dirty="0">
+                <a:latin typeface="微软雅黑" panose="020B0503020204020204" pitchFamily="34" charset="-122"/>
+                <a:ea typeface="微软雅黑" panose="020B0503020204020204" pitchFamily="34" charset="-122"/>
+              </a:rPr>
+              <a:t> / </a:t>
+            </a:r>
+            <a:r>
+              <a:rPr lang="en-US" altLang="zh-CN" sz="900" b="1" dirty="0">
+                <a:solidFill>
+                  <a:srgbClr val="2E75B5"/>
+                </a:solidFill>
+                <a:latin typeface="微软雅黑" panose="020B0503020204020204" pitchFamily="34" charset="-122"/>
+                <a:ea typeface="微软雅黑" panose="020B0503020204020204" pitchFamily="34" charset="-122"/>
+              </a:rPr>
+              <a:t>jQuery</a:t>
+            </a:r>
+            <a:r>
+              <a:rPr lang="en-US" altLang="zh-CN" sz="900" dirty="0">
+                <a:latin typeface="微软雅黑" panose="020B0503020204020204" pitchFamily="34" charset="-122"/>
+                <a:ea typeface="微软雅黑" panose="020B0503020204020204" pitchFamily="34" charset="-122"/>
+              </a:rPr>
+              <a:t> / </a:t>
+            </a:r>
+            <a:r>
+              <a:rPr lang="en-US" altLang="zh-CN" sz="900" b="1" dirty="0">
+                <a:solidFill>
+                  <a:srgbClr val="2E75B5"/>
+                </a:solidFill>
+                <a:latin typeface="微软雅黑" panose="020B0503020204020204" pitchFamily="34" charset="-122"/>
+                <a:ea typeface="微软雅黑" panose="020B0503020204020204" pitchFamily="34" charset="-122"/>
+              </a:rPr>
+              <a:t>Underscore</a:t>
+            </a:r>
+            <a:r>
+              <a:rPr lang="en-US" altLang="zh-CN" sz="900" dirty="0">
+                <a:latin typeface="微软雅黑" panose="020B0503020204020204" pitchFamily="34" charset="-122"/>
+                <a:ea typeface="微软雅黑" panose="020B0503020204020204" pitchFamily="34" charset="-122"/>
+              </a:rPr>
+              <a:t> / </a:t>
+            </a:r>
+            <a:r>
+              <a:rPr lang="en-US" altLang="zh-CN" sz="900" b="1" dirty="0" err="1">
+                <a:solidFill>
+                  <a:srgbClr val="2E75B5"/>
+                </a:solidFill>
+                <a:latin typeface="微软雅黑" panose="020B0503020204020204" pitchFamily="34" charset="-122"/>
+                <a:ea typeface="微软雅黑" panose="020B0503020204020204" pitchFamily="34" charset="-122"/>
+              </a:rPr>
+              <a:t>Lodash</a:t>
+            </a:r>
+            <a:r>
+              <a:rPr lang="en-US" altLang="zh-CN" sz="900" dirty="0">
+                <a:latin typeface="微软雅黑" panose="020B0503020204020204" pitchFamily="34" charset="-122"/>
+                <a:ea typeface="微软雅黑" panose="020B0503020204020204" pitchFamily="34" charset="-122"/>
+              </a:rPr>
+              <a:t> / </a:t>
+            </a:r>
+            <a:r>
+              <a:rPr lang="en-US" altLang="zh-CN" sz="900" b="1" dirty="0">
+                <a:solidFill>
+                  <a:srgbClr val="2E75B5"/>
+                </a:solidFill>
+                <a:latin typeface="微软雅黑" panose="020B0503020204020204" pitchFamily="34" charset="-122"/>
+                <a:ea typeface="微软雅黑" panose="020B0503020204020204" pitchFamily="34" charset="-122"/>
+              </a:rPr>
+              <a:t>Require.js </a:t>
             </a:r>
             <a:r>
               <a:rPr lang="zh-CN" altLang="en-US" sz="900" dirty="0">
                 <a:latin typeface="微软雅黑" panose="020B0503020204020204" pitchFamily="34" charset="-122"/>
                 <a:ea typeface="微软雅黑" panose="020B0503020204020204" pitchFamily="34" charset="-122"/>
               </a:rPr>
-              <a:t>，</a:t>
-            </a:r>
-            <a:r>
-              <a:rPr lang="zh-CN" altLang="en-US" sz="900" dirty="0" smtClean="0">
-                <a:latin typeface="微软雅黑" panose="020B0503020204020204" pitchFamily="34" charset="-122"/>
-                <a:ea typeface="微软雅黑" panose="020B0503020204020204" pitchFamily="34" charset="-122"/>
-              </a:rPr>
-              <a:t>能够用其进行</a:t>
-            </a:r>
-            <a:r>
-              <a:rPr lang="zh-CN" altLang="en-US" sz="900" dirty="0">
-                <a:latin typeface="微软雅黑" panose="020B0503020204020204" pitchFamily="34" charset="-122"/>
-                <a:ea typeface="微软雅黑" panose="020B0503020204020204" pitchFamily="34" charset="-122"/>
-              </a:rPr>
-              <a:t>数据处理，使用</a:t>
-            </a:r>
-            <a:r>
-              <a:rPr lang="en-US" altLang="zh-CN" sz="900" b="1" dirty="0" smtClean="0">
-                <a:solidFill>
-                  <a:srgbClr val="6679DF"/>
-                </a:solidFill>
-                <a:latin typeface="微软雅黑" panose="020B0503020204020204" pitchFamily="34" charset="-122"/>
-                <a:ea typeface="微软雅黑" panose="020B0503020204020204" pitchFamily="34" charset="-122"/>
-              </a:rPr>
-              <a:t>Express </a:t>
-            </a:r>
-            <a:r>
-              <a:rPr lang="zh-CN" altLang="en-US" sz="900" dirty="0" smtClean="0">
-                <a:latin typeface="微软雅黑" panose="020B0503020204020204" pitchFamily="34" charset="-122"/>
-                <a:ea typeface="微软雅黑" panose="020B0503020204020204" pitchFamily="34" charset="-122"/>
-              </a:rPr>
-              <a:t>框架搭建后端程序并与数据库交互</a:t>
+              <a:t>等</a:t>
             </a:r>
             <a:endParaRPr lang="en-US" altLang="zh-CN" sz="900" dirty="0">
               <a:latin typeface="微软雅黑" panose="020B0503020204020204" pitchFamily="34" charset="-122"/>
@@ -4317,75 +4082,27 @@
               <a:buChar char="ü"/>
             </a:pPr>
             <a:r>
-              <a:rPr lang="zh-CN" altLang="en-US" sz="900" dirty="0" smtClean="0">
+              <a:rPr lang="zh-CN" altLang="en-US" sz="900" dirty="0">
                 <a:latin typeface="微软雅黑" panose="020B0503020204020204" pitchFamily="34" charset="-122"/>
                 <a:ea typeface="微软雅黑" panose="020B0503020204020204" pitchFamily="34" charset="-122"/>
               </a:rPr>
               <a:t>使用 </a:t>
             </a:r>
             <a:r>
-              <a:rPr lang="en-US" altLang="zh-CN" sz="900" b="1" dirty="0" smtClean="0">
-                <a:solidFill>
-                  <a:srgbClr val="6679DF"/>
-                </a:solidFill>
-                <a:latin typeface="微软雅黑" panose="020B0503020204020204" pitchFamily="34" charset="-122"/>
-                <a:ea typeface="微软雅黑" panose="020B0503020204020204" pitchFamily="34" charset="-122"/>
-              </a:rPr>
-              <a:t>ASP.NET </a:t>
-            </a:r>
-            <a:r>
-              <a:rPr lang="zh-CN" altLang="en-US" sz="900" dirty="0" smtClean="0">
-                <a:latin typeface="微软雅黑" panose="020B0503020204020204" pitchFamily="34" charset="-122"/>
-                <a:ea typeface="微软雅黑" panose="020B0503020204020204" pitchFamily="34" charset="-122"/>
-              </a:rPr>
-              <a:t>编写</a:t>
+              <a:rPr lang="en-US" altLang="zh-CN" sz="900" dirty="0" err="1">
+                <a:latin typeface="微软雅黑" panose="020B0503020204020204" pitchFamily="34" charset="-122"/>
+                <a:ea typeface="微软雅黑" panose="020B0503020204020204" pitchFamily="34" charset="-122"/>
+              </a:rPr>
+              <a:t>Wepy</a:t>
             </a:r>
             <a:r>
               <a:rPr lang="zh-CN" altLang="en-US" sz="900" dirty="0">
                 <a:latin typeface="微软雅黑" panose="020B0503020204020204" pitchFamily="34" charset="-122"/>
                 <a:ea typeface="微软雅黑" panose="020B0503020204020204" pitchFamily="34" charset="-122"/>
               </a:rPr>
-              <a:t>过后端程序</a:t>
-            </a:r>
-            <a:r>
-              <a:rPr lang="zh-CN" altLang="en-US" sz="900" dirty="0" smtClean="0">
-                <a:latin typeface="微软雅黑" panose="020B0503020204020204" pitchFamily="34" charset="-122"/>
-                <a:ea typeface="微软雅黑" panose="020B0503020204020204" pitchFamily="34" charset="-122"/>
-              </a:rPr>
-              <a:t>并使用 </a:t>
-            </a:r>
-            <a:r>
-              <a:rPr lang="en-US" altLang="zh-CN" sz="900" b="1" dirty="0" smtClean="0">
-                <a:solidFill>
-                  <a:srgbClr val="6679DF"/>
-                </a:solidFill>
-                <a:latin typeface="微软雅黑" panose="020B0503020204020204" pitchFamily="34" charset="-122"/>
-                <a:ea typeface="微软雅黑" panose="020B0503020204020204" pitchFamily="34" charset="-122"/>
-              </a:rPr>
-              <a:t>ADO.NET </a:t>
-            </a:r>
-            <a:r>
-              <a:rPr lang="zh-CN" altLang="en-US" sz="900" dirty="0" smtClean="0">
-                <a:latin typeface="微软雅黑" panose="020B0503020204020204" pitchFamily="34" charset="-122"/>
-                <a:ea typeface="微软雅黑" panose="020B0503020204020204" pitchFamily="34" charset="-122"/>
-              </a:rPr>
-              <a:t>与</a:t>
-            </a:r>
-            <a:r>
-              <a:rPr lang="zh-CN" altLang="en-US" sz="900" dirty="0">
-                <a:latin typeface="微软雅黑" panose="020B0503020204020204" pitchFamily="34" charset="-122"/>
-                <a:ea typeface="微软雅黑" panose="020B0503020204020204" pitchFamily="34" charset="-122"/>
-              </a:rPr>
-              <a:t>数据库</a:t>
-            </a:r>
-            <a:r>
-              <a:rPr lang="zh-CN" altLang="en-US" sz="900" dirty="0" smtClean="0">
-                <a:latin typeface="微软雅黑" panose="020B0503020204020204" pitchFamily="34" charset="-122"/>
-                <a:ea typeface="微软雅黑" panose="020B0503020204020204" pitchFamily="34" charset="-122"/>
-              </a:rPr>
-              <a:t>交互</a:t>
-            </a:r>
-            <a:endParaRPr lang="en-US" altLang="zh-CN" sz="900" dirty="0" smtClean="0">
+              <a:t>框架 开发过微信小程序</a:t>
+            </a:r>
+            <a:endParaRPr lang="en-US" altLang="zh-CN" sz="900" dirty="0">
               <a:latin typeface="微软雅黑" panose="020B0503020204020204" pitchFamily="34" charset="-122"/>
               <a:ea typeface="微软雅黑" panose="020B0503020204020204" pitchFamily="34" charset="-122"/>
             </a:endParaRPr>
@@ -4399,82 +4116,71 @@
               <a:buChar char="ü"/>
             </a:pPr>
             <a:r>
-              <a:rPr lang="zh-CN" altLang="en-US" sz="900" dirty="0" smtClean="0">
-                <a:latin typeface="微软雅黑" panose="020B0503020204020204" pitchFamily="34" charset="-122"/>
-                <a:ea typeface="微软雅黑" panose="020B0503020204020204" pitchFamily="34" charset="-122"/>
-              </a:rPr>
-              <a:t>有使用 </a:t>
-            </a:r>
-            <a:r>
-              <a:rPr lang="en-US" altLang="zh-CN" sz="900" b="1" dirty="0" smtClean="0">
+              <a:rPr lang="zh-CN" altLang="en-US" sz="900" dirty="0">
+                <a:latin typeface="微软雅黑" panose="020B0503020204020204" pitchFamily="34" charset="-122"/>
+                <a:ea typeface="微软雅黑" panose="020B0503020204020204" pitchFamily="34" charset="-122"/>
+              </a:rPr>
+              <a:t>熟悉</a:t>
+            </a:r>
+            <a:r>
+              <a:rPr lang="zh-CN" altLang="en-US" sz="900" b="1" dirty="0">
                 <a:solidFill>
-                  <a:srgbClr val="6679DF"/>
+                  <a:srgbClr val="2E75B5"/>
                 </a:solidFill>
                 <a:latin typeface="微软雅黑" panose="020B0503020204020204" pitchFamily="34" charset="-122"/>
                 <a:ea typeface="微软雅黑" panose="020B0503020204020204" pitchFamily="34" charset="-122"/>
               </a:rPr>
-              <a:t>SQL Server</a:t>
+              <a:t> </a:t>
+            </a:r>
+            <a:r>
+              <a:rPr lang="en-US" altLang="zh-CN" sz="900" b="1" dirty="0">
+                <a:solidFill>
+                  <a:srgbClr val="2E75B5"/>
+                </a:solidFill>
+                <a:latin typeface="微软雅黑" panose="020B0503020204020204" pitchFamily="34" charset="-122"/>
+                <a:ea typeface="微软雅黑" panose="020B0503020204020204" pitchFamily="34" charset="-122"/>
+              </a:rPr>
+              <a:t>Less </a:t>
             </a:r>
             <a:r>
               <a:rPr lang="en-US" altLang="zh-CN" sz="900" dirty="0">
                 <a:latin typeface="微软雅黑" panose="020B0503020204020204" pitchFamily="34" charset="-122"/>
                 <a:ea typeface="微软雅黑" panose="020B0503020204020204" pitchFamily="34" charset="-122"/>
               </a:rPr>
-              <a:t> / </a:t>
-            </a:r>
-            <a:r>
-              <a:rPr lang="en-US" altLang="zh-CN" sz="900" b="1" dirty="0" err="1" smtClean="0">
+              <a:t>/ </a:t>
+            </a:r>
+            <a:r>
+              <a:rPr lang="en-US" altLang="zh-CN" sz="900" b="1" dirty="0">
                 <a:solidFill>
-                  <a:srgbClr val="6679DF"/>
+                  <a:srgbClr val="2E75B5"/>
                 </a:solidFill>
                 <a:latin typeface="微软雅黑" panose="020B0503020204020204" pitchFamily="34" charset="-122"/>
                 <a:ea typeface="微软雅黑" panose="020B0503020204020204" pitchFamily="34" charset="-122"/>
               </a:rPr>
-              <a:t>MongoDB</a:t>
-            </a:r>
-            <a:r>
-              <a:rPr lang="en-US" altLang="zh-CN" sz="900" b="1" dirty="0" smtClean="0">
-                <a:solidFill>
-                  <a:srgbClr val="6679DF"/>
-                </a:solidFill>
-                <a:latin typeface="微软雅黑" panose="020B0503020204020204" pitchFamily="34" charset="-122"/>
-                <a:ea typeface="微软雅黑" panose="020B0503020204020204" pitchFamily="34" charset="-122"/>
-              </a:rPr>
-              <a:t> </a:t>
-            </a:r>
-            <a:r>
-              <a:rPr lang="zh-CN" altLang="en-US" sz="900" dirty="0" smtClean="0">
-                <a:latin typeface="微软雅黑" panose="020B0503020204020204" pitchFamily="34" charset="-122"/>
-                <a:ea typeface="微软雅黑" panose="020B0503020204020204" pitchFamily="34" charset="-122"/>
-              </a:rPr>
-              <a:t>等数据库的经验</a:t>
+              <a:t>Sass</a:t>
+            </a:r>
+            <a:r>
+              <a:rPr lang="zh-CN" altLang="en-US" sz="900" dirty="0">
+                <a:latin typeface="微软雅黑" panose="020B0503020204020204" pitchFamily="34" charset="-122"/>
+                <a:ea typeface="微软雅黑" panose="020B0503020204020204" pitchFamily="34" charset="-122"/>
+              </a:rPr>
+              <a:t>等</a:t>
+            </a:r>
+            <a:r>
+              <a:rPr lang="en-US" altLang="zh-CN" sz="900" dirty="0">
+                <a:latin typeface="微软雅黑" panose="020B0503020204020204" pitchFamily="34" charset="-122"/>
+                <a:ea typeface="微软雅黑" panose="020B0503020204020204" pitchFamily="34" charset="-122"/>
+              </a:rPr>
+              <a:t>CSS</a:t>
+            </a:r>
+            <a:r>
+              <a:rPr lang="zh-CN" altLang="en-US" sz="900" dirty="0">
+                <a:latin typeface="微软雅黑" panose="020B0503020204020204" pitchFamily="34" charset="-122"/>
+                <a:ea typeface="微软雅黑" panose="020B0503020204020204" pitchFamily="34" charset="-122"/>
+              </a:rPr>
+              <a:t>预处理器</a:t>
             </a:r>
             <a:endParaRPr lang="en-US" altLang="zh-CN" sz="900" dirty="0">
-              <a:latin typeface="微软雅黑" panose="020B0503020204020204" pitchFamily="34" charset="-122"/>
-              <a:ea typeface="微软雅黑" panose="020B0503020204020204" pitchFamily="34" charset="-122"/>
-            </a:endParaRPr>
-          </a:p>
-          <a:p>
-            <a:pPr>
-              <a:lnSpc>
-                <a:spcPct val="200000"/>
-              </a:lnSpc>
-            </a:pPr>
-            <a:r>
-              <a:rPr lang="zh-CN" altLang="en-US" sz="1050" b="1" dirty="0" smtClean="0">
-                <a:latin typeface="微软雅黑" panose="020B0503020204020204" pitchFamily="34" charset="-122"/>
-                <a:ea typeface="微软雅黑" panose="020B0503020204020204" pitchFamily="34" charset="-122"/>
-              </a:rPr>
-              <a:t>其他</a:t>
-            </a:r>
-            <a:r>
-              <a:rPr lang="zh-CN" altLang="en-US" sz="1050" b="1" dirty="0">
-                <a:latin typeface="微软雅黑" panose="020B0503020204020204" pitchFamily="34" charset="-122"/>
-                <a:ea typeface="微软雅黑" panose="020B0503020204020204" pitchFamily="34" charset="-122"/>
-              </a:rPr>
-              <a:t>技能</a:t>
-            </a:r>
-            <a:endParaRPr lang="en-US" altLang="zh-CN" sz="1050" b="1" dirty="0">
               <a:latin typeface="微软雅黑" panose="020B0503020204020204" pitchFamily="34" charset="-122"/>
               <a:ea typeface="微软雅黑" panose="020B0503020204020204" pitchFamily="34" charset="-122"/>
             </a:endParaRPr>
@@ -4492,38 +4198,82 @@
                 <a:latin typeface="微软雅黑" panose="020B0503020204020204" pitchFamily="34" charset="-122"/>
                 <a:ea typeface="微软雅黑" panose="020B0503020204020204" pitchFamily="34" charset="-122"/>
               </a:rPr>
-              <a:t>英语</a:t>
-            </a:r>
-            <a:r>
-              <a:rPr lang="zh-CN" altLang="en-US" sz="900" dirty="0" smtClean="0">
-                <a:latin typeface="微软雅黑" panose="020B0503020204020204" pitchFamily="34" charset="-122"/>
-                <a:ea typeface="微软雅黑" panose="020B0503020204020204" pitchFamily="34" charset="-122"/>
-              </a:rPr>
-              <a:t>通过 </a:t>
-            </a:r>
-            <a:r>
-              <a:rPr lang="en-US" altLang="zh-CN" sz="900" b="1" dirty="0" smtClean="0">
+              <a:t>熟悉 </a:t>
+            </a:r>
+            <a:r>
+              <a:rPr lang="en-US" altLang="zh-CN" sz="900" b="1" dirty="0">
                 <a:solidFill>
-                  <a:srgbClr val="6679DF"/>
+                  <a:srgbClr val="2E75B5"/>
                 </a:solidFill>
                 <a:latin typeface="微软雅黑" panose="020B0503020204020204" pitchFamily="34" charset="-122"/>
                 <a:ea typeface="微软雅黑" panose="020B0503020204020204" pitchFamily="34" charset="-122"/>
               </a:rPr>
-              <a:t>CET6</a:t>
+              <a:t>gulp</a:t>
+            </a:r>
+            <a:r>
+              <a:rPr lang="en-US" altLang="zh-CN" sz="900" dirty="0">
+                <a:latin typeface="微软雅黑" panose="020B0503020204020204" pitchFamily="34" charset="-122"/>
+                <a:ea typeface="微软雅黑" panose="020B0503020204020204" pitchFamily="34" charset="-122"/>
+              </a:rPr>
+              <a:t> / </a:t>
+            </a:r>
+            <a:r>
+              <a:rPr lang="en-US" altLang="zh-CN" sz="900" b="1" dirty="0" err="1">
+                <a:solidFill>
+                  <a:srgbClr val="2E75B5"/>
+                </a:solidFill>
+                <a:latin typeface="微软雅黑" panose="020B0503020204020204" pitchFamily="34" charset="-122"/>
+                <a:ea typeface="微软雅黑" panose="020B0503020204020204" pitchFamily="34" charset="-122"/>
+              </a:rPr>
+              <a:t>webpack</a:t>
+            </a:r>
+            <a:r>
+              <a:rPr lang="en-US" altLang="zh-CN" sz="900" dirty="0">
+                <a:latin typeface="微软雅黑" panose="020B0503020204020204" pitchFamily="34" charset="-122"/>
+                <a:ea typeface="微软雅黑" panose="020B0503020204020204" pitchFamily="34" charset="-122"/>
+              </a:rPr>
+              <a:t> / </a:t>
+            </a:r>
+            <a:r>
+              <a:rPr lang="en-US" altLang="zh-CN" sz="900" b="1" dirty="0">
+                <a:solidFill>
+                  <a:srgbClr val="2E75B5"/>
+                </a:solidFill>
+                <a:latin typeface="微软雅黑" panose="020B0503020204020204" pitchFamily="34" charset="-122"/>
+                <a:ea typeface="微软雅黑" panose="020B0503020204020204" pitchFamily="34" charset="-122"/>
+              </a:rPr>
+              <a:t>SVN</a:t>
+            </a:r>
+            <a:r>
+              <a:rPr lang="en-US" altLang="zh-CN" sz="900" dirty="0">
+                <a:latin typeface="微软雅黑" panose="020B0503020204020204" pitchFamily="34" charset="-122"/>
+                <a:ea typeface="微软雅黑" panose="020B0503020204020204" pitchFamily="34" charset="-122"/>
+              </a:rPr>
+              <a:t> / </a:t>
+            </a:r>
+            <a:r>
+              <a:rPr lang="en-US" altLang="zh-CN" sz="900" b="1" dirty="0">
+                <a:solidFill>
+                  <a:srgbClr val="2E75B5"/>
+                </a:solidFill>
+                <a:latin typeface="微软雅黑" panose="020B0503020204020204" pitchFamily="34" charset="-122"/>
+                <a:ea typeface="微软雅黑" panose="020B0503020204020204" pitchFamily="34" charset="-122"/>
+              </a:rPr>
+              <a:t>GIT</a:t>
+            </a:r>
+            <a:r>
+              <a:rPr lang="en-US" altLang="zh-CN" sz="900" dirty="0">
+                <a:latin typeface="微软雅黑" panose="020B0503020204020204" pitchFamily="34" charset="-122"/>
+                <a:ea typeface="微软雅黑" panose="020B0503020204020204" pitchFamily="34" charset="-122"/>
+              </a:rPr>
+              <a:t> </a:t>
             </a:r>
             <a:r>
               <a:rPr lang="zh-CN" altLang="en-US" sz="900" dirty="0">
                 <a:latin typeface="微软雅黑" panose="020B0503020204020204" pitchFamily="34" charset="-122"/>
                 <a:ea typeface="微软雅黑" panose="020B0503020204020204" pitchFamily="34" charset="-122"/>
               </a:rPr>
-              <a:t>，能够流畅阅读英文</a:t>
-            </a:r>
-            <a:r>
-              <a:rPr lang="zh-CN" altLang="en-US" sz="900" dirty="0" smtClean="0">
-                <a:latin typeface="微软雅黑" panose="020B0503020204020204" pitchFamily="34" charset="-122"/>
-                <a:ea typeface="微软雅黑" panose="020B0503020204020204" pitchFamily="34" charset="-122"/>
-              </a:rPr>
-              <a:t>文档</a:t>
+              <a:t>等工具</a:t>
             </a:r>
             <a:endParaRPr lang="en-US" altLang="zh-CN" sz="900" dirty="0">
               <a:latin typeface="微软雅黑" panose="020B0503020204020204" pitchFamily="34" charset="-122"/>
@@ -4539,94 +4289,66 @@
               <a:buChar char="ü"/>
             </a:pPr>
             <a:r>
-              <a:rPr lang="zh-CN" altLang="en-US" sz="900" dirty="0" smtClean="0">
-                <a:latin typeface="微软雅黑" panose="020B0503020204020204" pitchFamily="34" charset="-122"/>
-                <a:ea typeface="微软雅黑" panose="020B0503020204020204" pitchFamily="34" charset="-122"/>
-              </a:rPr>
-              <a:t>能够使用 </a:t>
-            </a:r>
-            <a:r>
-              <a:rPr lang="en-US" altLang="zh-CN" sz="900" b="1" dirty="0" smtClean="0">
+              <a:rPr lang="zh-CN" altLang="en-US" sz="900" dirty="0">
+                <a:latin typeface="微软雅黑" panose="020B0503020204020204" pitchFamily="34" charset="-122"/>
+                <a:ea typeface="微软雅黑" panose="020B0503020204020204" pitchFamily="34" charset="-122"/>
+              </a:rPr>
+              <a:t>了解 </a:t>
+            </a:r>
+            <a:r>
+              <a:rPr lang="en-US" altLang="zh-CN" sz="900" b="1" dirty="0">
                 <a:solidFill>
-                  <a:srgbClr val="6679DF"/>
+                  <a:srgbClr val="2E75B5"/>
                 </a:solidFill>
                 <a:latin typeface="微软雅黑" panose="020B0503020204020204" pitchFamily="34" charset="-122"/>
                 <a:ea typeface="微软雅黑" panose="020B0503020204020204" pitchFamily="34" charset="-122"/>
               </a:rPr>
-              <a:t>Photoshop</a:t>
-            </a:r>
-            <a:r>
-              <a:rPr lang="en-US" altLang="zh-CN" sz="900" dirty="0" smtClean="0">
+              <a:t>HTTP</a:t>
+            </a:r>
+            <a:r>
+              <a:rPr lang="en-US" altLang="zh-CN" sz="900" dirty="0">
                 <a:latin typeface="微软雅黑" panose="020B0503020204020204" pitchFamily="34" charset="-122"/>
                 <a:ea typeface="微软雅黑" panose="020B0503020204020204" pitchFamily="34" charset="-122"/>
               </a:rPr>
               <a:t> </a:t>
             </a:r>
             <a:r>
-              <a:rPr lang="en-US" altLang="zh-CN" sz="900" dirty="0">
-                <a:latin typeface="微软雅黑" panose="020B0503020204020204" pitchFamily="34" charset="-122"/>
-                <a:ea typeface="微软雅黑" panose="020B0503020204020204" pitchFamily="34" charset="-122"/>
-              </a:rPr>
-              <a:t>/ </a:t>
-            </a:r>
-            <a:r>
-              <a:rPr lang="en-US" altLang="zh-CN" sz="900" b="1" dirty="0" smtClean="0">
-                <a:solidFill>
-                  <a:srgbClr val="6679DF"/>
-                </a:solidFill>
-                <a:latin typeface="微软雅黑" panose="020B0503020204020204" pitchFamily="34" charset="-122"/>
-                <a:ea typeface="微软雅黑" panose="020B0503020204020204" pitchFamily="34" charset="-122"/>
-              </a:rPr>
-              <a:t>Illustrator </a:t>
-            </a:r>
-            <a:r>
-              <a:rPr lang="zh-CN" altLang="en-US" sz="900" dirty="0" smtClean="0">
-                <a:latin typeface="微软雅黑" panose="020B0503020204020204" pitchFamily="34" charset="-122"/>
-                <a:ea typeface="微软雅黑" panose="020B0503020204020204" pitchFamily="34" charset="-122"/>
-              </a:rPr>
-              <a:t>完成</a:t>
-            </a:r>
-            <a:r>
               <a:rPr lang="zh-CN" altLang="en-US" sz="900" dirty="0">
                 <a:latin typeface="微软雅黑" panose="020B0503020204020204" pitchFamily="34" charset="-122"/>
                 <a:ea typeface="微软雅黑" panose="020B0503020204020204" pitchFamily="34" charset="-122"/>
               </a:rPr>
-              <a:t>简单的</a:t>
-            </a:r>
-            <a:r>
-              <a:rPr lang="zh-CN" altLang="en-US" sz="900" dirty="0" smtClean="0">
-                <a:latin typeface="微软雅黑" panose="020B0503020204020204" pitchFamily="34" charset="-122"/>
-                <a:ea typeface="微软雅黑" panose="020B0503020204020204" pitchFamily="34" charset="-122"/>
-              </a:rPr>
-              <a:t>图像处理和平面设计</a:t>
+              <a:t>协议</a:t>
             </a:r>
             <a:endParaRPr lang="en-US" altLang="zh-CN" sz="900" dirty="0">
               <a:latin typeface="微软雅黑" panose="020B0503020204020204" pitchFamily="34" charset="-122"/>
               <a:ea typeface="微软雅黑" panose="020B0503020204020204" pitchFamily="34" charset="-122"/>
             </a:endParaRPr>
           </a:p>
-        </p:txBody>
-      </p:sp>
-      <p:sp>
-        <p:nvSpPr>
-          <p:cNvPr id="13" name="矩形 12"/>
-          <p:cNvSpPr/>
-          <p:nvPr/>
-        </p:nvSpPr>
-        <p:spPr>
-          <a:xfrm>
-            <a:off x="3556316" y="6529649"/>
-            <a:ext cx="3136989" cy="1246495"/>
-          </a:xfrm>
-          <a:prstGeom prst="rect">
-            <a:avLst/>
-          </a:prstGeom>
-        </p:spPr>
-        <p:txBody>
-          <a:bodyPr wrap="square">
-            <a:spAutoFit/>
-          </a:bodyPr>
-          <a:lstStyle/>
+          <a:p>
+            <a:pPr>
+              <a:lnSpc>
+                <a:spcPts val="1500"/>
+              </a:lnSpc>
+            </a:pPr>
+            <a:r>
+              <a:rPr lang="en-US" altLang="zh-CN" sz="1050" b="1" dirty="0">
+                <a:latin typeface="微软雅黑" panose="020B0503020204020204" pitchFamily="34" charset="-122"/>
+                <a:ea typeface="微软雅黑" panose="020B0503020204020204" pitchFamily="34" charset="-122"/>
+              </a:rPr>
+              <a:t>Web</a:t>
+            </a:r>
+            <a:r>
+              <a:rPr lang="zh-CN" altLang="en-US" sz="1050" b="1" dirty="0">
+                <a:latin typeface="微软雅黑" panose="020B0503020204020204" pitchFamily="34" charset="-122"/>
+                <a:ea typeface="微软雅黑" panose="020B0503020204020204" pitchFamily="34" charset="-122"/>
+              </a:rPr>
+              <a:t>后端</a:t>
+            </a:r>
+            <a:endParaRPr lang="en-US" altLang="zh-CN" sz="1050" b="1" dirty="0">
+              <a:latin typeface="微软雅黑" panose="020B0503020204020204" pitchFamily="34" charset="-122"/>
+              <a:ea typeface="微软雅黑" panose="020B0503020204020204" pitchFamily="34" charset="-122"/>
+            </a:endParaRPr>
+          </a:p>
           <a:p>
             <a:pPr marL="171450" indent="-171450">
               <a:lnSpc>
@@ -4636,41 +4358,44 @@
               <a:buChar char="ü"/>
             </a:pPr>
             <a:r>
-              <a:rPr lang="en-US" altLang="zh-CN" sz="900" dirty="0">
-                <a:latin typeface="微软雅黑" panose="020B0503020204020204" pitchFamily="34" charset="-122"/>
-                <a:ea typeface="微软雅黑" panose="020B0503020204020204" pitchFamily="34" charset="-122"/>
-              </a:rPr>
-              <a:t>2015 – </a:t>
-            </a:r>
-            <a:r>
-              <a:rPr lang="en-US" altLang="zh-CN" sz="900" dirty="0" smtClean="0">
-                <a:latin typeface="微软雅黑" panose="020B0503020204020204" pitchFamily="34" charset="-122"/>
-                <a:ea typeface="微软雅黑" panose="020B0503020204020204" pitchFamily="34" charset="-122"/>
-              </a:rPr>
-              <a:t>2016 </a:t>
-            </a:r>
-            <a:r>
-              <a:rPr lang="zh-CN" altLang="en-US" sz="900" dirty="0" smtClean="0">
-                <a:latin typeface="微软雅黑" panose="020B0503020204020204" pitchFamily="34" charset="-122"/>
-                <a:ea typeface="微软雅黑" panose="020B0503020204020204" pitchFamily="34" charset="-122"/>
-              </a:rPr>
-              <a:t>年度</a:t>
-            </a:r>
-            <a:r>
               <a:rPr lang="zh-CN" altLang="en-US" sz="900" dirty="0">
                 <a:latin typeface="微软雅黑" panose="020B0503020204020204" pitchFamily="34" charset="-122"/>
                 <a:ea typeface="微软雅黑" panose="020B0503020204020204" pitchFamily="34" charset="-122"/>
               </a:rPr>
-              <a:t>硕士研究生</a:t>
-            </a:r>
-            <a:r>
-              <a:rPr lang="zh-CN" altLang="en-US" sz="900" dirty="0" smtClean="0">
-                <a:latin typeface="微软雅黑" panose="020B0503020204020204" pitchFamily="34" charset="-122"/>
-                <a:ea typeface="微软雅黑" panose="020B0503020204020204" pitchFamily="34" charset="-122"/>
-              </a:rPr>
-              <a:t>奖学金</a:t>
-            </a:r>
-            <a:endParaRPr lang="en-US" altLang="zh-CN" sz="900" dirty="0" smtClean="0">
+              <a:t>使用过 </a:t>
+            </a:r>
+            <a:r>
+              <a:rPr lang="en-US" altLang="zh-CN" sz="900" b="1" dirty="0" err="1">
+                <a:solidFill>
+                  <a:srgbClr val="2E75B5"/>
+                </a:solidFill>
+                <a:latin typeface="微软雅黑" panose="020B0503020204020204" pitchFamily="34" charset="-122"/>
+                <a:ea typeface="微软雅黑" panose="020B0503020204020204" pitchFamily="34" charset="-122"/>
+              </a:rPr>
+              <a:t>PHP+MySQL</a:t>
+            </a:r>
+            <a:r>
+              <a:rPr lang="zh-CN" altLang="en-US" sz="900" dirty="0">
+                <a:latin typeface="微软雅黑" panose="020B0503020204020204" pitchFamily="34" charset="-122"/>
+                <a:ea typeface="微软雅黑" panose="020B0503020204020204" pitchFamily="34" charset="-122"/>
+              </a:rPr>
+              <a:t>，独立开发学校实际项目，投入使用，运行良好。</a:t>
+            </a:r>
+            <a:r>
+              <a:rPr lang="zh-CN" altLang="en-US" sz="900" u="sng" dirty="0">
+                <a:solidFill>
+                  <a:srgbClr val="2E75B5"/>
+                </a:solidFill>
+                <a:latin typeface="微软雅黑" panose="020B0503020204020204" pitchFamily="34" charset="-122"/>
+                <a:ea typeface="微软雅黑" panose="020B0503020204020204" pitchFamily="34" charset="-122"/>
+                <a:hlinkClick r:id="rId3"/>
+              </a:rPr>
+              <a:t>线上地址</a:t>
+            </a:r>
+            <a:endParaRPr lang="en-US" altLang="zh-CN" sz="900" u="sng" dirty="0">
+              <a:solidFill>
+                <a:srgbClr val="2E75B5"/>
+              </a:solidFill>
               <a:latin typeface="微软雅黑" panose="020B0503020204020204" pitchFamily="34" charset="-122"/>
               <a:ea typeface="微软雅黑" panose="020B0503020204020204" pitchFamily="34" charset="-122"/>
             </a:endParaRPr>
@@ -4684,59 +4409,70 @@
               <a:buChar char="ü"/>
             </a:pPr>
             <a:r>
-              <a:rPr lang="en-US" altLang="zh-CN" sz="900" dirty="0" smtClean="0">
-                <a:latin typeface="微软雅黑" panose="020B0503020204020204" pitchFamily="34" charset="-122"/>
-                <a:ea typeface="微软雅黑" panose="020B0503020204020204" pitchFamily="34" charset="-122"/>
-              </a:rPr>
-              <a:t>2015 </a:t>
-            </a:r>
-            <a:r>
-              <a:rPr lang="zh-CN" altLang="en-US" sz="900" dirty="0" smtClean="0">
-                <a:latin typeface="微软雅黑" panose="020B0503020204020204" pitchFamily="34" charset="-122"/>
-                <a:ea typeface="微软雅黑" panose="020B0503020204020204" pitchFamily="34" charset="-122"/>
-              </a:rPr>
-              <a:t>年</a:t>
-            </a:r>
-            <a:r>
               <a:rPr lang="zh-CN" altLang="en-US" sz="900" dirty="0">
                 <a:latin typeface="微软雅黑" panose="020B0503020204020204" pitchFamily="34" charset="-122"/>
                 <a:ea typeface="微软雅黑" panose="020B0503020204020204" pitchFamily="34" charset="-122"/>
               </a:rPr>
-              <a:t>全国</a:t>
-            </a:r>
-            <a:r>
-              <a:rPr lang="zh-CN" altLang="en-US" sz="900" dirty="0" smtClean="0">
-                <a:latin typeface="微软雅黑" panose="020B0503020204020204" pitchFamily="34" charset="-122"/>
-                <a:ea typeface="微软雅黑" panose="020B0503020204020204" pitchFamily="34" charset="-122"/>
-              </a:rPr>
-              <a:t>大学生</a:t>
-            </a:r>
-            <a:r>
-              <a:rPr lang="en-US" altLang="zh-CN" sz="900" dirty="0" smtClean="0">
-                <a:latin typeface="微软雅黑" panose="020B0503020204020204" pitchFamily="34" charset="-122"/>
-                <a:ea typeface="微软雅黑" panose="020B0503020204020204" pitchFamily="34" charset="-122"/>
-              </a:rPr>
-              <a:t>XXX</a:t>
-            </a:r>
-            <a:r>
-              <a:rPr lang="zh-CN" altLang="en-US" sz="900" dirty="0" smtClean="0">
-                <a:latin typeface="微软雅黑" panose="020B0503020204020204" pitchFamily="34" charset="-122"/>
-                <a:ea typeface="微软雅黑" panose="020B0503020204020204" pitchFamily="34" charset="-122"/>
-              </a:rPr>
-              <a:t>创意</a:t>
+              <a:t>使用过 </a:t>
+            </a:r>
+            <a:r>
+              <a:rPr lang="en-US" altLang="zh-CN" sz="900" b="1" dirty="0">
+                <a:solidFill>
+                  <a:srgbClr val="2E75B5"/>
+                </a:solidFill>
+                <a:latin typeface="微软雅黑" panose="020B0503020204020204" pitchFamily="34" charset="-122"/>
+                <a:ea typeface="微软雅黑" panose="020B0503020204020204" pitchFamily="34" charset="-122"/>
+              </a:rPr>
+              <a:t>ASP.NET </a:t>
             </a:r>
             <a:r>
               <a:rPr lang="zh-CN" altLang="en-US" sz="900" dirty="0">
                 <a:latin typeface="微软雅黑" panose="020B0503020204020204" pitchFamily="34" charset="-122"/>
                 <a:ea typeface="微软雅黑" panose="020B0503020204020204" pitchFamily="34" charset="-122"/>
               </a:rPr>
-              <a:t>设计大赛二等奖</a:t>
+              <a:t>迅时</a:t>
+            </a:r>
+            <a:r>
+              <a:rPr lang="en-US" altLang="zh-CN" sz="900" dirty="0">
+                <a:latin typeface="微软雅黑" panose="020B0503020204020204" pitchFamily="34" charset="-122"/>
+                <a:ea typeface="微软雅黑" panose="020B0503020204020204" pitchFamily="34" charset="-122"/>
+              </a:rPr>
+              <a:t>CMS</a:t>
+            </a:r>
+            <a:r>
+              <a:rPr lang="zh-CN" altLang="en-US" sz="900" dirty="0">
+                <a:latin typeface="微软雅黑" panose="020B0503020204020204" pitchFamily="34" charset="-122"/>
+                <a:ea typeface="微软雅黑" panose="020B0503020204020204" pitchFamily="34" charset="-122"/>
+              </a:rPr>
+              <a:t>，搭建学校学工处新闻网站</a:t>
             </a:r>
             <a:endParaRPr lang="en-US" altLang="zh-CN" sz="900" dirty="0">
               <a:latin typeface="微软雅黑" panose="020B0503020204020204" pitchFamily="34" charset="-122"/>
               <a:ea typeface="微软雅黑" panose="020B0503020204020204" pitchFamily="34" charset="-122"/>
             </a:endParaRPr>
           </a:p>
+        </p:txBody>
+      </p:sp>
+      <p:sp>
+        <p:nvSpPr>
+          <p:cNvPr id="13" name="矩形 12"/>
+          <p:cNvSpPr/>
+          <p:nvPr/>
+        </p:nvSpPr>
+        <p:spPr>
+          <a:xfrm>
+            <a:off x="3556316" y="6529649"/>
+            <a:ext cx="3136989" cy="1438855"/>
+          </a:xfrm>
+          <a:prstGeom prst="rect">
+            <a:avLst/>
+          </a:prstGeom>
+        </p:spPr>
+        <p:txBody>
+          <a:bodyPr wrap="square">
+            <a:spAutoFit/>
+          </a:bodyPr>
+          <a:lstStyle/>
           <a:p>
             <a:pPr marL="171450" indent="-171450">
               <a:lnSpc>
@@ -4750,33 +4486,50 @@
                 <a:latin typeface="微软雅黑" panose="020B0503020204020204" pitchFamily="34" charset="-122"/>
                 <a:ea typeface="微软雅黑" panose="020B0503020204020204" pitchFamily="34" charset="-122"/>
               </a:rPr>
-              <a:t>2013 </a:t>
-            </a:r>
-            <a:r>
-              <a:rPr lang="en-US" altLang="zh-CN" sz="900" dirty="0" smtClean="0">
-                <a:latin typeface="微软雅黑" panose="020B0503020204020204" pitchFamily="34" charset="-122"/>
-                <a:ea typeface="微软雅黑" panose="020B0503020204020204" pitchFamily="34" charset="-122"/>
-              </a:rPr>
-              <a:t>– 2014 </a:t>
-            </a:r>
-            <a:r>
-              <a:rPr lang="zh-CN" altLang="en-US" sz="900" dirty="0" smtClean="0">
-                <a:latin typeface="微软雅黑" panose="020B0503020204020204" pitchFamily="34" charset="-122"/>
-                <a:ea typeface="微软雅黑" panose="020B0503020204020204" pitchFamily="34" charset="-122"/>
-              </a:rPr>
-              <a:t>学年</a:t>
+              <a:t>2015</a:t>
             </a:r>
             <a:r>
               <a:rPr lang="zh-CN" altLang="en-US" sz="900" dirty="0">
                 <a:latin typeface="微软雅黑" panose="020B0503020204020204" pitchFamily="34" charset="-122"/>
                 <a:ea typeface="微软雅黑" panose="020B0503020204020204" pitchFamily="34" charset="-122"/>
               </a:rPr>
-              <a:t>大黑山松岚大学三好学生荣誉称号</a:t>
-            </a:r>
-            <a:endParaRPr lang="en-US" altLang="zh-CN" sz="900" dirty="0">
-              <a:latin typeface="微软雅黑" panose="020B0503020204020204" pitchFamily="34" charset="-122"/>
-              <a:ea typeface="微软雅黑" panose="020B0503020204020204" pitchFamily="34" charset="-122"/>
-            </a:endParaRPr>
+              <a:t>年</a:t>
+            </a:r>
+            <a:r>
+              <a:rPr lang="en-US" altLang="zh-CN" sz="900" dirty="0">
+                <a:latin typeface="微软雅黑" panose="020B0503020204020204" pitchFamily="34" charset="-122"/>
+                <a:ea typeface="微软雅黑" panose="020B0503020204020204" pitchFamily="34" charset="-122"/>
+              </a:rPr>
+              <a:t>10</a:t>
+            </a:r>
+            <a:r>
+              <a:rPr lang="zh-CN" altLang="en-US" sz="900" dirty="0">
+                <a:latin typeface="微软雅黑" panose="020B0503020204020204" pitchFamily="34" charset="-122"/>
+                <a:ea typeface="微软雅黑" panose="020B0503020204020204" pitchFamily="34" charset="-122"/>
+              </a:rPr>
+              <a:t>月，首届“中国互联网</a:t>
+            </a:r>
+            <a:r>
+              <a:rPr lang="en-US" altLang="zh-CN" sz="900" dirty="0">
+                <a:latin typeface="微软雅黑" panose="020B0503020204020204" pitchFamily="34" charset="-122"/>
+                <a:ea typeface="微软雅黑" panose="020B0503020204020204" pitchFamily="34" charset="-122"/>
+              </a:rPr>
+              <a:t>+</a:t>
+            </a:r>
+            <a:r>
+              <a:rPr lang="zh-CN" altLang="en-US" sz="900" dirty="0">
+                <a:latin typeface="微软雅黑" panose="020B0503020204020204" pitchFamily="34" charset="-122"/>
+                <a:ea typeface="微软雅黑" panose="020B0503020204020204" pitchFamily="34" charset="-122"/>
+              </a:rPr>
+              <a:t>大学生创新创业大赛”，金奖 前</a:t>
+            </a:r>
+            <a:r>
+              <a:rPr lang="en-US" altLang="zh-CN" sz="900">
+                <a:latin typeface="微软雅黑" panose="020B0503020204020204" pitchFamily="34" charset="-122"/>
+                <a:ea typeface="微软雅黑" panose="020B0503020204020204" pitchFamily="34" charset="-122"/>
+              </a:rPr>
+              <a:t>30/50000</a:t>
+            </a:r>
           </a:p>
           <a:p>
             <a:pPr marL="171450" indent="-171450">
@@ -4787,39 +4540,32 @@
               <a:buChar char="ü"/>
             </a:pPr>
             <a:r>
+              <a:rPr lang="en-US" altLang="zh-CN" sz="900">
+                <a:latin typeface="微软雅黑" panose="020B0503020204020204" pitchFamily="34" charset="-122"/>
+                <a:ea typeface="微软雅黑" panose="020B0503020204020204" pitchFamily="34" charset="-122"/>
+              </a:rPr>
+              <a:t>2015 </a:t>
+            </a:r>
+            <a:r>
+              <a:rPr lang="zh-CN" altLang="en-US" sz="900" dirty="0">
+                <a:latin typeface="微软雅黑" panose="020B0503020204020204" pitchFamily="34" charset="-122"/>
+                <a:ea typeface="微软雅黑" panose="020B0503020204020204" pitchFamily="34" charset="-122"/>
+              </a:rPr>
+              <a:t>年全国大学生</a:t>
+            </a:r>
+            <a:r>
               <a:rPr lang="en-US" altLang="zh-CN" sz="900" dirty="0">
                 <a:latin typeface="微软雅黑" panose="020B0503020204020204" pitchFamily="34" charset="-122"/>
                 <a:ea typeface="微软雅黑" panose="020B0503020204020204" pitchFamily="34" charset="-122"/>
               </a:rPr>
-              <a:t>2013 </a:t>
-            </a:r>
-            <a:r>
-              <a:rPr lang="en-US" altLang="zh-CN" sz="900" dirty="0" smtClean="0">
-                <a:latin typeface="微软雅黑" panose="020B0503020204020204" pitchFamily="34" charset="-122"/>
-                <a:ea typeface="微软雅黑" panose="020B0503020204020204" pitchFamily="34" charset="-122"/>
-              </a:rPr>
-              <a:t>– 2014 </a:t>
-            </a:r>
-            <a:r>
-              <a:rPr lang="zh-CN" altLang="en-US" sz="900" dirty="0" smtClean="0">
-                <a:latin typeface="微软雅黑" panose="020B0503020204020204" pitchFamily="34" charset="-122"/>
-                <a:ea typeface="微软雅黑" panose="020B0503020204020204" pitchFamily="34" charset="-122"/>
-              </a:rPr>
-              <a:t>学年</a:t>
+              <a:t>XXX</a:t>
             </a:r>
             <a:r>
               <a:rPr lang="zh-CN" altLang="en-US" sz="900" dirty="0">
                 <a:latin typeface="微软雅黑" panose="020B0503020204020204" pitchFamily="34" charset="-122"/>
                 <a:ea typeface="微软雅黑" panose="020B0503020204020204" pitchFamily="34" charset="-122"/>
               </a:rPr>
-              <a:t>大黑山松岚大学学习优秀</a:t>
-            </a:r>
-            <a:r>
-              <a:rPr lang="zh-CN" altLang="en-US" sz="900" dirty="0" smtClean="0">
-                <a:latin typeface="微软雅黑" panose="020B0503020204020204" pitchFamily="34" charset="-122"/>
-                <a:ea typeface="微软雅黑" panose="020B0503020204020204" pitchFamily="34" charset="-122"/>
-              </a:rPr>
-              <a:t>奖学金</a:t>
+              <a:t>创意设计大赛二等奖</a:t>
             </a:r>
             <a:endParaRPr lang="en-US" altLang="zh-CN" sz="900" dirty="0">
               <a:latin typeface="微软雅黑" panose="020B0503020204020204" pitchFamily="34" charset="-122"/>
@@ -4835,25 +4581,18 @@
               <a:buChar char="ü"/>
             </a:pPr>
             <a:r>
-              <a:rPr lang="en-US" altLang="zh-CN" sz="900" dirty="0" smtClean="0">
-                <a:latin typeface="微软雅黑" panose="020B0503020204020204" pitchFamily="34" charset="-122"/>
-                <a:ea typeface="微软雅黑" panose="020B0503020204020204" pitchFamily="34" charset="-122"/>
-              </a:rPr>
-              <a:t>2012 – 2013 </a:t>
-            </a:r>
-            <a:r>
-              <a:rPr lang="zh-CN" altLang="en-US" sz="900" dirty="0" smtClean="0">
-                <a:latin typeface="微软雅黑" panose="020B0503020204020204" pitchFamily="34" charset="-122"/>
-                <a:ea typeface="微软雅黑" panose="020B0503020204020204" pitchFamily="34" charset="-122"/>
-              </a:rPr>
-              <a:t>学年</a:t>
+              <a:rPr lang="en-US" altLang="zh-CN" sz="900" dirty="0">
+                <a:latin typeface="微软雅黑" panose="020B0503020204020204" pitchFamily="34" charset="-122"/>
+                <a:ea typeface="微软雅黑" panose="020B0503020204020204" pitchFamily="34" charset="-122"/>
+              </a:rPr>
+              <a:t>2013 – 2014 </a:t>
             </a:r>
             <a:r>
               <a:rPr lang="zh-CN" altLang="en-US" sz="900" dirty="0">
                 <a:latin typeface="微软雅黑" panose="020B0503020204020204" pitchFamily="34" charset="-122"/>
                 <a:ea typeface="微软雅黑" panose="020B0503020204020204" pitchFamily="34" charset="-122"/>
               </a:rPr>
-              <a:t>大黑山松岚大学文体活动奖学金</a:t>
+              <a:t>学年大黑山松岚大学三好学生荣誉称号</a:t>
             </a:r>
             <a:endParaRPr lang="en-US" altLang="zh-CN" sz="900" dirty="0">
               <a:latin typeface="微软雅黑" panose="020B0503020204020204" pitchFamily="34" charset="-122"/>
@@ -4869,46 +4608,86 @@
               <a:buChar char="ü"/>
             </a:pPr>
             <a:r>
-              <a:rPr lang="en-US" altLang="zh-CN" sz="900" dirty="0" smtClean="0">
+              <a:rPr lang="en-US" altLang="zh-CN" sz="900" dirty="0">
+                <a:latin typeface="微软雅黑" panose="020B0503020204020204" pitchFamily="34" charset="-122"/>
+                <a:ea typeface="微软雅黑" panose="020B0503020204020204" pitchFamily="34" charset="-122"/>
+              </a:rPr>
+              <a:t>2013 – 2014 </a:t>
+            </a:r>
+            <a:r>
+              <a:rPr lang="zh-CN" altLang="en-US" sz="900" dirty="0">
+                <a:latin typeface="微软雅黑" panose="020B0503020204020204" pitchFamily="34" charset="-122"/>
+                <a:ea typeface="微软雅黑" panose="020B0503020204020204" pitchFamily="34" charset="-122"/>
+              </a:rPr>
+              <a:t>学年大黑山松岚大学学习优秀奖学金</a:t>
+            </a:r>
+            <a:endParaRPr lang="en-US" altLang="zh-CN" sz="900" dirty="0">
+              <a:latin typeface="微软雅黑" panose="020B0503020204020204" pitchFamily="34" charset="-122"/>
+              <a:ea typeface="微软雅黑" panose="020B0503020204020204" pitchFamily="34" charset="-122"/>
+            </a:endParaRPr>
+          </a:p>
+          <a:p>
+            <a:pPr marL="171450" indent="-171450">
+              <a:lnSpc>
+                <a:spcPts val="1500"/>
+              </a:lnSpc>
+              <a:buFont typeface="Wingdings" panose="05000000000000000000" pitchFamily="2" charset="2"/>
+              <a:buChar char="ü"/>
+            </a:pPr>
+            <a:r>
+              <a:rPr lang="en-US" altLang="zh-CN" sz="900" dirty="0">
+                <a:latin typeface="微软雅黑" panose="020B0503020204020204" pitchFamily="34" charset="-122"/>
+                <a:ea typeface="微软雅黑" panose="020B0503020204020204" pitchFamily="34" charset="-122"/>
+              </a:rPr>
+              <a:t>2012 – 2013 </a:t>
+            </a:r>
+            <a:r>
+              <a:rPr lang="zh-CN" altLang="en-US" sz="900" dirty="0">
+                <a:latin typeface="微软雅黑" panose="020B0503020204020204" pitchFamily="34" charset="-122"/>
+                <a:ea typeface="微软雅黑" panose="020B0503020204020204" pitchFamily="34" charset="-122"/>
+              </a:rPr>
+              <a:t>学年大黑山松岚大学文体活动奖学金</a:t>
+            </a:r>
+            <a:endParaRPr lang="en-US" altLang="zh-CN" sz="900" dirty="0">
+              <a:latin typeface="微软雅黑" panose="020B0503020204020204" pitchFamily="34" charset="-122"/>
+              <a:ea typeface="微软雅黑" panose="020B0503020204020204" pitchFamily="34" charset="-122"/>
+            </a:endParaRPr>
+          </a:p>
+          <a:p>
+            <a:pPr marL="171450" indent="-171450">
+              <a:lnSpc>
+                <a:spcPts val="1500"/>
+              </a:lnSpc>
+              <a:buFont typeface="Wingdings" panose="05000000000000000000" pitchFamily="2" charset="2"/>
+              <a:buChar char="ü"/>
+            </a:pPr>
+            <a:r>
+              <a:rPr lang="en-US" altLang="zh-CN" sz="900" dirty="0">
                 <a:latin typeface="微软雅黑" panose="020B0503020204020204" pitchFamily="34" charset="-122"/>
                 <a:ea typeface="微软雅黑" panose="020B0503020204020204" pitchFamily="34" charset="-122"/>
               </a:rPr>
               <a:t>2013 </a:t>
             </a:r>
             <a:r>
-              <a:rPr lang="zh-CN" altLang="en-US" sz="900" dirty="0" smtClean="0">
+              <a:rPr lang="zh-CN" altLang="en-US" sz="900" dirty="0">
                 <a:latin typeface="微软雅黑" panose="020B0503020204020204" pitchFamily="34" charset="-122"/>
                 <a:ea typeface="微软雅黑" panose="020B0503020204020204" pitchFamily="34" charset="-122"/>
               </a:rPr>
               <a:t>年大学生</a:t>
             </a:r>
             <a:r>
-              <a:rPr lang="en-US" altLang="zh-CN" sz="900" dirty="0" smtClean="0">
+              <a:rPr lang="en-US" altLang="zh-CN" sz="900" dirty="0">
                 <a:latin typeface="微软雅黑" panose="020B0503020204020204" pitchFamily="34" charset="-122"/>
                 <a:ea typeface="微软雅黑" panose="020B0503020204020204" pitchFamily="34" charset="-122"/>
               </a:rPr>
               <a:t>XXX</a:t>
             </a:r>
             <a:r>
-              <a:rPr lang="zh-CN" altLang="en-US" sz="900" dirty="0" smtClean="0">
-                <a:latin typeface="微软雅黑" panose="020B0503020204020204" pitchFamily="34" charset="-122"/>
-                <a:ea typeface="微软雅黑" panose="020B0503020204020204" pitchFamily="34" charset="-122"/>
-              </a:rPr>
-              <a:t>大赛</a:t>
-            </a:r>
-            <a:r>
               <a:rPr lang="zh-CN" altLang="en-US" sz="900" dirty="0">
                 <a:latin typeface="微软雅黑" panose="020B0503020204020204" pitchFamily="34" charset="-122"/>
                 <a:ea typeface="微软雅黑" panose="020B0503020204020204" pitchFamily="34" charset="-122"/>
               </a:rPr>
-              <a:t>省</a:t>
-            </a:r>
-            <a:r>
-              <a:rPr lang="zh-CN" altLang="en-US" sz="900" dirty="0" smtClean="0">
-                <a:latin typeface="微软雅黑" panose="020B0503020204020204" pitchFamily="34" charset="-122"/>
-                <a:ea typeface="微软雅黑" panose="020B0503020204020204" pitchFamily="34" charset="-122"/>
-              </a:rPr>
-              <a:t>赛一等奖</a:t>
+              <a:t>大赛省赛一等奖</a:t>
             </a:r>
             <a:endParaRPr lang="en-US" altLang="zh-CN" sz="900" dirty="0">
               <a:latin typeface="微软雅黑" panose="020B0503020204020204" pitchFamily="34" charset="-122"/>
@@ -4950,35 +4729,21 @@
                 <a:latin typeface="微软雅黑" panose="020B0503020204020204" pitchFamily="34" charset="-122"/>
                 <a:ea typeface="微软雅黑" panose="020B0503020204020204" pitchFamily="34" charset="-122"/>
               </a:rPr>
-              <a:t>设计大黑山松岚</a:t>
-            </a:r>
-            <a:r>
-              <a:rPr lang="zh-CN" altLang="en-US" sz="900" dirty="0" smtClean="0">
-                <a:latin typeface="微软雅黑" panose="020B0503020204020204" pitchFamily="34" charset="-122"/>
-                <a:ea typeface="微软雅黑" panose="020B0503020204020204" pitchFamily="34" charset="-122"/>
-              </a:rPr>
-              <a:t>大学</a:t>
-            </a:r>
-            <a:r>
-              <a:rPr lang="en-US" altLang="zh-CN" sz="900" dirty="0" smtClean="0">
+              <a:t>设计大黑山松岚大学</a:t>
+            </a:r>
+            <a:r>
+              <a:rPr lang="en-US" altLang="zh-CN" sz="900" dirty="0">
                 <a:latin typeface="微软雅黑" panose="020B0503020204020204" pitchFamily="34" charset="-122"/>
                 <a:ea typeface="微软雅黑" panose="020B0503020204020204" pitchFamily="34" charset="-122"/>
               </a:rPr>
               <a:t>XXX</a:t>
             </a:r>
             <a:r>
-              <a:rPr lang="zh-CN" altLang="en-US" sz="900" dirty="0" smtClean="0">
-                <a:latin typeface="微软雅黑" panose="020B0503020204020204" pitchFamily="34" charset="-122"/>
-                <a:ea typeface="微软雅黑" panose="020B0503020204020204" pitchFamily="34" charset="-122"/>
-              </a:rPr>
-              <a:t>届</a:t>
-            </a:r>
-            <a:r>
               <a:rPr lang="zh-CN" altLang="en-US" sz="900" dirty="0">
                 <a:latin typeface="微软雅黑" panose="020B0503020204020204" pitchFamily="34" charset="-122"/>
                 <a:ea typeface="微软雅黑" panose="020B0503020204020204" pitchFamily="34" charset="-122"/>
               </a:rPr>
-              <a:t>毕业生文化衫，并被学校采纳，赠予</a:t>
+              <a:t>届毕业生文化衫，并被学校采纳，赠予</a:t>
             </a:r>
             <a:r>
               <a:rPr lang="en-US" altLang="zh-CN" sz="900" dirty="0">
@@ -5012,35 +4777,21 @@
                 <a:latin typeface="微软雅黑" panose="020B0503020204020204" pitchFamily="34" charset="-122"/>
                 <a:ea typeface="微软雅黑" panose="020B0503020204020204" pitchFamily="34" charset="-122"/>
               </a:rPr>
-              <a:t>设计大黑山松岚大学软件</a:t>
-            </a:r>
-            <a:r>
-              <a:rPr lang="zh-CN" altLang="en-US" sz="900" dirty="0" smtClean="0">
-                <a:latin typeface="微软雅黑" panose="020B0503020204020204" pitchFamily="34" charset="-122"/>
-                <a:ea typeface="微软雅黑" panose="020B0503020204020204" pitchFamily="34" charset="-122"/>
-              </a:rPr>
-              <a:t>学院</a:t>
-            </a:r>
-            <a:r>
-              <a:rPr lang="en-US" altLang="zh-CN" sz="900" dirty="0" smtClean="0">
+              <a:t>设计大黑山松岚大学软件学院</a:t>
+            </a:r>
+            <a:r>
+              <a:rPr lang="en-US" altLang="zh-CN" sz="900" dirty="0">
                 <a:latin typeface="微软雅黑" panose="020B0503020204020204" pitchFamily="34" charset="-122"/>
                 <a:ea typeface="微软雅黑" panose="020B0503020204020204" pitchFamily="34" charset="-122"/>
               </a:rPr>
               <a:t>XXX</a:t>
             </a:r>
             <a:r>
-              <a:rPr lang="zh-CN" altLang="en-US" sz="900" dirty="0" smtClean="0">
-                <a:latin typeface="微软雅黑" panose="020B0503020204020204" pitchFamily="34" charset="-122"/>
-                <a:ea typeface="微软雅黑" panose="020B0503020204020204" pitchFamily="34" charset="-122"/>
-              </a:rPr>
-              <a:t>届</a:t>
-            </a:r>
-            <a:r>
               <a:rPr lang="zh-CN" altLang="en-US" sz="900" dirty="0">
                 <a:latin typeface="微软雅黑" panose="020B0503020204020204" pitchFamily="34" charset="-122"/>
                 <a:ea typeface="微软雅黑" panose="020B0503020204020204" pitchFamily="34" charset="-122"/>
               </a:rPr>
-              <a:t>毕业生</a:t>
+              <a:t>届毕业生</a:t>
             </a:r>
             <a:r>
               <a:rPr lang="en-US" altLang="zh-CN" sz="900" dirty="0">
@@ -5059,81 +4810,46 @@
               <a:buChar char="ü"/>
             </a:pPr>
             <a:r>
-              <a:rPr lang="en-US" altLang="zh-CN" sz="900" dirty="0" smtClean="0">
+              <a:rPr lang="en-US" altLang="zh-CN" sz="900" dirty="0">
                 <a:latin typeface="微软雅黑" panose="020B0503020204020204" pitchFamily="34" charset="-122"/>
                 <a:ea typeface="微软雅黑" panose="020B0503020204020204" pitchFamily="34" charset="-122"/>
               </a:rPr>
               <a:t>XXX</a:t>
             </a:r>
             <a:r>
-              <a:rPr lang="zh-CN" altLang="en-US" sz="900" dirty="0" smtClean="0">
-                <a:latin typeface="微软雅黑" panose="020B0503020204020204" pitchFamily="34" charset="-122"/>
-                <a:ea typeface="微软雅黑" panose="020B0503020204020204" pitchFamily="34" charset="-122"/>
-              </a:rPr>
-              <a:t>年</a:t>
-            </a:r>
-            <a:r>
               <a:rPr lang="zh-CN" altLang="en-US" sz="900" dirty="0">
                 <a:latin typeface="微软雅黑" panose="020B0503020204020204" pitchFamily="34" charset="-122"/>
                 <a:ea typeface="微软雅黑" panose="020B0503020204020204" pitchFamily="34" charset="-122"/>
               </a:rPr>
-              <a:t>加入软件</a:t>
-            </a:r>
-            <a:r>
-              <a:rPr lang="zh-CN" altLang="en-US" sz="900" dirty="0" smtClean="0">
-                <a:latin typeface="微软雅黑" panose="020B0503020204020204" pitchFamily="34" charset="-122"/>
-                <a:ea typeface="微软雅黑" panose="020B0503020204020204" pitchFamily="34" charset="-122"/>
-              </a:rPr>
-              <a:t>学院</a:t>
-            </a:r>
-            <a:r>
-              <a:rPr lang="en-US" altLang="zh-CN" sz="900" dirty="0" smtClean="0">
+              <a:t>年加入软件学院</a:t>
+            </a:r>
+            <a:r>
+              <a:rPr lang="en-US" altLang="zh-CN" sz="900" dirty="0">
                 <a:latin typeface="微软雅黑" panose="020B0503020204020204" pitchFamily="34" charset="-122"/>
                 <a:ea typeface="微软雅黑" panose="020B0503020204020204" pitchFamily="34" charset="-122"/>
               </a:rPr>
               <a:t>XXX</a:t>
             </a:r>
             <a:r>
-              <a:rPr lang="zh-CN" altLang="en-US" sz="900" dirty="0" smtClean="0">
-                <a:latin typeface="微软雅黑" panose="020B0503020204020204" pitchFamily="34" charset="-122"/>
-                <a:ea typeface="微软雅黑" panose="020B0503020204020204" pitchFamily="34" charset="-122"/>
-              </a:rPr>
-              <a:t>平面</a:t>
-            </a:r>
-            <a:r>
               <a:rPr lang="zh-CN" altLang="en-US" sz="900" dirty="0">
                 <a:latin typeface="微软雅黑" panose="020B0503020204020204" pitchFamily="34" charset="-122"/>
                 <a:ea typeface="微软雅黑" panose="020B0503020204020204" pitchFamily="34" charset="-122"/>
               </a:rPr>
-              <a:t>组，并</a:t>
-            </a:r>
-            <a:r>
-              <a:rPr lang="zh-CN" altLang="en-US" sz="900" dirty="0" smtClean="0">
-                <a:latin typeface="微软雅黑" panose="020B0503020204020204" pitchFamily="34" charset="-122"/>
-                <a:ea typeface="微软雅黑" panose="020B0503020204020204" pitchFamily="34" charset="-122"/>
-              </a:rPr>
-              <a:t>在</a:t>
-            </a:r>
-            <a:r>
-              <a:rPr lang="en-US" altLang="zh-CN" sz="900" dirty="0" smtClean="0">
+              <a:t>平面组，并在</a:t>
+            </a:r>
+            <a:r>
+              <a:rPr lang="en-US" altLang="zh-CN" sz="900" dirty="0">
                 <a:latin typeface="微软雅黑" panose="020B0503020204020204" pitchFamily="34" charset="-122"/>
                 <a:ea typeface="微软雅黑" panose="020B0503020204020204" pitchFamily="34" charset="-122"/>
               </a:rPr>
               <a:t>XXX</a:t>
             </a:r>
             <a:r>
-              <a:rPr lang="zh-CN" altLang="en-US" sz="900" dirty="0" smtClean="0">
-                <a:latin typeface="微软雅黑" panose="020B0503020204020204" pitchFamily="34" charset="-122"/>
-                <a:ea typeface="微软雅黑" panose="020B0503020204020204" pitchFamily="34" charset="-122"/>
-              </a:rPr>
-              <a:t>年</a:t>
-            </a:r>
-            <a:r>
               <a:rPr lang="zh-CN" altLang="en-US" sz="900" dirty="0">
                 <a:latin typeface="微软雅黑" panose="020B0503020204020204" pitchFamily="34" charset="-122"/>
                 <a:ea typeface="微软雅黑" panose="020B0503020204020204" pitchFamily="34" charset="-122"/>
               </a:rPr>
-              <a:t>担任平面组组长，负责日常例会培训</a:t>
+              <a:t>年担任平面组组长，负责日常例会培训</a:t>
             </a:r>
             <a:endParaRPr lang="en-US" altLang="zh-CN" sz="900" dirty="0">
               <a:latin typeface="微软雅黑" panose="020B0503020204020204" pitchFamily="34" charset="-122"/>
@@ -5151,7 +4867,7 @@
         <p:spPr>
           <a:xfrm>
             <a:off x="3551236" y="264670"/>
-            <a:ext cx="3027639" cy="913070"/>
+            <a:ext cx="3027639" cy="1118255"/>
           </a:xfrm>
           <a:prstGeom prst="rect">
             <a:avLst/>
@@ -5169,30 +4885,19 @@
               </a:lnSpc>
             </a:pPr>
             <a:r>
-              <a:rPr lang="zh-CN" altLang="en-US" sz="900" dirty="0" smtClean="0">
-                <a:latin typeface="微软雅黑" panose="020B0503020204020204" pitchFamily="34" charset="-122"/>
-                <a:ea typeface="微软雅黑" panose="020B0503020204020204" pitchFamily="34" charset="-122"/>
-              </a:rPr>
-              <a:t>       电话</a:t>
-            </a:r>
-            <a:r>
               <a:rPr lang="zh-CN" altLang="en-US" sz="900" dirty="0">
                 <a:latin typeface="微软雅黑" panose="020B0503020204020204" pitchFamily="34" charset="-122"/>
                 <a:ea typeface="微软雅黑" panose="020B0503020204020204" pitchFamily="34" charset="-122"/>
               </a:rPr>
-              <a:t>：</a:t>
-            </a:r>
-            <a:r>
-              <a:rPr lang="en-US" altLang="zh-CN" sz="900" dirty="0" smtClean="0">
-                <a:latin typeface="微软雅黑" panose="020B0503020204020204" pitchFamily="34" charset="-122"/>
-                <a:ea typeface="微软雅黑" panose="020B0503020204020204" pitchFamily="34" charset="-122"/>
-              </a:rPr>
-              <a:t>188-0000-0000</a:t>
-            </a:r>
-            <a:endParaRPr lang="en-US" altLang="zh-CN" sz="900" dirty="0">
-              <a:latin typeface="微软雅黑" panose="020B0503020204020204" pitchFamily="34" charset="-122"/>
-              <a:ea typeface="微软雅黑" panose="020B0503020204020204" pitchFamily="34" charset="-122"/>
-            </a:endParaRPr>
+              <a:t>       电话：</a:t>
+            </a:r>
+            <a:r>
+              <a:rPr lang="en-US" altLang="zh-CN" sz="900" dirty="0">
+                <a:latin typeface="微软雅黑" panose="020B0503020204020204" pitchFamily="34" charset="-122"/>
+                <a:ea typeface="微软雅黑" panose="020B0503020204020204" pitchFamily="34" charset="-122"/>
+              </a:rPr>
+              <a:t>182-6715-4723</a:t>
+            </a:r>
           </a:p>
           <a:p>
             <a:pPr lvl="0">
@@ -5201,21 +4906,21 @@
               </a:lnSpc>
             </a:pPr>
             <a:r>
-              <a:rPr lang="zh-CN" altLang="en-US" sz="900" dirty="0" smtClean="0">
+              <a:rPr lang="zh-CN" altLang="en-US" sz="900" dirty="0">
                 <a:latin typeface="微软雅黑" panose="020B0503020204020204" pitchFamily="34" charset="-122"/>
                 <a:ea typeface="微软雅黑" panose="020B0503020204020204" pitchFamily="34" charset="-122"/>
               </a:rPr>
               <a:t>       邮箱：</a:t>
             </a:r>
             <a:r>
-              <a:rPr lang="en-US" altLang="zh-CN" sz="900" dirty="0" smtClean="0">
-                <a:latin typeface="微软雅黑" panose="020B0503020204020204" pitchFamily="34" charset="-122"/>
-                <a:ea typeface="微软雅黑" panose="020B0503020204020204" pitchFamily="34" charset="-122"/>
-                <a:hlinkClick r:id="rId3"/>
-              </a:rPr>
-              <a:t>IridescentXS@gmail.com</a:t>
-            </a:r>
-            <a:endParaRPr lang="en-US" altLang="zh-CN" sz="900" dirty="0" smtClean="0">
+              <a:rPr lang="en-US" altLang="zh-CN" sz="900" dirty="0">
+                <a:latin typeface="微软雅黑" panose="020B0503020204020204" pitchFamily="34" charset="-122"/>
+                <a:ea typeface="微软雅黑" panose="020B0503020204020204" pitchFamily="34" charset="-122"/>
+                <a:hlinkClick r:id="rId4"/>
+              </a:rPr>
+              <a:t>lxchuan12@163.com</a:t>
+            </a:r>
+            <a:endParaRPr lang="en-US" altLang="zh-CN" sz="900" dirty="0">
               <a:latin typeface="微软雅黑" panose="020B0503020204020204" pitchFamily="34" charset="-122"/>
               <a:ea typeface="微软雅黑" panose="020B0503020204020204" pitchFamily="34" charset="-122"/>
             </a:endParaRPr>
@@ -5227,41 +4932,19 @@
               </a:lnSpc>
             </a:pPr>
             <a:r>
-              <a:rPr lang="zh-CN" altLang="en-US" sz="900" dirty="0" smtClean="0">
-                <a:latin typeface="微软雅黑" panose="020B0503020204020204" pitchFamily="34" charset="-122"/>
-                <a:ea typeface="微软雅黑" panose="020B0503020204020204" pitchFamily="34" charset="-122"/>
-              </a:rPr>
-              <a:t>个人</a:t>
-            </a:r>
-            <a:r>
               <a:rPr lang="zh-CN" altLang="en-US" sz="900" dirty="0">
                 <a:latin typeface="微软雅黑" panose="020B0503020204020204" pitchFamily="34" charset="-122"/>
                 <a:ea typeface="微软雅黑" panose="020B0503020204020204" pitchFamily="34" charset="-122"/>
               </a:rPr>
-              <a:t>主页</a:t>
-            </a:r>
-            <a:r>
-              <a:rPr lang="zh-CN" altLang="en-US" sz="900" dirty="0" smtClean="0">
-                <a:latin typeface="微软雅黑" panose="020B0503020204020204" pitchFamily="34" charset="-122"/>
-                <a:ea typeface="微软雅黑" panose="020B0503020204020204" pitchFamily="34" charset="-122"/>
-              </a:rPr>
-              <a:t>：</a:t>
-            </a:r>
-            <a:r>
-              <a:rPr lang="en-US" altLang="zh-CN" sz="900" dirty="0" smtClean="0">
-                <a:latin typeface="微软雅黑" panose="020B0503020204020204" pitchFamily="34" charset="-122"/>
-                <a:ea typeface="微软雅黑" panose="020B0503020204020204" pitchFamily="34" charset="-122"/>
-                <a:hlinkClick r:id="rId4"/>
-              </a:rPr>
-              <a:t>https://</a:t>
+              <a:t>       博客：</a:t>
             </a:r>
             <a:r>
               <a:rPr lang="en-US" altLang="zh-CN" sz="900" dirty="0">
                 <a:latin typeface="微软雅黑" panose="020B0503020204020204" pitchFamily="34" charset="-122"/>
                 <a:ea typeface="微软雅黑" panose="020B0503020204020204" pitchFamily="34" charset="-122"/>
-                <a:hlinkClick r:id="rId4"/>
-              </a:rPr>
-              <a:t>IridescentMia.github.io/</a:t>
+                <a:hlinkClick r:id="rId5"/>
+              </a:rPr>
+              <a:t>http://lxchuan12.github.io/</a:t>
             </a:r>
             <a:r>
               <a:rPr lang="en-US" altLang="zh-CN" sz="900" dirty="0">
@@ -5282,24 +4965,17 @@
                 <a:latin typeface="微软雅黑" panose="020B0503020204020204" pitchFamily="34" charset="-122"/>
                 <a:ea typeface="微软雅黑" panose="020B0503020204020204" pitchFamily="34" charset="-122"/>
               </a:rPr>
-              <a:t> </a:t>
-            </a:r>
-            <a:r>
-              <a:rPr lang="en-US" altLang="zh-CN" sz="800" dirty="0" smtClean="0">
-                <a:latin typeface="微软雅黑" panose="020B0503020204020204" pitchFamily="34" charset="-122"/>
-                <a:ea typeface="微软雅黑" panose="020B0503020204020204" pitchFamily="34" charset="-122"/>
-              </a:rPr>
-              <a:t>  </a:t>
-            </a:r>
-            <a:r>
-              <a:rPr lang="en-US" altLang="zh-CN" sz="900" dirty="0" err="1" smtClean="0">
+              <a:t>   </a:t>
+            </a:r>
+            <a:r>
+              <a:rPr lang="en-US" altLang="zh-CN" sz="900" dirty="0" err="1">
                 <a:latin typeface="微软雅黑" panose="020B0503020204020204" pitchFamily="34" charset="-122"/>
                 <a:ea typeface="微软雅黑" panose="020B0503020204020204" pitchFamily="34" charset="-122"/>
               </a:rPr>
               <a:t>Github</a:t>
             </a:r>
             <a:r>
-              <a:rPr lang="zh-CN" altLang="en-US" sz="900" dirty="0" smtClean="0">
+              <a:rPr lang="zh-CN" altLang="en-US" sz="900" dirty="0">
                 <a:latin typeface="微软雅黑" panose="020B0503020204020204" pitchFamily="34" charset="-122"/>
                 <a:ea typeface="微软雅黑" panose="020B0503020204020204" pitchFamily="34" charset="-122"/>
               </a:rPr>
@@ -5309,24 +4985,34 @@
               <a:rPr lang="en-US" altLang="zh-CN" sz="900" dirty="0">
                 <a:latin typeface="微软雅黑" panose="020B0503020204020204" pitchFamily="34" charset="-122"/>
                 <a:ea typeface="微软雅黑" panose="020B0503020204020204" pitchFamily="34" charset="-122"/>
-                <a:hlinkClick r:id="rId5"/>
-              </a:rPr>
-              <a:t>https://</a:t>
-            </a:r>
-            <a:r>
-              <a:rPr lang="en-US" altLang="zh-CN" sz="900" dirty="0" smtClean="0">
-                <a:latin typeface="微软雅黑" panose="020B0503020204020204" pitchFamily="34" charset="-122"/>
-                <a:ea typeface="微软雅黑" panose="020B0503020204020204" pitchFamily="34" charset="-122"/>
-                <a:hlinkClick r:id="rId5"/>
-              </a:rPr>
-              <a:t>github.com/IridescentMia</a:t>
-            </a:r>
-            <a:r>
-              <a:rPr lang="en-US" altLang="zh-CN" sz="900" dirty="0" smtClean="0">
-                <a:latin typeface="微软雅黑" panose="020B0503020204020204" pitchFamily="34" charset="-122"/>
-                <a:ea typeface="微软雅黑" panose="020B0503020204020204" pitchFamily="34" charset="-122"/>
-              </a:rPr>
-              <a:t>/</a:t>
+                <a:hlinkClick r:id="rId6"/>
+              </a:rPr>
+              <a:t>https://github.com/lxchuan12</a:t>
+            </a:r>
+            <a:endParaRPr lang="en-US" altLang="zh-CN" sz="900" dirty="0">
+              <a:latin typeface="微软雅黑" panose="020B0503020204020204" pitchFamily="34" charset="-122"/>
+              <a:ea typeface="微软雅黑" panose="020B0503020204020204" pitchFamily="34" charset="-122"/>
+            </a:endParaRPr>
+          </a:p>
+          <a:p>
+            <a:pPr>
+              <a:lnSpc>
+                <a:spcPts val="1600"/>
+              </a:lnSpc>
+            </a:pPr>
+            <a:r>
+              <a:rPr lang="en-US" altLang="zh-CN" sz="900" dirty="0">
+                <a:latin typeface="微软雅黑" panose="020B0503020204020204" pitchFamily="34" charset="-122"/>
+                <a:ea typeface="微软雅黑" panose="020B0503020204020204" pitchFamily="34" charset="-122"/>
+              </a:rPr>
+              <a:t>       </a:t>
+            </a:r>
+            <a:r>
+              <a:rPr lang="zh-CN" altLang="en-US" sz="900" dirty="0">
+                <a:latin typeface="微软雅黑" panose="020B0503020204020204" pitchFamily="34" charset="-122"/>
+                <a:ea typeface="微软雅黑" panose="020B0503020204020204" pitchFamily="34" charset="-122"/>
+              </a:rPr>
+              <a:t>现居：杭州西湖区</a:t>
             </a:r>
             <a:endParaRPr lang="en-US" altLang="zh-CN" sz="900" dirty="0">
               <a:latin typeface="微软雅黑" panose="020B0503020204020204" pitchFamily="34" charset="-122"/>
@@ -5414,7 +5100,7 @@
         </p:nvSpPr>
         <p:spPr>
           <a:xfrm>
-            <a:off x="208865" y="3124507"/>
+            <a:off x="208865" y="2621587"/>
             <a:ext cx="800219" cy="276999"/>
           </a:xfrm>
           <a:prstGeom prst="rect">
@@ -5429,7 +5115,7 @@
           <a:p>
             <a:pPr lvl="0"/>
             <a:r>
-              <a:rPr lang="zh-CN" altLang="en-US" sz="1200" b="1" dirty="0" smtClean="0">
+              <a:rPr lang="zh-CN" altLang="en-US" sz="1200" b="1" dirty="0">
                 <a:latin typeface="微软雅黑" panose="020B0503020204020204" pitchFamily="34" charset="-122"/>
                 <a:ea typeface="微软雅黑" panose="020B0503020204020204" pitchFamily="34" charset="-122"/>
               </a:rPr>
@@ -5450,7 +5136,7 @@
         </p:nvCxnSpPr>
         <p:spPr>
           <a:xfrm>
-            <a:off x="289834" y="3400953"/>
+            <a:off x="289834" y="2898033"/>
             <a:ext cx="2941591" cy="0"/>
           </a:xfrm>
           <a:prstGeom prst="line">
@@ -5485,7 +5171,7 @@
         </p:nvCxnSpPr>
         <p:spPr>
           <a:xfrm flipV="1">
-            <a:off x="341678" y="3526250"/>
+            <a:off x="341678" y="3023330"/>
             <a:ext cx="0" cy="5794482"/>
           </a:xfrm>
           <a:prstGeom prst="straightConnector1">
@@ -5521,7 +5207,7 @@
         </p:nvSpPr>
         <p:spPr>
           <a:xfrm flipH="1">
-            <a:off x="299360" y="3942541"/>
+            <a:off x="299360" y="3439621"/>
             <a:ext cx="84636" cy="84636"/>
           </a:xfrm>
           <a:prstGeom prst="ellipse">
@@ -5569,7 +5255,7 @@
         </p:nvSpPr>
         <p:spPr>
           <a:xfrm flipH="1">
-            <a:off x="299360" y="5981367"/>
+            <a:off x="299360" y="5478447"/>
             <a:ext cx="84636" cy="84636"/>
           </a:xfrm>
           <a:prstGeom prst="ellipse">
@@ -5617,7 +5303,7 @@
         </p:nvSpPr>
         <p:spPr>
           <a:xfrm flipH="1">
-            <a:off x="299360" y="8054314"/>
+            <a:off x="299360" y="7551394"/>
             <a:ext cx="84636" cy="84636"/>
           </a:xfrm>
           <a:prstGeom prst="ellipse">
@@ -5666,7 +5352,7 @@
         <p:spPr>
           <a:xfrm>
             <a:off x="3548996" y="6145634"/>
-            <a:ext cx="800219" cy="276999"/>
+            <a:ext cx="1641796" cy="276999"/>
           </a:xfrm>
           <a:prstGeom prst="rect">
             <a:avLst/>
@@ -5680,11 +5366,25 @@
           <a:p>
             <a:pPr lvl="0"/>
             <a:r>
-              <a:rPr lang="zh-CN" altLang="en-US" sz="1200" b="1" dirty="0" smtClean="0">
-                <a:latin typeface="微软雅黑" panose="020B0503020204020204" pitchFamily="34" charset="-122"/>
-                <a:ea typeface="微软雅黑" panose="020B0503020204020204" pitchFamily="34" charset="-122"/>
-              </a:rPr>
-              <a:t>获奖记录</a:t>
+              <a:rPr lang="zh-CN" altLang="en-US" sz="1200" b="1" dirty="0">
+                <a:latin typeface="微软雅黑" panose="020B0503020204020204" pitchFamily="34" charset="-122"/>
+                <a:ea typeface="微软雅黑" panose="020B0503020204020204" pitchFamily="34" charset="-122"/>
+              </a:rPr>
+              <a:t>计算机相关荣誉</a:t>
+            </a:r>
+            <a:r>
+              <a:rPr lang="en-US" altLang="zh-CN" sz="1200" b="1" dirty="0">
+                <a:latin typeface="微软雅黑" panose="020B0503020204020204" pitchFamily="34" charset="-122"/>
+                <a:ea typeface="微软雅黑" panose="020B0503020204020204" pitchFamily="34" charset="-122"/>
+              </a:rPr>
+              <a:t>/</a:t>
+            </a:r>
+            <a:r>
+              <a:rPr lang="zh-CN" altLang="en-US" sz="1200" b="1" dirty="0">
+                <a:latin typeface="微软雅黑" panose="020B0503020204020204" pitchFamily="34" charset="-122"/>
+                <a:ea typeface="微软雅黑" panose="020B0503020204020204" pitchFamily="34" charset="-122"/>
+              </a:rPr>
+              <a:t>经历</a:t>
             </a:r>
             <a:endParaRPr lang="en-US" altLang="zh-CN" sz="1200" b="1" dirty="0">
               <a:latin typeface="微软雅黑" panose="020B0503020204020204" pitchFamily="34" charset="-122"/>
@@ -5751,7 +5451,7 @@
           <a:p>
             <a:pPr lvl="0"/>
             <a:r>
-              <a:rPr lang="zh-CN" altLang="en-US" sz="1200" b="1" dirty="0" smtClean="0">
+              <a:rPr lang="zh-CN" altLang="en-US" sz="1200" b="1" dirty="0">
                 <a:latin typeface="微软雅黑" panose="020B0503020204020204" pitchFamily="34" charset="-122"/>
                 <a:ea typeface="微软雅黑" panose="020B0503020204020204" pitchFamily="34" charset="-122"/>
               </a:rPr>
@@ -5808,7 +5508,7 @@
         <p:spPr>
           <a:xfrm>
             <a:off x="3548996" y="7940958"/>
-            <a:ext cx="492443" cy="276999"/>
+            <a:ext cx="800219" cy="276999"/>
           </a:xfrm>
           <a:prstGeom prst="rect">
             <a:avLst/>
@@ -5822,11 +5522,11 @@
           <a:p>
             <a:pPr lvl="0"/>
             <a:r>
-              <a:rPr lang="zh-CN" altLang="en-US" sz="1200" b="1" dirty="0" smtClean="0">
-                <a:latin typeface="微软雅黑" panose="020B0503020204020204" pitchFamily="34" charset="-122"/>
-                <a:ea typeface="微软雅黑" panose="020B0503020204020204" pitchFamily="34" charset="-122"/>
-              </a:rPr>
-              <a:t>其他</a:t>
+              <a:rPr lang="zh-CN" altLang="en-US" sz="1200" b="1" dirty="0">
+                <a:latin typeface="微软雅黑" panose="020B0503020204020204" pitchFamily="34" charset="-122"/>
+                <a:ea typeface="微软雅黑" panose="020B0503020204020204" pitchFamily="34" charset="-122"/>
+              </a:rPr>
+              <a:t>兴趣爱好</a:t>
             </a:r>
             <a:endParaRPr lang="en-US" altLang="zh-CN" sz="1200" b="1" dirty="0">
               <a:latin typeface="微软雅黑" panose="020B0503020204020204" pitchFamily="34" charset="-122"/>
@@ -5873,13 +5573,15 @@
       <p:cxnSp>
         <p:nvCxnSpPr>
           <p:cNvPr id="66" name="直接连接符 65"/>
-          <p:cNvCxnSpPr/>
+          <p:cNvCxnSpPr>
+            <a:cxnSpLocks/>
+          </p:cNvCxnSpPr>
           <p:nvPr/>
         </p:nvCxnSpPr>
         <p:spPr>
           <a:xfrm>
-            <a:off x="1043865" y="1812775"/>
-            <a:ext cx="0" cy="1052018"/>
+            <a:off x="1043865" y="1760220"/>
+            <a:ext cx="0" cy="548313"/>
           </a:xfrm>
           <a:prstGeom prst="line">
             <a:avLst/>
@@ -5907,13 +5609,13 @@
       </p:cxnSp>
       <p:sp>
         <p:nvSpPr>
-          <p:cNvPr id="67" name="椭圆 66"/>
+          <p:cNvPr id="68" name="椭圆 67"/>
           <p:cNvSpPr/>
           <p:nvPr/>
         </p:nvSpPr>
         <p:spPr>
           <a:xfrm flipH="1">
-            <a:off x="1001547" y="1962106"/>
+            <a:off x="1001547" y="1973667"/>
             <a:ext cx="84636" cy="84636"/>
           </a:xfrm>
           <a:prstGeom prst="ellipse">
@@ -5955,61 +5657,13 @@
       </p:sp>
       <p:sp>
         <p:nvSpPr>
-          <p:cNvPr id="68" name="椭圆 67"/>
+          <p:cNvPr id="70" name="矩形 69"/>
           <p:cNvSpPr/>
           <p:nvPr/>
         </p:nvSpPr>
         <p:spPr>
-          <a:xfrm flipH="1">
-            <a:off x="1001547" y="2529927"/>
-            <a:ext cx="84636" cy="84636"/>
-          </a:xfrm>
-          <a:prstGeom prst="ellipse">
-            <a:avLst/>
-          </a:prstGeom>
-          <a:solidFill>
-            <a:schemeClr val="tx1"/>
-          </a:solidFill>
-          <a:ln w="15875">
-            <a:solidFill>
-              <a:schemeClr val="bg1"/>
-            </a:solidFill>
-          </a:ln>
-        </p:spPr>
-        <p:style>
-          <a:lnRef idx="2">
-            <a:schemeClr val="accent1">
-              <a:shade val="50000"/>
-            </a:schemeClr>
-          </a:lnRef>
-          <a:fillRef idx="1">
-            <a:schemeClr val="accent1"/>
-          </a:fillRef>
-          <a:effectRef idx="0">
-            <a:schemeClr val="accent1"/>
-          </a:effectRef>
-          <a:fontRef idx="minor">
-            <a:schemeClr val="lt1"/>
-          </a:fontRef>
-        </p:style>
-        <p:txBody>
-          <a:bodyPr rtlCol="0" anchor="ctr"/>
-          <a:lstStyle/>
-          <a:p>
-            <a:pPr algn="ctr"/>
-            <a:endParaRPr lang="zh-CN" altLang="en-US"/>
-          </a:p>
-        </p:txBody>
-      </p:sp>
-      <p:sp>
-        <p:nvSpPr>
-          <p:cNvPr id="69" name="矩形 68"/>
-          <p:cNvSpPr/>
-          <p:nvPr/>
-        </p:nvSpPr>
-        <p:spPr>
           <a:xfrm>
-            <a:off x="204040" y="1895520"/>
+            <a:off x="215659" y="1908115"/>
             <a:ext cx="840295" cy="230832"/>
           </a:xfrm>
           <a:prstGeom prst="rect">
@@ -6023,49 +5677,14 @@
           <a:lstStyle/>
           <a:p>
             <a:r>
-              <a:rPr lang="en-US" altLang="zh-CN" sz="900" dirty="0" smtClean="0">
+              <a:rPr lang="en-US" altLang="zh-CN" sz="900" dirty="0">
                 <a:solidFill>
                   <a:prstClr val="black"/>
                 </a:solidFill>
                 <a:latin typeface="微软雅黑" panose="020B0503020204020204" pitchFamily="34" charset="-122"/>
                 <a:ea typeface="微软雅黑" panose="020B0503020204020204" pitchFamily="34" charset="-122"/>
               </a:rPr>
-              <a:t>2015 - 2017</a:t>
-            </a:r>
-            <a:endParaRPr lang="zh-CN" altLang="en-US" sz="1600" dirty="0"/>
-          </a:p>
-        </p:txBody>
-      </p:sp>
-      <p:sp>
-        <p:nvSpPr>
-          <p:cNvPr id="70" name="矩形 69"/>
-          <p:cNvSpPr/>
-          <p:nvPr/>
-        </p:nvSpPr>
-        <p:spPr>
-          <a:xfrm>
-            <a:off x="215659" y="2464375"/>
-            <a:ext cx="840295" cy="230832"/>
-          </a:xfrm>
-          <a:prstGeom prst="rect">
-            <a:avLst/>
-          </a:prstGeom>
-        </p:spPr>
-        <p:txBody>
-          <a:bodyPr wrap="none">
-            <a:spAutoFit/>
-          </a:bodyPr>
-          <a:lstStyle/>
-          <a:p>
-            <a:r>
-              <a:rPr lang="en-US" altLang="zh-CN" sz="900" dirty="0" smtClean="0">
-                <a:solidFill>
-                  <a:prstClr val="black"/>
-                </a:solidFill>
-                <a:latin typeface="微软雅黑" panose="020B0503020204020204" pitchFamily="34" charset="-122"/>
-                <a:ea typeface="微软雅黑" panose="020B0503020204020204" pitchFamily="34" charset="-122"/>
-              </a:rPr>
-              <a:t>2011 - 2015</a:t>
+              <a:t>2012 - 2016</a:t>
             </a:r>
             <a:endParaRPr lang="zh-CN" altLang="en-US" sz="1600" dirty="0"/>
           </a:p>
@@ -6080,7 +5699,7 @@
         <p:spPr>
           <a:xfrm>
             <a:off x="2028724" y="9526055"/>
-            <a:ext cx="2728632" cy="215444"/>
+            <a:ext cx="2933816" cy="215444"/>
           </a:xfrm>
           <a:prstGeom prst="rect">
             <a:avLst/>
@@ -6094,7 +5713,7 @@
           <a:lstStyle/>
           <a:p>
             <a:r>
-              <a:rPr lang="zh-CN" altLang="en-US" sz="800" dirty="0" smtClean="0">
+              <a:rPr lang="zh-CN" altLang="en-US" sz="800" dirty="0">
                 <a:latin typeface="微软雅黑" panose="020B0503020204020204" pitchFamily="34" charset="-122"/>
                 <a:ea typeface="微软雅黑" panose="020B0503020204020204" pitchFamily="34" charset="-122"/>
               </a:rPr>
@@ -6104,19 +5723,18 @@
               <a:rPr lang="en-US" altLang="zh-CN" sz="800" dirty="0">
                 <a:latin typeface="微软雅黑" panose="020B0503020204020204" pitchFamily="34" charset="-122"/>
                 <a:ea typeface="微软雅黑" panose="020B0503020204020204" pitchFamily="34" charset="-122"/>
-                <a:hlinkClick r:id="rId6"/>
-              </a:rPr>
-              <a:t>https</a:t>
-            </a:r>
-            <a:r>
-              <a:rPr lang="en-US" altLang="zh-CN" sz="800" dirty="0" smtClean="0">
-                <a:latin typeface="微软雅黑" panose="020B0503020204020204" pitchFamily="34" charset="-122"/>
-                <a:ea typeface="微软雅黑" panose="020B0503020204020204" pitchFamily="34" charset="-122"/>
-                <a:hlinkClick r:id="rId6"/>
-              </a:rPr>
-              <a:t>://IridescentMia.github.io/resume/</a:t>
-            </a:r>
-            <a:endParaRPr lang="en-US" altLang="zh-CN" sz="800" dirty="0" smtClean="0">
+              </a:rPr>
+              <a:t> </a:t>
+            </a:r>
+            <a:r>
+              <a:rPr lang="en-US" altLang="zh-CN" sz="800" dirty="0">
+                <a:latin typeface="微软雅黑" panose="020B0503020204020204" pitchFamily="34" charset="-122"/>
+                <a:ea typeface="微软雅黑" panose="020B0503020204020204" pitchFamily="34" charset="-122"/>
+                <a:hlinkClick r:id="rId7"/>
+              </a:rPr>
+              <a:t>https://lxchuan12.github.io/works/resume/</a:t>
+            </a:r>
+            <a:endParaRPr lang="en-US" altLang="zh-CN" sz="800" dirty="0">
               <a:latin typeface="微软雅黑" panose="020B0503020204020204" pitchFamily="34" charset="-122"/>
               <a:ea typeface="微软雅黑" panose="020B0503020204020204" pitchFamily="34" charset="-122"/>
             </a:endParaRPr>
@@ -6131,8 +5749,8 @@
         </p:nvSpPr>
         <p:spPr>
           <a:xfrm>
-            <a:off x="204520" y="829114"/>
-            <a:ext cx="992579" cy="230832"/>
+            <a:off x="241504" y="829114"/>
+            <a:ext cx="1223412" cy="230832"/>
           </a:xfrm>
           <a:prstGeom prst="rect">
             <a:avLst/>
@@ -6146,14 +5764,14 @@
           <a:p>
             <a:pPr lvl="0" algn="ctr"/>
             <a:r>
-              <a:rPr lang="zh-CN" altLang="en-US" sz="900" dirty="0" smtClean="0">
+              <a:rPr lang="zh-CN" altLang="en-US" sz="900" dirty="0">
                 <a:solidFill>
                   <a:prstClr val="black"/>
                 </a:solidFill>
                 <a:latin typeface="微软雅黑" panose="020B0503020204020204" pitchFamily="34" charset="-122"/>
                 <a:ea typeface="微软雅黑" panose="020B0503020204020204" pitchFamily="34" charset="-122"/>
               </a:rPr>
-              <a:t>前端开发工程师</a:t>
+              <a:t>求职意向：前端开发</a:t>
             </a:r>
             <a:endParaRPr lang="en-US" altLang="zh-CN" sz="900" dirty="0">
               <a:solidFill>
@@ -6173,7 +5791,7 @@
         </p:nvGrpSpPr>
         <p:grpSpPr>
           <a:xfrm>
-            <a:off x="386128" y="3628536"/>
+            <a:off x="386128" y="3125616"/>
             <a:ext cx="2867930" cy="2004563"/>
             <a:chOff x="416608" y="3709272"/>
             <a:chExt cx="2867930" cy="2004563"/>
@@ -6206,18 +5824,11 @@
                 </a:lnSpc>
               </a:pPr>
               <a:r>
-                <a:rPr lang="en-US" altLang="zh-CN" sz="900" dirty="0" smtClean="0">
-                  <a:latin typeface="微软雅黑" panose="020B0503020204020204" pitchFamily="34" charset="-122"/>
-                  <a:ea typeface="微软雅黑" panose="020B0503020204020204" pitchFamily="34" charset="-122"/>
-                </a:rPr>
-                <a:t>2016.2 </a:t>
-              </a:r>
-              <a:r>
                 <a:rPr lang="en-US" altLang="zh-CN" sz="900" dirty="0">
                   <a:latin typeface="微软雅黑" panose="020B0503020204020204" pitchFamily="34" charset="-122"/>
                   <a:ea typeface="微软雅黑" panose="020B0503020204020204" pitchFamily="34" charset="-122"/>
                 </a:rPr>
-                <a:t>- 2016.6</a:t>
+                <a:t>2016.2 - 2016.6</a:t>
               </a:r>
             </a:p>
           </p:txBody>
@@ -6249,32 +5860,25 @@
                 </a:lnSpc>
               </a:pPr>
               <a:r>
-                <a:rPr lang="en-US" altLang="zh-CN" sz="1050" b="1" dirty="0" err="1" smtClean="0">
+                <a:rPr lang="en-US" altLang="zh-CN" sz="1050" b="1" dirty="0" err="1">
                   <a:latin typeface="微软雅黑" panose="020B0503020204020204" pitchFamily="34" charset="-122"/>
                   <a:ea typeface="微软雅黑" panose="020B0503020204020204" pitchFamily="34" charset="-122"/>
                 </a:rPr>
                 <a:t>ABCDViz</a:t>
               </a:r>
               <a:r>
-                <a:rPr lang="en-US" altLang="zh-CN" sz="1050" b="1" dirty="0" smtClean="0">
+                <a:rPr lang="en-US" altLang="zh-CN" sz="1050" b="1" dirty="0">
                   <a:latin typeface="微软雅黑" panose="020B0503020204020204" pitchFamily="34" charset="-122"/>
                   <a:ea typeface="微软雅黑" panose="020B0503020204020204" pitchFamily="34" charset="-122"/>
                 </a:rPr>
                 <a:t> — </a:t>
               </a:r>
               <a:r>
-                <a:rPr lang="zh-CN" altLang="en-US" sz="1050" b="1" dirty="0" smtClean="0">
-                  <a:latin typeface="微软雅黑" panose="020B0503020204020204" pitchFamily="34" charset="-122"/>
-                  <a:ea typeface="微软雅黑" panose="020B0503020204020204" pitchFamily="34" charset="-122"/>
-                </a:rPr>
-                <a:t>数据</a:t>
-              </a:r>
-              <a:r>
                 <a:rPr lang="zh-CN" altLang="en-US" sz="1050" b="1" dirty="0">
                   <a:latin typeface="微软雅黑" panose="020B0503020204020204" pitchFamily="34" charset="-122"/>
                   <a:ea typeface="微软雅黑" panose="020B0503020204020204" pitchFamily="34" charset="-122"/>
                 </a:rPr>
-                <a:t>可视化系统</a:t>
+                <a:t>数据可视化系统</a:t>
               </a:r>
               <a:endParaRPr lang="en-US" altLang="zh-CN" sz="1050" b="1" dirty="0">
                 <a:latin typeface="微软雅黑" panose="020B0503020204020204" pitchFamily="34" charset="-122"/>
@@ -6285,7 +5889,7 @@
         </p:sp>
         <p:sp>
           <p:nvSpPr>
-            <p:cNvPr id="37" name="矩形 36"/>
+            <p:cNvPr id="37" name="矩形: 圆角 36"/>
             <p:cNvSpPr/>
             <p:nvPr/>
           </p:nvSpPr>
@@ -6294,11 +5898,11 @@
               <a:off x="517139" y="4236770"/>
               <a:ext cx="474086" cy="203200"/>
             </a:xfrm>
-            <a:prstGeom prst="rect">
+            <a:prstGeom prst="roundRect">
               <a:avLst/>
             </a:prstGeom>
             <a:solidFill>
-              <a:srgbClr val="6679DF"/>
+              <a:srgbClr val="2E75B5"/>
             </a:solidFill>
             <a:ln w="6350">
               <a:noFill/>
@@ -6372,55 +5976,55 @@
                 <a:buChar char="ü"/>
               </a:pPr>
               <a:r>
-                <a:rPr lang="zh-CN" altLang="en-US" sz="900" dirty="0" smtClean="0">
+                <a:rPr lang="zh-CN" altLang="en-US" sz="900" dirty="0">
                   <a:latin typeface="微软雅黑" panose="020B0503020204020204" pitchFamily="34" charset="-122"/>
                   <a:ea typeface="微软雅黑" panose="020B0503020204020204" pitchFamily="34" charset="-122"/>
                 </a:rPr>
                 <a:t>使用 </a:t>
               </a:r>
               <a:r>
-                <a:rPr lang="en-US" altLang="zh-CN" sz="900" dirty="0" smtClean="0">
+                <a:rPr lang="en-US" altLang="zh-CN" sz="900" dirty="0">
                   <a:latin typeface="微软雅黑" panose="020B0503020204020204" pitchFamily="34" charset="-122"/>
                   <a:ea typeface="微软雅黑" panose="020B0503020204020204" pitchFamily="34" charset="-122"/>
                 </a:rPr>
                 <a:t>Leaflet.js </a:t>
               </a:r>
               <a:r>
-                <a:rPr lang="zh-CN" altLang="en-US" sz="900" dirty="0" smtClean="0">
+                <a:rPr lang="zh-CN" altLang="en-US" sz="900" dirty="0">
                   <a:latin typeface="微软雅黑" panose="020B0503020204020204" pitchFamily="34" charset="-122"/>
                   <a:ea typeface="微软雅黑" panose="020B0503020204020204" pitchFamily="34" charset="-122"/>
                 </a:rPr>
                 <a:t>和 </a:t>
               </a:r>
               <a:r>
-                <a:rPr lang="en-US" altLang="zh-CN" sz="900" dirty="0" smtClean="0">
+                <a:rPr lang="en-US" altLang="zh-CN" sz="900" dirty="0">
                   <a:latin typeface="微软雅黑" panose="020B0503020204020204" pitchFamily="34" charset="-122"/>
                   <a:ea typeface="微软雅黑" panose="020B0503020204020204" pitchFamily="34" charset="-122"/>
                 </a:rPr>
                 <a:t>D3.js</a:t>
               </a:r>
               <a:r>
-                <a:rPr lang="zh-CN" altLang="en-US" sz="900" dirty="0" smtClean="0">
+                <a:rPr lang="zh-CN" altLang="en-US" sz="900" dirty="0">
                   <a:latin typeface="微软雅黑" panose="020B0503020204020204" pitchFamily="34" charset="-122"/>
                   <a:ea typeface="微软雅黑" panose="020B0503020204020204" pitchFamily="34" charset="-122"/>
                 </a:rPr>
                 <a:t>，对</a:t>
               </a:r>
               <a:r>
-                <a:rPr lang="en-US" altLang="zh-CN" sz="900" dirty="0" smtClean="0">
+                <a:rPr lang="en-US" altLang="zh-CN" sz="900" dirty="0">
                   <a:latin typeface="微软雅黑" panose="020B0503020204020204" pitchFamily="34" charset="-122"/>
                   <a:ea typeface="微软雅黑" panose="020B0503020204020204" pitchFamily="34" charset="-122"/>
                 </a:rPr>
                 <a:t>XXX</a:t>
               </a:r>
               <a:r>
-                <a:rPr lang="zh-CN" altLang="en-US" sz="900" dirty="0" smtClean="0">
+                <a:rPr lang="zh-CN" altLang="en-US" sz="900" dirty="0">
                   <a:latin typeface="微软雅黑" panose="020B0503020204020204" pitchFamily="34" charset="-122"/>
                   <a:ea typeface="微软雅黑" panose="020B0503020204020204" pitchFamily="34" charset="-122"/>
                 </a:rPr>
                 <a:t>进行绘制</a:t>
               </a:r>
-              <a:endParaRPr lang="en-US" altLang="zh-CN" sz="900" dirty="0" smtClean="0">
+              <a:endParaRPr lang="en-US" altLang="zh-CN" sz="900" dirty="0">
                 <a:latin typeface="微软雅黑" panose="020B0503020204020204" pitchFamily="34" charset="-122"/>
                 <a:ea typeface="微软雅黑" panose="020B0503020204020204" pitchFamily="34" charset="-122"/>
               </a:endParaRPr>
@@ -6434,42 +6038,42 @@
                 <a:buChar char="ü"/>
               </a:pPr>
               <a:r>
-                <a:rPr lang="zh-CN" altLang="en-US" sz="900" dirty="0" smtClean="0">
+                <a:rPr lang="zh-CN" altLang="en-US" sz="900" dirty="0">
                   <a:latin typeface="微软雅黑" panose="020B0503020204020204" pitchFamily="34" charset="-122"/>
                   <a:ea typeface="微软雅黑" panose="020B0503020204020204" pitchFamily="34" charset="-122"/>
                 </a:rPr>
                 <a:t>使用 </a:t>
               </a:r>
               <a:r>
-                <a:rPr lang="en-US" altLang="zh-CN" sz="900" dirty="0" smtClean="0">
+                <a:rPr lang="en-US" altLang="zh-CN" sz="900" dirty="0">
                   <a:latin typeface="微软雅黑" panose="020B0503020204020204" pitchFamily="34" charset="-122"/>
                   <a:ea typeface="微软雅黑" panose="020B0503020204020204" pitchFamily="34" charset="-122"/>
                 </a:rPr>
                 <a:t>Express </a:t>
               </a:r>
               <a:r>
-                <a:rPr lang="zh-CN" altLang="en-US" sz="900" dirty="0" smtClean="0">
+                <a:rPr lang="zh-CN" altLang="en-US" sz="900" dirty="0">
                   <a:latin typeface="微软雅黑" panose="020B0503020204020204" pitchFamily="34" charset="-122"/>
                   <a:ea typeface="微软雅黑" panose="020B0503020204020204" pitchFamily="34" charset="-122"/>
                 </a:rPr>
                 <a:t>和 </a:t>
               </a:r>
               <a:r>
-                <a:rPr lang="en-US" altLang="zh-CN" sz="900" dirty="0" smtClean="0">
+                <a:rPr lang="en-US" altLang="zh-CN" sz="900" dirty="0">
                   <a:latin typeface="微软雅黑" panose="020B0503020204020204" pitchFamily="34" charset="-122"/>
                   <a:ea typeface="微软雅黑" panose="020B0503020204020204" pitchFamily="34" charset="-122"/>
                 </a:rPr>
                 <a:t>Mongoose</a:t>
               </a:r>
               <a:r>
-                <a:rPr lang="zh-CN" altLang="en-US" sz="900" dirty="0" smtClean="0">
+                <a:rPr lang="zh-CN" altLang="en-US" sz="900" dirty="0">
                   <a:latin typeface="微软雅黑" panose="020B0503020204020204" pitchFamily="34" charset="-122"/>
                   <a:ea typeface="微软雅黑" panose="020B0503020204020204" pitchFamily="34" charset="-122"/>
                 </a:rPr>
                 <a:t>，完成</a:t>
               </a:r>
               <a:r>
-                <a:rPr lang="en-US" altLang="zh-CN" sz="900" dirty="0" smtClean="0">
+                <a:rPr lang="en-US" altLang="zh-CN" sz="900" dirty="0">
                   <a:latin typeface="微软雅黑" panose="020B0503020204020204" pitchFamily="34" charset="-122"/>
                   <a:ea typeface="微软雅黑" panose="020B0503020204020204" pitchFamily="34" charset="-122"/>
                 </a:rPr>
@@ -6485,56 +6089,56 @@
                 <a:buChar char="ü"/>
               </a:pPr>
               <a:r>
-                <a:rPr lang="zh-CN" altLang="en-US" sz="900" dirty="0" smtClean="0">
+                <a:rPr lang="zh-CN" altLang="en-US" sz="900" dirty="0">
                   <a:latin typeface="微软雅黑" panose="020B0503020204020204" pitchFamily="34" charset="-122"/>
                   <a:ea typeface="微软雅黑" panose="020B0503020204020204" pitchFamily="34" charset="-122"/>
                 </a:rPr>
                 <a:t>通过 </a:t>
               </a:r>
               <a:r>
-                <a:rPr lang="en-US" altLang="zh-CN" sz="900" dirty="0" smtClean="0">
+                <a:rPr lang="en-US" altLang="zh-CN" sz="900" dirty="0">
                   <a:latin typeface="微软雅黑" panose="020B0503020204020204" pitchFamily="34" charset="-122"/>
                   <a:ea typeface="微软雅黑" panose="020B0503020204020204" pitchFamily="34" charset="-122"/>
                 </a:rPr>
                 <a:t>D3.js </a:t>
               </a:r>
               <a:r>
-                <a:rPr lang="zh-CN" altLang="en-US" sz="900" dirty="0" smtClean="0">
+                <a:rPr lang="zh-CN" altLang="en-US" sz="900" dirty="0">
                   <a:latin typeface="微软雅黑" panose="020B0503020204020204" pitchFamily="34" charset="-122"/>
                   <a:ea typeface="微软雅黑" panose="020B0503020204020204" pitchFamily="34" charset="-122"/>
                 </a:rPr>
                 <a:t>绘制</a:t>
               </a:r>
               <a:r>
-                <a:rPr lang="en-US" altLang="zh-CN" sz="900" dirty="0" smtClean="0">
+                <a:rPr lang="en-US" altLang="zh-CN" sz="900" dirty="0">
                   <a:latin typeface="微软雅黑" panose="020B0503020204020204" pitchFamily="34" charset="-122"/>
                   <a:ea typeface="微软雅黑" panose="020B0503020204020204" pitchFamily="34" charset="-122"/>
                 </a:rPr>
                 <a:t>XXX</a:t>
               </a:r>
               <a:r>
-                <a:rPr lang="zh-CN" altLang="en-US" sz="900" dirty="0" smtClean="0">
+                <a:rPr lang="zh-CN" altLang="en-US" sz="900" dirty="0">
                   <a:latin typeface="微软雅黑" panose="020B0503020204020204" pitchFamily="34" charset="-122"/>
                   <a:ea typeface="微软雅黑" panose="020B0503020204020204" pitchFamily="34" charset="-122"/>
                 </a:rPr>
                 <a:t>图、</a:t>
               </a:r>
               <a:r>
-                <a:rPr lang="en-US" altLang="zh-CN" sz="900" dirty="0" smtClean="0">
+                <a:rPr lang="en-US" altLang="zh-CN" sz="900" dirty="0">
                   <a:latin typeface="微软雅黑" panose="020B0503020204020204" pitchFamily="34" charset="-122"/>
                   <a:ea typeface="微软雅黑" panose="020B0503020204020204" pitchFamily="34" charset="-122"/>
                 </a:rPr>
                 <a:t>XXX</a:t>
               </a:r>
               <a:r>
-                <a:rPr lang="zh-CN" altLang="en-US" sz="900" dirty="0" smtClean="0">
+                <a:rPr lang="zh-CN" altLang="en-US" sz="900" dirty="0">
                   <a:latin typeface="微软雅黑" panose="020B0503020204020204" pitchFamily="34" charset="-122"/>
                   <a:ea typeface="微软雅黑" panose="020B0503020204020204" pitchFamily="34" charset="-122"/>
                 </a:rPr>
                 <a:t>图等形式展现所选时空范围内</a:t>
               </a:r>
               <a:r>
-                <a:rPr lang="en-US" altLang="zh-CN" sz="900" dirty="0" smtClean="0">
+                <a:rPr lang="en-US" altLang="zh-CN" sz="900" dirty="0">
                   <a:latin typeface="微软雅黑" panose="020B0503020204020204" pitchFamily="34" charset="-122"/>
                   <a:ea typeface="微软雅黑" panose="020B0503020204020204" pitchFamily="34" charset="-122"/>
                 </a:rPr>
@@ -6550,91 +6154,91 @@
                 <a:buChar char="ü"/>
               </a:pPr>
               <a:r>
-                <a:rPr lang="zh-CN" altLang="en-US" sz="900" dirty="0" smtClean="0">
+                <a:rPr lang="zh-CN" altLang="en-US" sz="900" dirty="0">
                   <a:latin typeface="微软雅黑" panose="020B0503020204020204" pitchFamily="34" charset="-122"/>
                   <a:ea typeface="微软雅黑" panose="020B0503020204020204" pitchFamily="34" charset="-122"/>
                 </a:rPr>
                 <a:t>根据</a:t>
               </a:r>
               <a:r>
-                <a:rPr lang="en-US" altLang="zh-CN" sz="900" dirty="0" smtClean="0">
+                <a:rPr lang="en-US" altLang="zh-CN" sz="900" dirty="0">
                   <a:latin typeface="微软雅黑" panose="020B0503020204020204" pitchFamily="34" charset="-122"/>
                   <a:ea typeface="微软雅黑" panose="020B0503020204020204" pitchFamily="34" charset="-122"/>
                 </a:rPr>
                 <a:t>XXX</a:t>
               </a:r>
               <a:r>
-                <a:rPr lang="zh-CN" altLang="en-US" sz="900" dirty="0" smtClean="0">
+                <a:rPr lang="zh-CN" altLang="en-US" sz="900" dirty="0">
                   <a:latin typeface="微软雅黑" panose="020B0503020204020204" pitchFamily="34" charset="-122"/>
                   <a:ea typeface="微软雅黑" panose="020B0503020204020204" pitchFamily="34" charset="-122"/>
                 </a:rPr>
                 <a:t>情况，使用</a:t>
               </a:r>
               <a:r>
-                <a:rPr lang="en-US" altLang="zh-CN" sz="900" dirty="0" smtClean="0">
+                <a:rPr lang="en-US" altLang="zh-CN" sz="900" dirty="0">
                   <a:latin typeface="微软雅黑" panose="020B0503020204020204" pitchFamily="34" charset="-122"/>
                   <a:ea typeface="微软雅黑" panose="020B0503020204020204" pitchFamily="34" charset="-122"/>
                 </a:rPr>
                 <a:t>XXX</a:t>
               </a:r>
               <a:r>
-                <a:rPr lang="zh-CN" altLang="en-US" sz="900" dirty="0" smtClean="0">
+                <a:rPr lang="zh-CN" altLang="en-US" sz="900" dirty="0">
                   <a:latin typeface="微软雅黑" panose="020B0503020204020204" pitchFamily="34" charset="-122"/>
                   <a:ea typeface="微软雅黑" panose="020B0503020204020204" pitchFamily="34" charset="-122"/>
                 </a:rPr>
                 <a:t>算法对</a:t>
               </a:r>
               <a:r>
-                <a:rPr lang="en-US" altLang="zh-CN" sz="900" dirty="0" smtClean="0">
+                <a:rPr lang="en-US" altLang="zh-CN" sz="900" dirty="0">
                   <a:latin typeface="微软雅黑" panose="020B0503020204020204" pitchFamily="34" charset="-122"/>
                   <a:ea typeface="微软雅黑" panose="020B0503020204020204" pitchFamily="34" charset="-122"/>
                 </a:rPr>
                 <a:t>XXX</a:t>
               </a:r>
               <a:r>
-                <a:rPr lang="zh-CN" altLang="en-US" sz="900" dirty="0" smtClean="0">
+                <a:rPr lang="zh-CN" altLang="en-US" sz="900" dirty="0">
                   <a:latin typeface="微软雅黑" panose="020B0503020204020204" pitchFamily="34" charset="-122"/>
                   <a:ea typeface="微软雅黑" panose="020B0503020204020204" pitchFamily="34" charset="-122"/>
                 </a:rPr>
                 <a:t>进行聚类，使用 </a:t>
               </a:r>
               <a:r>
-                <a:rPr lang="en-US" altLang="zh-CN" sz="900" dirty="0" smtClean="0">
+                <a:rPr lang="en-US" altLang="zh-CN" sz="900" dirty="0">
                   <a:latin typeface="微软雅黑" panose="020B0503020204020204" pitchFamily="34" charset="-122"/>
                   <a:ea typeface="微软雅黑" panose="020B0503020204020204" pitchFamily="34" charset="-122"/>
                 </a:rPr>
                 <a:t>D3.js</a:t>
               </a:r>
               <a:r>
-                <a:rPr lang="zh-CN" altLang="en-US" sz="900" dirty="0" smtClean="0">
+                <a:rPr lang="zh-CN" altLang="en-US" sz="900" dirty="0">
                   <a:latin typeface="微软雅黑" panose="020B0503020204020204" pitchFamily="34" charset="-122"/>
                   <a:ea typeface="微软雅黑" panose="020B0503020204020204" pitchFamily="34" charset="-122"/>
                 </a:rPr>
                 <a:t>，通过</a:t>
               </a:r>
               <a:r>
-                <a:rPr lang="en-US" altLang="zh-CN" sz="900" dirty="0" smtClean="0">
+                <a:rPr lang="en-US" altLang="zh-CN" sz="900" dirty="0">
                   <a:latin typeface="微软雅黑" panose="020B0503020204020204" pitchFamily="34" charset="-122"/>
                   <a:ea typeface="微软雅黑" panose="020B0503020204020204" pitchFamily="34" charset="-122"/>
                 </a:rPr>
                 <a:t>XXX</a:t>
               </a:r>
               <a:r>
-                <a:rPr lang="zh-CN" altLang="en-US" sz="900" dirty="0" smtClean="0">
+                <a:rPr lang="zh-CN" altLang="en-US" sz="900" dirty="0">
                   <a:latin typeface="微软雅黑" panose="020B0503020204020204" pitchFamily="34" charset="-122"/>
                   <a:ea typeface="微软雅黑" panose="020B0503020204020204" pitchFamily="34" charset="-122"/>
                 </a:rPr>
                 <a:t>展示</a:t>
               </a:r>
               <a:r>
-                <a:rPr lang="en-US" altLang="zh-CN" sz="900" dirty="0" smtClean="0">
+                <a:rPr lang="en-US" altLang="zh-CN" sz="900" dirty="0">
                   <a:latin typeface="微软雅黑" panose="020B0503020204020204" pitchFamily="34" charset="-122"/>
                   <a:ea typeface="微软雅黑" panose="020B0503020204020204" pitchFamily="34" charset="-122"/>
                 </a:rPr>
                 <a:t>XXX</a:t>
               </a:r>
               <a:r>
-                <a:rPr lang="zh-CN" altLang="en-US" sz="900" dirty="0" smtClean="0">
+                <a:rPr lang="zh-CN" altLang="en-US" sz="900" dirty="0">
                   <a:latin typeface="微软雅黑" panose="020B0503020204020204" pitchFamily="34" charset="-122"/>
                   <a:ea typeface="微软雅黑" panose="020B0503020204020204" pitchFamily="34" charset="-122"/>
                 </a:rPr>
@@ -6649,7 +6253,7 @@
         </p:sp>
         <p:sp>
           <p:nvSpPr>
-            <p:cNvPr id="71" name="矩形 70"/>
+            <p:cNvPr id="71" name="矩形: 圆角 70"/>
             <p:cNvSpPr/>
             <p:nvPr/>
           </p:nvSpPr>
@@ -6658,11 +6262,11 @@
               <a:off x="1679404" y="4236770"/>
               <a:ext cx="619690" cy="203200"/>
             </a:xfrm>
-            <a:prstGeom prst="rect">
+            <a:prstGeom prst="roundRect">
               <a:avLst/>
             </a:prstGeom>
             <a:solidFill>
-              <a:srgbClr val="6679DF"/>
+              <a:srgbClr val="2E75B5"/>
             </a:solidFill>
             <a:ln w="6350">
               <a:noFill/>
@@ -6690,7 +6294,7 @@
             <a:p>
               <a:pPr lvl="0"/>
               <a:r>
-                <a:rPr lang="en-US" altLang="zh-CN" sz="900" dirty="0" smtClean="0">
+                <a:rPr lang="en-US" altLang="zh-CN" sz="900" dirty="0">
                   <a:solidFill>
                     <a:prstClr val="white"/>
                   </a:solidFill>
@@ -6709,7 +6313,7 @@
         </p:sp>
         <p:sp>
           <p:nvSpPr>
-            <p:cNvPr id="75" name="矩形 74"/>
+            <p:cNvPr id="75" name="矩形: 圆角 74"/>
             <p:cNvSpPr/>
             <p:nvPr/>
           </p:nvSpPr>
@@ -6718,11 +6322,11 @@
               <a:off x="2341686" y="4236770"/>
               <a:ext cx="742024" cy="203200"/>
             </a:xfrm>
-            <a:prstGeom prst="rect">
+            <a:prstGeom prst="roundRect">
               <a:avLst/>
             </a:prstGeom>
             <a:solidFill>
-              <a:srgbClr val="6679DF"/>
+              <a:srgbClr val="2E75B5"/>
             </a:solidFill>
             <a:ln w="6350">
               <a:noFill/>
@@ -6750,7 +6354,7 @@
             <a:p>
               <a:pPr lvl="0"/>
               <a:r>
-                <a:rPr lang="en-US" altLang="zh-CN" sz="900" dirty="0" err="1" smtClean="0">
+                <a:rPr lang="en-US" altLang="zh-CN" sz="900" dirty="0" err="1">
                   <a:solidFill>
                     <a:prstClr val="white"/>
                   </a:solidFill>
@@ -6769,7 +6373,7 @@
         </p:sp>
         <p:sp>
           <p:nvSpPr>
-            <p:cNvPr id="76" name="矩形 75"/>
+            <p:cNvPr id="76" name="矩形: 圆角 75"/>
             <p:cNvSpPr/>
             <p:nvPr/>
           </p:nvSpPr>
@@ -6778,11 +6382,11 @@
               <a:off x="1033818" y="4236770"/>
               <a:ext cx="602993" cy="203200"/>
             </a:xfrm>
-            <a:prstGeom prst="rect">
+            <a:prstGeom prst="roundRect">
               <a:avLst/>
             </a:prstGeom>
             <a:solidFill>
-              <a:srgbClr val="6679DF"/>
+              <a:srgbClr val="2E75B5"/>
             </a:solidFill>
             <a:ln w="6350">
               <a:noFill/>
@@ -6810,7 +6414,7 @@
             <a:p>
               <a:pPr lvl="0"/>
               <a:r>
-                <a:rPr lang="en-US" altLang="zh-CN" sz="900" dirty="0" smtClean="0">
+                <a:rPr lang="en-US" altLang="zh-CN" sz="900" dirty="0">
                   <a:solidFill>
                     <a:prstClr val="white"/>
                   </a:solidFill>
@@ -6836,7 +6440,7 @@
         </p:nvSpPr>
         <p:spPr>
           <a:xfrm>
-            <a:off x="383995" y="5692729"/>
+            <a:off x="383995" y="5189809"/>
             <a:ext cx="1029449" cy="271869"/>
           </a:xfrm>
           <a:prstGeom prst="rect">
@@ -6855,30 +6459,12 @@
               </a:lnSpc>
             </a:pPr>
             <a:r>
-              <a:rPr lang="en-US" altLang="zh-CN" sz="900" dirty="0" smtClean="0">
-                <a:latin typeface="微软雅黑" panose="020B0503020204020204" pitchFamily="34" charset="-122"/>
-                <a:ea typeface="微软雅黑" panose="020B0503020204020204" pitchFamily="34" charset="-122"/>
-              </a:rPr>
-              <a:t>2015.1 </a:t>
-            </a:r>
-            <a:r>
               <a:rPr lang="en-US" altLang="zh-CN" sz="900" dirty="0">
                 <a:latin typeface="微软雅黑" panose="020B0503020204020204" pitchFamily="34" charset="-122"/>
                 <a:ea typeface="微软雅黑" panose="020B0503020204020204" pitchFamily="34" charset="-122"/>
               </a:rPr>
-              <a:t>- </a:t>
-            </a:r>
-            <a:r>
-              <a:rPr lang="en-US" altLang="zh-CN" sz="900" dirty="0" smtClean="0">
-                <a:latin typeface="微软雅黑" panose="020B0503020204020204" pitchFamily="34" charset="-122"/>
-                <a:ea typeface="微软雅黑" panose="020B0503020204020204" pitchFamily="34" charset="-122"/>
-              </a:rPr>
-              <a:t>2015.5</a:t>
-            </a:r>
-            <a:endParaRPr lang="en-US" altLang="zh-CN" sz="900" dirty="0">
-              <a:latin typeface="微软雅黑" panose="020B0503020204020204" pitchFamily="34" charset="-122"/>
-              <a:ea typeface="微软雅黑" panose="020B0503020204020204" pitchFamily="34" charset="-122"/>
-            </a:endParaRPr>
+              <a:t>2015.1 - 2015.5</a:t>
+            </a:r>
           </a:p>
         </p:txBody>
       </p:sp>
@@ -6890,7 +6476,7 @@
         </p:nvSpPr>
         <p:spPr>
           <a:xfrm>
-            <a:off x="383995" y="5847368"/>
+            <a:off x="383995" y="5344448"/>
             <a:ext cx="1947969" cy="306174"/>
           </a:xfrm>
           <a:prstGeom prst="rect">
@@ -6909,32 +6495,25 @@
               </a:lnSpc>
             </a:pPr>
             <a:r>
-              <a:rPr lang="en-US" altLang="zh-CN" sz="1050" b="1" dirty="0" err="1" smtClean="0">
+              <a:rPr lang="en-US" altLang="zh-CN" sz="1050" b="1" dirty="0" err="1">
                 <a:latin typeface="微软雅黑" panose="020B0503020204020204" pitchFamily="34" charset="-122"/>
                 <a:ea typeface="微软雅黑" panose="020B0503020204020204" pitchFamily="34" charset="-122"/>
               </a:rPr>
               <a:t>ABCDViz</a:t>
             </a:r>
             <a:r>
-              <a:rPr lang="en-US" altLang="zh-CN" sz="1050" b="1" dirty="0" smtClean="0">
+              <a:rPr lang="en-US" altLang="zh-CN" sz="1050" b="1" dirty="0">
                 <a:latin typeface="微软雅黑" panose="020B0503020204020204" pitchFamily="34" charset="-122"/>
                 <a:ea typeface="微软雅黑" panose="020B0503020204020204" pitchFamily="34" charset="-122"/>
               </a:rPr>
               <a:t> — </a:t>
             </a:r>
             <a:r>
-              <a:rPr lang="zh-CN" altLang="en-US" sz="1050" b="1" dirty="0" smtClean="0">
-                <a:latin typeface="微软雅黑" panose="020B0503020204020204" pitchFamily="34" charset="-122"/>
-                <a:ea typeface="微软雅黑" panose="020B0503020204020204" pitchFamily="34" charset="-122"/>
-              </a:rPr>
-              <a:t>数据</a:t>
-            </a:r>
-            <a:r>
               <a:rPr lang="zh-CN" altLang="en-US" sz="1050" b="1" dirty="0">
                 <a:latin typeface="微软雅黑" panose="020B0503020204020204" pitchFamily="34" charset="-122"/>
                 <a:ea typeface="微软雅黑" panose="020B0503020204020204" pitchFamily="34" charset="-122"/>
               </a:rPr>
-              <a:t>可视化系统</a:t>
+              <a:t>数据可视化系统</a:t>
             </a:r>
             <a:endParaRPr lang="en-US" altLang="zh-CN" sz="1050" b="1" dirty="0">
               <a:latin typeface="微软雅黑" panose="020B0503020204020204" pitchFamily="34" charset="-122"/>
@@ -6945,20 +6524,20 @@
       </p:sp>
       <p:sp>
         <p:nvSpPr>
-          <p:cNvPr id="79" name="矩形 78"/>
+          <p:cNvPr id="79" name="矩形: 圆角 78"/>
           <p:cNvSpPr/>
           <p:nvPr/>
         </p:nvSpPr>
         <p:spPr>
           <a:xfrm>
-            <a:off x="484526" y="6194558"/>
+            <a:off x="484526" y="5691638"/>
             <a:ext cx="474086" cy="203200"/>
           </a:xfrm>
-          <a:prstGeom prst="rect">
+          <a:prstGeom prst="roundRect">
             <a:avLst/>
           </a:prstGeom>
           <a:solidFill>
-            <a:srgbClr val="6679DF"/>
+            <a:srgbClr val="2E75B5"/>
           </a:solidFill>
           <a:ln w="6350">
             <a:noFill/>
@@ -7011,7 +6590,7 @@
         </p:nvSpPr>
         <p:spPr>
           <a:xfrm>
-            <a:off x="383997" y="6425128"/>
+            <a:off x="383997" y="5922208"/>
             <a:ext cx="2870062" cy="1246495"/>
           </a:xfrm>
           <a:prstGeom prst="rect">
@@ -7032,55 +6611,55 @@
               <a:buChar char="ü"/>
             </a:pPr>
             <a:r>
-              <a:rPr lang="zh-CN" altLang="en-US" sz="900" dirty="0" smtClean="0">
+              <a:rPr lang="zh-CN" altLang="en-US" sz="900" dirty="0">
                 <a:latin typeface="微软雅黑" panose="020B0503020204020204" pitchFamily="34" charset="-122"/>
                 <a:ea typeface="微软雅黑" panose="020B0503020204020204" pitchFamily="34" charset="-122"/>
               </a:rPr>
               <a:t>使用 </a:t>
             </a:r>
             <a:r>
-              <a:rPr lang="en-US" altLang="zh-CN" sz="900" dirty="0" smtClean="0">
+              <a:rPr lang="en-US" altLang="zh-CN" sz="900" dirty="0">
                 <a:latin typeface="微软雅黑" panose="020B0503020204020204" pitchFamily="34" charset="-122"/>
                 <a:ea typeface="微软雅黑" panose="020B0503020204020204" pitchFamily="34" charset="-122"/>
               </a:rPr>
               <a:t>Leaflet.js </a:t>
             </a:r>
             <a:r>
-              <a:rPr lang="zh-CN" altLang="en-US" sz="900" dirty="0" smtClean="0">
+              <a:rPr lang="zh-CN" altLang="en-US" sz="900" dirty="0">
                 <a:latin typeface="微软雅黑" panose="020B0503020204020204" pitchFamily="34" charset="-122"/>
                 <a:ea typeface="微软雅黑" panose="020B0503020204020204" pitchFamily="34" charset="-122"/>
               </a:rPr>
               <a:t>和 </a:t>
             </a:r>
             <a:r>
-              <a:rPr lang="en-US" altLang="zh-CN" sz="900" dirty="0" smtClean="0">
+              <a:rPr lang="en-US" altLang="zh-CN" sz="900" dirty="0">
                 <a:latin typeface="微软雅黑" panose="020B0503020204020204" pitchFamily="34" charset="-122"/>
                 <a:ea typeface="微软雅黑" panose="020B0503020204020204" pitchFamily="34" charset="-122"/>
               </a:rPr>
               <a:t>D3.js</a:t>
             </a:r>
             <a:r>
-              <a:rPr lang="zh-CN" altLang="en-US" sz="900" dirty="0" smtClean="0">
+              <a:rPr lang="zh-CN" altLang="en-US" sz="900" dirty="0">
                 <a:latin typeface="微软雅黑" panose="020B0503020204020204" pitchFamily="34" charset="-122"/>
                 <a:ea typeface="微软雅黑" panose="020B0503020204020204" pitchFamily="34" charset="-122"/>
               </a:rPr>
               <a:t>，对</a:t>
             </a:r>
             <a:r>
-              <a:rPr lang="en-US" altLang="zh-CN" sz="900" dirty="0" smtClean="0">
+              <a:rPr lang="en-US" altLang="zh-CN" sz="900" dirty="0">
                 <a:latin typeface="微软雅黑" panose="020B0503020204020204" pitchFamily="34" charset="-122"/>
                 <a:ea typeface="微软雅黑" panose="020B0503020204020204" pitchFamily="34" charset="-122"/>
               </a:rPr>
               <a:t>XXX</a:t>
             </a:r>
             <a:r>
-              <a:rPr lang="zh-CN" altLang="en-US" sz="900" dirty="0" smtClean="0">
+              <a:rPr lang="zh-CN" altLang="en-US" sz="900" dirty="0">
                 <a:latin typeface="微软雅黑" panose="020B0503020204020204" pitchFamily="34" charset="-122"/>
                 <a:ea typeface="微软雅黑" panose="020B0503020204020204" pitchFamily="34" charset="-122"/>
               </a:rPr>
               <a:t>进行绘制</a:t>
             </a:r>
-            <a:endParaRPr lang="en-US" altLang="zh-CN" sz="900" dirty="0" smtClean="0">
+            <a:endParaRPr lang="en-US" altLang="zh-CN" sz="900" dirty="0">
               <a:latin typeface="微软雅黑" panose="020B0503020204020204" pitchFamily="34" charset="-122"/>
               <a:ea typeface="微软雅黑" panose="020B0503020204020204" pitchFamily="34" charset="-122"/>
             </a:endParaRPr>
@@ -7094,42 +6673,42 @@
               <a:buChar char="ü"/>
             </a:pPr>
             <a:r>
-              <a:rPr lang="zh-CN" altLang="en-US" sz="900" dirty="0" smtClean="0">
+              <a:rPr lang="zh-CN" altLang="en-US" sz="900" dirty="0">
                 <a:latin typeface="微软雅黑" panose="020B0503020204020204" pitchFamily="34" charset="-122"/>
                 <a:ea typeface="微软雅黑" panose="020B0503020204020204" pitchFamily="34" charset="-122"/>
               </a:rPr>
               <a:t>使用 </a:t>
             </a:r>
             <a:r>
-              <a:rPr lang="en-US" altLang="zh-CN" sz="900" dirty="0" smtClean="0">
+              <a:rPr lang="en-US" altLang="zh-CN" sz="900" dirty="0">
                 <a:latin typeface="微软雅黑" panose="020B0503020204020204" pitchFamily="34" charset="-122"/>
                 <a:ea typeface="微软雅黑" panose="020B0503020204020204" pitchFamily="34" charset="-122"/>
               </a:rPr>
               <a:t>Express </a:t>
             </a:r>
             <a:r>
-              <a:rPr lang="zh-CN" altLang="en-US" sz="900" dirty="0" smtClean="0">
+              <a:rPr lang="zh-CN" altLang="en-US" sz="900" dirty="0">
                 <a:latin typeface="微软雅黑" panose="020B0503020204020204" pitchFamily="34" charset="-122"/>
                 <a:ea typeface="微软雅黑" panose="020B0503020204020204" pitchFamily="34" charset="-122"/>
               </a:rPr>
               <a:t>和 </a:t>
             </a:r>
             <a:r>
-              <a:rPr lang="en-US" altLang="zh-CN" sz="900" dirty="0" smtClean="0">
+              <a:rPr lang="en-US" altLang="zh-CN" sz="900" dirty="0">
                 <a:latin typeface="微软雅黑" panose="020B0503020204020204" pitchFamily="34" charset="-122"/>
                 <a:ea typeface="微软雅黑" panose="020B0503020204020204" pitchFamily="34" charset="-122"/>
               </a:rPr>
               <a:t>Mongoose</a:t>
             </a:r>
             <a:r>
-              <a:rPr lang="zh-CN" altLang="en-US" sz="900" dirty="0" smtClean="0">
+              <a:rPr lang="zh-CN" altLang="en-US" sz="900" dirty="0">
                 <a:latin typeface="微软雅黑" panose="020B0503020204020204" pitchFamily="34" charset="-122"/>
                 <a:ea typeface="微软雅黑" panose="020B0503020204020204" pitchFamily="34" charset="-122"/>
               </a:rPr>
               <a:t>，完成</a:t>
             </a:r>
             <a:r>
-              <a:rPr lang="en-US" altLang="zh-CN" sz="900" dirty="0" smtClean="0">
+              <a:rPr lang="en-US" altLang="zh-CN" sz="900" dirty="0">
                 <a:latin typeface="微软雅黑" panose="020B0503020204020204" pitchFamily="34" charset="-122"/>
                 <a:ea typeface="微软雅黑" panose="020B0503020204020204" pitchFamily="34" charset="-122"/>
               </a:rPr>
@@ -7145,56 +6724,56 @@
               <a:buChar char="ü"/>
             </a:pPr>
             <a:r>
-              <a:rPr lang="zh-CN" altLang="en-US" sz="900" dirty="0" smtClean="0">
+              <a:rPr lang="zh-CN" altLang="en-US" sz="900" dirty="0">
                 <a:latin typeface="微软雅黑" panose="020B0503020204020204" pitchFamily="34" charset="-122"/>
                 <a:ea typeface="微软雅黑" panose="020B0503020204020204" pitchFamily="34" charset="-122"/>
               </a:rPr>
               <a:t>通过 </a:t>
             </a:r>
             <a:r>
-              <a:rPr lang="en-US" altLang="zh-CN" sz="900" dirty="0" smtClean="0">
+              <a:rPr lang="en-US" altLang="zh-CN" sz="900" dirty="0">
                 <a:latin typeface="微软雅黑" panose="020B0503020204020204" pitchFamily="34" charset="-122"/>
                 <a:ea typeface="微软雅黑" panose="020B0503020204020204" pitchFamily="34" charset="-122"/>
               </a:rPr>
               <a:t>D3.js </a:t>
             </a:r>
             <a:r>
-              <a:rPr lang="zh-CN" altLang="en-US" sz="900" dirty="0" smtClean="0">
+              <a:rPr lang="zh-CN" altLang="en-US" sz="900" dirty="0">
                 <a:latin typeface="微软雅黑" panose="020B0503020204020204" pitchFamily="34" charset="-122"/>
                 <a:ea typeface="微软雅黑" panose="020B0503020204020204" pitchFamily="34" charset="-122"/>
               </a:rPr>
               <a:t>绘制</a:t>
             </a:r>
             <a:r>
-              <a:rPr lang="en-US" altLang="zh-CN" sz="900" dirty="0" smtClean="0">
+              <a:rPr lang="en-US" altLang="zh-CN" sz="900" dirty="0">
                 <a:latin typeface="微软雅黑" panose="020B0503020204020204" pitchFamily="34" charset="-122"/>
                 <a:ea typeface="微软雅黑" panose="020B0503020204020204" pitchFamily="34" charset="-122"/>
               </a:rPr>
               <a:t>XXX</a:t>
             </a:r>
             <a:r>
-              <a:rPr lang="zh-CN" altLang="en-US" sz="900" dirty="0" smtClean="0">
+              <a:rPr lang="zh-CN" altLang="en-US" sz="900" dirty="0">
                 <a:latin typeface="微软雅黑" panose="020B0503020204020204" pitchFamily="34" charset="-122"/>
                 <a:ea typeface="微软雅黑" panose="020B0503020204020204" pitchFamily="34" charset="-122"/>
               </a:rPr>
               <a:t>图、</a:t>
             </a:r>
             <a:r>
-              <a:rPr lang="en-US" altLang="zh-CN" sz="900" dirty="0" smtClean="0">
+              <a:rPr lang="en-US" altLang="zh-CN" sz="900" dirty="0">
                 <a:latin typeface="微软雅黑" panose="020B0503020204020204" pitchFamily="34" charset="-122"/>
                 <a:ea typeface="微软雅黑" panose="020B0503020204020204" pitchFamily="34" charset="-122"/>
               </a:rPr>
               <a:t>XXX</a:t>
             </a:r>
             <a:r>
-              <a:rPr lang="zh-CN" altLang="en-US" sz="900" dirty="0" smtClean="0">
+              <a:rPr lang="zh-CN" altLang="en-US" sz="900" dirty="0">
                 <a:latin typeface="微软雅黑" panose="020B0503020204020204" pitchFamily="34" charset="-122"/>
                 <a:ea typeface="微软雅黑" panose="020B0503020204020204" pitchFamily="34" charset="-122"/>
               </a:rPr>
               <a:t>图等形式展现所选时空范围内</a:t>
             </a:r>
             <a:r>
-              <a:rPr lang="en-US" altLang="zh-CN" sz="900" dirty="0" smtClean="0">
+              <a:rPr lang="en-US" altLang="zh-CN" sz="900" dirty="0">
                 <a:latin typeface="微软雅黑" panose="020B0503020204020204" pitchFamily="34" charset="-122"/>
                 <a:ea typeface="微软雅黑" panose="020B0503020204020204" pitchFamily="34" charset="-122"/>
               </a:rPr>
@@ -7309,20 +6888,20 @@
       </p:sp>
       <p:sp>
         <p:nvSpPr>
-          <p:cNvPr id="84" name="矩形 83"/>
+          <p:cNvPr id="84" name="矩形: 圆角 83"/>
           <p:cNvSpPr/>
           <p:nvPr/>
         </p:nvSpPr>
         <p:spPr>
           <a:xfrm>
-            <a:off x="1646791" y="6194558"/>
+            <a:off x="1646791" y="5691638"/>
             <a:ext cx="619690" cy="203200"/>
           </a:xfrm>
-          <a:prstGeom prst="rect">
+          <a:prstGeom prst="roundRect">
             <a:avLst/>
           </a:prstGeom>
           <a:solidFill>
-            <a:srgbClr val="6679DF"/>
+            <a:srgbClr val="2E75B5"/>
           </a:solidFill>
           <a:ln w="6350">
             <a:noFill/>
@@ -7350,7 +6929,7 @@
           <a:p>
             <a:pPr lvl="0"/>
             <a:r>
-              <a:rPr lang="en-US" altLang="zh-CN" sz="900" dirty="0" smtClean="0">
+              <a:rPr lang="en-US" altLang="zh-CN" sz="900" dirty="0">
                 <a:solidFill>
                   <a:prstClr val="white"/>
                 </a:solidFill>
@@ -7369,20 +6948,20 @@
       </p:sp>
       <p:sp>
         <p:nvSpPr>
-          <p:cNvPr id="85" name="矩形 84"/>
+          <p:cNvPr id="85" name="矩形: 圆角 84"/>
           <p:cNvSpPr/>
           <p:nvPr/>
         </p:nvSpPr>
         <p:spPr>
           <a:xfrm>
-            <a:off x="2309073" y="6194558"/>
+            <a:off x="2309073" y="5691638"/>
             <a:ext cx="742024" cy="203200"/>
           </a:xfrm>
-          <a:prstGeom prst="rect">
+          <a:prstGeom prst="roundRect">
             <a:avLst/>
           </a:prstGeom>
           <a:solidFill>
-            <a:srgbClr val="6679DF"/>
+            <a:srgbClr val="2E75B5"/>
           </a:solidFill>
           <a:ln w="6350">
             <a:noFill/>
@@ -7410,7 +6989,7 @@
           <a:p>
             <a:pPr lvl="0"/>
             <a:r>
-              <a:rPr lang="en-US" altLang="zh-CN" sz="900" dirty="0" err="1" smtClean="0">
+              <a:rPr lang="en-US" altLang="zh-CN" sz="900" dirty="0" err="1">
                 <a:solidFill>
                   <a:prstClr val="white"/>
                 </a:solidFill>
@@ -7429,20 +7008,20 @@
       </p:sp>
       <p:sp>
         <p:nvSpPr>
-          <p:cNvPr id="86" name="矩形 85"/>
+          <p:cNvPr id="86" name="矩形: 圆角 85"/>
           <p:cNvSpPr/>
           <p:nvPr/>
         </p:nvSpPr>
         <p:spPr>
           <a:xfrm>
-            <a:off x="1001205" y="6194558"/>
+            <a:off x="1001205" y="5691638"/>
             <a:ext cx="602993" cy="203200"/>
           </a:xfrm>
-          <a:prstGeom prst="rect">
+          <a:prstGeom prst="roundRect">
             <a:avLst/>
           </a:prstGeom>
           <a:solidFill>
-            <a:srgbClr val="6679DF"/>
+            <a:srgbClr val="2E75B5"/>
           </a:solidFill>
           <a:ln w="6350">
             <a:noFill/>
@@ -7470,7 +7049,7 @@
           <a:p>
             <a:pPr lvl="0"/>
             <a:r>
-              <a:rPr lang="en-US" altLang="zh-CN" sz="900" dirty="0" smtClean="0">
+              <a:rPr lang="en-US" altLang="zh-CN" sz="900" dirty="0">
                 <a:solidFill>
                   <a:prstClr val="white"/>
                 </a:solidFill>
@@ -7495,7 +7074,7 @@
         </p:nvGrpSpPr>
         <p:grpSpPr>
           <a:xfrm>
-            <a:off x="387971" y="7739121"/>
+            <a:off x="387971" y="7236201"/>
             <a:ext cx="2866088" cy="1619842"/>
             <a:chOff x="418451" y="7819857"/>
             <a:chExt cx="2866088" cy="1619842"/>
@@ -7528,30 +7107,12 @@
                 </a:lnSpc>
               </a:pPr>
               <a:r>
-                <a:rPr lang="en-US" altLang="zh-CN" sz="900" dirty="0" smtClean="0">
-                  <a:latin typeface="微软雅黑" panose="020B0503020204020204" pitchFamily="34" charset="-122"/>
-                  <a:ea typeface="微软雅黑" panose="020B0503020204020204" pitchFamily="34" charset="-122"/>
-                </a:rPr>
-                <a:t>2014.7 </a:t>
-              </a:r>
-              <a:r>
                 <a:rPr lang="en-US" altLang="zh-CN" sz="900" dirty="0">
                   <a:latin typeface="微软雅黑" panose="020B0503020204020204" pitchFamily="34" charset="-122"/>
                   <a:ea typeface="微软雅黑" panose="020B0503020204020204" pitchFamily="34" charset="-122"/>
                 </a:rPr>
-                <a:t>- </a:t>
+                <a:t>2014.7 - 2014.10</a:t>
               </a:r>
-              <a:r>
-                <a:rPr lang="en-US" altLang="zh-CN" sz="900" dirty="0" smtClean="0">
-                  <a:latin typeface="微软雅黑" panose="020B0503020204020204" pitchFamily="34" charset="-122"/>
-                  <a:ea typeface="微软雅黑" panose="020B0503020204020204" pitchFamily="34" charset="-122"/>
-                </a:rPr>
-                <a:t>2014.10</a:t>
-              </a:r>
-              <a:endParaRPr lang="en-US" altLang="zh-CN" sz="900" dirty="0">
-                <a:latin typeface="微软雅黑" panose="020B0503020204020204" pitchFamily="34" charset="-122"/>
-                <a:ea typeface="微软雅黑" panose="020B0503020204020204" pitchFamily="34" charset="-122"/>
-              </a:endParaRPr>
             </a:p>
           </p:txBody>
         </p:sp>
@@ -7582,32 +7143,25 @@
                 </a:lnSpc>
               </a:pPr>
               <a:r>
-                <a:rPr lang="en-US" altLang="zh-CN" sz="1050" b="1" dirty="0" err="1" smtClean="0">
+                <a:rPr lang="en-US" altLang="zh-CN" sz="1050" b="1" dirty="0" err="1">
                   <a:latin typeface="微软雅黑" panose="020B0503020204020204" pitchFamily="34" charset="-122"/>
                   <a:ea typeface="微软雅黑" panose="020B0503020204020204" pitchFamily="34" charset="-122"/>
                 </a:rPr>
                 <a:t>ABCDViz</a:t>
               </a:r>
               <a:r>
-                <a:rPr lang="en-US" altLang="zh-CN" sz="1050" b="1" dirty="0" smtClean="0">
+                <a:rPr lang="en-US" altLang="zh-CN" sz="1050" b="1" dirty="0">
                   <a:latin typeface="微软雅黑" panose="020B0503020204020204" pitchFamily="34" charset="-122"/>
                   <a:ea typeface="微软雅黑" panose="020B0503020204020204" pitchFamily="34" charset="-122"/>
                 </a:rPr>
                 <a:t> — </a:t>
               </a:r>
               <a:r>
-                <a:rPr lang="zh-CN" altLang="en-US" sz="1050" b="1" dirty="0" smtClean="0">
-                  <a:latin typeface="微软雅黑" panose="020B0503020204020204" pitchFamily="34" charset="-122"/>
-                  <a:ea typeface="微软雅黑" panose="020B0503020204020204" pitchFamily="34" charset="-122"/>
-                </a:rPr>
-                <a:t>数据</a:t>
-              </a:r>
-              <a:r>
                 <a:rPr lang="zh-CN" altLang="en-US" sz="1050" b="1" dirty="0">
                   <a:latin typeface="微软雅黑" panose="020B0503020204020204" pitchFamily="34" charset="-122"/>
                   <a:ea typeface="微软雅黑" panose="020B0503020204020204" pitchFamily="34" charset="-122"/>
                 </a:rPr>
-                <a:t>可视化系统</a:t>
+                <a:t>数据可视化系统</a:t>
               </a:r>
               <a:endParaRPr lang="en-US" altLang="zh-CN" sz="1050" b="1" dirty="0">
                 <a:latin typeface="微软雅黑" panose="020B0503020204020204" pitchFamily="34" charset="-122"/>
@@ -7618,7 +7172,7 @@
         </p:sp>
         <p:sp>
           <p:nvSpPr>
-            <p:cNvPr id="89" name="矩形 88"/>
+            <p:cNvPr id="89" name="矩形: 圆角 88"/>
             <p:cNvSpPr/>
             <p:nvPr/>
           </p:nvSpPr>
@@ -7627,11 +7181,11 @@
               <a:off x="518982" y="8347355"/>
               <a:ext cx="474086" cy="203200"/>
             </a:xfrm>
-            <a:prstGeom prst="rect">
+            <a:prstGeom prst="roundRect">
               <a:avLst/>
             </a:prstGeom>
             <a:solidFill>
-              <a:srgbClr val="6679DF"/>
+              <a:srgbClr val="2E75B5"/>
             </a:solidFill>
             <a:ln w="6350">
               <a:noFill/>
@@ -7705,55 +7259,55 @@
                 <a:buChar char="ü"/>
               </a:pPr>
               <a:r>
-                <a:rPr lang="zh-CN" altLang="en-US" sz="900" dirty="0" smtClean="0">
+                <a:rPr lang="zh-CN" altLang="en-US" sz="900" dirty="0">
                   <a:latin typeface="微软雅黑" panose="020B0503020204020204" pitchFamily="34" charset="-122"/>
                   <a:ea typeface="微软雅黑" panose="020B0503020204020204" pitchFamily="34" charset="-122"/>
                 </a:rPr>
                 <a:t>使用 </a:t>
               </a:r>
               <a:r>
-                <a:rPr lang="en-US" altLang="zh-CN" sz="900" dirty="0" smtClean="0">
+                <a:rPr lang="en-US" altLang="zh-CN" sz="900" dirty="0">
                   <a:latin typeface="微软雅黑" panose="020B0503020204020204" pitchFamily="34" charset="-122"/>
                   <a:ea typeface="微软雅黑" panose="020B0503020204020204" pitchFamily="34" charset="-122"/>
                 </a:rPr>
                 <a:t>Leaflet.js </a:t>
               </a:r>
               <a:r>
-                <a:rPr lang="zh-CN" altLang="en-US" sz="900" dirty="0" smtClean="0">
+                <a:rPr lang="zh-CN" altLang="en-US" sz="900" dirty="0">
                   <a:latin typeface="微软雅黑" panose="020B0503020204020204" pitchFamily="34" charset="-122"/>
                   <a:ea typeface="微软雅黑" panose="020B0503020204020204" pitchFamily="34" charset="-122"/>
                 </a:rPr>
                 <a:t>和 </a:t>
               </a:r>
               <a:r>
-                <a:rPr lang="en-US" altLang="zh-CN" sz="900" dirty="0" smtClean="0">
+                <a:rPr lang="en-US" altLang="zh-CN" sz="900" dirty="0">
                   <a:latin typeface="微软雅黑" panose="020B0503020204020204" pitchFamily="34" charset="-122"/>
                   <a:ea typeface="微软雅黑" panose="020B0503020204020204" pitchFamily="34" charset="-122"/>
                 </a:rPr>
                 <a:t>D3.js</a:t>
               </a:r>
               <a:r>
-                <a:rPr lang="zh-CN" altLang="en-US" sz="900" dirty="0" smtClean="0">
+                <a:rPr lang="zh-CN" altLang="en-US" sz="900" dirty="0">
                   <a:latin typeface="微软雅黑" panose="020B0503020204020204" pitchFamily="34" charset="-122"/>
                   <a:ea typeface="微软雅黑" panose="020B0503020204020204" pitchFamily="34" charset="-122"/>
                 </a:rPr>
                 <a:t>，对</a:t>
               </a:r>
               <a:r>
-                <a:rPr lang="en-US" altLang="zh-CN" sz="900" dirty="0" smtClean="0">
+                <a:rPr lang="en-US" altLang="zh-CN" sz="900" dirty="0">
                   <a:latin typeface="微软雅黑" panose="020B0503020204020204" pitchFamily="34" charset="-122"/>
                   <a:ea typeface="微软雅黑" panose="020B0503020204020204" pitchFamily="34" charset="-122"/>
                 </a:rPr>
                 <a:t>XXX</a:t>
               </a:r>
               <a:r>
-                <a:rPr lang="zh-CN" altLang="en-US" sz="900" dirty="0" smtClean="0">
+                <a:rPr lang="zh-CN" altLang="en-US" sz="900" dirty="0">
                   <a:latin typeface="微软雅黑" panose="020B0503020204020204" pitchFamily="34" charset="-122"/>
                   <a:ea typeface="微软雅黑" panose="020B0503020204020204" pitchFamily="34" charset="-122"/>
                 </a:rPr>
                 <a:t>进行绘制</a:t>
               </a:r>
-              <a:endParaRPr lang="en-US" altLang="zh-CN" sz="900" dirty="0" smtClean="0">
+              <a:endParaRPr lang="en-US" altLang="zh-CN" sz="900" dirty="0">
                 <a:latin typeface="微软雅黑" panose="020B0503020204020204" pitchFamily="34" charset="-122"/>
                 <a:ea typeface="微软雅黑" panose="020B0503020204020204" pitchFamily="34" charset="-122"/>
               </a:endParaRPr>
@@ -7767,42 +7321,42 @@
                 <a:buChar char="ü"/>
               </a:pPr>
               <a:r>
-                <a:rPr lang="zh-CN" altLang="en-US" sz="900" dirty="0" smtClean="0">
+                <a:rPr lang="zh-CN" altLang="en-US" sz="900" dirty="0">
                   <a:latin typeface="微软雅黑" panose="020B0503020204020204" pitchFamily="34" charset="-122"/>
                   <a:ea typeface="微软雅黑" panose="020B0503020204020204" pitchFamily="34" charset="-122"/>
                 </a:rPr>
                 <a:t>使用 </a:t>
               </a:r>
               <a:r>
-                <a:rPr lang="en-US" altLang="zh-CN" sz="900" dirty="0" smtClean="0">
+                <a:rPr lang="en-US" altLang="zh-CN" sz="900" dirty="0">
                   <a:latin typeface="微软雅黑" panose="020B0503020204020204" pitchFamily="34" charset="-122"/>
                   <a:ea typeface="微软雅黑" panose="020B0503020204020204" pitchFamily="34" charset="-122"/>
                 </a:rPr>
                 <a:t>Express </a:t>
               </a:r>
               <a:r>
-                <a:rPr lang="zh-CN" altLang="en-US" sz="900" dirty="0" smtClean="0">
+                <a:rPr lang="zh-CN" altLang="en-US" sz="900" dirty="0">
                   <a:latin typeface="微软雅黑" panose="020B0503020204020204" pitchFamily="34" charset="-122"/>
                   <a:ea typeface="微软雅黑" panose="020B0503020204020204" pitchFamily="34" charset="-122"/>
                 </a:rPr>
                 <a:t>和 </a:t>
               </a:r>
               <a:r>
-                <a:rPr lang="en-US" altLang="zh-CN" sz="900" dirty="0" smtClean="0">
+                <a:rPr lang="en-US" altLang="zh-CN" sz="900" dirty="0">
                   <a:latin typeface="微软雅黑" panose="020B0503020204020204" pitchFamily="34" charset="-122"/>
                   <a:ea typeface="微软雅黑" panose="020B0503020204020204" pitchFamily="34" charset="-122"/>
                 </a:rPr>
                 <a:t>Mongoose</a:t>
               </a:r>
               <a:r>
-                <a:rPr lang="zh-CN" altLang="en-US" sz="900" dirty="0" smtClean="0">
+                <a:rPr lang="zh-CN" altLang="en-US" sz="900" dirty="0">
                   <a:latin typeface="微软雅黑" panose="020B0503020204020204" pitchFamily="34" charset="-122"/>
                   <a:ea typeface="微软雅黑" panose="020B0503020204020204" pitchFamily="34" charset="-122"/>
                 </a:rPr>
                 <a:t>，完成</a:t>
               </a:r>
               <a:r>
-                <a:rPr lang="en-US" altLang="zh-CN" sz="900" dirty="0" smtClean="0">
+                <a:rPr lang="en-US" altLang="zh-CN" sz="900" dirty="0">
                   <a:latin typeface="微软雅黑" panose="020B0503020204020204" pitchFamily="34" charset="-122"/>
                   <a:ea typeface="微软雅黑" panose="020B0503020204020204" pitchFamily="34" charset="-122"/>
                 </a:rPr>
@@ -7818,56 +7372,56 @@
                 <a:buChar char="ü"/>
               </a:pPr>
               <a:r>
-                <a:rPr lang="zh-CN" altLang="en-US" sz="900" dirty="0" smtClean="0">
+                <a:rPr lang="zh-CN" altLang="en-US" sz="900" dirty="0">
                   <a:latin typeface="微软雅黑" panose="020B0503020204020204" pitchFamily="34" charset="-122"/>
                   <a:ea typeface="微软雅黑" panose="020B0503020204020204" pitchFamily="34" charset="-122"/>
                 </a:rPr>
                 <a:t>通过 </a:t>
               </a:r>
               <a:r>
-                <a:rPr lang="en-US" altLang="zh-CN" sz="900" dirty="0" smtClean="0">
+                <a:rPr lang="en-US" altLang="zh-CN" sz="900" dirty="0">
                   <a:latin typeface="微软雅黑" panose="020B0503020204020204" pitchFamily="34" charset="-122"/>
                   <a:ea typeface="微软雅黑" panose="020B0503020204020204" pitchFamily="34" charset="-122"/>
                 </a:rPr>
                 <a:t>D3.js </a:t>
               </a:r>
               <a:r>
-                <a:rPr lang="zh-CN" altLang="en-US" sz="900" dirty="0" smtClean="0">
+                <a:rPr lang="zh-CN" altLang="en-US" sz="900" dirty="0">
                   <a:latin typeface="微软雅黑" panose="020B0503020204020204" pitchFamily="34" charset="-122"/>
                   <a:ea typeface="微软雅黑" panose="020B0503020204020204" pitchFamily="34" charset="-122"/>
                 </a:rPr>
                 <a:t>绘制</a:t>
               </a:r>
               <a:r>
-                <a:rPr lang="en-US" altLang="zh-CN" sz="900" dirty="0" smtClean="0">
+                <a:rPr lang="en-US" altLang="zh-CN" sz="900" dirty="0">
                   <a:latin typeface="微软雅黑" panose="020B0503020204020204" pitchFamily="34" charset="-122"/>
                   <a:ea typeface="微软雅黑" panose="020B0503020204020204" pitchFamily="34" charset="-122"/>
                 </a:rPr>
                 <a:t>XXX</a:t>
               </a:r>
               <a:r>
-                <a:rPr lang="zh-CN" altLang="en-US" sz="900" dirty="0" smtClean="0">
+                <a:rPr lang="zh-CN" altLang="en-US" sz="900" dirty="0">
                   <a:latin typeface="微软雅黑" panose="020B0503020204020204" pitchFamily="34" charset="-122"/>
                   <a:ea typeface="微软雅黑" panose="020B0503020204020204" pitchFamily="34" charset="-122"/>
                 </a:rPr>
                 <a:t>图、</a:t>
               </a:r>
               <a:r>
-                <a:rPr lang="en-US" altLang="zh-CN" sz="900" dirty="0" smtClean="0">
+                <a:rPr lang="en-US" altLang="zh-CN" sz="900" dirty="0">
                   <a:latin typeface="微软雅黑" panose="020B0503020204020204" pitchFamily="34" charset="-122"/>
                   <a:ea typeface="微软雅黑" panose="020B0503020204020204" pitchFamily="34" charset="-122"/>
                 </a:rPr>
                 <a:t>XXX</a:t>
               </a:r>
               <a:r>
-                <a:rPr lang="zh-CN" altLang="en-US" sz="900" dirty="0" smtClean="0">
+                <a:rPr lang="zh-CN" altLang="en-US" sz="900" dirty="0">
                   <a:latin typeface="微软雅黑" panose="020B0503020204020204" pitchFamily="34" charset="-122"/>
                   <a:ea typeface="微软雅黑" panose="020B0503020204020204" pitchFamily="34" charset="-122"/>
                 </a:rPr>
                 <a:t>图等形式展现所选时空范围内</a:t>
               </a:r>
               <a:r>
-                <a:rPr lang="en-US" altLang="zh-CN" sz="900" dirty="0" smtClean="0">
+                <a:rPr lang="en-US" altLang="zh-CN" sz="900" dirty="0">
                   <a:latin typeface="微软雅黑" panose="020B0503020204020204" pitchFamily="34" charset="-122"/>
                   <a:ea typeface="微软雅黑" panose="020B0503020204020204" pitchFamily="34" charset="-122"/>
                 </a:rPr>
@@ -7935,22 +7489,15 @@
               <a:p>
                 <a:pPr algn="ctr"/>
                 <a:r>
-                  <a:rPr lang="zh-CN" altLang="en-US" sz="800" dirty="0" smtClean="0">
+                  <a:rPr lang="zh-CN" altLang="en-US" sz="800" dirty="0">
                     <a:solidFill>
-                      <a:srgbClr val="6679DF"/>
+                      <a:srgbClr val="2E75B5"/>
                     </a:solidFill>
                     <a:latin typeface="微软雅黑" panose="020B0503020204020204" pitchFamily="34" charset="-122"/>
                     <a:ea typeface="微软雅黑" panose="020B0503020204020204" pitchFamily="34" charset="-122"/>
                   </a:rPr>
                   <a:t>独立开发</a:t>
                 </a:r>
-                <a:endParaRPr lang="zh-CN" altLang="en-US" sz="800" dirty="0">
-                  <a:solidFill>
-                    <a:srgbClr val="6679DF"/>
-                  </a:solidFill>
-                  <a:latin typeface="微软雅黑" panose="020B0503020204020204" pitchFamily="34" charset="-122"/>
-                  <a:ea typeface="微软雅黑" panose="020B0503020204020204" pitchFamily="34" charset="-122"/>
-                </a:endParaRPr>
               </a:p>
             </p:txBody>
           </p:sp>
@@ -7989,7 +7536,7 @@
         </p:grpSp>
         <p:sp>
           <p:nvSpPr>
-            <p:cNvPr id="94" name="矩形 93"/>
+            <p:cNvPr id="94" name="矩形: 圆角 93"/>
             <p:cNvSpPr/>
             <p:nvPr/>
           </p:nvSpPr>
@@ -7998,11 +7545,11 @@
               <a:off x="1681247" y="8347355"/>
               <a:ext cx="619690" cy="203200"/>
             </a:xfrm>
-            <a:prstGeom prst="rect">
+            <a:prstGeom prst="roundRect">
               <a:avLst/>
             </a:prstGeom>
             <a:solidFill>
-              <a:srgbClr val="6679DF"/>
+              <a:srgbClr val="2E75B5"/>
             </a:solidFill>
             <a:ln w="6350">
               <a:noFill/>
@@ -8030,7 +7577,7 @@
             <a:p>
               <a:pPr lvl="0"/>
               <a:r>
-                <a:rPr lang="en-US" altLang="zh-CN" sz="900" dirty="0" smtClean="0">
+                <a:rPr lang="en-US" altLang="zh-CN" sz="900" dirty="0">
                   <a:solidFill>
                     <a:prstClr val="white"/>
                   </a:solidFill>
@@ -8049,7 +7596,7 @@
         </p:sp>
         <p:sp>
           <p:nvSpPr>
-            <p:cNvPr id="95" name="矩形 94"/>
+            <p:cNvPr id="95" name="矩形: 圆角 94"/>
             <p:cNvSpPr/>
             <p:nvPr/>
           </p:nvSpPr>
@@ -8058,11 +7605,11 @@
               <a:off x="2343529" y="8347355"/>
               <a:ext cx="742024" cy="203200"/>
             </a:xfrm>
-            <a:prstGeom prst="rect">
+            <a:prstGeom prst="roundRect">
               <a:avLst/>
             </a:prstGeom>
             <a:solidFill>
-              <a:srgbClr val="6679DF"/>
+              <a:srgbClr val="2E75B5"/>
             </a:solidFill>
             <a:ln w="6350">
               <a:noFill/>
@@ -8090,7 +7637,7 @@
             <a:p>
               <a:pPr lvl="0"/>
               <a:r>
-                <a:rPr lang="en-US" altLang="zh-CN" sz="900" dirty="0" err="1" smtClean="0">
+                <a:rPr lang="en-US" altLang="zh-CN" sz="900" dirty="0" err="1">
                   <a:solidFill>
                     <a:prstClr val="white"/>
                   </a:solidFill>
@@ -8109,7 +7656,7 @@
         </p:sp>
         <p:sp>
           <p:nvSpPr>
-            <p:cNvPr id="96" name="矩形 95"/>
+            <p:cNvPr id="96" name="矩形: 圆角 95"/>
             <p:cNvSpPr/>
             <p:nvPr/>
           </p:nvSpPr>
@@ -8118,11 +7665,11 @@
               <a:off x="1035661" y="8347355"/>
               <a:ext cx="602993" cy="203200"/>
             </a:xfrm>
-            <a:prstGeom prst="rect">
+            <a:prstGeom prst="roundRect">
               <a:avLst/>
             </a:prstGeom>
             <a:solidFill>
-              <a:srgbClr val="6679DF"/>
+              <a:srgbClr val="2E75B5"/>
             </a:solidFill>
             <a:ln w="6350">
               <a:noFill/>
@@ -8150,7 +7697,7 @@
             <a:p>
               <a:pPr lvl="0"/>
               <a:r>
-                <a:rPr lang="en-US" altLang="zh-CN" sz="900" dirty="0" smtClean="0">
+                <a:rPr lang="en-US" altLang="zh-CN" sz="900" dirty="0">
                   <a:solidFill>
                     <a:prstClr val="white"/>
                   </a:solidFill>
@@ -8176,7 +7723,7 @@
         </p:nvSpPr>
         <p:spPr>
           <a:xfrm>
-            <a:off x="1449561" y="5758575"/>
+            <a:off x="1449561" y="5255655"/>
             <a:ext cx="641187" cy="140176"/>
           </a:xfrm>
           <a:prstGeom prst="roundRect">
@@ -8215,30 +7762,13 @@
             <a:r>
               <a:rPr lang="zh-CN" altLang="en-US" sz="800" dirty="0">
                 <a:solidFill>
-                  <a:srgbClr val="6679DF"/>
+                  <a:srgbClr val="2E75B5"/>
                 </a:solidFill>
                 <a:latin typeface="微软雅黑" panose="020B0503020204020204" pitchFamily="34" charset="-122"/>
                 <a:ea typeface="微软雅黑" panose="020B0503020204020204" pitchFamily="34" charset="-122"/>
               </a:rPr>
-              <a:t>团队</a:t>
-            </a:r>
-            <a:r>
-              <a:rPr lang="zh-CN" altLang="en-US" sz="800" dirty="0" smtClean="0">
-                <a:solidFill>
-                  <a:srgbClr val="6679DF"/>
-                </a:solidFill>
-                <a:latin typeface="微软雅黑" panose="020B0503020204020204" pitchFamily="34" charset="-122"/>
-                <a:ea typeface="微软雅黑" panose="020B0503020204020204" pitchFamily="34" charset="-122"/>
-              </a:rPr>
-              <a:t>项目</a:t>
-            </a:r>
-            <a:endParaRPr lang="zh-CN" altLang="en-US" sz="800" dirty="0">
-              <a:solidFill>
-                <a:srgbClr val="6679DF"/>
-              </a:solidFill>
-              <a:latin typeface="微软雅黑" panose="020B0503020204020204" pitchFamily="34" charset="-122"/>
-              <a:ea typeface="微软雅黑" panose="020B0503020204020204" pitchFamily="34" charset="-122"/>
-            </a:endParaRPr>
+              <a:t>团队项目</a:t>
+            </a:r>
           </a:p>
         </p:txBody>
       </p:sp>
@@ -8250,7 +7780,7 @@
         </p:nvSpPr>
         <p:spPr>
           <a:xfrm>
-            <a:off x="1454324" y="3694424"/>
+            <a:off x="1454324" y="3191504"/>
             <a:ext cx="641187" cy="140176"/>
           </a:xfrm>
           <a:prstGeom prst="roundRect">
@@ -8287,22 +7817,15 @@
           <a:p>
             <a:pPr algn="ctr"/>
             <a:r>
-              <a:rPr lang="zh-CN" altLang="en-US" sz="800" dirty="0" smtClean="0">
+              <a:rPr lang="zh-CN" altLang="en-US" sz="800" dirty="0">
                 <a:solidFill>
-                  <a:srgbClr val="6679DF"/>
+                  <a:srgbClr val="2E75B5"/>
                 </a:solidFill>
                 <a:latin typeface="微软雅黑" panose="020B0503020204020204" pitchFamily="34" charset="-122"/>
                 <a:ea typeface="微软雅黑" panose="020B0503020204020204" pitchFamily="34" charset="-122"/>
               </a:rPr>
               <a:t>独立开发</a:t>
             </a:r>
-            <a:endParaRPr lang="zh-CN" altLang="en-US" sz="800" dirty="0">
-              <a:solidFill>
-                <a:srgbClr val="6679DF"/>
-              </a:solidFill>
-              <a:latin typeface="微软雅黑" panose="020B0503020204020204" pitchFamily="34" charset="-122"/>
-              <a:ea typeface="微软雅黑" panose="020B0503020204020204" pitchFamily="34" charset="-122"/>
-            </a:endParaRPr>
           </a:p>
         </p:txBody>
       </p:sp>
@@ -8316,13 +7839,6 @@
   <p:clrMapOvr>
     <a:masterClrMapping/>
   </p:clrMapOvr>
-  <p:timing>
-    <p:tnLst>
-      <p:par>
-        <p:cTn id="1" dur="indefinite" restart="never" nodeType="tmRoot"/>
-      </p:par>
-    </p:tnLst>
-  </p:timing>
 </p:sld>
 </file>
 

--- a/resume/doc/resume.pptx
+++ b/resume/doc/resume.pptx
@@ -120,6 +120,16 @@
             <a:srgbClr val="A4A3A4"/>
           </p15:clr>
         </p15:guide>
+        <p15:guide id="3" pos="1026" userDrawn="1">
+          <p15:clr>
+            <a:srgbClr val="A4A3A4"/>
+          </p15:clr>
+        </p15:guide>
+        <p15:guide id="4" pos="1502" userDrawn="1">
+          <p15:clr>
+            <a:srgbClr val="A4A3A4"/>
+          </p15:clr>
+        </p15:guide>
       </p15:sldGuideLst>
     </p:ext>
   </p:extLst>
@@ -212,7 +222,7 @@
           <a:p>
             <a:fld id="{AEA2C9DF-D23B-4857-8F83-A94459C69053}" type="datetimeFigureOut">
               <a:rPr lang="zh-CN" altLang="en-US" smtClean="0"/>
-              <a:t>2017/8/21 Monday</a:t>
+              <a:t>2017/8/26 Saturday</a:t>
             </a:fld>
             <a:endParaRPr lang="zh-CN" altLang="en-US"/>
           </a:p>
@@ -694,7 +704,7 @@
           <a:p>
             <a:fld id="{6A4926B6-441D-4BA1-AD68-6F10F35F7AC9}" type="datetimeFigureOut">
               <a:rPr lang="zh-CN" altLang="en-US" smtClean="0"/>
-              <a:t>2017/8/21 Monday</a:t>
+              <a:t>2017/8/26 Saturday</a:t>
             </a:fld>
             <a:endParaRPr lang="zh-CN" altLang="en-US"/>
           </a:p>
@@ -864,7 +874,7 @@
           <a:p>
             <a:fld id="{6A4926B6-441D-4BA1-AD68-6F10F35F7AC9}" type="datetimeFigureOut">
               <a:rPr lang="zh-CN" altLang="en-US" smtClean="0"/>
-              <a:t>2017/8/21 Monday</a:t>
+              <a:t>2017/8/26 Saturday</a:t>
             </a:fld>
             <a:endParaRPr lang="zh-CN" altLang="en-US"/>
           </a:p>
@@ -1044,7 +1054,7 @@
           <a:p>
             <a:fld id="{6A4926B6-441D-4BA1-AD68-6F10F35F7AC9}" type="datetimeFigureOut">
               <a:rPr lang="zh-CN" altLang="en-US" smtClean="0"/>
-              <a:t>2017/8/21 Monday</a:t>
+              <a:t>2017/8/26 Saturday</a:t>
             </a:fld>
             <a:endParaRPr lang="zh-CN" altLang="en-US"/>
           </a:p>
@@ -1214,7 +1224,7 @@
           <a:p>
             <a:fld id="{6A4926B6-441D-4BA1-AD68-6F10F35F7AC9}" type="datetimeFigureOut">
               <a:rPr lang="zh-CN" altLang="en-US" smtClean="0"/>
-              <a:t>2017/8/21 Monday</a:t>
+              <a:t>2017/8/26 Saturday</a:t>
             </a:fld>
             <a:endParaRPr lang="zh-CN" altLang="en-US"/>
           </a:p>
@@ -1458,7 +1468,7 @@
           <a:p>
             <a:fld id="{6A4926B6-441D-4BA1-AD68-6F10F35F7AC9}" type="datetimeFigureOut">
               <a:rPr lang="zh-CN" altLang="en-US" smtClean="0"/>
-              <a:t>2017/8/21 Monday</a:t>
+              <a:t>2017/8/26 Saturday</a:t>
             </a:fld>
             <a:endParaRPr lang="zh-CN" altLang="en-US"/>
           </a:p>
@@ -1690,7 +1700,7 @@
           <a:p>
             <a:fld id="{6A4926B6-441D-4BA1-AD68-6F10F35F7AC9}" type="datetimeFigureOut">
               <a:rPr lang="zh-CN" altLang="en-US" smtClean="0"/>
-              <a:t>2017/8/21 Monday</a:t>
+              <a:t>2017/8/26 Saturday</a:t>
             </a:fld>
             <a:endParaRPr lang="zh-CN" altLang="en-US"/>
           </a:p>
@@ -2057,7 +2067,7 @@
           <a:p>
             <a:fld id="{6A4926B6-441D-4BA1-AD68-6F10F35F7AC9}" type="datetimeFigureOut">
               <a:rPr lang="zh-CN" altLang="en-US" smtClean="0"/>
-              <a:t>2017/8/21 Monday</a:t>
+              <a:t>2017/8/26 Saturday</a:t>
             </a:fld>
             <a:endParaRPr lang="zh-CN" altLang="en-US"/>
           </a:p>
@@ -2175,7 +2185,7 @@
           <a:p>
             <a:fld id="{6A4926B6-441D-4BA1-AD68-6F10F35F7AC9}" type="datetimeFigureOut">
               <a:rPr lang="zh-CN" altLang="en-US" smtClean="0"/>
-              <a:t>2017/8/21 Monday</a:t>
+              <a:t>2017/8/26 Saturday</a:t>
             </a:fld>
             <a:endParaRPr lang="zh-CN" altLang="en-US"/>
           </a:p>
@@ -2270,7 +2280,7 @@
           <a:p>
             <a:fld id="{6A4926B6-441D-4BA1-AD68-6F10F35F7AC9}" type="datetimeFigureOut">
               <a:rPr lang="zh-CN" altLang="en-US" smtClean="0"/>
-              <a:t>2017/8/21 Monday</a:t>
+              <a:t>2017/8/26 Saturday</a:t>
             </a:fld>
             <a:endParaRPr lang="zh-CN" altLang="en-US"/>
           </a:p>
@@ -2547,7 +2557,7 @@
           <a:p>
             <a:fld id="{6A4926B6-441D-4BA1-AD68-6F10F35F7AC9}" type="datetimeFigureOut">
               <a:rPr lang="zh-CN" altLang="en-US" smtClean="0"/>
-              <a:t>2017/8/21 Monday</a:t>
+              <a:t>2017/8/26 Saturday</a:t>
             </a:fld>
             <a:endParaRPr lang="zh-CN" altLang="en-US"/>
           </a:p>
@@ -2804,7 +2814,7 @@
           <a:p>
             <a:fld id="{6A4926B6-441D-4BA1-AD68-6F10F35F7AC9}" type="datetimeFigureOut">
               <a:rPr lang="zh-CN" altLang="en-US" smtClean="0"/>
-              <a:t>2017/8/21 Monday</a:t>
+              <a:t>2017/8/26 Saturday</a:t>
             </a:fld>
             <a:endParaRPr lang="zh-CN" altLang="en-US"/>
           </a:p>
@@ -3017,7 +3027,7 @@
           <a:p>
             <a:fld id="{6A4926B6-441D-4BA1-AD68-6F10F35F7AC9}" type="datetimeFigureOut">
               <a:rPr lang="zh-CN" altLang="en-US" smtClean="0"/>
-              <a:t>2017/8/21 Monday</a:t>
+              <a:t>2017/8/26 Saturday</a:t>
             </a:fld>
             <a:endParaRPr lang="zh-CN" altLang="en-US"/>
           </a:p>
@@ -3431,7 +3441,7 @@
         <p:spPr>
           <a:xfrm>
             <a:off x="1084931" y="1866115"/>
-            <a:ext cx="2123089" cy="477054"/>
+            <a:ext cx="2123089" cy="669414"/>
           </a:xfrm>
           <a:prstGeom prst="rect">
             <a:avLst/>
@@ -3473,6 +3483,24 @@
                 <a:ea typeface="微软雅黑" panose="020B0503020204020204" pitchFamily="34" charset="-122"/>
               </a:rPr>
               <a:t>景德镇陶瓷大学  信息管理与信息系统</a:t>
+            </a:r>
+            <a:endParaRPr lang="en-US" altLang="zh-CN" sz="900" dirty="0">
+              <a:latin typeface="微软雅黑" panose="020B0503020204020204" pitchFamily="34" charset="-122"/>
+              <a:ea typeface="微软雅黑" panose="020B0503020204020204" pitchFamily="34" charset="-122"/>
+            </a:endParaRPr>
+          </a:p>
+          <a:p>
+            <a:pPr>
+              <a:lnSpc>
+                <a:spcPts val="1500"/>
+              </a:lnSpc>
+            </a:pPr>
+            <a:r>
+              <a:rPr lang="zh-CN" altLang="en-US" sz="900" dirty="0">
+                <a:latin typeface="微软雅黑" panose="020B0503020204020204" pitchFamily="34" charset="-122"/>
+                <a:ea typeface="微软雅黑" panose="020B0503020204020204" pitchFamily="34" charset="-122"/>
+              </a:rPr>
+              <a:t>（计算机类专业）</a:t>
             </a:r>
             <a:endParaRPr lang="en-US" altLang="zh-CN" sz="900" dirty="0">
               <a:latin typeface="微软雅黑" panose="020B0503020204020204" pitchFamily="34" charset="-122"/>
@@ -3533,7 +3561,7 @@
         <p:spPr>
           <a:xfrm>
             <a:off x="3556316" y="1669839"/>
-            <a:ext cx="2997159" cy="3877985"/>
+            <a:ext cx="3057844" cy="4647426"/>
           </a:xfrm>
           <a:prstGeom prst="rect">
             <a:avLst/>
@@ -3624,7 +3652,24 @@
                 <a:latin typeface="微软雅黑" panose="020B0503020204020204" pitchFamily="34" charset="-122"/>
                 <a:ea typeface="微软雅黑" panose="020B0503020204020204" pitchFamily="34" charset="-122"/>
               </a:rPr>
-              <a:t>编写语义化、较复杂的布局，熟悉 </a:t>
+              <a:t>编写语义化、利于</a:t>
+            </a:r>
+            <a:r>
+              <a:rPr lang="en-US" altLang="zh-CN" sz="900" b="1" dirty="0">
+                <a:solidFill>
+                  <a:srgbClr val="2E75B5"/>
+                </a:solidFill>
+                <a:latin typeface="微软雅黑" panose="020B0503020204020204" pitchFamily="34" charset="-122"/>
+                <a:ea typeface="微软雅黑" panose="020B0503020204020204" pitchFamily="34" charset="-122"/>
+              </a:rPr>
+              <a:t>SEO</a:t>
+            </a:r>
+            <a:r>
+              <a:rPr lang="zh-CN" altLang="en-US" sz="900" dirty="0">
+                <a:latin typeface="微软雅黑" panose="020B0503020204020204" pitchFamily="34" charset="-122"/>
+                <a:ea typeface="微软雅黑" panose="020B0503020204020204" pitchFamily="34" charset="-122"/>
+              </a:rPr>
+              <a:t>、较复杂的布局，熟悉 </a:t>
             </a:r>
             <a:r>
               <a:rPr lang="en-US" altLang="zh-CN" sz="900" b="1" dirty="0">
@@ -3797,6 +3842,80 @@
                 <a:latin typeface="微软雅黑" panose="020B0503020204020204" pitchFamily="34" charset="-122"/>
                 <a:ea typeface="微软雅黑" panose="020B0503020204020204" pitchFamily="34" charset="-122"/>
               </a:rPr>
+              <a:t>理解</a:t>
+            </a:r>
+            <a:r>
+              <a:rPr lang="en-US" altLang="zh-CN" sz="900" b="1" dirty="0">
+                <a:solidFill>
+                  <a:srgbClr val="2E75B5"/>
+                </a:solidFill>
+                <a:latin typeface="微软雅黑" panose="020B0503020204020204" pitchFamily="34" charset="-122"/>
+                <a:ea typeface="微软雅黑" panose="020B0503020204020204" pitchFamily="34" charset="-122"/>
+              </a:rPr>
+              <a:t>JavaScript</a:t>
+            </a:r>
+            <a:r>
+              <a:rPr lang="zh-CN" altLang="en-US" sz="900" b="1" dirty="0">
+                <a:solidFill>
+                  <a:srgbClr val="2E75B5"/>
+                </a:solidFill>
+                <a:latin typeface="微软雅黑" panose="020B0503020204020204" pitchFamily="34" charset="-122"/>
+                <a:ea typeface="微软雅黑" panose="020B0503020204020204" pitchFamily="34" charset="-122"/>
+              </a:rPr>
+              <a:t>原型链</a:t>
+            </a:r>
+            <a:r>
+              <a:rPr lang="zh-CN" altLang="en-US" sz="900" dirty="0">
+                <a:latin typeface="微软雅黑" panose="020B0503020204020204" pitchFamily="34" charset="-122"/>
+                <a:ea typeface="微软雅黑" panose="020B0503020204020204" pitchFamily="34" charset="-122"/>
+              </a:rPr>
+              <a:t>机制，基本掌握</a:t>
+            </a:r>
+            <a:r>
+              <a:rPr lang="en-US" altLang="zh-CN" sz="900" b="1" dirty="0">
+                <a:solidFill>
+                  <a:srgbClr val="2E75B5"/>
+                </a:solidFill>
+                <a:latin typeface="微软雅黑" panose="020B0503020204020204" pitchFamily="34" charset="-122"/>
+                <a:ea typeface="微软雅黑" panose="020B0503020204020204" pitchFamily="34" charset="-122"/>
+              </a:rPr>
+              <a:t>JavaScript</a:t>
+            </a:r>
+            <a:r>
+              <a:rPr lang="zh-CN" altLang="en-US" sz="900" b="1" dirty="0">
+                <a:solidFill>
+                  <a:srgbClr val="2E75B5"/>
+                </a:solidFill>
+                <a:latin typeface="微软雅黑" panose="020B0503020204020204" pitchFamily="34" charset="-122"/>
+                <a:ea typeface="微软雅黑" panose="020B0503020204020204" pitchFamily="34" charset="-122"/>
+              </a:rPr>
+              <a:t>面向对象</a:t>
+            </a:r>
+            <a:r>
+              <a:rPr lang="zh-CN" altLang="en-US" sz="900" dirty="0">
+                <a:latin typeface="微软雅黑" panose="020B0503020204020204" pitchFamily="34" charset="-122"/>
+                <a:ea typeface="微软雅黑" panose="020B0503020204020204" pitchFamily="34" charset="-122"/>
+              </a:rPr>
+              <a:t>的原理</a:t>
+            </a:r>
+            <a:endParaRPr lang="en-US" altLang="zh-CN" sz="900" dirty="0">
+              <a:latin typeface="微软雅黑" panose="020B0503020204020204" pitchFamily="34" charset="-122"/>
+              <a:ea typeface="微软雅黑" panose="020B0503020204020204" pitchFamily="34" charset="-122"/>
+            </a:endParaRPr>
+          </a:p>
+          <a:p>
+            <a:pPr marL="171450" indent="-171450">
+              <a:lnSpc>
+                <a:spcPts val="1500"/>
+              </a:lnSpc>
+              <a:buFont typeface="Wingdings" panose="05000000000000000000" pitchFamily="2" charset="2"/>
+              <a:buChar char="ü"/>
+            </a:pPr>
+            <a:r>
+              <a:rPr lang="zh-CN" altLang="en-US" sz="900" dirty="0">
+                <a:latin typeface="微软雅黑" panose="020B0503020204020204" pitchFamily="34" charset="-122"/>
+                <a:ea typeface="微软雅黑" panose="020B0503020204020204" pitchFamily="34" charset="-122"/>
+              </a:rPr>
               <a:t>熟练使用 </a:t>
             </a:r>
             <a:r>
@@ -3904,7 +4023,7 @@
               <a:t>熟悉 </a:t>
             </a:r>
             <a:r>
-              <a:rPr lang="en-US" altLang="zh-CN" sz="900" b="1" dirty="0">
+              <a:rPr lang="en-US" altLang="zh-CN" sz="900" b="1" dirty="0" err="1">
                 <a:solidFill>
                   <a:srgbClr val="2E75B5"/>
                 </a:solidFill>
@@ -3912,6 +4031,23 @@
                 <a:ea typeface="微软雅黑" panose="020B0503020204020204" pitchFamily="34" charset="-122"/>
               </a:rPr>
               <a:t>React</a:t>
+            </a:r>
+            <a:r>
+              <a:rPr lang="en-US" altLang="zh-CN" sz="900" dirty="0" err="1">
+                <a:latin typeface="微软雅黑" panose="020B0503020204020204" pitchFamily="34" charset="-122"/>
+                <a:ea typeface="微软雅黑" panose="020B0503020204020204" pitchFamily="34" charset="-122"/>
+              </a:rPr>
+              <a:t>+</a:t>
+            </a:r>
+            <a:r>
+              <a:rPr lang="en-US" altLang="zh-CN" sz="900" b="1" dirty="0" err="1">
+                <a:solidFill>
+                  <a:srgbClr val="2E75B5"/>
+                </a:solidFill>
+                <a:latin typeface="微软雅黑" panose="020B0503020204020204" pitchFamily="34" charset="-122"/>
+                <a:ea typeface="微软雅黑" panose="020B0503020204020204" pitchFamily="34" charset="-122"/>
+              </a:rPr>
+              <a:t>ant-design</a:t>
             </a:r>
             <a:r>
               <a:rPr lang="zh-CN" altLang="en-US" sz="900" b="1" dirty="0">
@@ -3921,25 +4057,19 @@
                 <a:latin typeface="微软雅黑" panose="020B0503020204020204" pitchFamily="34" charset="-122"/>
                 <a:ea typeface="微软雅黑" panose="020B0503020204020204" pitchFamily="34" charset="-122"/>
               </a:rPr>
-              <a:t>全家桶</a:t>
-            </a:r>
-            <a:r>
-              <a:rPr lang="en-US" altLang="zh-CN" sz="900" dirty="0">
-                <a:latin typeface="微软雅黑" panose="020B0503020204020204" pitchFamily="34" charset="-122"/>
-                <a:ea typeface="微软雅黑" panose="020B0503020204020204" pitchFamily="34" charset="-122"/>
-              </a:rPr>
-              <a:t>+</a:t>
-            </a:r>
-            <a:r>
-              <a:rPr lang="en-US" altLang="zh-CN" sz="900" b="1" dirty="0">
-                <a:solidFill>
-                  <a:srgbClr val="2E75B5"/>
-                </a:solidFill>
-                <a:latin typeface="微软雅黑" panose="020B0503020204020204" pitchFamily="34" charset="-122"/>
-                <a:ea typeface="微软雅黑" panose="020B0503020204020204" pitchFamily="34" charset="-122"/>
-              </a:rPr>
-              <a:t>ant-design</a:t>
-            </a:r>
+              <a:t>，</a:t>
+            </a:r>
+            <a:r>
+              <a:rPr lang="zh-CN" altLang="en-US" sz="900" dirty="0">
+                <a:latin typeface="微软雅黑" panose="020B0503020204020204" pitchFamily="34" charset="-122"/>
+                <a:ea typeface="微软雅黑" panose="020B0503020204020204" pitchFamily="34" charset="-122"/>
+              </a:rPr>
+              <a:t>希望在工作中深入学习</a:t>
+            </a:r>
+            <a:endParaRPr lang="en-US" altLang="zh-CN" sz="900" dirty="0">
+              <a:latin typeface="微软雅黑" panose="020B0503020204020204" pitchFamily="34" charset="-122"/>
+              <a:ea typeface="微软雅黑" panose="020B0503020204020204" pitchFamily="34" charset="-122"/>
+            </a:endParaRPr>
           </a:p>
           <a:p>
             <a:pPr marL="171450" indent="-171450">
@@ -4008,7 +4138,7 @@
                 <a:latin typeface="微软雅黑" panose="020B0503020204020204" pitchFamily="34" charset="-122"/>
                 <a:ea typeface="微软雅黑" panose="020B0503020204020204" pitchFamily="34" charset="-122"/>
               </a:rPr>
-              <a:t>jQuery</a:t>
+              <a:t>underscore</a:t>
             </a:r>
             <a:r>
               <a:rPr lang="en-US" altLang="zh-CN" sz="900" dirty="0">
@@ -4016,6 +4146,23 @@
                 <a:ea typeface="微软雅黑" panose="020B0503020204020204" pitchFamily="34" charset="-122"/>
               </a:rPr>
               <a:t> / </a:t>
+            </a:r>
+            <a:r>
+              <a:rPr lang="en-US" altLang="zh-CN" sz="900" b="1" dirty="0" err="1">
+                <a:solidFill>
+                  <a:srgbClr val="2E75B5"/>
+                </a:solidFill>
+                <a:latin typeface="微软雅黑" panose="020B0503020204020204" pitchFamily="34" charset="-122"/>
+                <a:ea typeface="微软雅黑" panose="020B0503020204020204" pitchFamily="34" charset="-122"/>
+              </a:rPr>
+              <a:t>lodash</a:t>
+            </a:r>
+            <a:r>
+              <a:rPr lang="en-US" altLang="zh-CN" sz="900" dirty="0">
+                <a:latin typeface="微软雅黑" panose="020B0503020204020204" pitchFamily="34" charset="-122"/>
+                <a:ea typeface="微软雅黑" panose="020B0503020204020204" pitchFamily="34" charset="-122"/>
+              </a:rPr>
+              <a:t> /  </a:t>
             </a:r>
             <a:r>
               <a:rPr lang="en-US" altLang="zh-CN" sz="900" b="1" dirty="0">
@@ -4025,24 +4172,7 @@
                 <a:latin typeface="微软雅黑" panose="020B0503020204020204" pitchFamily="34" charset="-122"/>
                 <a:ea typeface="微软雅黑" panose="020B0503020204020204" pitchFamily="34" charset="-122"/>
               </a:rPr>
-              <a:t>Underscore</a:t>
-            </a:r>
-            <a:r>
-              <a:rPr lang="en-US" altLang="zh-CN" sz="900" dirty="0">
-                <a:latin typeface="微软雅黑" panose="020B0503020204020204" pitchFamily="34" charset="-122"/>
-                <a:ea typeface="微软雅黑" panose="020B0503020204020204" pitchFamily="34" charset="-122"/>
-              </a:rPr>
-              <a:t> / </a:t>
-            </a:r>
-            <a:r>
-              <a:rPr lang="en-US" altLang="zh-CN" sz="900" b="1" dirty="0" err="1">
-                <a:solidFill>
-                  <a:srgbClr val="2E75B5"/>
-                </a:solidFill>
-                <a:latin typeface="微软雅黑" panose="020B0503020204020204" pitchFamily="34" charset="-122"/>
-                <a:ea typeface="微软雅黑" panose="020B0503020204020204" pitchFamily="34" charset="-122"/>
-              </a:rPr>
-              <a:t>Lodash</a:t>
+              <a:t>jQuery</a:t>
             </a:r>
             <a:r>
               <a:rPr lang="en-US" altLang="zh-CN" sz="900" dirty="0">
@@ -4059,7 +4189,7 @@
                 <a:latin typeface="微软雅黑" panose="020B0503020204020204" pitchFamily="34" charset="-122"/>
                 <a:ea typeface="微软雅黑" panose="020B0503020204020204" pitchFamily="34" charset="-122"/>
               </a:rPr>
-              <a:t>Require.js </a:t>
+              <a:t>require.js </a:t>
             </a:r>
             <a:r>
               <a:rPr lang="zh-CN" altLang="en-US" sz="900" dirty="0">
@@ -4086,21 +4216,34 @@
                 <a:latin typeface="微软雅黑" panose="020B0503020204020204" pitchFamily="34" charset="-122"/>
                 <a:ea typeface="微软雅黑" panose="020B0503020204020204" pitchFamily="34" charset="-122"/>
               </a:rPr>
-              <a:t>使用 </a:t>
-            </a:r>
-            <a:r>
-              <a:rPr lang="en-US" altLang="zh-CN" sz="900" dirty="0" err="1">
-                <a:latin typeface="微软雅黑" panose="020B0503020204020204" pitchFamily="34" charset="-122"/>
-                <a:ea typeface="微软雅黑" panose="020B0503020204020204" pitchFamily="34" charset="-122"/>
-              </a:rPr>
-              <a:t>Wepy</a:t>
+              <a:t>有使用过 </a:t>
+            </a:r>
+            <a:r>
+              <a:rPr lang="en-US" altLang="zh-CN" sz="900" b="1" dirty="0" err="1">
+                <a:solidFill>
+                  <a:srgbClr val="2E75B5"/>
+                </a:solidFill>
+                <a:latin typeface="微软雅黑" panose="020B0503020204020204" pitchFamily="34" charset="-122"/>
+                <a:ea typeface="微软雅黑" panose="020B0503020204020204" pitchFamily="34" charset="-122"/>
+              </a:rPr>
+              <a:t>wepy</a:t>
+            </a:r>
+            <a:r>
+              <a:rPr lang="zh-CN" altLang="en-US" sz="900" b="1" dirty="0">
+                <a:solidFill>
+                  <a:srgbClr val="2E75B5"/>
+                </a:solidFill>
+                <a:latin typeface="微软雅黑" panose="020B0503020204020204" pitchFamily="34" charset="-122"/>
+                <a:ea typeface="微软雅黑" panose="020B0503020204020204" pitchFamily="34" charset="-122"/>
+              </a:rPr>
+              <a:t>框架 </a:t>
             </a:r>
             <a:r>
               <a:rPr lang="zh-CN" altLang="en-US" sz="900" dirty="0">
                 <a:latin typeface="微软雅黑" panose="020B0503020204020204" pitchFamily="34" charset="-122"/>
                 <a:ea typeface="微软雅黑" panose="020B0503020204020204" pitchFamily="34" charset="-122"/>
               </a:rPr>
-              <a:t>框架 开发过微信小程序</a:t>
+              <a:t>开发微信小程序经验</a:t>
             </a:r>
             <a:endParaRPr lang="en-US" altLang="zh-CN" sz="900" dirty="0">
               <a:latin typeface="微软雅黑" panose="020B0503020204020204" pitchFamily="34" charset="-122"/>
@@ -4362,7 +4505,7 @@
                 <a:latin typeface="微软雅黑" panose="020B0503020204020204" pitchFamily="34" charset="-122"/>
                 <a:ea typeface="微软雅黑" panose="020B0503020204020204" pitchFamily="34" charset="-122"/>
               </a:rPr>
-              <a:t>使用过 </a:t>
+              <a:t>使用 </a:t>
             </a:r>
             <a:r>
               <a:rPr lang="en-US" altLang="zh-CN" sz="900" b="1" dirty="0" err="1">
@@ -4379,20 +4522,47 @@
                 <a:latin typeface="微软雅黑" panose="020B0503020204020204" pitchFamily="34" charset="-122"/>
                 <a:ea typeface="微软雅黑" panose="020B0503020204020204" pitchFamily="34" charset="-122"/>
               </a:rPr>
-              <a:t>，独立开发学校实际项目，投入使用，运行良好。</a:t>
-            </a:r>
-            <a:r>
-              <a:rPr lang="zh-CN" altLang="en-US" sz="900" u="sng" dirty="0">
+              <a:t>，</a:t>
+            </a:r>
+            <a:r>
+              <a:rPr lang="en-US" altLang="zh-CN" sz="900" b="1" dirty="0">
                 <a:solidFill>
                   <a:srgbClr val="2E75B5"/>
                 </a:solidFill>
                 <a:latin typeface="微软雅黑" panose="020B0503020204020204" pitchFamily="34" charset="-122"/>
                 <a:ea typeface="微软雅黑" panose="020B0503020204020204" pitchFamily="34" charset="-122"/>
+              </a:rPr>
+              <a:t>CI</a:t>
+            </a:r>
+            <a:r>
+              <a:rPr lang="zh-CN" altLang="en-US" sz="900" b="1" dirty="0">
+                <a:solidFill>
+                  <a:srgbClr val="2E75B5"/>
+                </a:solidFill>
+                <a:latin typeface="微软雅黑" panose="020B0503020204020204" pitchFamily="34" charset="-122"/>
+                <a:ea typeface="微软雅黑" panose="020B0503020204020204" pitchFamily="34" charset="-122"/>
+              </a:rPr>
+              <a:t>框架</a:t>
+            </a:r>
+            <a:r>
+              <a:rPr lang="zh-CN" altLang="en-US" sz="900" dirty="0">
+                <a:latin typeface="微软雅黑" panose="020B0503020204020204" pitchFamily="34" charset="-122"/>
+                <a:ea typeface="微软雅黑" panose="020B0503020204020204" pitchFamily="34" charset="-122"/>
+              </a:rPr>
+              <a:t>独立开发学校第二课堂管理系统，投入使用，运行良好。</a:t>
+            </a:r>
+            <a:r>
+              <a:rPr lang="zh-CN" altLang="en-US" sz="900" b="1" u="sng" dirty="0">
+                <a:solidFill>
+                  <a:srgbClr val="2E75B5"/>
+                </a:solidFill>
+                <a:latin typeface="微软雅黑" panose="020B0503020204020204" pitchFamily="34" charset="-122"/>
+                <a:ea typeface="微软雅黑" panose="020B0503020204020204" pitchFamily="34" charset="-122"/>
                 <a:hlinkClick r:id="rId3"/>
               </a:rPr>
               <a:t>线上地址</a:t>
             </a:r>
-            <a:endParaRPr lang="en-US" altLang="zh-CN" sz="900" u="sng" dirty="0">
+            <a:endParaRPr lang="en-US" altLang="zh-CN" sz="900" b="1" u="sng" dirty="0">
               <a:solidFill>
                 <a:srgbClr val="2E75B5"/>
               </a:solidFill>
@@ -4413,7 +4583,7 @@
                 <a:latin typeface="微软雅黑" panose="020B0503020204020204" pitchFamily="34" charset="-122"/>
                 <a:ea typeface="微软雅黑" panose="020B0503020204020204" pitchFamily="34" charset="-122"/>
               </a:rPr>
-              <a:t>使用过 </a:t>
+              <a:t>使用 </a:t>
             </a:r>
             <a:r>
               <a:rPr lang="en-US" altLang="zh-CN" sz="900" b="1" dirty="0">
@@ -4451,28 +4621,24 @@
               <a:ea typeface="微软雅黑" panose="020B0503020204020204" pitchFamily="34" charset="-122"/>
             </a:endParaRPr>
           </a:p>
-        </p:txBody>
-      </p:sp>
-      <p:sp>
-        <p:nvSpPr>
-          <p:cNvPr id="13" name="矩形 12"/>
-          <p:cNvSpPr/>
-          <p:nvPr/>
-        </p:nvSpPr>
-        <p:spPr>
-          <a:xfrm>
-            <a:off x="3556316" y="6529649"/>
-            <a:ext cx="3136989" cy="1438855"/>
-          </a:xfrm>
-          <a:prstGeom prst="rect">
-            <a:avLst/>
-          </a:prstGeom>
-        </p:spPr>
-        <p:txBody>
-          <a:bodyPr wrap="square">
-            <a:spAutoFit/>
-          </a:bodyPr>
-          <a:lstStyle/>
+          <a:p>
+            <a:pPr>
+              <a:lnSpc>
+                <a:spcPts val="1500"/>
+              </a:lnSpc>
+            </a:pPr>
+            <a:r>
+              <a:rPr lang="zh-CN" altLang="en-US" sz="1050" b="1" dirty="0">
+                <a:latin typeface="微软雅黑" panose="020B0503020204020204" pitchFamily="34" charset="-122"/>
+                <a:ea typeface="微软雅黑" panose="020B0503020204020204" pitchFamily="34" charset="-122"/>
+              </a:rPr>
+              <a:t>其他技能</a:t>
+            </a:r>
+            <a:endParaRPr lang="en-US" altLang="zh-CN" sz="1050" b="1" dirty="0">
+              <a:latin typeface="微软雅黑" panose="020B0503020204020204" pitchFamily="34" charset="-122"/>
+              <a:ea typeface="微软雅黑" panose="020B0503020204020204" pitchFamily="34" charset="-122"/>
+            </a:endParaRPr>
+          </a:p>
           <a:p>
             <a:pPr marL="171450" indent="-171450">
               <a:lnSpc>
@@ -4482,54 +4648,40 @@
               <a:buChar char="ü"/>
             </a:pPr>
             <a:r>
+              <a:rPr lang="zh-CN" altLang="en-US" sz="900" dirty="0">
+                <a:latin typeface="微软雅黑" panose="020B0503020204020204" pitchFamily="34" charset="-122"/>
+                <a:ea typeface="微软雅黑" panose="020B0503020204020204" pitchFamily="34" charset="-122"/>
+              </a:rPr>
+              <a:t>能够使用 </a:t>
+            </a:r>
+            <a:r>
+              <a:rPr lang="en-US" altLang="zh-CN" sz="900" b="1" dirty="0">
+                <a:solidFill>
+                  <a:srgbClr val="2E75B5"/>
+                </a:solidFill>
+                <a:latin typeface="微软雅黑" panose="020B0503020204020204" pitchFamily="34" charset="-122"/>
+                <a:ea typeface="微软雅黑" panose="020B0503020204020204" pitchFamily="34" charset="-122"/>
+              </a:rPr>
+              <a:t>Photoshop</a:t>
+            </a:r>
+            <a:r>
               <a:rPr lang="en-US" altLang="zh-CN" sz="900" dirty="0">
                 <a:latin typeface="微软雅黑" panose="020B0503020204020204" pitchFamily="34" charset="-122"/>
                 <a:ea typeface="微软雅黑" panose="020B0503020204020204" pitchFamily="34" charset="-122"/>
               </a:rPr>
-              <a:t>2015</a:t>
+              <a:t> </a:t>
             </a:r>
             <a:r>
               <a:rPr lang="zh-CN" altLang="en-US" sz="900" dirty="0">
                 <a:latin typeface="微软雅黑" panose="020B0503020204020204" pitchFamily="34" charset="-122"/>
                 <a:ea typeface="微软雅黑" panose="020B0503020204020204" pitchFamily="34" charset="-122"/>
               </a:rPr>
-              <a:t>年</a:t>
-            </a:r>
-            <a:r>
-              <a:rPr lang="en-US" altLang="zh-CN" sz="900" dirty="0">
-                <a:latin typeface="微软雅黑" panose="020B0503020204020204" pitchFamily="34" charset="-122"/>
-                <a:ea typeface="微软雅黑" panose="020B0503020204020204" pitchFamily="34" charset="-122"/>
-              </a:rPr>
-              <a:t>10</a:t>
-            </a:r>
-            <a:r>
-              <a:rPr lang="zh-CN" altLang="en-US" sz="900" dirty="0">
-                <a:latin typeface="微软雅黑" panose="020B0503020204020204" pitchFamily="34" charset="-122"/>
-                <a:ea typeface="微软雅黑" panose="020B0503020204020204" pitchFamily="34" charset="-122"/>
-              </a:rPr>
-              <a:t>月，首届“中国互联网</a:t>
-            </a:r>
-            <a:r>
-              <a:rPr lang="en-US" altLang="zh-CN" sz="900" dirty="0">
-                <a:latin typeface="微软雅黑" panose="020B0503020204020204" pitchFamily="34" charset="-122"/>
-                <a:ea typeface="微软雅黑" panose="020B0503020204020204" pitchFamily="34" charset="-122"/>
-              </a:rPr>
-              <a:t>+</a:t>
-            </a:r>
-            <a:r>
-              <a:rPr lang="zh-CN" altLang="en-US" sz="900" dirty="0">
-                <a:latin typeface="微软雅黑" panose="020B0503020204020204" pitchFamily="34" charset="-122"/>
-                <a:ea typeface="微软雅黑" panose="020B0503020204020204" pitchFamily="34" charset="-122"/>
-              </a:rPr>
-              <a:t>大学生创新创业大赛”，金奖 前</a:t>
-            </a:r>
-            <a:r>
-              <a:rPr lang="en-US" altLang="zh-CN" sz="900">
-                <a:latin typeface="微软雅黑" panose="020B0503020204020204" pitchFamily="34" charset="-122"/>
-                <a:ea typeface="微软雅黑" panose="020B0503020204020204" pitchFamily="34" charset="-122"/>
-              </a:rPr>
-              <a:t>30/50000</a:t>
-            </a:r>
+              <a:t>完成较复杂的切图和图像处理</a:t>
+            </a:r>
+            <a:endParaRPr lang="en-US" altLang="zh-CN" sz="900" dirty="0">
+              <a:latin typeface="微软雅黑" panose="020B0503020204020204" pitchFamily="34" charset="-122"/>
+              <a:ea typeface="微软雅黑" panose="020B0503020204020204" pitchFamily="34" charset="-122"/>
+            </a:endParaRPr>
           </a:p>
           <a:p>
             <a:pPr marL="171450" indent="-171450">
@@ -4540,38 +4692,93 @@
               <a:buChar char="ü"/>
             </a:pPr>
             <a:r>
-              <a:rPr lang="en-US" altLang="zh-CN" sz="900">
-                <a:latin typeface="微软雅黑" panose="020B0503020204020204" pitchFamily="34" charset="-122"/>
-                <a:ea typeface="微软雅黑" panose="020B0503020204020204" pitchFamily="34" charset="-122"/>
-              </a:rPr>
-              <a:t>2015 </a:t>
-            </a:r>
-            <a:r>
               <a:rPr lang="zh-CN" altLang="en-US" sz="900" dirty="0">
                 <a:latin typeface="微软雅黑" panose="020B0503020204020204" pitchFamily="34" charset="-122"/>
                 <a:ea typeface="微软雅黑" panose="020B0503020204020204" pitchFamily="34" charset="-122"/>
               </a:rPr>
-              <a:t>年全国大学生</a:t>
-            </a:r>
-            <a:r>
-              <a:rPr lang="en-US" altLang="zh-CN" sz="900" dirty="0">
-                <a:latin typeface="微软雅黑" panose="020B0503020204020204" pitchFamily="34" charset="-122"/>
-                <a:ea typeface="微软雅黑" panose="020B0503020204020204" pitchFamily="34" charset="-122"/>
-              </a:rPr>
-              <a:t>XXX</a:t>
+              <a:t>熟练掌握</a:t>
+            </a:r>
+            <a:r>
+              <a:rPr lang="en-US" altLang="zh-CN" sz="900" b="1" dirty="0">
+                <a:solidFill>
+                  <a:srgbClr val="2E75B5"/>
+                </a:solidFill>
+                <a:latin typeface="微软雅黑" panose="020B0503020204020204" pitchFamily="34" charset="-122"/>
+                <a:ea typeface="微软雅黑" panose="020B0503020204020204" pitchFamily="34" charset="-122"/>
+              </a:rPr>
+              <a:t>PPT</a:t>
+            </a:r>
+            <a:r>
+              <a:rPr lang="zh-CN" altLang="en-US" sz="900" b="1" dirty="0">
+                <a:solidFill>
+                  <a:srgbClr val="2E75B5"/>
+                </a:solidFill>
+                <a:latin typeface="微软雅黑" panose="020B0503020204020204" pitchFamily="34" charset="-122"/>
+                <a:ea typeface="微软雅黑" panose="020B0503020204020204" pitchFamily="34" charset="-122"/>
+              </a:rPr>
+              <a:t>设计与制作</a:t>
             </a:r>
             <a:r>
               <a:rPr lang="zh-CN" altLang="en-US" sz="900" dirty="0">
                 <a:latin typeface="微软雅黑" panose="020B0503020204020204" pitchFamily="34" charset="-122"/>
                 <a:ea typeface="微软雅黑" panose="020B0503020204020204" pitchFamily="34" charset="-122"/>
               </a:rPr>
-              <a:t>创意设计大赛二等奖</a:t>
+              <a:t>，完成</a:t>
+            </a:r>
+            <a:r>
+              <a:rPr lang="zh-CN" altLang="en-US" sz="900" b="1" dirty="0">
+                <a:solidFill>
+                  <a:srgbClr val="2E75B5"/>
+                </a:solidFill>
+                <a:latin typeface="微软雅黑" panose="020B0503020204020204" pitchFamily="34" charset="-122"/>
+                <a:ea typeface="微软雅黑" panose="020B0503020204020204" pitchFamily="34" charset="-122"/>
+              </a:rPr>
+              <a:t>更名大学汇报</a:t>
+            </a:r>
+            <a:r>
+              <a:rPr lang="en-US" altLang="zh-CN" sz="900" b="1" dirty="0">
+                <a:solidFill>
+                  <a:srgbClr val="2E75B5"/>
+                </a:solidFill>
+                <a:latin typeface="微软雅黑" panose="020B0503020204020204" pitchFamily="34" charset="-122"/>
+                <a:ea typeface="微软雅黑" panose="020B0503020204020204" pitchFamily="34" charset="-122"/>
+              </a:rPr>
+              <a:t>PPT</a:t>
+            </a:r>
+            <a:r>
+              <a:rPr lang="zh-CN" altLang="en-US" sz="900" dirty="0">
+                <a:latin typeface="微软雅黑" panose="020B0503020204020204" pitchFamily="34" charset="-122"/>
+                <a:ea typeface="微软雅黑" panose="020B0503020204020204" pitchFamily="34" charset="-122"/>
+              </a:rPr>
+              <a:t>等</a:t>
             </a:r>
             <a:endParaRPr lang="en-US" altLang="zh-CN" sz="900" dirty="0">
               <a:latin typeface="微软雅黑" panose="020B0503020204020204" pitchFamily="34" charset="-122"/>
               <a:ea typeface="微软雅黑" panose="020B0503020204020204" pitchFamily="34" charset="-122"/>
             </a:endParaRPr>
           </a:p>
+        </p:txBody>
+      </p:sp>
+      <p:sp>
+        <p:nvSpPr>
+          <p:cNvPr id="13" name="矩形 12"/>
+          <p:cNvSpPr/>
+          <p:nvPr/>
+        </p:nvSpPr>
+        <p:spPr>
+          <a:xfrm>
+            <a:off x="3556316" y="6682049"/>
+            <a:ext cx="3136989" cy="2015936"/>
+          </a:xfrm>
+          <a:prstGeom prst="rect">
+            <a:avLst/>
+          </a:prstGeom>
+        </p:spPr>
+        <p:txBody>
+          <a:bodyPr wrap="square">
+            <a:spAutoFit/>
+          </a:bodyPr>
+          <a:lstStyle/>
           <a:p>
             <a:pPr marL="171450" indent="-171450">
               <a:lnSpc>
@@ -4585,19 +4792,67 @@
                 <a:latin typeface="微软雅黑" panose="020B0503020204020204" pitchFamily="34" charset="-122"/>
                 <a:ea typeface="微软雅黑" panose="020B0503020204020204" pitchFamily="34" charset="-122"/>
               </a:rPr>
-              <a:t>2013 – 2014 </a:t>
+              <a:t>2015</a:t>
             </a:r>
             <a:r>
               <a:rPr lang="zh-CN" altLang="en-US" sz="900" dirty="0">
                 <a:latin typeface="微软雅黑" panose="020B0503020204020204" pitchFamily="34" charset="-122"/>
                 <a:ea typeface="微软雅黑" panose="020B0503020204020204" pitchFamily="34" charset="-122"/>
               </a:rPr>
-              <a:t>学年大黑山松岚大学三好学生荣誉称号</a:t>
-            </a:r>
-            <a:endParaRPr lang="en-US" altLang="zh-CN" sz="900" dirty="0">
-              <a:latin typeface="微软雅黑" panose="020B0503020204020204" pitchFamily="34" charset="-122"/>
-              <a:ea typeface="微软雅黑" panose="020B0503020204020204" pitchFamily="34" charset="-122"/>
-            </a:endParaRPr>
+              <a:t>年</a:t>
+            </a:r>
+            <a:r>
+              <a:rPr lang="en-US" altLang="zh-CN" sz="900" dirty="0">
+                <a:latin typeface="微软雅黑" panose="020B0503020204020204" pitchFamily="34" charset="-122"/>
+                <a:ea typeface="微软雅黑" panose="020B0503020204020204" pitchFamily="34" charset="-122"/>
+              </a:rPr>
+              <a:t>10</a:t>
+            </a:r>
+            <a:r>
+              <a:rPr lang="zh-CN" altLang="en-US" sz="900" dirty="0">
+                <a:latin typeface="微软雅黑" panose="020B0503020204020204" pitchFamily="34" charset="-122"/>
+                <a:ea typeface="微软雅黑" panose="020B0503020204020204" pitchFamily="34" charset="-122"/>
+              </a:rPr>
+              <a:t>月，首届“中国互联网</a:t>
+            </a:r>
+            <a:r>
+              <a:rPr lang="en-US" altLang="zh-CN" sz="900" dirty="0">
+                <a:latin typeface="微软雅黑" panose="020B0503020204020204" pitchFamily="34" charset="-122"/>
+                <a:ea typeface="微软雅黑" panose="020B0503020204020204" pitchFamily="34" charset="-122"/>
+              </a:rPr>
+              <a:t>+</a:t>
+            </a:r>
+            <a:r>
+              <a:rPr lang="zh-CN" altLang="en-US" sz="900" dirty="0">
+                <a:latin typeface="微软雅黑" panose="020B0503020204020204" pitchFamily="34" charset="-122"/>
+                <a:ea typeface="微软雅黑" panose="020B0503020204020204" pitchFamily="34" charset="-122"/>
+              </a:rPr>
+              <a:t>大学生创新创业大赛”，</a:t>
+            </a:r>
+            <a:r>
+              <a:rPr lang="zh-CN" altLang="en-US" sz="900" b="1" dirty="0">
+                <a:solidFill>
+                  <a:srgbClr val="2E75B5"/>
+                </a:solidFill>
+                <a:latin typeface="微软雅黑" panose="020B0503020204020204" pitchFamily="34" charset="-122"/>
+                <a:ea typeface="微软雅黑" panose="020B0503020204020204" pitchFamily="34" charset="-122"/>
+              </a:rPr>
+              <a:t>金奖</a:t>
+            </a:r>
+            <a:r>
+              <a:rPr lang="zh-CN" altLang="en-US" sz="900" dirty="0">
+                <a:latin typeface="微软雅黑" panose="020B0503020204020204" pitchFamily="34" charset="-122"/>
+                <a:ea typeface="微软雅黑" panose="020B0503020204020204" pitchFamily="34" charset="-122"/>
+              </a:rPr>
+              <a:t> 前</a:t>
+            </a:r>
+            <a:r>
+              <a:rPr lang="en-US" altLang="zh-CN" sz="900" dirty="0">
+                <a:latin typeface="微软雅黑" panose="020B0503020204020204" pitchFamily="34" charset="-122"/>
+                <a:ea typeface="微软雅黑" panose="020B0503020204020204" pitchFamily="34" charset="-122"/>
+              </a:rPr>
+              <a:t>30/50000</a:t>
+            </a:r>
           </a:p>
           <a:p>
             <a:pPr marL="171450" indent="-171450">
@@ -4612,14 +4867,42 @@
                 <a:latin typeface="微软雅黑" panose="020B0503020204020204" pitchFamily="34" charset="-122"/>
                 <a:ea typeface="微软雅黑" panose="020B0503020204020204" pitchFamily="34" charset="-122"/>
               </a:rPr>
-              <a:t>2013 – 2014 </a:t>
+              <a:t>2015</a:t>
             </a:r>
             <a:r>
               <a:rPr lang="zh-CN" altLang="en-US" sz="900" dirty="0">
                 <a:latin typeface="微软雅黑" panose="020B0503020204020204" pitchFamily="34" charset="-122"/>
                 <a:ea typeface="微软雅黑" panose="020B0503020204020204" pitchFamily="34" charset="-122"/>
               </a:rPr>
-              <a:t>学年大黑山松岚大学学习优秀奖学金</a:t>
+              <a:t>年，全国 </a:t>
+            </a:r>
+            <a:r>
+              <a:rPr lang="en-US" altLang="zh-CN" sz="900" dirty="0">
+                <a:latin typeface="微软雅黑" panose="020B0503020204020204" pitchFamily="34" charset="-122"/>
+                <a:ea typeface="微软雅黑" panose="020B0503020204020204" pitchFamily="34" charset="-122"/>
+              </a:rPr>
+              <a:t>Java </a:t>
+            </a:r>
+            <a:r>
+              <a:rPr lang="zh-CN" altLang="en-US" sz="900" dirty="0">
+                <a:latin typeface="微软雅黑" panose="020B0503020204020204" pitchFamily="34" charset="-122"/>
+                <a:ea typeface="微软雅黑" panose="020B0503020204020204" pitchFamily="34" charset="-122"/>
+              </a:rPr>
+              <a:t>程序设计大赛 </a:t>
+            </a:r>
+            <a:r>
+              <a:rPr lang="en-US" altLang="zh-CN" sz="900" dirty="0">
+                <a:latin typeface="微软雅黑" panose="020B0503020204020204" pitchFamily="34" charset="-122"/>
+                <a:ea typeface="微软雅黑" panose="020B0503020204020204" pitchFamily="34" charset="-122"/>
+              </a:rPr>
+              <a:t>A </a:t>
+            </a:r>
+            <a:r>
+              <a:rPr lang="zh-CN" altLang="en-US" sz="900" dirty="0">
+                <a:latin typeface="微软雅黑" panose="020B0503020204020204" pitchFamily="34" charset="-122"/>
+                <a:ea typeface="微软雅黑" panose="020B0503020204020204" pitchFamily="34" charset="-122"/>
+              </a:rPr>
+              <a:t>组华中赛区三等奖</a:t>
             </a:r>
             <a:endParaRPr lang="en-US" altLang="zh-CN" sz="900" dirty="0">
               <a:latin typeface="微软雅黑" panose="020B0503020204020204" pitchFamily="34" charset="-122"/>
@@ -4639,14 +4922,14 @@
                 <a:latin typeface="微软雅黑" panose="020B0503020204020204" pitchFamily="34" charset="-122"/>
                 <a:ea typeface="微软雅黑" panose="020B0503020204020204" pitchFamily="34" charset="-122"/>
               </a:rPr>
-              <a:t>2012 – 2013 </a:t>
+              <a:t>2015</a:t>
             </a:r>
             <a:r>
               <a:rPr lang="zh-CN" altLang="en-US" sz="900" dirty="0">
                 <a:latin typeface="微软雅黑" panose="020B0503020204020204" pitchFamily="34" charset="-122"/>
                 <a:ea typeface="微软雅黑" panose="020B0503020204020204" pitchFamily="34" charset="-122"/>
               </a:rPr>
-              <a:t>学年大黑山松岚大学文体活动奖学金</a:t>
+              <a:t>年，被评为所在学院“优秀大学生”</a:t>
             </a:r>
             <a:endParaRPr lang="en-US" altLang="zh-CN" sz="900" dirty="0">
               <a:latin typeface="微软雅黑" panose="020B0503020204020204" pitchFamily="34" charset="-122"/>
@@ -4666,56 +4949,34 @@
                 <a:latin typeface="微软雅黑" panose="020B0503020204020204" pitchFamily="34" charset="-122"/>
                 <a:ea typeface="微软雅黑" panose="020B0503020204020204" pitchFamily="34" charset="-122"/>
               </a:rPr>
-              <a:t>2013 </a:t>
+              <a:t>2014</a:t>
             </a:r>
             <a:r>
               <a:rPr lang="zh-CN" altLang="en-US" sz="900" dirty="0">
                 <a:latin typeface="微软雅黑" panose="020B0503020204020204" pitchFamily="34" charset="-122"/>
                 <a:ea typeface="微软雅黑" panose="020B0503020204020204" pitchFamily="34" charset="-122"/>
               </a:rPr>
-              <a:t>年大学生</a:t>
-            </a:r>
-            <a:r>
-              <a:rPr lang="en-US" altLang="zh-CN" sz="900" dirty="0">
-                <a:latin typeface="微软雅黑" panose="020B0503020204020204" pitchFamily="34" charset="-122"/>
-                <a:ea typeface="微软雅黑" panose="020B0503020204020204" pitchFamily="34" charset="-122"/>
-              </a:rPr>
-              <a:t>XXX</a:t>
-            </a:r>
-            <a:r>
-              <a:rPr lang="zh-CN" altLang="en-US" sz="900" dirty="0">
-                <a:latin typeface="微软雅黑" panose="020B0503020204020204" pitchFamily="34" charset="-122"/>
-                <a:ea typeface="微软雅黑" panose="020B0503020204020204" pitchFamily="34" charset="-122"/>
-              </a:rPr>
-              <a:t>大赛省赛一等奖</a:t>
-            </a:r>
-            <a:endParaRPr lang="en-US" altLang="zh-CN" sz="900" dirty="0">
+              <a:t>年，江西省网页大赛一等奖，作品：</a:t>
+            </a:r>
+            <a:r>
+              <a:rPr lang="zh-CN" altLang="en-US" sz="900" b="1" u="sng" dirty="0">
+                <a:solidFill>
+                  <a:srgbClr val="2E75B5"/>
+                </a:solidFill>
+                <a:latin typeface="微软雅黑" panose="020B0503020204020204" pitchFamily="34" charset="-122"/>
+                <a:ea typeface="微软雅黑" panose="020B0503020204020204" pitchFamily="34" charset="-122"/>
+                <a:hlinkClick r:id="rId4"/>
+              </a:rPr>
+              <a:t>线上地址</a:t>
+            </a:r>
+            <a:endParaRPr lang="en-US" altLang="zh-CN" sz="900" b="1" u="sng" dirty="0">
+              <a:solidFill>
+                <a:srgbClr val="2E75B5"/>
+              </a:solidFill>
               <a:latin typeface="微软雅黑" panose="020B0503020204020204" pitchFamily="34" charset="-122"/>
               <a:ea typeface="微软雅黑" panose="020B0503020204020204" pitchFamily="34" charset="-122"/>
             </a:endParaRPr>
           </a:p>
-        </p:txBody>
-      </p:sp>
-      <p:sp>
-        <p:nvSpPr>
-          <p:cNvPr id="6" name="矩形 5"/>
-          <p:cNvSpPr/>
-          <p:nvPr/>
-        </p:nvSpPr>
-        <p:spPr>
-          <a:xfrm>
-            <a:off x="3556316" y="8306611"/>
-            <a:ext cx="2997159" cy="1054135"/>
-          </a:xfrm>
-          <a:prstGeom prst="rect">
-            <a:avLst/>
-          </a:prstGeom>
-        </p:spPr>
-        <p:txBody>
-          <a:bodyPr wrap="square">
-            <a:spAutoFit/>
-          </a:bodyPr>
-          <a:lstStyle/>
           <a:p>
             <a:pPr marL="171450" indent="-171450">
               <a:lnSpc>
@@ -4725,39 +4986,116 @@
               <a:buChar char="ü"/>
             </a:pPr>
             <a:r>
+              <a:rPr lang="en-US" altLang="zh-CN" sz="900" dirty="0">
+                <a:latin typeface="微软雅黑" panose="020B0503020204020204" pitchFamily="34" charset="-122"/>
+                <a:ea typeface="微软雅黑" panose="020B0503020204020204" pitchFamily="34" charset="-122"/>
+              </a:rPr>
+              <a:t>2013</a:t>
+            </a:r>
+            <a:r>
               <a:rPr lang="zh-CN" altLang="en-US" sz="900" dirty="0">
                 <a:latin typeface="微软雅黑" panose="020B0503020204020204" pitchFamily="34" charset="-122"/>
                 <a:ea typeface="微软雅黑" panose="020B0503020204020204" pitchFamily="34" charset="-122"/>
               </a:rPr>
-              <a:t>设计大黑山松岚大学</a:t>
+              <a:t>年</a:t>
             </a:r>
             <a:r>
               <a:rPr lang="en-US" altLang="zh-CN" sz="900" dirty="0">
                 <a:latin typeface="微软雅黑" panose="020B0503020204020204" pitchFamily="34" charset="-122"/>
                 <a:ea typeface="微软雅黑" panose="020B0503020204020204" pitchFamily="34" charset="-122"/>
               </a:rPr>
-              <a:t>XXX</a:t>
+              <a:t>-2015</a:t>
             </a:r>
             <a:r>
               <a:rPr lang="zh-CN" altLang="en-US" sz="900" dirty="0">
                 <a:latin typeface="微软雅黑" panose="020B0503020204020204" pitchFamily="34" charset="-122"/>
                 <a:ea typeface="微软雅黑" panose="020B0503020204020204" pitchFamily="34" charset="-122"/>
               </a:rPr>
-              <a:t>届毕业生文化衫，并被学校采纳，赠予</a:t>
+              <a:t>年，曾任计算机协会会长、校园网管团队队长、移动互联协会首届会长等，举办各种活动，给 </a:t>
             </a:r>
             <a:r>
               <a:rPr lang="en-US" altLang="zh-CN" sz="900" dirty="0">
                 <a:latin typeface="微软雅黑" panose="020B0503020204020204" pitchFamily="34" charset="-122"/>
                 <a:ea typeface="微软雅黑" panose="020B0503020204020204" pitchFamily="34" charset="-122"/>
               </a:rPr>
-              <a:t>4000+</a:t>
+              <a:t>70 </a:t>
             </a:r>
             <a:r>
               <a:rPr lang="zh-CN" altLang="en-US" sz="900" dirty="0">
                 <a:latin typeface="微软雅黑" panose="020B0503020204020204" pitchFamily="34" charset="-122"/>
                 <a:ea typeface="微软雅黑" panose="020B0503020204020204" pitchFamily="34" charset="-122"/>
               </a:rPr>
-              <a:t>毕业生</a:t>
+              <a:t>位社员培训 </a:t>
+            </a:r>
+            <a:r>
+              <a:rPr lang="en-US" altLang="zh-CN" sz="900" dirty="0">
+                <a:latin typeface="微软雅黑" panose="020B0503020204020204" pitchFamily="34" charset="-122"/>
+                <a:ea typeface="微软雅黑" panose="020B0503020204020204" pitchFamily="34" charset="-122"/>
+              </a:rPr>
+              <a:t>HTML+CSS</a:t>
+            </a:r>
+            <a:r>
+              <a:rPr lang="zh-CN" altLang="en-US" sz="900" dirty="0">
+                <a:latin typeface="微软雅黑" panose="020B0503020204020204" pitchFamily="34" charset="-122"/>
+                <a:ea typeface="微软雅黑" panose="020B0503020204020204" pitchFamily="34" charset="-122"/>
+              </a:rPr>
+              <a:t>，</a:t>
+            </a:r>
+            <a:r>
+              <a:rPr lang="en-US" altLang="zh-CN" sz="900" dirty="0">
+                <a:latin typeface="微软雅黑" panose="020B0503020204020204" pitchFamily="34" charset="-122"/>
+                <a:ea typeface="微软雅黑" panose="020B0503020204020204" pitchFamily="34" charset="-122"/>
+              </a:rPr>
+              <a:t>JS</a:t>
+            </a:r>
+            <a:r>
+              <a:rPr lang="zh-CN" altLang="en-US" sz="900" dirty="0">
+                <a:latin typeface="微软雅黑" panose="020B0503020204020204" pitchFamily="34" charset="-122"/>
+                <a:ea typeface="微软雅黑" panose="020B0503020204020204" pitchFamily="34" charset="-122"/>
+              </a:rPr>
+              <a:t>，</a:t>
+            </a:r>
+            <a:r>
+              <a:rPr lang="en-US" altLang="zh-CN" sz="900" dirty="0">
+                <a:latin typeface="微软雅黑" panose="020B0503020204020204" pitchFamily="34" charset="-122"/>
+                <a:ea typeface="微软雅黑" panose="020B0503020204020204" pitchFamily="34" charset="-122"/>
+              </a:rPr>
+              <a:t>PPT</a:t>
+            </a:r>
+            <a:r>
+              <a:rPr lang="zh-CN" altLang="en-US" sz="900" dirty="0">
+                <a:latin typeface="微软雅黑" panose="020B0503020204020204" pitchFamily="34" charset="-122"/>
+                <a:ea typeface="微软雅黑" panose="020B0503020204020204" pitchFamily="34" charset="-122"/>
+              </a:rPr>
+              <a:t>，</a:t>
+            </a:r>
+            <a:r>
+              <a:rPr lang="en-US" altLang="zh-CN" sz="900" dirty="0">
+                <a:latin typeface="微软雅黑" panose="020B0503020204020204" pitchFamily="34" charset="-122"/>
+                <a:ea typeface="微软雅黑" panose="020B0503020204020204" pitchFamily="34" charset="-122"/>
+              </a:rPr>
+              <a:t>PS </a:t>
+            </a:r>
+            <a:r>
+              <a:rPr lang="zh-CN" altLang="en-US" sz="900" dirty="0">
+                <a:latin typeface="微软雅黑" panose="020B0503020204020204" pitchFamily="34" charset="-122"/>
+                <a:ea typeface="微软雅黑" panose="020B0503020204020204" pitchFamily="34" charset="-122"/>
+              </a:rPr>
+              <a:t>等 </a:t>
+            </a:r>
+            <a:r>
+              <a:rPr lang="en-US" altLang="zh-CN" sz="900" dirty="0">
+                <a:latin typeface="微软雅黑" panose="020B0503020204020204" pitchFamily="34" charset="-122"/>
+                <a:ea typeface="微软雅黑" panose="020B0503020204020204" pitchFamily="34" charset="-122"/>
+              </a:rPr>
+              <a:t>10 </a:t>
+            </a:r>
+            <a:r>
+              <a:rPr lang="zh-CN" altLang="en-US" sz="900" dirty="0">
+                <a:latin typeface="微软雅黑" panose="020B0503020204020204" pitchFamily="34" charset="-122"/>
+                <a:ea typeface="微软雅黑" panose="020B0503020204020204" pitchFamily="34" charset="-122"/>
+              </a:rPr>
+              <a:t>余次</a:t>
             </a:r>
             <a:endParaRPr lang="en-US" altLang="zh-CN" sz="900" dirty="0">
               <a:latin typeface="微软雅黑" panose="020B0503020204020204" pitchFamily="34" charset="-122"/>
@@ -4773,34 +5111,63 @@
               <a:buChar char="ü"/>
             </a:pPr>
             <a:r>
+              <a:rPr lang="en-US" altLang="zh-CN" sz="900" dirty="0">
+                <a:latin typeface="微软雅黑" panose="020B0503020204020204" pitchFamily="34" charset="-122"/>
+                <a:ea typeface="微软雅黑" panose="020B0503020204020204" pitchFamily="34" charset="-122"/>
+              </a:rPr>
+              <a:t>2015</a:t>
+            </a:r>
+            <a:r>
               <a:rPr lang="zh-CN" altLang="en-US" sz="900" dirty="0">
                 <a:latin typeface="微软雅黑" panose="020B0503020204020204" pitchFamily="34" charset="-122"/>
                 <a:ea typeface="微软雅黑" panose="020B0503020204020204" pitchFamily="34" charset="-122"/>
               </a:rPr>
-              <a:t>设计大黑山松岚大学软件学院</a:t>
-            </a:r>
-            <a:r>
-              <a:rPr lang="en-US" altLang="zh-CN" sz="900" dirty="0">
-                <a:latin typeface="微软雅黑" panose="020B0503020204020204" pitchFamily="34" charset="-122"/>
-                <a:ea typeface="微软雅黑" panose="020B0503020204020204" pitchFamily="34" charset="-122"/>
-              </a:rPr>
-              <a:t>XXX</a:t>
+              <a:t>年，曾任乔布简历校园渠道江西省助理，负责宣传推广，获得上海乔布堂信息科技有限公司的</a:t>
+            </a:r>
+            <a:r>
+              <a:rPr lang="zh-CN" altLang="en-US" sz="900" b="1" dirty="0">
+                <a:solidFill>
+                  <a:srgbClr val="2E75B5"/>
+                </a:solidFill>
+                <a:latin typeface="微软雅黑" panose="020B0503020204020204" pitchFamily="34" charset="-122"/>
+                <a:ea typeface="微软雅黑" panose="020B0503020204020204" pitchFamily="34" charset="-122"/>
+              </a:rPr>
+              <a:t>实习证明</a:t>
             </a:r>
             <a:r>
               <a:rPr lang="zh-CN" altLang="en-US" sz="900" dirty="0">
                 <a:latin typeface="微软雅黑" panose="020B0503020204020204" pitchFamily="34" charset="-122"/>
                 <a:ea typeface="微软雅黑" panose="020B0503020204020204" pitchFamily="34" charset="-122"/>
               </a:rPr>
-              <a:t>届毕业生</a:t>
-            </a:r>
-            <a:r>
-              <a:rPr lang="en-US" altLang="zh-CN" sz="900" dirty="0">
-                <a:latin typeface="微软雅黑" panose="020B0503020204020204" pitchFamily="34" charset="-122"/>
-                <a:ea typeface="微软雅黑" panose="020B0503020204020204" pitchFamily="34" charset="-122"/>
-              </a:rPr>
-              <a:t>logo</a:t>
-            </a:r>
-          </a:p>
+              <a:t>。</a:t>
+            </a:r>
+            <a:endParaRPr lang="en-US" altLang="zh-CN" sz="900" dirty="0">
+              <a:latin typeface="微软雅黑" panose="020B0503020204020204" pitchFamily="34" charset="-122"/>
+              <a:ea typeface="微软雅黑" panose="020B0503020204020204" pitchFamily="34" charset="-122"/>
+            </a:endParaRPr>
+          </a:p>
+        </p:txBody>
+      </p:sp>
+      <p:sp>
+        <p:nvSpPr>
+          <p:cNvPr id="6" name="矩形 5"/>
+          <p:cNvSpPr/>
+          <p:nvPr/>
+        </p:nvSpPr>
+        <p:spPr>
+          <a:xfrm>
+            <a:off x="3556316" y="9038131"/>
+            <a:ext cx="3195004" cy="477054"/>
+          </a:xfrm>
+          <a:prstGeom prst="rect">
+            <a:avLst/>
+          </a:prstGeom>
+        </p:spPr>
+        <p:txBody>
+          <a:bodyPr wrap="square">
+            <a:spAutoFit/>
+          </a:bodyPr>
+          <a:lstStyle/>
           <a:p>
             <a:pPr marL="171450" indent="-171450">
               <a:lnSpc>
@@ -4810,46 +5177,70 @@
               <a:buChar char="ü"/>
             </a:pPr>
             <a:r>
+              <a:rPr lang="zh-CN" altLang="en-US" sz="900" dirty="0">
+                <a:latin typeface="微软雅黑" panose="020B0503020204020204" pitchFamily="34" charset="-122"/>
+                <a:ea typeface="微软雅黑" panose="020B0503020204020204" pitchFamily="34" charset="-122"/>
+              </a:rPr>
+              <a:t>看技术书籍，逛 </a:t>
+            </a:r>
+            <a:r>
+              <a:rPr lang="en-US" altLang="zh-CN" sz="900" dirty="0" err="1">
+                <a:latin typeface="微软雅黑" panose="020B0503020204020204" pitchFamily="34" charset="-122"/>
+                <a:ea typeface="微软雅黑" panose="020B0503020204020204" pitchFamily="34" charset="-122"/>
+              </a:rPr>
+              <a:t>segmentfault</a:t>
+            </a:r>
+            <a:r>
+              <a:rPr lang="zh-CN" altLang="en-US" sz="900" dirty="0">
+                <a:latin typeface="微软雅黑" panose="020B0503020204020204" pitchFamily="34" charset="-122"/>
+                <a:ea typeface="微软雅黑" panose="020B0503020204020204" pitchFamily="34" charset="-122"/>
+              </a:rPr>
+              <a:t>，</a:t>
+            </a:r>
+            <a:r>
+              <a:rPr lang="en-US" altLang="zh-CN" sz="900" dirty="0" err="1">
+                <a:latin typeface="微软雅黑" panose="020B0503020204020204" pitchFamily="34" charset="-122"/>
+                <a:ea typeface="微软雅黑" panose="020B0503020204020204" pitchFamily="34" charset="-122"/>
+              </a:rPr>
+              <a:t>github</a:t>
+            </a:r>
+            <a:r>
+              <a:rPr lang="zh-CN" altLang="en-US" sz="900" dirty="0">
+                <a:latin typeface="微软雅黑" panose="020B0503020204020204" pitchFamily="34" charset="-122"/>
+                <a:ea typeface="微软雅黑" panose="020B0503020204020204" pitchFamily="34" charset="-122"/>
+              </a:rPr>
+              <a:t>，掘金，知乎，简书等看技术文章，</a:t>
+            </a:r>
+            <a:r>
+              <a:rPr lang="zh-CN" altLang="en-US" sz="900" b="1" dirty="0">
+                <a:solidFill>
+                  <a:srgbClr val="2E75B5"/>
+                </a:solidFill>
+                <a:latin typeface="微软雅黑" panose="020B0503020204020204" pitchFamily="34" charset="-122"/>
+                <a:ea typeface="微软雅黑" panose="020B0503020204020204" pitchFamily="34" charset="-122"/>
+              </a:rPr>
+              <a:t>写博客</a:t>
+            </a:r>
+            <a:r>
+              <a:rPr lang="zh-CN" altLang="en-US" sz="900" dirty="0">
+                <a:latin typeface="微软雅黑" panose="020B0503020204020204" pitchFamily="34" charset="-122"/>
+                <a:ea typeface="微软雅黑" panose="020B0503020204020204" pitchFamily="34" charset="-122"/>
+              </a:rPr>
+              <a:t>等，</a:t>
+            </a:r>
+            <a:r>
               <a:rPr lang="en-US" altLang="zh-CN" sz="900" dirty="0">
                 <a:latin typeface="微软雅黑" panose="020B0503020204020204" pitchFamily="34" charset="-122"/>
                 <a:ea typeface="微软雅黑" panose="020B0503020204020204" pitchFamily="34" charset="-122"/>
               </a:rPr>
-              <a:t>XXX</a:t>
+              <a:t>PPT </a:t>
             </a:r>
             <a:r>
               <a:rPr lang="zh-CN" altLang="en-US" sz="900" dirty="0">
                 <a:latin typeface="微软雅黑" panose="020B0503020204020204" pitchFamily="34" charset="-122"/>
                 <a:ea typeface="微软雅黑" panose="020B0503020204020204" pitchFamily="34" charset="-122"/>
               </a:rPr>
-              <a:t>年加入软件学院</a:t>
-            </a:r>
-            <a:r>
-              <a:rPr lang="en-US" altLang="zh-CN" sz="900" dirty="0">
-                <a:latin typeface="微软雅黑" panose="020B0503020204020204" pitchFamily="34" charset="-122"/>
-                <a:ea typeface="微软雅黑" panose="020B0503020204020204" pitchFamily="34" charset="-122"/>
-              </a:rPr>
-              <a:t>XXX</a:t>
-            </a:r>
-            <a:r>
-              <a:rPr lang="zh-CN" altLang="en-US" sz="900" dirty="0">
-                <a:latin typeface="微软雅黑" panose="020B0503020204020204" pitchFamily="34" charset="-122"/>
-                <a:ea typeface="微软雅黑" panose="020B0503020204020204" pitchFamily="34" charset="-122"/>
-              </a:rPr>
-              <a:t>平面组，并在</a:t>
-            </a:r>
-            <a:r>
-              <a:rPr lang="en-US" altLang="zh-CN" sz="900" dirty="0">
-                <a:latin typeface="微软雅黑" panose="020B0503020204020204" pitchFamily="34" charset="-122"/>
-                <a:ea typeface="微软雅黑" panose="020B0503020204020204" pitchFamily="34" charset="-122"/>
-              </a:rPr>
-              <a:t>XXX</a:t>
-            </a:r>
-            <a:r>
-              <a:rPr lang="zh-CN" altLang="en-US" sz="900" dirty="0">
-                <a:latin typeface="微软雅黑" panose="020B0503020204020204" pitchFamily="34" charset="-122"/>
-                <a:ea typeface="微软雅黑" panose="020B0503020204020204" pitchFamily="34" charset="-122"/>
-              </a:rPr>
-              <a:t>年担任平面组组长，负责日常例会培训</a:t>
+              <a:t>设计与制作等</a:t>
             </a:r>
             <a:endParaRPr lang="en-US" altLang="zh-CN" sz="900" dirty="0">
               <a:latin typeface="微软雅黑" panose="020B0503020204020204" pitchFamily="34" charset="-122"/>
@@ -4916,7 +5307,7 @@
               <a:rPr lang="en-US" altLang="zh-CN" sz="900" dirty="0">
                 <a:latin typeface="微软雅黑" panose="020B0503020204020204" pitchFamily="34" charset="-122"/>
                 <a:ea typeface="微软雅黑" panose="020B0503020204020204" pitchFamily="34" charset="-122"/>
-                <a:hlinkClick r:id="rId4"/>
+                <a:hlinkClick r:id="rId5"/>
               </a:rPr>
               <a:t>lxchuan12@163.com</a:t>
             </a:r>
@@ -4942,7 +5333,7 @@
               <a:rPr lang="en-US" altLang="zh-CN" sz="900" dirty="0">
                 <a:latin typeface="微软雅黑" panose="020B0503020204020204" pitchFamily="34" charset="-122"/>
                 <a:ea typeface="微软雅黑" panose="020B0503020204020204" pitchFamily="34" charset="-122"/>
-                <a:hlinkClick r:id="rId5"/>
+                <a:hlinkClick r:id="rId6"/>
               </a:rPr>
               <a:t>http://lxchuan12.github.io/</a:t>
             </a:r>
@@ -4985,7 +5376,7 @@
               <a:rPr lang="en-US" altLang="zh-CN" sz="900" dirty="0">
                 <a:latin typeface="微软雅黑" panose="020B0503020204020204" pitchFamily="34" charset="-122"/>
                 <a:ea typeface="微软雅黑" panose="020B0503020204020204" pitchFamily="34" charset="-122"/>
-                <a:hlinkClick r:id="rId6"/>
+                <a:hlinkClick r:id="rId7"/>
               </a:rPr>
               <a:t>https://github.com/lxchuan12</a:t>
             </a:r>
@@ -5101,7 +5492,7 @@
         <p:spPr>
           <a:xfrm>
             <a:off x="208865" y="2621587"/>
-            <a:ext cx="800219" cy="276999"/>
+            <a:ext cx="1261884" cy="276999"/>
           </a:xfrm>
           <a:prstGeom prst="rect">
             <a:avLst/>
@@ -5119,7 +5510,7 @@
                 <a:latin typeface="微软雅黑" panose="020B0503020204020204" pitchFamily="34" charset="-122"/>
                 <a:ea typeface="微软雅黑" panose="020B0503020204020204" pitchFamily="34" charset="-122"/>
               </a:rPr>
-              <a:t>项目经验</a:t>
+              <a:t>项目与工作经验</a:t>
             </a:r>
             <a:endParaRPr lang="en-US" altLang="zh-CN" sz="1200" b="1" dirty="0">
               <a:latin typeface="微软雅黑" panose="020B0503020204020204" pitchFamily="34" charset="-122"/>
@@ -5166,13 +5557,15 @@
       <p:cxnSp>
         <p:nvCxnSpPr>
           <p:cNvPr id="23" name="直接箭头连接符 22"/>
-          <p:cNvCxnSpPr/>
+          <p:cNvCxnSpPr>
+            <a:cxnSpLocks/>
+          </p:cNvCxnSpPr>
           <p:nvPr/>
         </p:nvCxnSpPr>
         <p:spPr>
           <a:xfrm flipV="1">
             <a:off x="341678" y="3023330"/>
-            <a:ext cx="0" cy="5794482"/>
+            <a:ext cx="0" cy="6394990"/>
           </a:xfrm>
           <a:prstGeom prst="straightConnector1">
             <a:avLst/>
@@ -5255,7 +5648,7 @@
         </p:nvSpPr>
         <p:spPr>
           <a:xfrm flipH="1">
-            <a:off x="299360" y="5478447"/>
+            <a:off x="299360" y="5707047"/>
             <a:ext cx="84636" cy="84636"/>
           </a:xfrm>
           <a:prstGeom prst="ellipse">
@@ -5303,7 +5696,7 @@
         </p:nvSpPr>
         <p:spPr>
           <a:xfrm flipH="1">
-            <a:off x="299360" y="7551394"/>
+            <a:off x="299360" y="7665694"/>
             <a:ext cx="84636" cy="84636"/>
           </a:xfrm>
           <a:prstGeom prst="ellipse">
@@ -5351,7 +5744,7 @@
         </p:nvSpPr>
         <p:spPr>
           <a:xfrm>
-            <a:off x="3548996" y="6145634"/>
+            <a:off x="3548996" y="6298034"/>
             <a:ext cx="1641796" cy="276999"/>
           </a:xfrm>
           <a:prstGeom prst="rect">
@@ -5401,7 +5794,7 @@
         </p:nvCxnSpPr>
         <p:spPr>
           <a:xfrm>
-            <a:off x="3629964" y="6422080"/>
+            <a:off x="3629964" y="6574480"/>
             <a:ext cx="2941591" cy="0"/>
           </a:xfrm>
           <a:prstGeom prst="line">
@@ -5507,7 +5900,7 @@
         </p:nvSpPr>
         <p:spPr>
           <a:xfrm>
-            <a:off x="3548996" y="7940958"/>
+            <a:off x="3548996" y="8672478"/>
             <a:ext cx="800219" cy="276999"/>
           </a:xfrm>
           <a:prstGeom prst="rect">
@@ -5543,7 +5936,7 @@
         </p:nvCxnSpPr>
         <p:spPr>
           <a:xfrm>
-            <a:off x="3629964" y="8217404"/>
+            <a:off x="3629964" y="8948924"/>
             <a:ext cx="2941591" cy="0"/>
           </a:xfrm>
           <a:prstGeom prst="line">
@@ -5581,7 +5974,7 @@
         <p:spPr>
           <a:xfrm>
             <a:off x="1043865" y="1760220"/>
-            <a:ext cx="0" cy="548313"/>
+            <a:ext cx="0" cy="693420"/>
           </a:xfrm>
           <a:prstGeom prst="line">
             <a:avLst/>
@@ -5730,7 +6123,7 @@
               <a:rPr lang="en-US" altLang="zh-CN" sz="800" dirty="0">
                 <a:latin typeface="微软雅黑" panose="020B0503020204020204" pitchFamily="34" charset="-122"/>
                 <a:ea typeface="微软雅黑" panose="020B0503020204020204" pitchFamily="34" charset="-122"/>
-                <a:hlinkClick r:id="rId7"/>
+                <a:hlinkClick r:id="rId8"/>
               </a:rPr>
               <a:t>https://lxchuan12.github.io/works/resume/</a:t>
             </a:r>
@@ -5792,9 +6185,9 @@
         <p:grpSpPr>
           <a:xfrm>
             <a:off x="386128" y="3125616"/>
-            <a:ext cx="2867930" cy="2004563"/>
+            <a:ext cx="2867930" cy="2389284"/>
             <a:chOff x="416608" y="3709272"/>
-            <a:chExt cx="2867930" cy="2004563"/>
+            <a:chExt cx="2867930" cy="2389284"/>
           </a:xfrm>
         </p:grpSpPr>
         <p:sp>
@@ -5806,7 +6199,7 @@
           <p:spPr>
             <a:xfrm>
               <a:off x="416608" y="3709272"/>
-              <a:ext cx="1029449" cy="271869"/>
+              <a:ext cx="909223" cy="254429"/>
             </a:xfrm>
             <a:prstGeom prst="rect">
               <a:avLst/>
@@ -5828,8 +6221,19 @@
                   <a:latin typeface="微软雅黑" panose="020B0503020204020204" pitchFamily="34" charset="-122"/>
                   <a:ea typeface="微软雅黑" panose="020B0503020204020204" pitchFamily="34" charset="-122"/>
                 </a:rPr>
-                <a:t>2016.2 - 2016.6</a:t>
+                <a:t>2017.2 – </a:t>
               </a:r>
+              <a:r>
+                <a:rPr lang="zh-CN" altLang="en-US" sz="900" dirty="0">
+                  <a:latin typeface="微软雅黑" panose="020B0503020204020204" pitchFamily="34" charset="-122"/>
+                  <a:ea typeface="微软雅黑" panose="020B0503020204020204" pitchFamily="34" charset="-122"/>
+                </a:rPr>
+                <a:t>至今</a:t>
+              </a:r>
+              <a:endParaRPr lang="en-US" altLang="zh-CN" sz="900" dirty="0">
+                <a:latin typeface="微软雅黑" panose="020B0503020204020204" pitchFamily="34" charset="-122"/>
+                <a:ea typeface="微软雅黑" panose="020B0503020204020204" pitchFamily="34" charset="-122"/>
+              </a:endParaRPr>
             </a:p>
           </p:txBody>
         </p:sp>
@@ -5842,7 +6246,7 @@
           <p:spPr>
             <a:xfrm>
               <a:off x="416608" y="3889580"/>
-              <a:ext cx="1947969" cy="306174"/>
+              <a:ext cx="2693366" cy="334707"/>
             </a:xfrm>
             <a:prstGeom prst="rect">
               <a:avLst/>
@@ -5860,11 +6264,11 @@
                 </a:lnSpc>
               </a:pPr>
               <a:r>
-                <a:rPr lang="en-US" altLang="zh-CN" sz="1050" b="1" dirty="0" err="1">
+                <a:rPr lang="zh-CN" altLang="en-US" sz="1050" b="1" dirty="0">
                   <a:latin typeface="微软雅黑" panose="020B0503020204020204" pitchFamily="34" charset="-122"/>
                   <a:ea typeface="微软雅黑" panose="020B0503020204020204" pitchFamily="34" charset="-122"/>
                 </a:rPr>
-                <a:t>ABCDViz</a:t>
+                <a:t>新浪分期 </a:t>
               </a:r>
               <a:r>
                 <a:rPr lang="en-US" altLang="zh-CN" sz="1050" b="1" dirty="0">
@@ -5878,7 +6282,35 @@
                   <a:latin typeface="微软雅黑" panose="020B0503020204020204" pitchFamily="34" charset="-122"/>
                   <a:ea typeface="微软雅黑" panose="020B0503020204020204" pitchFamily="34" charset="-122"/>
                 </a:rPr>
-                <a:t>数据可视化系统</a:t>
+                <a:t> </a:t>
+              </a:r>
+              <a:r>
+                <a:rPr lang="en-US" altLang="zh-CN" sz="1050" b="1" dirty="0">
+                  <a:latin typeface="微软雅黑" panose="020B0503020204020204" pitchFamily="34" charset="-122"/>
+                  <a:ea typeface="微软雅黑" panose="020B0503020204020204" pitchFamily="34" charset="-122"/>
+                </a:rPr>
+                <a:t> </a:t>
+              </a:r>
+              <a:r>
+                <a:rPr lang="zh-CN" altLang="en-US" sz="1050" b="1" dirty="0">
+                  <a:latin typeface="微软雅黑" panose="020B0503020204020204" pitchFamily="34" charset="-122"/>
+                  <a:ea typeface="微软雅黑" panose="020B0503020204020204" pitchFamily="34" charset="-122"/>
+                </a:rPr>
+                <a:t>后台管理平台、督导</a:t>
+              </a:r>
+              <a:r>
+                <a:rPr lang="en-US" altLang="zh-CN" sz="1050" b="1" dirty="0">
+                  <a:latin typeface="微软雅黑" panose="020B0503020204020204" pitchFamily="34" charset="-122"/>
+                  <a:ea typeface="微软雅黑" panose="020B0503020204020204" pitchFamily="34" charset="-122"/>
+                </a:rPr>
+                <a:t>APP</a:t>
+              </a:r>
+              <a:r>
+                <a:rPr lang="zh-CN" altLang="en-US" sz="1050" b="1" dirty="0">
+                  <a:latin typeface="微软雅黑" panose="020B0503020204020204" pitchFamily="34" charset="-122"/>
+                  <a:ea typeface="微软雅黑" panose="020B0503020204020204" pitchFamily="34" charset="-122"/>
+                </a:rPr>
+                <a:t>等</a:t>
               </a:r>
               <a:endParaRPr lang="en-US" altLang="zh-CN" sz="1050" b="1" dirty="0">
                 <a:latin typeface="微软雅黑" panose="020B0503020204020204" pitchFamily="34" charset="-122"/>
@@ -5928,16 +6360,16 @@
             <a:bodyPr rtlCol="0" anchor="ctr"/>
             <a:lstStyle/>
             <a:p>
-              <a:pPr lvl="0"/>
+              <a:pPr lvl="0" algn="ctr"/>
               <a:r>
-                <a:rPr lang="en-US" altLang="zh-CN" sz="900" dirty="0">
+                <a:rPr lang="en-US" altLang="zh-CN" sz="900" dirty="0" err="1">
                   <a:solidFill>
                     <a:prstClr val="white"/>
                   </a:solidFill>
                   <a:latin typeface="微软雅黑" panose="020B0503020204020204" pitchFamily="34" charset="-122"/>
                   <a:ea typeface="微软雅黑" panose="020B0503020204020204" pitchFamily="34" charset="-122"/>
                 </a:rPr>
-                <a:t>D3.js</a:t>
+                <a:t>Vue</a:t>
               </a:r>
               <a:endParaRPr lang="zh-CN" altLang="en-US" dirty="0">
                 <a:solidFill>
@@ -5956,7 +6388,7 @@
           <p:spPr>
             <a:xfrm>
               <a:off x="416609" y="4467340"/>
-              <a:ext cx="2867929" cy="1246495"/>
+              <a:ext cx="2867929" cy="1631216"/>
             </a:xfrm>
             <a:prstGeom prst="rect">
               <a:avLst/>
@@ -5980,49 +6412,180 @@
                   <a:latin typeface="微软雅黑" panose="020B0503020204020204" pitchFamily="34" charset="-122"/>
                   <a:ea typeface="微软雅黑" panose="020B0503020204020204" pitchFamily="34" charset="-122"/>
                 </a:rPr>
-                <a:t>使用 </a:t>
+                <a:t>使用</a:t>
+              </a:r>
+              <a:r>
+                <a:rPr lang="en-US" altLang="zh-CN" sz="900" b="1" dirty="0">
+                  <a:solidFill>
+                    <a:srgbClr val="2E75B5"/>
+                  </a:solidFill>
+                  <a:latin typeface="微软雅黑" panose="020B0503020204020204" pitchFamily="34" charset="-122"/>
+                  <a:ea typeface="微软雅黑" panose="020B0503020204020204" pitchFamily="34" charset="-122"/>
+                </a:rPr>
+                <a:t>Vue2.0</a:t>
+              </a:r>
+              <a:r>
+                <a:rPr lang="zh-CN" altLang="en-US" sz="900" dirty="0">
+                  <a:latin typeface="微软雅黑" panose="020B0503020204020204" pitchFamily="34" charset="-122"/>
+                  <a:ea typeface="微软雅黑" panose="020B0503020204020204" pitchFamily="34" charset="-122"/>
+                </a:rPr>
+                <a:t>全家桶、</a:t>
+              </a:r>
+              <a:r>
+                <a:rPr lang="en-US" altLang="zh-CN" sz="900" b="1" dirty="0">
+                  <a:solidFill>
+                    <a:srgbClr val="2E75B5"/>
+                  </a:solidFill>
+                  <a:latin typeface="微软雅黑" panose="020B0503020204020204" pitchFamily="34" charset="-122"/>
+                  <a:ea typeface="微软雅黑" panose="020B0503020204020204" pitchFamily="34" charset="-122"/>
+                </a:rPr>
+                <a:t>Element-UI</a:t>
+              </a:r>
+              <a:r>
+                <a:rPr lang="zh-CN" altLang="en-US" sz="900" dirty="0">
+                  <a:latin typeface="微软雅黑" panose="020B0503020204020204" pitchFamily="34" charset="-122"/>
+                  <a:ea typeface="微软雅黑" panose="020B0503020204020204" pitchFamily="34" charset="-122"/>
+                </a:rPr>
+                <a:t>、</a:t>
+              </a:r>
+              <a:r>
+                <a:rPr lang="en-US" altLang="zh-CN" sz="900" b="1" dirty="0">
+                  <a:solidFill>
+                    <a:srgbClr val="2E75B5"/>
+                  </a:solidFill>
+                  <a:latin typeface="微软雅黑" panose="020B0503020204020204" pitchFamily="34" charset="-122"/>
+                  <a:ea typeface="微软雅黑" panose="020B0503020204020204" pitchFamily="34" charset="-122"/>
+                </a:rPr>
+                <a:t>ES6</a:t>
+              </a:r>
+              <a:r>
+                <a:rPr lang="zh-CN" altLang="en-US" sz="900" dirty="0">
+                  <a:latin typeface="微软雅黑" panose="020B0503020204020204" pitchFamily="34" charset="-122"/>
+                  <a:ea typeface="微软雅黑" panose="020B0503020204020204" pitchFamily="34" charset="-122"/>
+                </a:rPr>
+                <a:t>、</a:t>
+              </a:r>
+              <a:r>
+                <a:rPr lang="en-US" altLang="zh-CN" sz="900" b="1" dirty="0">
+                  <a:solidFill>
+                    <a:srgbClr val="2E75B5"/>
+                  </a:solidFill>
+                  <a:latin typeface="微软雅黑" panose="020B0503020204020204" pitchFamily="34" charset="-122"/>
+                  <a:ea typeface="微软雅黑" panose="020B0503020204020204" pitchFamily="34" charset="-122"/>
+                </a:rPr>
+                <a:t>Less</a:t>
+              </a:r>
+              <a:r>
+                <a:rPr lang="zh-CN" altLang="en-US" sz="900" dirty="0">
+                  <a:latin typeface="微软雅黑" panose="020B0503020204020204" pitchFamily="34" charset="-122"/>
+                  <a:ea typeface="微软雅黑" panose="020B0503020204020204" pitchFamily="34" charset="-122"/>
+                </a:rPr>
+                <a:t>和</a:t>
+              </a:r>
+              <a:r>
+                <a:rPr lang="en-US" altLang="zh-CN" sz="900" b="1" dirty="0" err="1">
+                  <a:solidFill>
+                    <a:srgbClr val="2E75B5"/>
+                  </a:solidFill>
+                  <a:latin typeface="微软雅黑" panose="020B0503020204020204" pitchFamily="34" charset="-122"/>
+                  <a:ea typeface="微软雅黑" panose="020B0503020204020204" pitchFamily="34" charset="-122"/>
+                </a:rPr>
+                <a:t>Axios</a:t>
+              </a:r>
+              <a:r>
+                <a:rPr lang="zh-CN" altLang="en-US" sz="900" dirty="0">
+                  <a:latin typeface="微软雅黑" panose="020B0503020204020204" pitchFamily="34" charset="-122"/>
+                  <a:ea typeface="微软雅黑" panose="020B0503020204020204" pitchFamily="34" charset="-122"/>
+                </a:rPr>
+                <a:t>等技术栈开发</a:t>
+              </a:r>
+              <a:endParaRPr lang="en-US" altLang="zh-CN" sz="900" dirty="0">
+                <a:latin typeface="微软雅黑" panose="020B0503020204020204" pitchFamily="34" charset="-122"/>
+                <a:ea typeface="微软雅黑" panose="020B0503020204020204" pitchFamily="34" charset="-122"/>
+              </a:endParaRPr>
+            </a:p>
+            <a:p>
+              <a:pPr marL="171450" indent="-171450">
+                <a:lnSpc>
+                  <a:spcPts val="1500"/>
+                </a:lnSpc>
+                <a:buFont typeface="Wingdings" panose="05000000000000000000" pitchFamily="2" charset="2"/>
+                <a:buChar char="ü"/>
+              </a:pPr>
+              <a:r>
+                <a:rPr lang="zh-CN" altLang="en-US" sz="900" dirty="0">
+                  <a:latin typeface="微软雅黑" panose="020B0503020204020204" pitchFamily="34" charset="-122"/>
+                  <a:ea typeface="微软雅黑" panose="020B0503020204020204" pitchFamily="34" charset="-122"/>
+                </a:rPr>
+                <a:t>对接口文件统一配置管理、设置请求签名，封装组件，用</a:t>
+              </a:r>
+              <a:r>
+                <a:rPr lang="en-US" altLang="zh-CN" sz="900" b="1" dirty="0">
+                  <a:solidFill>
+                    <a:srgbClr val="2E75B5"/>
+                  </a:solidFill>
+                  <a:latin typeface="微软雅黑" panose="020B0503020204020204" pitchFamily="34" charset="-122"/>
+                  <a:ea typeface="微软雅黑" panose="020B0503020204020204" pitchFamily="34" charset="-122"/>
+                </a:rPr>
+                <a:t>bus</a:t>
+              </a:r>
+              <a:r>
+                <a:rPr lang="zh-CN" altLang="en-US" sz="900" dirty="0">
+                  <a:latin typeface="微软雅黑" panose="020B0503020204020204" pitchFamily="34" charset="-122"/>
+                  <a:ea typeface="微软雅黑" panose="020B0503020204020204" pitchFamily="34" charset="-122"/>
+                </a:rPr>
+                <a:t>进行组件通信、</a:t>
+              </a:r>
+              <a:r>
+                <a:rPr lang="en-US" altLang="zh-CN" sz="900" b="1" dirty="0" err="1">
+                  <a:solidFill>
+                    <a:srgbClr val="2E75B5"/>
+                  </a:solidFill>
+                  <a:latin typeface="微软雅黑" panose="020B0503020204020204" pitchFamily="34" charset="-122"/>
+                  <a:ea typeface="微软雅黑" panose="020B0503020204020204" pitchFamily="34" charset="-122"/>
+                </a:rPr>
+                <a:t>Vuex</a:t>
+              </a:r>
+              <a:r>
+                <a:rPr lang="zh-CN" altLang="en-US" sz="900" dirty="0">
+                  <a:latin typeface="微软雅黑" panose="020B0503020204020204" pitchFamily="34" charset="-122"/>
+                  <a:ea typeface="微软雅黑" panose="020B0503020204020204" pitchFamily="34" charset="-122"/>
+                </a:rPr>
+                <a:t>进行状态管理</a:t>
+              </a:r>
+              <a:endParaRPr lang="en-US" altLang="zh-CN" sz="900" dirty="0">
+                <a:latin typeface="微软雅黑" panose="020B0503020204020204" pitchFamily="34" charset="-122"/>
+                <a:ea typeface="微软雅黑" panose="020B0503020204020204" pitchFamily="34" charset="-122"/>
+              </a:endParaRPr>
+            </a:p>
+            <a:p>
+              <a:pPr marL="171450" indent="-171450">
+                <a:lnSpc>
+                  <a:spcPts val="1500"/>
+                </a:lnSpc>
+                <a:buFont typeface="Wingdings" panose="05000000000000000000" pitchFamily="2" charset="2"/>
+                <a:buChar char="ü"/>
+              </a:pPr>
+              <a:r>
+                <a:rPr lang="zh-CN" altLang="en-US" sz="900" dirty="0">
+                  <a:latin typeface="微软雅黑" panose="020B0503020204020204" pitchFamily="34" charset="-122"/>
+                  <a:ea typeface="微软雅黑" panose="020B0503020204020204" pitchFamily="34" charset="-122"/>
+                </a:rPr>
+                <a:t>本地存储登录信息，根据不同角色赋予不同权限，展示不同菜单，动态添加路由，导出</a:t>
               </a:r>
               <a:r>
                 <a:rPr lang="en-US" altLang="zh-CN" sz="900" dirty="0">
                   <a:latin typeface="微软雅黑" panose="020B0503020204020204" pitchFamily="34" charset="-122"/>
                   <a:ea typeface="微软雅黑" panose="020B0503020204020204" pitchFamily="34" charset="-122"/>
                 </a:rPr>
-                <a:t>Leaflet.js </a:t>
+                <a:t>excel</a:t>
               </a:r>
               <a:r>
                 <a:rPr lang="zh-CN" altLang="en-US" sz="900" dirty="0">
                   <a:latin typeface="微软雅黑" panose="020B0503020204020204" pitchFamily="34" charset="-122"/>
                   <a:ea typeface="微软雅黑" panose="020B0503020204020204" pitchFamily="34" charset="-122"/>
                 </a:rPr>
-                <a:t>和 </a:t>
-              </a:r>
-              <a:r>
-                <a:rPr lang="en-US" altLang="zh-CN" sz="900" dirty="0">
-                  <a:latin typeface="微软雅黑" panose="020B0503020204020204" pitchFamily="34" charset="-122"/>
-                  <a:ea typeface="微软雅黑" panose="020B0503020204020204" pitchFamily="34" charset="-122"/>
-                </a:rPr>
-                <a:t>D3.js</a:t>
-              </a:r>
-              <a:r>
-                <a:rPr lang="zh-CN" altLang="en-US" sz="900" dirty="0">
-                  <a:latin typeface="微软雅黑" panose="020B0503020204020204" pitchFamily="34" charset="-122"/>
-                  <a:ea typeface="微软雅黑" panose="020B0503020204020204" pitchFamily="34" charset="-122"/>
-                </a:rPr>
-                <a:t>，对</a:t>
-              </a:r>
-              <a:r>
-                <a:rPr lang="en-US" altLang="zh-CN" sz="900" dirty="0">
-                  <a:latin typeface="微软雅黑" panose="020B0503020204020204" pitchFamily="34" charset="-122"/>
-                  <a:ea typeface="微软雅黑" panose="020B0503020204020204" pitchFamily="34" charset="-122"/>
-                </a:rPr>
-                <a:t>XXX</a:t>
-              </a:r>
-              <a:r>
-                <a:rPr lang="zh-CN" altLang="en-US" sz="900" dirty="0">
-                  <a:latin typeface="微软雅黑" panose="020B0503020204020204" pitchFamily="34" charset="-122"/>
-                  <a:ea typeface="微软雅黑" panose="020B0503020204020204" pitchFamily="34" charset="-122"/>
-                </a:rPr>
-                <a:t>进行绘制</a:t>
+                <a:t>等</a:t>
               </a:r>
               <a:endParaRPr lang="en-US" altLang="zh-CN" sz="900" dirty="0">
                 <a:latin typeface="微软雅黑" panose="020B0503020204020204" pitchFamily="34" charset="-122"/>
@@ -6042,207 +6605,61 @@
                   <a:latin typeface="微软雅黑" panose="020B0503020204020204" pitchFamily="34" charset="-122"/>
                   <a:ea typeface="微软雅黑" panose="020B0503020204020204" pitchFamily="34" charset="-122"/>
                 </a:rPr>
-                <a:t>使用 </a:t>
+                <a:t>开发风控审批系统、详情页（</a:t>
               </a:r>
               <a:r>
-                <a:rPr lang="en-US" altLang="zh-CN" sz="900" dirty="0">
+                <a:rPr lang="zh-CN" altLang="en-US" sz="900" b="1" dirty="0">
+                  <a:solidFill>
+                    <a:srgbClr val="2E75B5"/>
+                  </a:solidFill>
                   <a:latin typeface="微软雅黑" panose="020B0503020204020204" pitchFamily="34" charset="-122"/>
                   <a:ea typeface="微软雅黑" panose="020B0503020204020204" pitchFamily="34" charset="-122"/>
                 </a:rPr>
-                <a:t>Express </a:t>
+                <a:t>近</a:t>
+              </a:r>
+              <a:r>
+                <a:rPr lang="en-US" altLang="zh-CN" sz="900" b="1" dirty="0">
+                  <a:solidFill>
+                    <a:srgbClr val="2E75B5"/>
+                  </a:solidFill>
+                  <a:latin typeface="微软雅黑" panose="020B0503020204020204" pitchFamily="34" charset="-122"/>
+                  <a:ea typeface="微软雅黑" panose="020B0503020204020204" pitchFamily="34" charset="-122"/>
+                </a:rPr>
+                <a:t>3000</a:t>
+              </a:r>
+              <a:r>
+                <a:rPr lang="zh-CN" altLang="en-US" sz="900" b="1" dirty="0">
+                  <a:solidFill>
+                    <a:srgbClr val="2E75B5"/>
+                  </a:solidFill>
+                  <a:latin typeface="微软雅黑" panose="020B0503020204020204" pitchFamily="34" charset="-122"/>
+                  <a:ea typeface="微软雅黑" panose="020B0503020204020204" pitchFamily="34" charset="-122"/>
+                </a:rPr>
+                <a:t>行代码</a:t>
               </a:r>
               <a:r>
                 <a:rPr lang="zh-CN" altLang="en-US" sz="900" dirty="0">
                   <a:latin typeface="微软雅黑" panose="020B0503020204020204" pitchFamily="34" charset="-122"/>
                   <a:ea typeface="微软雅黑" panose="020B0503020204020204" pitchFamily="34" charset="-122"/>
                 </a:rPr>
-                <a:t>和 </a:t>
+                <a:t>）开发、上传文件等，使用组件和</a:t>
               </a:r>
               <a:r>
-                <a:rPr lang="en-US" altLang="zh-CN" sz="900" dirty="0">
+                <a:rPr lang="en-US" altLang="zh-CN" sz="900" b="1" dirty="0" err="1">
+                  <a:solidFill>
+                    <a:srgbClr val="2E75B5"/>
+                  </a:solidFill>
                   <a:latin typeface="微软雅黑" panose="020B0503020204020204" pitchFamily="34" charset="-122"/>
                   <a:ea typeface="微软雅黑" panose="020B0503020204020204" pitchFamily="34" charset="-122"/>
                 </a:rPr>
-                <a:t>Mongoose</a:t>
+                <a:t>mixins</a:t>
               </a:r>
               <a:r>
                 <a:rPr lang="zh-CN" altLang="en-US" sz="900" dirty="0">
                   <a:latin typeface="微软雅黑" panose="020B0503020204020204" pitchFamily="34" charset="-122"/>
                   <a:ea typeface="微软雅黑" panose="020B0503020204020204" pitchFamily="34" charset="-122"/>
                 </a:rPr>
-                <a:t>，完成</a:t>
-              </a:r>
-              <a:r>
-                <a:rPr lang="en-US" altLang="zh-CN" sz="900" dirty="0">
-                  <a:latin typeface="微软雅黑" panose="020B0503020204020204" pitchFamily="34" charset="-122"/>
-                  <a:ea typeface="微软雅黑" panose="020B0503020204020204" pitchFamily="34" charset="-122"/>
-                </a:rPr>
-                <a:t>XXX</a:t>
-              </a:r>
-            </a:p>
-            <a:p>
-              <a:pPr marL="171450" lvl="0" indent="-171450">
-                <a:lnSpc>
-                  <a:spcPts val="1500"/>
-                </a:lnSpc>
-                <a:buFont typeface="Wingdings" panose="05000000000000000000" pitchFamily="2" charset="2"/>
-                <a:buChar char="ü"/>
-              </a:pPr>
-              <a:r>
-                <a:rPr lang="zh-CN" altLang="en-US" sz="900" dirty="0">
-                  <a:latin typeface="微软雅黑" panose="020B0503020204020204" pitchFamily="34" charset="-122"/>
-                  <a:ea typeface="微软雅黑" panose="020B0503020204020204" pitchFamily="34" charset="-122"/>
-                </a:rPr>
-                <a:t>通过 </a:t>
-              </a:r>
-              <a:r>
-                <a:rPr lang="en-US" altLang="zh-CN" sz="900" dirty="0">
-                  <a:latin typeface="微软雅黑" panose="020B0503020204020204" pitchFamily="34" charset="-122"/>
-                  <a:ea typeface="微软雅黑" panose="020B0503020204020204" pitchFamily="34" charset="-122"/>
-                </a:rPr>
-                <a:t>D3.js </a:t>
-              </a:r>
-              <a:r>
-                <a:rPr lang="zh-CN" altLang="en-US" sz="900" dirty="0">
-                  <a:latin typeface="微软雅黑" panose="020B0503020204020204" pitchFamily="34" charset="-122"/>
-                  <a:ea typeface="微软雅黑" panose="020B0503020204020204" pitchFamily="34" charset="-122"/>
-                </a:rPr>
-                <a:t>绘制</a:t>
-              </a:r>
-              <a:r>
-                <a:rPr lang="en-US" altLang="zh-CN" sz="900" dirty="0">
-                  <a:latin typeface="微软雅黑" panose="020B0503020204020204" pitchFamily="34" charset="-122"/>
-                  <a:ea typeface="微软雅黑" panose="020B0503020204020204" pitchFamily="34" charset="-122"/>
-                </a:rPr>
-                <a:t>XXX</a:t>
-              </a:r>
-              <a:r>
-                <a:rPr lang="zh-CN" altLang="en-US" sz="900" dirty="0">
-                  <a:latin typeface="微软雅黑" panose="020B0503020204020204" pitchFamily="34" charset="-122"/>
-                  <a:ea typeface="微软雅黑" panose="020B0503020204020204" pitchFamily="34" charset="-122"/>
-                </a:rPr>
-                <a:t>图、</a:t>
-              </a:r>
-              <a:r>
-                <a:rPr lang="en-US" altLang="zh-CN" sz="900" dirty="0">
-                  <a:latin typeface="微软雅黑" panose="020B0503020204020204" pitchFamily="34" charset="-122"/>
-                  <a:ea typeface="微软雅黑" panose="020B0503020204020204" pitchFamily="34" charset="-122"/>
-                </a:rPr>
-                <a:t>XXX</a:t>
-              </a:r>
-              <a:r>
-                <a:rPr lang="zh-CN" altLang="en-US" sz="900" dirty="0">
-                  <a:latin typeface="微软雅黑" panose="020B0503020204020204" pitchFamily="34" charset="-122"/>
-                  <a:ea typeface="微软雅黑" panose="020B0503020204020204" pitchFamily="34" charset="-122"/>
-                </a:rPr>
-                <a:t>图等形式展现所选时空范围内</a:t>
-              </a:r>
-              <a:r>
-                <a:rPr lang="en-US" altLang="zh-CN" sz="900" dirty="0">
-                  <a:latin typeface="微软雅黑" panose="020B0503020204020204" pitchFamily="34" charset="-122"/>
-                  <a:ea typeface="微软雅黑" panose="020B0503020204020204" pitchFamily="34" charset="-122"/>
-                </a:rPr>
-                <a:t>XXX</a:t>
-              </a:r>
-            </a:p>
-            <a:p>
-              <a:pPr marL="171450" lvl="0" indent="-171450">
-                <a:lnSpc>
-                  <a:spcPts val="1500"/>
-                </a:lnSpc>
-                <a:buFont typeface="Wingdings" panose="05000000000000000000" pitchFamily="2" charset="2"/>
-                <a:buChar char="ü"/>
-              </a:pPr>
-              <a:r>
-                <a:rPr lang="zh-CN" altLang="en-US" sz="900" dirty="0">
-                  <a:latin typeface="微软雅黑" panose="020B0503020204020204" pitchFamily="34" charset="-122"/>
-                  <a:ea typeface="微软雅黑" panose="020B0503020204020204" pitchFamily="34" charset="-122"/>
-                </a:rPr>
-                <a:t>根据</a:t>
-              </a:r>
-              <a:r>
-                <a:rPr lang="en-US" altLang="zh-CN" sz="900" dirty="0">
-                  <a:latin typeface="微软雅黑" panose="020B0503020204020204" pitchFamily="34" charset="-122"/>
-                  <a:ea typeface="微软雅黑" panose="020B0503020204020204" pitchFamily="34" charset="-122"/>
-                </a:rPr>
-                <a:t>XXX</a:t>
-              </a:r>
-              <a:r>
-                <a:rPr lang="zh-CN" altLang="en-US" sz="900" dirty="0">
-                  <a:latin typeface="微软雅黑" panose="020B0503020204020204" pitchFamily="34" charset="-122"/>
-                  <a:ea typeface="微软雅黑" panose="020B0503020204020204" pitchFamily="34" charset="-122"/>
-                </a:rPr>
-                <a:t>情况，使用</a:t>
-              </a:r>
-              <a:r>
-                <a:rPr lang="en-US" altLang="zh-CN" sz="900" dirty="0">
-                  <a:latin typeface="微软雅黑" panose="020B0503020204020204" pitchFamily="34" charset="-122"/>
-                  <a:ea typeface="微软雅黑" panose="020B0503020204020204" pitchFamily="34" charset="-122"/>
-                </a:rPr>
-                <a:t>XXX</a:t>
-              </a:r>
-              <a:r>
-                <a:rPr lang="zh-CN" altLang="en-US" sz="900" dirty="0">
-                  <a:latin typeface="微软雅黑" panose="020B0503020204020204" pitchFamily="34" charset="-122"/>
-                  <a:ea typeface="微软雅黑" panose="020B0503020204020204" pitchFamily="34" charset="-122"/>
-                </a:rPr>
-                <a:t>算法对</a:t>
-              </a:r>
-              <a:r>
-                <a:rPr lang="en-US" altLang="zh-CN" sz="900" dirty="0">
-                  <a:latin typeface="微软雅黑" panose="020B0503020204020204" pitchFamily="34" charset="-122"/>
-                  <a:ea typeface="微软雅黑" panose="020B0503020204020204" pitchFamily="34" charset="-122"/>
-                </a:rPr>
-                <a:t>XXX</a:t>
-              </a:r>
-              <a:r>
-                <a:rPr lang="zh-CN" altLang="en-US" sz="900" dirty="0">
-                  <a:latin typeface="微软雅黑" panose="020B0503020204020204" pitchFamily="34" charset="-122"/>
-                  <a:ea typeface="微软雅黑" panose="020B0503020204020204" pitchFamily="34" charset="-122"/>
-                </a:rPr>
-                <a:t>进行聚类，使用 </a:t>
-              </a:r>
-              <a:r>
-                <a:rPr lang="en-US" altLang="zh-CN" sz="900" dirty="0">
-                  <a:latin typeface="微软雅黑" panose="020B0503020204020204" pitchFamily="34" charset="-122"/>
-                  <a:ea typeface="微软雅黑" panose="020B0503020204020204" pitchFamily="34" charset="-122"/>
-                </a:rPr>
-                <a:t>D3.js</a:t>
-              </a:r>
-              <a:r>
-                <a:rPr lang="zh-CN" altLang="en-US" sz="900" dirty="0">
-                  <a:latin typeface="微软雅黑" panose="020B0503020204020204" pitchFamily="34" charset="-122"/>
-                  <a:ea typeface="微软雅黑" panose="020B0503020204020204" pitchFamily="34" charset="-122"/>
-                </a:rPr>
-                <a:t>，通过</a:t>
-              </a:r>
-              <a:r>
-                <a:rPr lang="en-US" altLang="zh-CN" sz="900" dirty="0">
-                  <a:latin typeface="微软雅黑" panose="020B0503020204020204" pitchFamily="34" charset="-122"/>
-                  <a:ea typeface="微软雅黑" panose="020B0503020204020204" pitchFamily="34" charset="-122"/>
-                </a:rPr>
-                <a:t>XXX</a:t>
-              </a:r>
-              <a:r>
-                <a:rPr lang="zh-CN" altLang="en-US" sz="900" dirty="0">
-                  <a:latin typeface="微软雅黑" panose="020B0503020204020204" pitchFamily="34" charset="-122"/>
-                  <a:ea typeface="微软雅黑" panose="020B0503020204020204" pitchFamily="34" charset="-122"/>
-                </a:rPr>
-                <a:t>展示</a:t>
-              </a:r>
-              <a:r>
-                <a:rPr lang="en-US" altLang="zh-CN" sz="900" dirty="0">
-                  <a:latin typeface="微软雅黑" panose="020B0503020204020204" pitchFamily="34" charset="-122"/>
-                  <a:ea typeface="微软雅黑" panose="020B0503020204020204" pitchFamily="34" charset="-122"/>
-                </a:rPr>
-                <a:t>XXX</a:t>
-              </a:r>
-              <a:r>
-                <a:rPr lang="zh-CN" altLang="en-US" sz="900" dirty="0">
-                  <a:latin typeface="微软雅黑" panose="020B0503020204020204" pitchFamily="34" charset="-122"/>
-                  <a:ea typeface="微软雅黑" panose="020B0503020204020204" pitchFamily="34" charset="-122"/>
-                </a:rPr>
-                <a:t>信息</a:t>
+                <a:t>复用功能</a:t>
               </a:r>
               <a:endParaRPr lang="en-US" altLang="zh-CN" sz="900" dirty="0">
                 <a:latin typeface="微软雅黑" panose="020B0503020204020204" pitchFamily="34" charset="-122"/>
@@ -6259,8 +6676,8 @@
           </p:nvSpPr>
           <p:spPr>
             <a:xfrm>
-              <a:off x="1679404" y="4236770"/>
-              <a:ext cx="619690" cy="203200"/>
+              <a:off x="1577845" y="4236770"/>
+              <a:ext cx="842816" cy="203200"/>
             </a:xfrm>
             <a:prstGeom prst="roundRect">
               <a:avLst/>
@@ -6292,7 +6709,7 @@
             <a:bodyPr rtlCol="0" anchor="ctr"/>
             <a:lstStyle/>
             <a:p>
-              <a:pPr lvl="0"/>
+              <a:pPr lvl="0" algn="ctr"/>
               <a:r>
                 <a:rPr lang="en-US" altLang="zh-CN" sz="900" dirty="0">
                   <a:solidFill>
@@ -6301,7 +6718,7 @@
                   <a:latin typeface="微软雅黑" panose="020B0503020204020204" pitchFamily="34" charset="-122"/>
                   <a:ea typeface="微软雅黑" panose="020B0503020204020204" pitchFamily="34" charset="-122"/>
                 </a:rPr>
-                <a:t>Node.js</a:t>
+                <a:t>Element-UI</a:t>
               </a:r>
               <a:endParaRPr lang="zh-CN" altLang="en-US" dirty="0">
                 <a:solidFill>
@@ -6319,8 +6736,8 @@
           </p:nvSpPr>
           <p:spPr>
             <a:xfrm>
-              <a:off x="2341686" y="4236770"/>
-              <a:ext cx="742024" cy="203200"/>
+              <a:off x="2476500" y="4236770"/>
+              <a:ext cx="515770" cy="203200"/>
             </a:xfrm>
             <a:prstGeom prst="roundRect">
               <a:avLst/>
@@ -6352,7 +6769,7 @@
             <a:bodyPr rtlCol="0" anchor="ctr"/>
             <a:lstStyle/>
             <a:p>
-              <a:pPr lvl="0"/>
+              <a:pPr lvl="0" algn="ctr"/>
               <a:r>
                 <a:rPr lang="en-US" altLang="zh-CN" sz="900" dirty="0" err="1">
                   <a:solidFill>
@@ -6361,7 +6778,7 @@
                   <a:latin typeface="微软雅黑" panose="020B0503020204020204" pitchFamily="34" charset="-122"/>
                   <a:ea typeface="微软雅黑" panose="020B0503020204020204" pitchFamily="34" charset="-122"/>
                 </a:rPr>
-                <a:t>MongoDB</a:t>
+                <a:t>Axios</a:t>
               </a:r>
               <a:endParaRPr lang="zh-CN" altLang="en-US" dirty="0">
                 <a:solidFill>
@@ -6379,8 +6796,8 @@
           </p:nvSpPr>
           <p:spPr>
             <a:xfrm>
-              <a:off x="1033818" y="4236770"/>
-              <a:ext cx="602993" cy="203200"/>
+              <a:off x="1047064" y="4236770"/>
+              <a:ext cx="474942" cy="203200"/>
             </a:xfrm>
             <a:prstGeom prst="roundRect">
               <a:avLst/>
@@ -6412,16 +6829,16 @@
             <a:bodyPr rtlCol="0" anchor="ctr"/>
             <a:lstStyle/>
             <a:p>
-              <a:pPr lvl="0"/>
+              <a:pPr lvl="0" algn="ctr"/>
               <a:r>
-                <a:rPr lang="en-US" altLang="zh-CN" sz="900" dirty="0">
+                <a:rPr lang="en-US" altLang="zh-CN" sz="900" dirty="0" err="1">
                   <a:solidFill>
                     <a:prstClr val="white"/>
                   </a:solidFill>
                   <a:latin typeface="微软雅黑" panose="020B0503020204020204" pitchFamily="34" charset="-122"/>
                   <a:ea typeface="微软雅黑" panose="020B0503020204020204" pitchFamily="34" charset="-122"/>
                 </a:rPr>
-                <a:t>Leaflet</a:t>
+                <a:t>Vuex</a:t>
               </a:r>
               <a:endParaRPr lang="zh-CN" altLang="en-US" dirty="0">
                 <a:solidFill>
@@ -6440,8 +6857,8 @@
         </p:nvSpPr>
         <p:spPr>
           <a:xfrm>
-            <a:off x="383995" y="5189809"/>
-            <a:ext cx="1029449" cy="271869"/>
+            <a:off x="383995" y="5410789"/>
+            <a:ext cx="1164101" cy="271869"/>
           </a:xfrm>
           <a:prstGeom prst="rect">
             <a:avLst/>
@@ -6463,7 +6880,7 @@
                 <a:latin typeface="微软雅黑" panose="020B0503020204020204" pitchFamily="34" charset="-122"/>
                 <a:ea typeface="微软雅黑" panose="020B0503020204020204" pitchFamily="34" charset="-122"/>
               </a:rPr>
-              <a:t>2015.1 - 2015.5</a:t>
+              <a:t>2016.06 - 2017.01</a:t>
             </a:r>
           </a:p>
         </p:txBody>
@@ -6476,8 +6893,8 @@
         </p:nvSpPr>
         <p:spPr>
           <a:xfrm>
-            <a:off x="383995" y="5344448"/>
-            <a:ext cx="1947969" cy="306174"/>
+            <a:off x="383995" y="5580668"/>
+            <a:ext cx="2784737" cy="334707"/>
           </a:xfrm>
           <a:prstGeom prst="rect">
             <a:avLst/>
@@ -6495,11 +6912,11 @@
               </a:lnSpc>
             </a:pPr>
             <a:r>
-              <a:rPr lang="en-US" altLang="zh-CN" sz="1050" b="1" dirty="0" err="1">
-                <a:latin typeface="微软雅黑" panose="020B0503020204020204" pitchFamily="34" charset="-122"/>
-                <a:ea typeface="微软雅黑" panose="020B0503020204020204" pitchFamily="34" charset="-122"/>
-              </a:rPr>
-              <a:t>ABCDViz</a:t>
+              <a:rPr lang="zh-CN" altLang="en-US" sz="1050" b="1" dirty="0">
+                <a:latin typeface="微软雅黑" panose="020B0503020204020204" pitchFamily="34" charset="-122"/>
+                <a:ea typeface="微软雅黑" panose="020B0503020204020204" pitchFamily="34" charset="-122"/>
+              </a:rPr>
+              <a:t>偶尔科技</a:t>
             </a:r>
             <a:r>
               <a:rPr lang="en-US" altLang="zh-CN" sz="1050" b="1" dirty="0">
@@ -6513,7 +6930,21 @@
                 <a:latin typeface="微软雅黑" panose="020B0503020204020204" pitchFamily="34" charset="-122"/>
                 <a:ea typeface="微软雅黑" panose="020B0503020204020204" pitchFamily="34" charset="-122"/>
               </a:rPr>
-              <a:t>数据可视化系统</a:t>
+              <a:t> </a:t>
+            </a:r>
+            <a:r>
+              <a:rPr lang="en-US" altLang="zh-CN" sz="1050" b="1" dirty="0">
+                <a:latin typeface="微软雅黑" panose="020B0503020204020204" pitchFamily="34" charset="-122"/>
+                <a:ea typeface="微软雅黑" panose="020B0503020204020204" pitchFamily="34" charset="-122"/>
+              </a:rPr>
+              <a:t>PC</a:t>
+            </a:r>
+            <a:r>
+              <a:rPr lang="zh-CN" altLang="en-US" sz="1050" b="1" dirty="0">
+                <a:latin typeface="微软雅黑" panose="020B0503020204020204" pitchFamily="34" charset="-122"/>
+                <a:ea typeface="微软雅黑" panose="020B0503020204020204" pitchFamily="34" charset="-122"/>
+              </a:rPr>
+              <a:t>系统、微信商城、小程序等</a:t>
             </a:r>
             <a:endParaRPr lang="en-US" altLang="zh-CN" sz="1050" b="1" dirty="0">
               <a:latin typeface="微软雅黑" panose="020B0503020204020204" pitchFamily="34" charset="-122"/>
@@ -6530,7 +6961,7 @@
         </p:nvSpPr>
         <p:spPr>
           <a:xfrm>
-            <a:off x="484526" y="5691638"/>
+            <a:off x="484526" y="5920238"/>
             <a:ext cx="474086" cy="203200"/>
           </a:xfrm>
           <a:prstGeom prst="roundRect">
@@ -6563,16 +6994,16 @@
           <a:bodyPr rtlCol="0" anchor="ctr"/>
           <a:lstStyle/>
           <a:p>
-            <a:pPr lvl="0"/>
-            <a:r>
-              <a:rPr lang="en-US" altLang="zh-CN" sz="900" dirty="0">
+            <a:pPr lvl="0" algn="ctr"/>
+            <a:r>
+              <a:rPr lang="en-US" altLang="zh-CN" sz="900" dirty="0" err="1">
                 <a:solidFill>
                   <a:prstClr val="white"/>
                 </a:solidFill>
                 <a:latin typeface="微软雅黑" panose="020B0503020204020204" pitchFamily="34" charset="-122"/>
                 <a:ea typeface="微软雅黑" panose="020B0503020204020204" pitchFamily="34" charset="-122"/>
               </a:rPr>
-              <a:t>D3.js</a:t>
+              <a:t>Vue</a:t>
             </a:r>
             <a:endParaRPr lang="zh-CN" altLang="en-US" dirty="0">
               <a:solidFill>
@@ -6590,7 +7021,7 @@
         </p:nvSpPr>
         <p:spPr>
           <a:xfrm>
-            <a:off x="383997" y="5922208"/>
+            <a:off x="383997" y="6150808"/>
             <a:ext cx="2870062" cy="1246495"/>
           </a:xfrm>
           <a:prstGeom prst="rect">
@@ -6611,53 +7042,27 @@
               <a:buChar char="ü"/>
             </a:pPr>
             <a:r>
+              <a:rPr lang="en-US" altLang="zh-CN" sz="900" b="1" dirty="0">
+                <a:latin typeface="微软雅黑" panose="020B0503020204020204" pitchFamily="34" charset="-122"/>
+                <a:ea typeface="微软雅黑" panose="020B0503020204020204" pitchFamily="34" charset="-122"/>
+                <a:hlinkClick r:id="rId9"/>
+              </a:rPr>
+              <a:t>PC</a:t>
+            </a:r>
+            <a:r>
+              <a:rPr lang="zh-CN" altLang="en-US" sz="900" b="1" dirty="0">
+                <a:latin typeface="微软雅黑" panose="020B0503020204020204" pitchFamily="34" charset="-122"/>
+                <a:ea typeface="微软雅黑" panose="020B0503020204020204" pitchFamily="34" charset="-122"/>
+                <a:hlinkClick r:id="rId9"/>
+              </a:rPr>
+              <a:t>系统</a:t>
+            </a:r>
+            <a:r>
               <a:rPr lang="zh-CN" altLang="en-US" sz="900" dirty="0">
                 <a:latin typeface="微软雅黑" panose="020B0503020204020204" pitchFamily="34" charset="-122"/>
                 <a:ea typeface="微软雅黑" panose="020B0503020204020204" pitchFamily="34" charset="-122"/>
               </a:rPr>
-              <a:t>使用 </a:t>
-            </a:r>
-            <a:r>
-              <a:rPr lang="en-US" altLang="zh-CN" sz="900" dirty="0">
-                <a:latin typeface="微软雅黑" panose="020B0503020204020204" pitchFamily="34" charset="-122"/>
-                <a:ea typeface="微软雅黑" panose="020B0503020204020204" pitchFamily="34" charset="-122"/>
-              </a:rPr>
-              <a:t>Leaflet.js </a:t>
-            </a:r>
-            <a:r>
-              <a:rPr lang="zh-CN" altLang="en-US" sz="900" dirty="0">
-                <a:latin typeface="微软雅黑" panose="020B0503020204020204" pitchFamily="34" charset="-122"/>
-                <a:ea typeface="微软雅黑" panose="020B0503020204020204" pitchFamily="34" charset="-122"/>
-              </a:rPr>
-              <a:t>和 </a:t>
-            </a:r>
-            <a:r>
-              <a:rPr lang="en-US" altLang="zh-CN" sz="900" dirty="0">
-                <a:latin typeface="微软雅黑" panose="020B0503020204020204" pitchFamily="34" charset="-122"/>
-                <a:ea typeface="微软雅黑" panose="020B0503020204020204" pitchFamily="34" charset="-122"/>
-              </a:rPr>
-              <a:t>D3.js</a:t>
-            </a:r>
-            <a:r>
-              <a:rPr lang="zh-CN" altLang="en-US" sz="900" dirty="0">
-                <a:latin typeface="微软雅黑" panose="020B0503020204020204" pitchFamily="34" charset="-122"/>
-                <a:ea typeface="微软雅黑" panose="020B0503020204020204" pitchFamily="34" charset="-122"/>
-              </a:rPr>
-              <a:t>，对</a:t>
-            </a:r>
-            <a:r>
-              <a:rPr lang="en-US" altLang="zh-CN" sz="900" dirty="0">
-                <a:latin typeface="微软雅黑" panose="020B0503020204020204" pitchFamily="34" charset="-122"/>
-                <a:ea typeface="微软雅黑" panose="020B0503020204020204" pitchFamily="34" charset="-122"/>
-              </a:rPr>
-              <a:t>XXX</a:t>
-            </a:r>
-            <a:r>
-              <a:rPr lang="zh-CN" altLang="en-US" sz="900" dirty="0">
-                <a:latin typeface="微软雅黑" panose="020B0503020204020204" pitchFamily="34" charset="-122"/>
-                <a:ea typeface="微软雅黑" panose="020B0503020204020204" pitchFamily="34" charset="-122"/>
-              </a:rPr>
-              <a:t>进行绘制</a:t>
+              <a:t>：实现店铺装修，店铺管理（上传图片，生成二维码），订单详情，退款详情、收获地址等。</a:t>
             </a:r>
             <a:endParaRPr lang="en-US" altLang="zh-CN" sz="900" dirty="0">
               <a:latin typeface="微软雅黑" panose="020B0503020204020204" pitchFamily="34" charset="-122"/>
@@ -6677,43 +7082,41 @@
                 <a:latin typeface="微软雅黑" panose="020B0503020204020204" pitchFamily="34" charset="-122"/>
                 <a:ea typeface="微软雅黑" panose="020B0503020204020204" pitchFamily="34" charset="-122"/>
               </a:rPr>
-              <a:t>使用 </a:t>
+              <a:t>开发网红教主</a:t>
+            </a:r>
+            <a:r>
+              <a:rPr lang="zh-CN" altLang="en-US" sz="900" b="1" u="sng" dirty="0">
+                <a:latin typeface="微软雅黑" panose="020B0503020204020204" pitchFamily="34" charset="-122"/>
+                <a:ea typeface="微软雅黑" panose="020B0503020204020204" pitchFamily="34" charset="-122"/>
+                <a:hlinkClick r:id="rId10"/>
+              </a:rPr>
+              <a:t>微信商城</a:t>
+            </a:r>
+            <a:r>
+              <a:rPr lang="zh-CN" altLang="en-US" sz="900" dirty="0">
+                <a:latin typeface="微软雅黑" panose="020B0503020204020204" pitchFamily="34" charset="-122"/>
+                <a:ea typeface="微软雅黑" panose="020B0503020204020204" pitchFamily="34" charset="-122"/>
+              </a:rPr>
+              <a:t>，历史搜索，新人红包，省市区联动、集红豆兑红包，双</a:t>
             </a:r>
             <a:r>
               <a:rPr lang="en-US" altLang="zh-CN" sz="900" dirty="0">
                 <a:latin typeface="微软雅黑" panose="020B0503020204020204" pitchFamily="34" charset="-122"/>
                 <a:ea typeface="微软雅黑" panose="020B0503020204020204" pitchFamily="34" charset="-122"/>
               </a:rPr>
-              <a:t>Express </a:t>
+              <a:t>11,12</a:t>
             </a:r>
             <a:r>
               <a:rPr lang="zh-CN" altLang="en-US" sz="900" dirty="0">
                 <a:latin typeface="微软雅黑" panose="020B0503020204020204" pitchFamily="34" charset="-122"/>
                 <a:ea typeface="微软雅黑" panose="020B0503020204020204" pitchFamily="34" charset="-122"/>
               </a:rPr>
-              <a:t>和 </a:t>
-            </a:r>
-            <a:r>
-              <a:rPr lang="en-US" altLang="zh-CN" sz="900" dirty="0">
-                <a:latin typeface="微软雅黑" panose="020B0503020204020204" pitchFamily="34" charset="-122"/>
-                <a:ea typeface="微软雅黑" panose="020B0503020204020204" pitchFamily="34" charset="-122"/>
-              </a:rPr>
-              <a:t>Mongoose</a:t>
-            </a:r>
-            <a:r>
-              <a:rPr lang="zh-CN" altLang="en-US" sz="900" dirty="0">
-                <a:latin typeface="微软雅黑" panose="020B0503020204020204" pitchFamily="34" charset="-122"/>
-                <a:ea typeface="微软雅黑" panose="020B0503020204020204" pitchFamily="34" charset="-122"/>
-              </a:rPr>
-              <a:t>，完成</a:t>
-            </a:r>
-            <a:r>
-              <a:rPr lang="en-US" altLang="zh-CN" sz="900" dirty="0">
-                <a:latin typeface="微软雅黑" panose="020B0503020204020204" pitchFamily="34" charset="-122"/>
-                <a:ea typeface="微软雅黑" panose="020B0503020204020204" pitchFamily="34" charset="-122"/>
-              </a:rPr>
-              <a:t>XXX</a:t>
-            </a:r>
+              <a:t>活动等</a:t>
+            </a:r>
+            <a:endParaRPr lang="en-US" altLang="zh-CN" sz="900" dirty="0">
+              <a:latin typeface="微软雅黑" panose="020B0503020204020204" pitchFamily="34" charset="-122"/>
+              <a:ea typeface="微软雅黑" panose="020B0503020204020204" pitchFamily="34" charset="-122"/>
+            </a:endParaRPr>
           </a:p>
           <a:p>
             <a:pPr marL="171450" lvl="0" indent="-171450">
@@ -6728,156 +7131,34 @@
                 <a:latin typeface="微软雅黑" panose="020B0503020204020204" pitchFamily="34" charset="-122"/>
                 <a:ea typeface="微软雅黑" panose="020B0503020204020204" pitchFamily="34" charset="-122"/>
               </a:rPr>
-              <a:t>通过 </a:t>
-            </a:r>
-            <a:r>
-              <a:rPr lang="en-US" altLang="zh-CN" sz="900" dirty="0">
-                <a:latin typeface="微软雅黑" panose="020B0503020204020204" pitchFamily="34" charset="-122"/>
-                <a:ea typeface="微软雅黑" panose="020B0503020204020204" pitchFamily="34" charset="-122"/>
-              </a:rPr>
-              <a:t>D3.js </a:t>
+              <a:t>网红教主小程序：使用</a:t>
+            </a:r>
+            <a:r>
+              <a:rPr lang="en-US" altLang="zh-CN" sz="900" b="1" dirty="0" err="1">
+                <a:solidFill>
+                  <a:srgbClr val="2E75B5"/>
+                </a:solidFill>
+                <a:latin typeface="微软雅黑" panose="020B0503020204020204" pitchFamily="34" charset="-122"/>
+                <a:ea typeface="微软雅黑" panose="020B0503020204020204" pitchFamily="34" charset="-122"/>
+              </a:rPr>
+              <a:t>wepy</a:t>
+            </a:r>
+            <a:r>
+              <a:rPr lang="zh-CN" altLang="en-US" sz="900" b="1" dirty="0">
+                <a:solidFill>
+                  <a:srgbClr val="2E75B5"/>
+                </a:solidFill>
+                <a:latin typeface="微软雅黑" panose="020B0503020204020204" pitchFamily="34" charset="-122"/>
+                <a:ea typeface="微软雅黑" panose="020B0503020204020204" pitchFamily="34" charset="-122"/>
+              </a:rPr>
+              <a:t>框架</a:t>
             </a:r>
             <a:r>
               <a:rPr lang="zh-CN" altLang="en-US" sz="900" dirty="0">
                 <a:latin typeface="微软雅黑" panose="020B0503020204020204" pitchFamily="34" charset="-122"/>
                 <a:ea typeface="微软雅黑" panose="020B0503020204020204" pitchFamily="34" charset="-122"/>
               </a:rPr>
-              <a:t>绘制</a:t>
-            </a:r>
-            <a:r>
-              <a:rPr lang="en-US" altLang="zh-CN" sz="900" dirty="0">
-                <a:latin typeface="微软雅黑" panose="020B0503020204020204" pitchFamily="34" charset="-122"/>
-                <a:ea typeface="微软雅黑" panose="020B0503020204020204" pitchFamily="34" charset="-122"/>
-              </a:rPr>
-              <a:t>XXX</a:t>
-            </a:r>
-            <a:r>
-              <a:rPr lang="zh-CN" altLang="en-US" sz="900" dirty="0">
-                <a:latin typeface="微软雅黑" panose="020B0503020204020204" pitchFamily="34" charset="-122"/>
-                <a:ea typeface="微软雅黑" panose="020B0503020204020204" pitchFamily="34" charset="-122"/>
-              </a:rPr>
-              <a:t>图、</a:t>
-            </a:r>
-            <a:r>
-              <a:rPr lang="en-US" altLang="zh-CN" sz="900" dirty="0">
-                <a:latin typeface="微软雅黑" panose="020B0503020204020204" pitchFamily="34" charset="-122"/>
-                <a:ea typeface="微软雅黑" panose="020B0503020204020204" pitchFamily="34" charset="-122"/>
-              </a:rPr>
-              <a:t>XXX</a:t>
-            </a:r>
-            <a:r>
-              <a:rPr lang="zh-CN" altLang="en-US" sz="900" dirty="0">
-                <a:latin typeface="微软雅黑" panose="020B0503020204020204" pitchFamily="34" charset="-122"/>
-                <a:ea typeface="微软雅黑" panose="020B0503020204020204" pitchFamily="34" charset="-122"/>
-              </a:rPr>
-              <a:t>图等形式展现所选时空范围内</a:t>
-            </a:r>
-            <a:r>
-              <a:rPr lang="en-US" altLang="zh-CN" sz="900" dirty="0">
-                <a:latin typeface="微软雅黑" panose="020B0503020204020204" pitchFamily="34" charset="-122"/>
-                <a:ea typeface="微软雅黑" panose="020B0503020204020204" pitchFamily="34" charset="-122"/>
-              </a:rPr>
-              <a:t>XXX</a:t>
-            </a:r>
-          </a:p>
-          <a:p>
-            <a:pPr marL="171450" lvl="0" indent="-171450">
-              <a:lnSpc>
-                <a:spcPts val="1500"/>
-              </a:lnSpc>
-              <a:buFont typeface="Wingdings" panose="05000000000000000000" pitchFamily="2" charset="2"/>
-              <a:buChar char="ü"/>
-            </a:pPr>
-            <a:r>
-              <a:rPr lang="zh-CN" altLang="en-US" sz="900" dirty="0">
-                <a:latin typeface="微软雅黑" panose="020B0503020204020204" pitchFamily="34" charset="-122"/>
-                <a:ea typeface="微软雅黑" panose="020B0503020204020204" pitchFamily="34" charset="-122"/>
-              </a:rPr>
-              <a:t>根据</a:t>
-            </a:r>
-            <a:r>
-              <a:rPr lang="en-US" altLang="zh-CN" sz="900" dirty="0">
-                <a:latin typeface="微软雅黑" panose="020B0503020204020204" pitchFamily="34" charset="-122"/>
-                <a:ea typeface="微软雅黑" panose="020B0503020204020204" pitchFamily="34" charset="-122"/>
-              </a:rPr>
-              <a:t>XXX</a:t>
-            </a:r>
-            <a:r>
-              <a:rPr lang="zh-CN" altLang="en-US" sz="900" dirty="0">
-                <a:latin typeface="微软雅黑" panose="020B0503020204020204" pitchFamily="34" charset="-122"/>
-                <a:ea typeface="微软雅黑" panose="020B0503020204020204" pitchFamily="34" charset="-122"/>
-              </a:rPr>
-              <a:t>情况，使用</a:t>
-            </a:r>
-            <a:r>
-              <a:rPr lang="en-US" altLang="zh-CN" sz="900" dirty="0">
-                <a:latin typeface="微软雅黑" panose="020B0503020204020204" pitchFamily="34" charset="-122"/>
-                <a:ea typeface="微软雅黑" panose="020B0503020204020204" pitchFamily="34" charset="-122"/>
-              </a:rPr>
-              <a:t>XXX</a:t>
-            </a:r>
-            <a:r>
-              <a:rPr lang="zh-CN" altLang="en-US" sz="900" dirty="0">
-                <a:latin typeface="微软雅黑" panose="020B0503020204020204" pitchFamily="34" charset="-122"/>
-                <a:ea typeface="微软雅黑" panose="020B0503020204020204" pitchFamily="34" charset="-122"/>
-              </a:rPr>
-              <a:t>算法对</a:t>
-            </a:r>
-            <a:r>
-              <a:rPr lang="en-US" altLang="zh-CN" sz="900" dirty="0">
-                <a:latin typeface="微软雅黑" panose="020B0503020204020204" pitchFamily="34" charset="-122"/>
-                <a:ea typeface="微软雅黑" panose="020B0503020204020204" pitchFamily="34" charset="-122"/>
-              </a:rPr>
-              <a:t>XXX</a:t>
-            </a:r>
-            <a:r>
-              <a:rPr lang="zh-CN" altLang="en-US" sz="900" dirty="0">
-                <a:latin typeface="微软雅黑" panose="020B0503020204020204" pitchFamily="34" charset="-122"/>
-                <a:ea typeface="微软雅黑" panose="020B0503020204020204" pitchFamily="34" charset="-122"/>
-              </a:rPr>
-              <a:t>进行聚类，使用 </a:t>
-            </a:r>
-            <a:r>
-              <a:rPr lang="en-US" altLang="zh-CN" sz="900" dirty="0">
-                <a:latin typeface="微软雅黑" panose="020B0503020204020204" pitchFamily="34" charset="-122"/>
-                <a:ea typeface="微软雅黑" panose="020B0503020204020204" pitchFamily="34" charset="-122"/>
-              </a:rPr>
-              <a:t>D3.js</a:t>
-            </a:r>
-            <a:r>
-              <a:rPr lang="zh-CN" altLang="en-US" sz="900" dirty="0">
-                <a:latin typeface="微软雅黑" panose="020B0503020204020204" pitchFamily="34" charset="-122"/>
-                <a:ea typeface="微软雅黑" panose="020B0503020204020204" pitchFamily="34" charset="-122"/>
-              </a:rPr>
-              <a:t>，通过</a:t>
-            </a:r>
-            <a:r>
-              <a:rPr lang="en-US" altLang="zh-CN" sz="900" dirty="0">
-                <a:latin typeface="微软雅黑" panose="020B0503020204020204" pitchFamily="34" charset="-122"/>
-                <a:ea typeface="微软雅黑" panose="020B0503020204020204" pitchFamily="34" charset="-122"/>
-              </a:rPr>
-              <a:t>XXX</a:t>
-            </a:r>
-            <a:r>
-              <a:rPr lang="zh-CN" altLang="en-US" sz="900" dirty="0">
-                <a:latin typeface="微软雅黑" panose="020B0503020204020204" pitchFamily="34" charset="-122"/>
-                <a:ea typeface="微软雅黑" panose="020B0503020204020204" pitchFamily="34" charset="-122"/>
-              </a:rPr>
-              <a:t>展示</a:t>
-            </a:r>
-            <a:r>
-              <a:rPr lang="en-US" altLang="zh-CN" sz="900" dirty="0">
-                <a:latin typeface="微软雅黑" panose="020B0503020204020204" pitchFamily="34" charset="-122"/>
-                <a:ea typeface="微软雅黑" panose="020B0503020204020204" pitchFamily="34" charset="-122"/>
-              </a:rPr>
-              <a:t>XXX</a:t>
-            </a:r>
-            <a:r>
-              <a:rPr lang="zh-CN" altLang="en-US" sz="900" dirty="0">
-                <a:latin typeface="微软雅黑" panose="020B0503020204020204" pitchFamily="34" charset="-122"/>
-                <a:ea typeface="微软雅黑" panose="020B0503020204020204" pitchFamily="34" charset="-122"/>
-              </a:rPr>
-              <a:t>信息</a:t>
+              <a:t>开发，实现排行榜、购物车、店铺详情等模块和功能</a:t>
             </a:r>
             <a:endParaRPr lang="en-US" altLang="zh-CN" sz="900" dirty="0">
               <a:latin typeface="微软雅黑" panose="020B0503020204020204" pitchFamily="34" charset="-122"/>
@@ -6894,8 +7175,8 @@
         </p:nvSpPr>
         <p:spPr>
           <a:xfrm>
-            <a:off x="1646791" y="5691638"/>
-            <a:ext cx="619690" cy="203200"/>
+            <a:off x="1507985" y="5920238"/>
+            <a:ext cx="479189" cy="203200"/>
           </a:xfrm>
           <a:prstGeom prst="roundRect">
             <a:avLst/>
@@ -6927,16 +7208,16 @@
           <a:bodyPr rtlCol="0" anchor="ctr"/>
           <a:lstStyle/>
           <a:p>
-            <a:pPr lvl="0"/>
-            <a:r>
-              <a:rPr lang="en-US" altLang="zh-CN" sz="900" dirty="0">
+            <a:pPr lvl="0" algn="ctr"/>
+            <a:r>
+              <a:rPr lang="en-US" altLang="zh-CN" sz="900" dirty="0" err="1">
                 <a:solidFill>
                   <a:prstClr val="white"/>
                 </a:solidFill>
                 <a:latin typeface="微软雅黑" panose="020B0503020204020204" pitchFamily="34" charset="-122"/>
                 <a:ea typeface="微软雅黑" panose="020B0503020204020204" pitchFamily="34" charset="-122"/>
               </a:rPr>
-              <a:t>Node.js</a:t>
+              <a:t>Vuex</a:t>
             </a:r>
             <a:endParaRPr lang="zh-CN" altLang="en-US" dirty="0">
               <a:solidFill>
@@ -6954,8 +7235,8 @@
         </p:nvSpPr>
         <p:spPr>
           <a:xfrm>
-            <a:off x="2309073" y="5691638"/>
-            <a:ext cx="742024" cy="203200"/>
+            <a:off x="2042372" y="5920238"/>
+            <a:ext cx="822748" cy="203200"/>
           </a:xfrm>
           <a:prstGeom prst="roundRect">
             <a:avLst/>
@@ -6987,16 +7268,16 @@
           <a:bodyPr rtlCol="0" anchor="ctr"/>
           <a:lstStyle/>
           <a:p>
-            <a:pPr lvl="0"/>
-            <a:r>
-              <a:rPr lang="en-US" altLang="zh-CN" sz="900" dirty="0" err="1">
+            <a:pPr lvl="0" algn="ctr"/>
+            <a:r>
+              <a:rPr lang="en-US" altLang="zh-CN" sz="900" dirty="0">
                 <a:solidFill>
                   <a:prstClr val="white"/>
                 </a:solidFill>
                 <a:latin typeface="微软雅黑" panose="020B0503020204020204" pitchFamily="34" charset="-122"/>
                 <a:ea typeface="微软雅黑" panose="020B0503020204020204" pitchFamily="34" charset="-122"/>
               </a:rPr>
-              <a:t>MongoDB</a:t>
+              <a:t>Element-UI</a:t>
             </a:r>
             <a:endParaRPr lang="zh-CN" altLang="en-US" dirty="0">
               <a:solidFill>
@@ -7014,8 +7295,8 @@
         </p:nvSpPr>
         <p:spPr>
           <a:xfrm>
-            <a:off x="1001205" y="5691638"/>
-            <a:ext cx="602993" cy="203200"/>
+            <a:off x="1013811" y="5920238"/>
+            <a:ext cx="438975" cy="203200"/>
           </a:xfrm>
           <a:prstGeom prst="roundRect">
             <a:avLst/>
@@ -7047,7 +7328,7 @@
           <a:bodyPr rtlCol="0" anchor="ctr"/>
           <a:lstStyle/>
           <a:p>
-            <a:pPr lvl="0"/>
+            <a:pPr lvl="0" algn="ctr"/>
             <a:r>
               <a:rPr lang="en-US" altLang="zh-CN" sz="900" dirty="0">
                 <a:solidFill>
@@ -7056,7 +7337,7 @@
                 <a:latin typeface="微软雅黑" panose="020B0503020204020204" pitchFamily="34" charset="-122"/>
                 <a:ea typeface="微软雅黑" panose="020B0503020204020204" pitchFamily="34" charset="-122"/>
               </a:rPr>
-              <a:t>Leaflet</a:t>
+              <a:t>ES6</a:t>
             </a:r>
             <a:endParaRPr lang="zh-CN" altLang="en-US" dirty="0">
               <a:solidFill>
@@ -7074,10 +7355,10 @@
         </p:nvGrpSpPr>
         <p:grpSpPr>
           <a:xfrm>
-            <a:off x="387971" y="7236201"/>
-            <a:ext cx="2866088" cy="1619842"/>
+            <a:off x="387971" y="7350501"/>
+            <a:ext cx="3009157" cy="2196923"/>
             <a:chOff x="418451" y="7819857"/>
-            <a:chExt cx="2866088" cy="1619842"/>
+            <a:chExt cx="3009157" cy="2196923"/>
           </a:xfrm>
         </p:grpSpPr>
         <p:sp>
@@ -7089,7 +7370,7 @@
           <p:spPr>
             <a:xfrm>
               <a:off x="418451" y="7819857"/>
-              <a:ext cx="1096775" cy="271869"/>
+              <a:ext cx="1197764" cy="254429"/>
             </a:xfrm>
             <a:prstGeom prst="rect">
               <a:avLst/>
@@ -7111,7 +7392,7 @@
                   <a:latin typeface="微软雅黑" panose="020B0503020204020204" pitchFamily="34" charset="-122"/>
                   <a:ea typeface="微软雅黑" panose="020B0503020204020204" pitchFamily="34" charset="-122"/>
                 </a:rPr>
-                <a:t>2014.7 - 2014.10</a:t>
+                <a:t>2015.02 - 2016. 05</a:t>
               </a:r>
             </a:p>
           </p:txBody>
@@ -7125,7 +7406,7 @@
           <p:spPr>
             <a:xfrm>
               <a:off x="418451" y="8000165"/>
-              <a:ext cx="1947969" cy="306174"/>
+              <a:ext cx="3009157" cy="306174"/>
             </a:xfrm>
             <a:prstGeom prst="rect">
               <a:avLst/>
@@ -7143,11 +7424,11 @@
                 </a:lnSpc>
               </a:pPr>
               <a:r>
-                <a:rPr lang="en-US" altLang="zh-CN" sz="1050" b="1" dirty="0" err="1">
+                <a:rPr lang="zh-CN" altLang="en-US" sz="1050" b="1" dirty="0">
                   <a:latin typeface="微软雅黑" panose="020B0503020204020204" pitchFamily="34" charset="-122"/>
                   <a:ea typeface="微软雅黑" panose="020B0503020204020204" pitchFamily="34" charset="-122"/>
                 </a:rPr>
-                <a:t>ABCDViz</a:t>
+                <a:t>江西省陶瓷信息化工程中心研发部 </a:t>
               </a:r>
               <a:r>
                 <a:rPr lang="en-US" altLang="zh-CN" sz="1050" b="1" dirty="0">
@@ -7157,13 +7438,20 @@
                 <a:t> — </a:t>
               </a:r>
               <a:r>
-                <a:rPr lang="zh-CN" altLang="en-US" sz="1050" b="1" dirty="0">
+                <a:rPr lang="zh-CN" altLang="en-US" sz="1050" b="1" u="sng" dirty="0">
+                  <a:solidFill>
+                    <a:srgbClr val="2E75B5"/>
+                  </a:solidFill>
                   <a:latin typeface="微软雅黑" panose="020B0503020204020204" pitchFamily="34" charset="-122"/>
                   <a:ea typeface="微软雅黑" panose="020B0503020204020204" pitchFamily="34" charset="-122"/>
+                  <a:hlinkClick r:id="rId11"/>
                 </a:rPr>
-                <a:t>数据可视化系统</a:t>
+                <a:t>中心地址</a:t>
               </a:r>
-              <a:endParaRPr lang="en-US" altLang="zh-CN" sz="1050" b="1" dirty="0">
+              <a:endParaRPr lang="en-US" altLang="zh-CN" sz="1050" b="1" u="sng" dirty="0">
+                <a:solidFill>
+                  <a:srgbClr val="2E75B5"/>
+                </a:solidFill>
                 <a:latin typeface="微软雅黑" panose="020B0503020204020204" pitchFamily="34" charset="-122"/>
                 <a:ea typeface="微软雅黑" panose="020B0503020204020204" pitchFamily="34" charset="-122"/>
               </a:endParaRPr>
@@ -7179,7 +7467,7 @@
           <p:spPr>
             <a:xfrm>
               <a:off x="518982" y="8347355"/>
-              <a:ext cx="474086" cy="203200"/>
+              <a:ext cx="585918" cy="203200"/>
             </a:xfrm>
             <a:prstGeom prst="roundRect">
               <a:avLst/>
@@ -7211,7 +7499,7 @@
             <a:bodyPr rtlCol="0" anchor="ctr"/>
             <a:lstStyle/>
             <a:p>
-              <a:pPr lvl="0"/>
+              <a:pPr lvl="0" algn="ctr"/>
               <a:r>
                 <a:rPr lang="en-US" altLang="zh-CN" sz="900" dirty="0">
                   <a:solidFill>
@@ -7220,7 +7508,7 @@
                   <a:latin typeface="微软雅黑" panose="020B0503020204020204" pitchFamily="34" charset="-122"/>
                   <a:ea typeface="微软雅黑" panose="020B0503020204020204" pitchFamily="34" charset="-122"/>
                 </a:rPr>
-                <a:t>D3.js</a:t>
+                <a:t>jQuery</a:t>
               </a:r>
               <a:endParaRPr lang="zh-CN" altLang="en-US" dirty="0">
                 <a:solidFill>
@@ -7239,7 +7527,7 @@
           <p:spPr>
             <a:xfrm>
               <a:off x="418453" y="8577925"/>
-              <a:ext cx="2866086" cy="861774"/>
+              <a:ext cx="2866086" cy="1438855"/>
             </a:xfrm>
             <a:prstGeom prst="rect">
               <a:avLst/>
@@ -7259,53 +7547,87 @@
                 <a:buChar char="ü"/>
               </a:pPr>
               <a:r>
+                <a:rPr lang="zh-CN" altLang="en-US" sz="900" b="1" dirty="0">
+                  <a:solidFill>
+                    <a:srgbClr val="2E75B5"/>
+                  </a:solidFill>
+                  <a:latin typeface="微软雅黑" panose="020B0503020204020204" pitchFamily="34" charset="-122"/>
+                  <a:ea typeface="微软雅黑" panose="020B0503020204020204" pitchFamily="34" charset="-122"/>
+                </a:rPr>
+                <a:t>网易前端微专业作品</a:t>
+              </a:r>
+              <a:r>
+                <a:rPr lang="zh-CN" altLang="en-US" sz="900" b="1" dirty="0">
+                  <a:solidFill>
+                    <a:srgbClr val="2E75B5"/>
+                  </a:solidFill>
+                  <a:latin typeface="微软雅黑" panose="020B0503020204020204" pitchFamily="34" charset="-122"/>
+                  <a:ea typeface="微软雅黑" panose="020B0503020204020204" pitchFamily="34" charset="-122"/>
+                  <a:hlinkClick r:id="rId12"/>
+                </a:rPr>
+                <a:t>（网址） </a:t>
+              </a:r>
+              <a:r>
                 <a:rPr lang="zh-CN" altLang="en-US" sz="900" dirty="0">
                   <a:latin typeface="微软雅黑" panose="020B0503020204020204" pitchFamily="34" charset="-122"/>
                   <a:ea typeface="微软雅黑" panose="020B0503020204020204" pitchFamily="34" charset="-122"/>
                 </a:rPr>
-                <a:t>使用 </a:t>
+                <a:t>：</a:t>
+              </a:r>
+              <a:r>
+                <a:rPr lang="zh-CN" altLang="en-US" sz="900" b="1" dirty="0">
+                  <a:solidFill>
+                    <a:srgbClr val="2E75B5"/>
+                  </a:solidFill>
+                  <a:latin typeface="微软雅黑" panose="020B0503020204020204" pitchFamily="34" charset="-122"/>
+                  <a:ea typeface="微软雅黑" panose="020B0503020204020204" pitchFamily="34" charset="-122"/>
+                </a:rPr>
+                <a:t>原生</a:t>
+              </a:r>
+              <a:r>
+                <a:rPr lang="en-US" altLang="zh-CN" sz="900" b="1" dirty="0">
+                  <a:solidFill>
+                    <a:srgbClr val="2E75B5"/>
+                  </a:solidFill>
+                  <a:latin typeface="微软雅黑" panose="020B0503020204020204" pitchFamily="34" charset="-122"/>
+                  <a:ea typeface="微软雅黑" panose="020B0503020204020204" pitchFamily="34" charset="-122"/>
+                </a:rPr>
+                <a:t>JS</a:t>
+              </a:r>
+              <a:r>
+                <a:rPr lang="zh-CN" altLang="en-US" sz="900" dirty="0">
+                  <a:latin typeface="微软雅黑" panose="020B0503020204020204" pitchFamily="34" charset="-122"/>
+                  <a:ea typeface="微软雅黑" panose="020B0503020204020204" pitchFamily="34" charset="-122"/>
+                </a:rPr>
+                <a:t>实现</a:t>
               </a:r>
               <a:r>
                 <a:rPr lang="en-US" altLang="zh-CN" sz="900" dirty="0">
                   <a:latin typeface="微软雅黑" panose="020B0503020204020204" pitchFamily="34" charset="-122"/>
                   <a:ea typeface="微软雅黑" panose="020B0503020204020204" pitchFamily="34" charset="-122"/>
                 </a:rPr>
-                <a:t>Leaflet.js </a:t>
+                <a:t>AJAX</a:t>
               </a:r>
               <a:r>
                 <a:rPr lang="zh-CN" altLang="en-US" sz="900" dirty="0">
                   <a:latin typeface="微软雅黑" panose="020B0503020204020204" pitchFamily="34" charset="-122"/>
                   <a:ea typeface="微软雅黑" panose="020B0503020204020204" pitchFamily="34" charset="-122"/>
                 </a:rPr>
-                <a:t>和 </a:t>
+                <a:t>、登录、操作</a:t>
               </a:r>
               <a:r>
                 <a:rPr lang="en-US" altLang="zh-CN" sz="900" dirty="0">
                   <a:latin typeface="微软雅黑" panose="020B0503020204020204" pitchFamily="34" charset="-122"/>
                   <a:ea typeface="微软雅黑" panose="020B0503020204020204" pitchFamily="34" charset="-122"/>
                 </a:rPr>
-                <a:t>D3.js</a:t>
+                <a:t>Cookie</a:t>
               </a:r>
               <a:r>
                 <a:rPr lang="zh-CN" altLang="en-US" sz="900" dirty="0">
                   <a:latin typeface="微软雅黑" panose="020B0503020204020204" pitchFamily="34" charset="-122"/>
                   <a:ea typeface="微软雅黑" panose="020B0503020204020204" pitchFamily="34" charset="-122"/>
                 </a:rPr>
-                <a:t>，对</a:t>
-              </a:r>
-              <a:r>
-                <a:rPr lang="en-US" altLang="zh-CN" sz="900" dirty="0">
-                  <a:latin typeface="微软雅黑" panose="020B0503020204020204" pitchFamily="34" charset="-122"/>
-                  <a:ea typeface="微软雅黑" panose="020B0503020204020204" pitchFamily="34" charset="-122"/>
-                </a:rPr>
-                <a:t>XXX</a:t>
-              </a:r>
-              <a:r>
-                <a:rPr lang="zh-CN" altLang="en-US" sz="900" dirty="0">
-                  <a:latin typeface="微软雅黑" panose="020B0503020204020204" pitchFamily="34" charset="-122"/>
-                  <a:ea typeface="微软雅黑" panose="020B0503020204020204" pitchFamily="34" charset="-122"/>
-                </a:rPr>
-                <a:t>进行绘制</a:t>
+                <a:t>、分页器、图片轮播、宽窄屏</a:t>
               </a:r>
               <a:endParaRPr lang="en-US" altLang="zh-CN" sz="900" dirty="0">
                 <a:latin typeface="微软雅黑" panose="020B0503020204020204" pitchFamily="34" charset="-122"/>
@@ -7325,43 +7647,113 @@
                   <a:latin typeface="微软雅黑" panose="020B0503020204020204" pitchFamily="34" charset="-122"/>
                   <a:ea typeface="微软雅黑" panose="020B0503020204020204" pitchFamily="34" charset="-122"/>
                 </a:rPr>
-                <a:t>使用 </a:t>
+                <a:t>便签：使用</a:t>
+              </a:r>
+              <a:r>
+                <a:rPr lang="zh-CN" altLang="en-US" sz="900" b="1" dirty="0">
+                  <a:solidFill>
+                    <a:srgbClr val="2E75B5"/>
+                  </a:solidFill>
+                  <a:latin typeface="微软雅黑" panose="020B0503020204020204" pitchFamily="34" charset="-122"/>
+                  <a:ea typeface="微软雅黑" panose="020B0503020204020204" pitchFamily="34" charset="-122"/>
+                </a:rPr>
+                <a:t>原生</a:t>
+              </a:r>
+              <a:r>
+                <a:rPr lang="en-US" altLang="zh-CN" sz="900" b="1" dirty="0">
+                  <a:solidFill>
+                    <a:srgbClr val="2E75B5"/>
+                  </a:solidFill>
+                  <a:latin typeface="微软雅黑" panose="020B0503020204020204" pitchFamily="34" charset="-122"/>
+                  <a:ea typeface="微软雅黑" panose="020B0503020204020204" pitchFamily="34" charset="-122"/>
+                </a:rPr>
+                <a:t>JS</a:t>
+              </a:r>
+              <a:r>
+                <a:rPr lang="zh-CN" altLang="en-US" sz="900" dirty="0">
+                  <a:latin typeface="微软雅黑" panose="020B0503020204020204" pitchFamily="34" charset="-122"/>
+                  <a:ea typeface="微软雅黑" panose="020B0503020204020204" pitchFamily="34" charset="-122"/>
+                </a:rPr>
+                <a:t>，</a:t>
+              </a:r>
+              <a:r>
+                <a:rPr lang="zh-CN" altLang="en-US" sz="900" b="1" dirty="0">
+                  <a:solidFill>
+                    <a:srgbClr val="2E75B5"/>
+                  </a:solidFill>
+                  <a:latin typeface="微软雅黑" panose="020B0503020204020204" pitchFamily="34" charset="-122"/>
+                  <a:ea typeface="微软雅黑" panose="020B0503020204020204" pitchFamily="34" charset="-122"/>
+                </a:rPr>
+                <a:t>面向对象</a:t>
+              </a:r>
+              <a:r>
+                <a:rPr lang="zh-CN" altLang="en-US" sz="900" dirty="0">
+                  <a:latin typeface="微软雅黑" panose="020B0503020204020204" pitchFamily="34" charset="-122"/>
+                  <a:ea typeface="微软雅黑" panose="020B0503020204020204" pitchFamily="34" charset="-122"/>
+                </a:rPr>
+                <a:t>编写代码，实现创建、拖拽、保存便签等。</a:t>
+              </a:r>
+              <a:r>
+                <a:rPr lang="zh-CN" altLang="en-US" sz="900" b="1" dirty="0">
+                  <a:latin typeface="微软雅黑" panose="020B0503020204020204" pitchFamily="34" charset="-122"/>
+                  <a:ea typeface="微软雅黑" panose="020B0503020204020204" pitchFamily="34" charset="-122"/>
+                  <a:hlinkClick r:id="rId13"/>
+                </a:rPr>
+                <a:t>线上地址</a:t>
+              </a:r>
+              <a:endParaRPr lang="en-US" altLang="zh-CN" sz="900" b="1" dirty="0">
+                <a:latin typeface="微软雅黑" panose="020B0503020204020204" pitchFamily="34" charset="-122"/>
+                <a:ea typeface="微软雅黑" panose="020B0503020204020204" pitchFamily="34" charset="-122"/>
+              </a:endParaRPr>
+            </a:p>
+            <a:p>
+              <a:pPr marL="171450" lvl="0" indent="-171450">
+                <a:lnSpc>
+                  <a:spcPts val="1500"/>
+                </a:lnSpc>
+                <a:buFont typeface="Wingdings" panose="05000000000000000000" pitchFamily="2" charset="2"/>
+                <a:buChar char="ü"/>
+              </a:pPr>
+              <a:r>
+                <a:rPr lang="en-US" altLang="zh-CN" sz="900" dirty="0" err="1">
+                  <a:latin typeface="微软雅黑" panose="020B0503020204020204" pitchFamily="34" charset="-122"/>
+                  <a:ea typeface="微软雅黑" panose="020B0503020204020204" pitchFamily="34" charset="-122"/>
+                </a:rPr>
+                <a:t>vue-cms</a:t>
+              </a:r>
+              <a:r>
+                <a:rPr lang="zh-CN" altLang="en-US" sz="900" dirty="0">
+                  <a:latin typeface="微软雅黑" panose="020B0503020204020204" pitchFamily="34" charset="-122"/>
+                  <a:ea typeface="微软雅黑" panose="020B0503020204020204" pitchFamily="34" charset="-122"/>
+                </a:rPr>
+                <a:t>店铺装修：使用</a:t>
               </a:r>
               <a:r>
                 <a:rPr lang="en-US" altLang="zh-CN" sz="900" dirty="0">
                   <a:latin typeface="微软雅黑" panose="020B0503020204020204" pitchFamily="34" charset="-122"/>
                   <a:ea typeface="微软雅黑" panose="020B0503020204020204" pitchFamily="34" charset="-122"/>
                 </a:rPr>
-                <a:t>Express </a:t>
+                <a:t>Vue1.0</a:t>
               </a:r>
               <a:r>
                 <a:rPr lang="zh-CN" altLang="en-US" sz="900" dirty="0">
                   <a:latin typeface="微软雅黑" panose="020B0503020204020204" pitchFamily="34" charset="-122"/>
                   <a:ea typeface="微软雅黑" panose="020B0503020204020204" pitchFamily="34" charset="-122"/>
                 </a:rPr>
-                <a:t>和 </a:t>
+                <a:t>实现上传图片、拖拽排序、整体保存等功能，</a:t>
               </a:r>
               <a:r>
-                <a:rPr lang="en-US" altLang="zh-CN" sz="900" dirty="0">
+                <a:rPr lang="zh-CN" altLang="en-US" sz="900" b="1" dirty="0">
                   <a:latin typeface="微软雅黑" panose="020B0503020204020204" pitchFamily="34" charset="-122"/>
                   <a:ea typeface="微软雅黑" panose="020B0503020204020204" pitchFamily="34" charset="-122"/>
+                  <a:hlinkClick r:id="rId14"/>
                 </a:rPr>
-                <a:t>Mongoose</a:t>
+                <a:t>线上地址</a:t>
               </a:r>
-              <a:r>
-                <a:rPr lang="zh-CN" altLang="en-US" sz="900" dirty="0">
-                  <a:latin typeface="微软雅黑" panose="020B0503020204020204" pitchFamily="34" charset="-122"/>
-                  <a:ea typeface="微软雅黑" panose="020B0503020204020204" pitchFamily="34" charset="-122"/>
-                </a:rPr>
-                <a:t>，完成</a:t>
-              </a:r>
-              <a:r>
-                <a:rPr lang="en-US" altLang="zh-CN" sz="900" dirty="0">
-                  <a:latin typeface="微软雅黑" panose="020B0503020204020204" pitchFamily="34" charset="-122"/>
-                  <a:ea typeface="微软雅黑" panose="020B0503020204020204" pitchFamily="34" charset="-122"/>
-                </a:rPr>
-                <a:t>XXX</a:t>
-              </a:r>
+              <a:endParaRPr lang="en-US" altLang="zh-CN" sz="900" b="1" dirty="0">
+                <a:latin typeface="微软雅黑" panose="020B0503020204020204" pitchFamily="34" charset="-122"/>
+                <a:ea typeface="微软雅黑" panose="020B0503020204020204" pitchFamily="34" charset="-122"/>
+              </a:endParaRPr>
             </a:p>
             <a:p>
               <a:pPr marL="171450" lvl="0" indent="-171450">
@@ -7376,57 +7768,70 @@
                   <a:latin typeface="微软雅黑" panose="020B0503020204020204" pitchFamily="34" charset="-122"/>
                   <a:ea typeface="微软雅黑" panose="020B0503020204020204" pitchFamily="34" charset="-122"/>
                 </a:rPr>
-                <a:t>通过 </a:t>
+                <a:t>用</a:t>
               </a:r>
               <a:r>
                 <a:rPr lang="en-US" altLang="zh-CN" sz="900" dirty="0">
                   <a:latin typeface="微软雅黑" panose="020B0503020204020204" pitchFamily="34" charset="-122"/>
                   <a:ea typeface="微软雅黑" panose="020B0503020204020204" pitchFamily="34" charset="-122"/>
                 </a:rPr>
-                <a:t>D3.js </a:t>
+                <a:t>JQ</a:t>
               </a:r>
               <a:r>
                 <a:rPr lang="zh-CN" altLang="en-US" sz="900" dirty="0">
                   <a:latin typeface="微软雅黑" panose="020B0503020204020204" pitchFamily="34" charset="-122"/>
                   <a:ea typeface="微软雅黑" panose="020B0503020204020204" pitchFamily="34" charset="-122"/>
                 </a:rPr>
-                <a:t>绘制</a:t>
+                <a:t>和</a:t>
               </a:r>
               <a:r>
                 <a:rPr lang="en-US" altLang="zh-CN" sz="900" dirty="0">
                   <a:latin typeface="微软雅黑" panose="020B0503020204020204" pitchFamily="34" charset="-122"/>
                   <a:ea typeface="微软雅黑" panose="020B0503020204020204" pitchFamily="34" charset="-122"/>
                 </a:rPr>
-                <a:t>XXX</a:t>
+                <a:t>Asp.net</a:t>
               </a:r>
               <a:r>
                 <a:rPr lang="zh-CN" altLang="en-US" sz="900" dirty="0">
                   <a:latin typeface="微软雅黑" panose="020B0503020204020204" pitchFamily="34" charset="-122"/>
                   <a:ea typeface="微软雅黑" panose="020B0503020204020204" pitchFamily="34" charset="-122"/>
                 </a:rPr>
-                <a:t>图、</a:t>
+                <a:t>独立开发</a:t>
               </a:r>
               <a:r>
-                <a:rPr lang="en-US" altLang="zh-CN" sz="900" dirty="0">
+                <a:rPr lang="zh-CN" altLang="en-US" sz="900" b="1" dirty="0">
                   <a:latin typeface="微软雅黑" panose="020B0503020204020204" pitchFamily="34" charset="-122"/>
                   <a:ea typeface="微软雅黑" panose="020B0503020204020204" pitchFamily="34" charset="-122"/>
+                  <a:hlinkClick r:id="rId15"/>
                 </a:rPr>
-                <a:t>XXX</a:t>
+                <a:t>学工处</a:t>
               </a:r>
               <a:r>
                 <a:rPr lang="zh-CN" altLang="en-US" sz="900" dirty="0">
                   <a:latin typeface="微软雅黑" panose="020B0503020204020204" pitchFamily="34" charset="-122"/>
                   <a:ea typeface="微软雅黑" panose="020B0503020204020204" pitchFamily="34" charset="-122"/>
                 </a:rPr>
-                <a:t>图等形式展现所选时空范围内</a:t>
+                <a:t>、</a:t>
               </a:r>
               <a:r>
-                <a:rPr lang="en-US" altLang="zh-CN" sz="900" dirty="0">
+                <a:rPr lang="zh-CN" altLang="en-US" sz="900" b="1" dirty="0">
+                  <a:latin typeface="微软雅黑" panose="020B0503020204020204" pitchFamily="34" charset="-122"/>
+                  <a:ea typeface="微软雅黑" panose="020B0503020204020204" pitchFamily="34" charset="-122"/>
+                  <a:hlinkClick r:id="rId16"/>
+                </a:rPr>
+                <a:t>设计学院</a:t>
+              </a:r>
+              <a:r>
+                <a:rPr lang="zh-CN" altLang="en-US" sz="900" dirty="0">
                   <a:latin typeface="微软雅黑" panose="020B0503020204020204" pitchFamily="34" charset="-122"/>
                   <a:ea typeface="微软雅黑" panose="020B0503020204020204" pitchFamily="34" charset="-122"/>
                 </a:rPr>
-                <a:t>XXX</a:t>
+                <a:t>等网站</a:t>
               </a:r>
+              <a:endParaRPr lang="en-US" altLang="zh-CN" sz="900" dirty="0">
+                <a:latin typeface="微软雅黑" panose="020B0503020204020204" pitchFamily="34" charset="-122"/>
+                <a:ea typeface="微软雅黑" panose="020B0503020204020204" pitchFamily="34" charset="-122"/>
+              </a:endParaRPr>
             </a:p>
           </p:txBody>
         </p:sp>
@@ -7439,9 +7844,9 @@
           <p:grpSpPr>
             <a:xfrm>
               <a:off x="1448670" y="7853394"/>
-              <a:ext cx="677320" cy="215444"/>
+              <a:ext cx="1613310" cy="215444"/>
               <a:chOff x="1404917" y="3745442"/>
-              <a:chExt cx="677320" cy="215444"/>
+              <a:chExt cx="1613310" cy="215444"/>
             </a:xfrm>
           </p:grpSpPr>
           <p:sp>
@@ -7452,7 +7857,7 @@
             </p:nvSpPr>
             <p:spPr>
               <a:xfrm>
-                <a:off x="1441050" y="3784954"/>
+                <a:off x="1622025" y="3784954"/>
                 <a:ext cx="641187" cy="140176"/>
               </a:xfrm>
               <a:prstGeom prst="roundRect">
@@ -7533,6 +7938,69 @@
               </a:p>
             </p:txBody>
           </p:sp>
+          <p:sp>
+            <p:nvSpPr>
+              <p:cNvPr id="58" name="圆角矩形 91">
+                <a:extLst>
+                  <a:ext uri="{FF2B5EF4-FFF2-40B4-BE49-F238E27FC236}">
+                    <a16:creationId xmlns:a16="http://schemas.microsoft.com/office/drawing/2014/main" id="{2CD2AD6F-ACAF-4835-995A-A10B0526950C}"/>
+                  </a:ext>
+                </a:extLst>
+              </p:cNvPr>
+              <p:cNvSpPr/>
+              <p:nvPr/>
+            </p:nvSpPr>
+            <p:spPr>
+              <a:xfrm>
+                <a:off x="2377040" y="3784954"/>
+                <a:ext cx="641187" cy="140176"/>
+              </a:xfrm>
+              <a:prstGeom prst="roundRect">
+                <a:avLst>
+                  <a:gd name="adj" fmla="val 50000"/>
+                </a:avLst>
+              </a:prstGeom>
+              <a:solidFill>
+                <a:srgbClr val="E9ECFB"/>
+              </a:solidFill>
+              <a:ln>
+                <a:noFill/>
+              </a:ln>
+            </p:spPr>
+            <p:style>
+              <a:lnRef idx="2">
+                <a:schemeClr val="accent1">
+                  <a:shade val="50000"/>
+                </a:schemeClr>
+              </a:lnRef>
+              <a:fillRef idx="1">
+                <a:schemeClr val="accent1"/>
+              </a:fillRef>
+              <a:effectRef idx="0">
+                <a:schemeClr val="accent1"/>
+              </a:effectRef>
+              <a:fontRef idx="minor">
+                <a:schemeClr val="lt1"/>
+              </a:fontRef>
+            </p:style>
+            <p:txBody>
+              <a:bodyPr rtlCol="0" anchor="ctr"/>
+              <a:lstStyle/>
+              <a:p>
+                <a:pPr algn="ctr"/>
+                <a:r>
+                  <a:rPr lang="zh-CN" altLang="en-US" sz="800" dirty="0">
+                    <a:solidFill>
+                      <a:srgbClr val="2E75B5"/>
+                    </a:solidFill>
+                    <a:latin typeface="微软雅黑" panose="020B0503020204020204" pitchFamily="34" charset="-122"/>
+                    <a:ea typeface="微软雅黑" panose="020B0503020204020204" pitchFamily="34" charset="-122"/>
+                  </a:rPr>
+                  <a:t>其他项目</a:t>
+                </a:r>
+              </a:p>
+            </p:txBody>
+          </p:sp>
         </p:grpSp>
         <p:sp>
           <p:nvSpPr>
@@ -7542,7 +8010,7 @@
           </p:nvSpPr>
           <p:spPr>
             <a:xfrm>
-              <a:off x="1681247" y="8347355"/>
+              <a:off x="1667504" y="8347355"/>
               <a:ext cx="619690" cy="203200"/>
             </a:xfrm>
             <a:prstGeom prst="roundRect">
@@ -7575,7 +8043,7 @@
             <a:bodyPr rtlCol="0" anchor="ctr"/>
             <a:lstStyle/>
             <a:p>
-              <a:pPr lvl="0"/>
+              <a:pPr lvl="0" algn="ctr"/>
               <a:r>
                 <a:rPr lang="en-US" altLang="zh-CN" sz="900" dirty="0">
                   <a:solidFill>
@@ -7584,7 +8052,7 @@
                   <a:latin typeface="微软雅黑" panose="020B0503020204020204" pitchFamily="34" charset="-122"/>
                   <a:ea typeface="微软雅黑" panose="020B0503020204020204" pitchFamily="34" charset="-122"/>
                 </a:rPr>
-                <a:t>Node.js</a:t>
+                <a:t>MySQL</a:t>
               </a:r>
               <a:endParaRPr lang="zh-CN" altLang="en-US" dirty="0">
                 <a:solidFill>
@@ -7603,7 +8071,7 @@
           <p:spPr>
             <a:xfrm>
               <a:off x="2343529" y="8347355"/>
-              <a:ext cx="742024" cy="203200"/>
+              <a:ext cx="620651" cy="203200"/>
             </a:xfrm>
             <a:prstGeom prst="roundRect">
               <a:avLst/>
@@ -7635,16 +8103,16 @@
             <a:bodyPr rtlCol="0" anchor="ctr"/>
             <a:lstStyle/>
             <a:p>
-              <a:pPr lvl="0"/>
+              <a:pPr lvl="0" algn="ctr"/>
               <a:r>
-                <a:rPr lang="en-US" altLang="zh-CN" sz="900" dirty="0" err="1">
+                <a:rPr lang="en-US" altLang="zh-CN" sz="900" dirty="0">
                   <a:solidFill>
                     <a:prstClr val="white"/>
                   </a:solidFill>
                   <a:latin typeface="微软雅黑" panose="020B0503020204020204" pitchFamily="34" charset="-122"/>
                   <a:ea typeface="微软雅黑" panose="020B0503020204020204" pitchFamily="34" charset="-122"/>
                 </a:rPr>
-                <a:t>MongoDB</a:t>
+                <a:t>Asp.net</a:t>
               </a:r>
               <a:endParaRPr lang="zh-CN" altLang="en-US" dirty="0">
                 <a:solidFill>
@@ -7662,8 +8130,8 @@
           </p:nvSpPr>
           <p:spPr>
             <a:xfrm>
-              <a:off x="1035661" y="8347355"/>
-              <a:ext cx="602993" cy="203200"/>
+              <a:off x="1161235" y="8347355"/>
+              <a:ext cx="449934" cy="203200"/>
             </a:xfrm>
             <a:prstGeom prst="roundRect">
               <a:avLst/>
@@ -7695,7 +8163,7 @@
             <a:bodyPr rtlCol="0" anchor="ctr"/>
             <a:lstStyle/>
             <a:p>
-              <a:pPr lvl="0"/>
+              <a:pPr lvl="0" algn="ctr"/>
               <a:r>
                 <a:rPr lang="en-US" altLang="zh-CN" sz="900" dirty="0">
                   <a:solidFill>
@@ -7704,7 +8172,7 @@
                   <a:latin typeface="微软雅黑" panose="020B0503020204020204" pitchFamily="34" charset="-122"/>
                   <a:ea typeface="微软雅黑" panose="020B0503020204020204" pitchFamily="34" charset="-122"/>
                 </a:rPr>
-                <a:t>Leaflet</a:t>
+                <a:t>PHP</a:t>
               </a:r>
               <a:endParaRPr lang="zh-CN" altLang="en-US" dirty="0">
                 <a:solidFill>
@@ -7723,7 +8191,7 @@
         </p:nvSpPr>
         <p:spPr>
           <a:xfrm>
-            <a:off x="1449561" y="5255655"/>
+            <a:off x="1636251" y="5484255"/>
             <a:ext cx="641187" cy="140176"/>
           </a:xfrm>
           <a:prstGeom prst="roundRect">
@@ -7780,7 +8248,70 @@
         </p:nvSpPr>
         <p:spPr>
           <a:xfrm>
-            <a:off x="1454324" y="3191504"/>
+            <a:off x="1641649" y="3191504"/>
+            <a:ext cx="641187" cy="140176"/>
+          </a:xfrm>
+          <a:prstGeom prst="roundRect">
+            <a:avLst>
+              <a:gd name="adj" fmla="val 50000"/>
+            </a:avLst>
+          </a:prstGeom>
+          <a:solidFill>
+            <a:srgbClr val="E9ECFB"/>
+          </a:solidFill>
+          <a:ln>
+            <a:noFill/>
+          </a:ln>
+        </p:spPr>
+        <p:style>
+          <a:lnRef idx="2">
+            <a:schemeClr val="accent1">
+              <a:shade val="50000"/>
+            </a:schemeClr>
+          </a:lnRef>
+          <a:fillRef idx="1">
+            <a:schemeClr val="accent1"/>
+          </a:fillRef>
+          <a:effectRef idx="0">
+            <a:schemeClr val="accent1"/>
+          </a:effectRef>
+          <a:fontRef idx="minor">
+            <a:schemeClr val="lt1"/>
+          </a:fontRef>
+        </p:style>
+        <p:txBody>
+          <a:bodyPr rtlCol="0" anchor="ctr"/>
+          <a:lstStyle/>
+          <a:p>
+            <a:pPr algn="ctr"/>
+            <a:r>
+              <a:rPr lang="zh-CN" altLang="en-US" sz="800" dirty="0">
+                <a:solidFill>
+                  <a:srgbClr val="2E75B5"/>
+                </a:solidFill>
+                <a:latin typeface="微软雅黑" panose="020B0503020204020204" pitchFamily="34" charset="-122"/>
+                <a:ea typeface="微软雅黑" panose="020B0503020204020204" pitchFamily="34" charset="-122"/>
+              </a:rPr>
+              <a:t>新浪分期</a:t>
+            </a:r>
+          </a:p>
+        </p:txBody>
+      </p:sp>
+      <p:sp>
+        <p:nvSpPr>
+          <p:cNvPr id="56" name="圆角矩形 72">
+            <a:extLst>
+              <a:ext uri="{FF2B5EF4-FFF2-40B4-BE49-F238E27FC236}">
+                <a16:creationId xmlns:a16="http://schemas.microsoft.com/office/drawing/2014/main" id="{7444864C-364D-403C-9736-622CC82CE4BD}"/>
+              </a:ext>
+            </a:extLst>
+          </p:cNvPr>
+          <p:cNvSpPr/>
+          <p:nvPr/>
+        </p:nvSpPr>
+        <p:spPr>
+          <a:xfrm>
+            <a:off x="2394124" y="3191504"/>
             <a:ext cx="641187" cy="140176"/>
           </a:xfrm>
           <a:prstGeom prst="roundRect">
